--- a/poster.pptx
+++ b/poster.pptx
@@ -5,14 +5,13 @@
     <p:sldMasterId id="2147483660" r:id="rId1"/>
   </p:sldMasterIdLst>
   <p:notesMasterIdLst>
-    <p:notesMasterId r:id="rId4"/>
+    <p:notesMasterId r:id="rId3"/>
   </p:notesMasterIdLst>
   <p:handoutMasterIdLst>
-    <p:handoutMasterId r:id="rId5"/>
+    <p:handoutMasterId r:id="rId4"/>
   </p:handoutMasterIdLst>
   <p:sldIdLst>
-    <p:sldId id="256" r:id="rId2"/>
-    <p:sldId id="257" r:id="rId3"/>
+    <p:sldId id="257" r:id="rId2"/>
   </p:sldIdLst>
   <p:sldSz cx="43891200" cy="32918400"/>
   <p:notesSz cx="6858000" cy="9144000"/>
@@ -113,956 +112,13 @@
   </p:defaultTextStyle>
   <p:extLst>
     <p:ext uri="{EFAFB233-063F-42B5-8137-9DF3F51BA10A}">
-      <p15:sldGuideLst xmlns:p15="http://schemas.microsoft.com/office/powerpoint/2012/main" xmlns=""/>
+      <p15:sldGuideLst xmlns="" xmlns:p15="http://schemas.microsoft.com/office/powerpoint/2012/main"/>
     </p:ext>
     <p:ext uri="{2D200454-40CA-4A62-9FC3-DE9A4176ACB9}">
-      <p15:notesGuideLst xmlns:p15="http://schemas.microsoft.com/office/powerpoint/2012/main" xmlns=""/>
+      <p15:notesGuideLst xmlns="" xmlns:p15="http://schemas.microsoft.com/office/powerpoint/2012/main"/>
     </p:ext>
   </p:extLst>
 </p:presentation>
-</file>
-
-<file path=ppt/charts/chart1.xml><?xml version="1.0" encoding="utf-8"?>
-<c:chartSpace xmlns:c="http://schemas.openxmlformats.org/drawingml/2006/chart" xmlns:a="http://schemas.openxmlformats.org/drawingml/2006/main" xmlns:r="http://schemas.openxmlformats.org/officeDocument/2006/relationships">
-  <c:date1904 val="1"/>
-  <c:lang val="en-US"/>
-  <c:chart>
-    <c:title>
-      <c:layout/>
-      <c:spPr>
-        <a:noFill/>
-        <a:ln>
-          <a:noFill/>
-        </a:ln>
-        <a:effectLst/>
-      </c:spPr>
-      <c:txPr>
-        <a:bodyPr rot="0" spcFirstLastPara="1" vertOverflow="ellipsis" vert="horz" wrap="square" anchor="ctr" anchorCtr="1"/>
-        <a:lstStyle/>
-        <a:p>
-          <a:pPr>
-            <a:defRPr sz="2128" b="0" i="0" u="none" strike="noStrike" kern="1200" cap="none" spc="50" normalizeH="0" baseline="0">
-              <a:solidFill>
-                <a:schemeClr val="tx1">
-                  <a:lumMod val="65000"/>
-                  <a:lumOff val="35000"/>
-                </a:schemeClr>
-              </a:solidFill>
-              <a:latin typeface="+mj-lt"/>
-              <a:ea typeface="+mj-ea"/>
-              <a:cs typeface="+mj-cs"/>
-            </a:defRPr>
-          </a:pPr>
-          <a:endParaRPr lang="en-US"/>
-        </a:p>
-      </c:txPr>
-    </c:title>
-    <c:plotArea>
-      <c:layout/>
-      <c:barChart>
-        <c:barDir val="col"/>
-        <c:grouping val="clustered"/>
-        <c:ser>
-          <c:idx val="0"/>
-          <c:order val="0"/>
-          <c:tx>
-            <c:strRef>
-              <c:f>Sheet1!$B$1</c:f>
-              <c:strCache>
-                <c:ptCount val="1"/>
-                <c:pt idx="0">
-                  <c:v>Series 1</c:v>
-                </c:pt>
-              </c:strCache>
-            </c:strRef>
-          </c:tx>
-          <c:spPr>
-            <a:solidFill>
-              <a:schemeClr val="accent1">
-                <a:alpha val="70000"/>
-              </a:schemeClr>
-            </a:solidFill>
-            <a:ln>
-              <a:noFill/>
-            </a:ln>
-            <a:effectLst/>
-          </c:spPr>
-          <c:cat>
-            <c:strRef>
-              <c:f>Sheet1!$A$2:$A$5</c:f>
-              <c:strCache>
-                <c:ptCount val="4"/>
-                <c:pt idx="0">
-                  <c:v>Category 1</c:v>
-                </c:pt>
-                <c:pt idx="1">
-                  <c:v>Category 2</c:v>
-                </c:pt>
-                <c:pt idx="2">
-                  <c:v>Category 3</c:v>
-                </c:pt>
-                <c:pt idx="3">
-                  <c:v>Category 4</c:v>
-                </c:pt>
-              </c:strCache>
-            </c:strRef>
-          </c:cat>
-          <c:val>
-            <c:numRef>
-              <c:f>Sheet1!$B$2:$B$5</c:f>
-              <c:numCache>
-                <c:formatCode>General</c:formatCode>
-                <c:ptCount val="4"/>
-                <c:pt idx="0">
-                  <c:v>4.3</c:v>
-                </c:pt>
-                <c:pt idx="1">
-                  <c:v>2.5</c:v>
-                </c:pt>
-                <c:pt idx="2">
-                  <c:v>3.5</c:v>
-                </c:pt>
-                <c:pt idx="3">
-                  <c:v>4.5</c:v>
-                </c:pt>
-              </c:numCache>
-            </c:numRef>
-          </c:val>
-        </c:ser>
-        <c:ser>
-          <c:idx val="1"/>
-          <c:order val="1"/>
-          <c:tx>
-            <c:strRef>
-              <c:f>Sheet1!$C$1</c:f>
-              <c:strCache>
-                <c:ptCount val="1"/>
-                <c:pt idx="0">
-                  <c:v>Series 2</c:v>
-                </c:pt>
-              </c:strCache>
-            </c:strRef>
-          </c:tx>
-          <c:spPr>
-            <a:solidFill>
-              <a:schemeClr val="accent2">
-                <a:alpha val="70000"/>
-              </a:schemeClr>
-            </a:solidFill>
-            <a:ln>
-              <a:noFill/>
-            </a:ln>
-            <a:effectLst/>
-          </c:spPr>
-          <c:cat>
-            <c:strRef>
-              <c:f>Sheet1!$A$2:$A$5</c:f>
-              <c:strCache>
-                <c:ptCount val="4"/>
-                <c:pt idx="0">
-                  <c:v>Category 1</c:v>
-                </c:pt>
-                <c:pt idx="1">
-                  <c:v>Category 2</c:v>
-                </c:pt>
-                <c:pt idx="2">
-                  <c:v>Category 3</c:v>
-                </c:pt>
-                <c:pt idx="3">
-                  <c:v>Category 4</c:v>
-                </c:pt>
-              </c:strCache>
-            </c:strRef>
-          </c:cat>
-          <c:val>
-            <c:numRef>
-              <c:f>Sheet1!$C$2:$C$5</c:f>
-              <c:numCache>
-                <c:formatCode>General</c:formatCode>
-                <c:ptCount val="4"/>
-                <c:pt idx="0">
-                  <c:v>2.4</c:v>
-                </c:pt>
-                <c:pt idx="1">
-                  <c:v>4.4000000000000004</c:v>
-                </c:pt>
-                <c:pt idx="2">
-                  <c:v>1.8</c:v>
-                </c:pt>
-                <c:pt idx="3">
-                  <c:v>2.8</c:v>
-                </c:pt>
-              </c:numCache>
-            </c:numRef>
-          </c:val>
-        </c:ser>
-        <c:ser>
-          <c:idx val="2"/>
-          <c:order val="2"/>
-          <c:tx>
-            <c:strRef>
-              <c:f>Sheet1!$D$1</c:f>
-              <c:strCache>
-                <c:ptCount val="1"/>
-                <c:pt idx="0">
-                  <c:v>Series 3</c:v>
-                </c:pt>
-              </c:strCache>
-            </c:strRef>
-          </c:tx>
-          <c:spPr>
-            <a:solidFill>
-              <a:schemeClr val="accent3">
-                <a:alpha val="70000"/>
-              </a:schemeClr>
-            </a:solidFill>
-            <a:ln>
-              <a:noFill/>
-            </a:ln>
-            <a:effectLst/>
-          </c:spPr>
-          <c:cat>
-            <c:strRef>
-              <c:f>Sheet1!$A$2:$A$5</c:f>
-              <c:strCache>
-                <c:ptCount val="4"/>
-                <c:pt idx="0">
-                  <c:v>Category 1</c:v>
-                </c:pt>
-                <c:pt idx="1">
-                  <c:v>Category 2</c:v>
-                </c:pt>
-                <c:pt idx="2">
-                  <c:v>Category 3</c:v>
-                </c:pt>
-                <c:pt idx="3">
-                  <c:v>Category 4</c:v>
-                </c:pt>
-              </c:strCache>
-            </c:strRef>
-          </c:cat>
-          <c:val>
-            <c:numRef>
-              <c:f>Sheet1!$D$2:$D$5</c:f>
-              <c:numCache>
-                <c:formatCode>General</c:formatCode>
-                <c:ptCount val="4"/>
-                <c:pt idx="0">
-                  <c:v>2</c:v>
-                </c:pt>
-                <c:pt idx="1">
-                  <c:v>2</c:v>
-                </c:pt>
-                <c:pt idx="2">
-                  <c:v>3</c:v>
-                </c:pt>
-                <c:pt idx="3">
-                  <c:v>5</c:v>
-                </c:pt>
-              </c:numCache>
-            </c:numRef>
-          </c:val>
-        </c:ser>
-        <c:gapWidth val="80"/>
-        <c:overlap val="25"/>
-        <c:axId val="75818880"/>
-        <c:axId val="75820416"/>
-      </c:barChart>
-      <c:catAx>
-        <c:axId val="75818880"/>
-        <c:scaling>
-          <c:orientation val="minMax"/>
-        </c:scaling>
-        <c:axPos val="b"/>
-        <c:numFmt formatCode="General" sourceLinked="1"/>
-        <c:majorTickMark val="none"/>
-        <c:tickLblPos val="nextTo"/>
-        <c:spPr>
-          <a:noFill/>
-          <a:ln w="15875" cap="flat" cmpd="sng" algn="ctr">
-            <a:solidFill>
-              <a:schemeClr val="tx1">
-                <a:lumMod val="25000"/>
-                <a:lumOff val="75000"/>
-              </a:schemeClr>
-            </a:solidFill>
-            <a:round/>
-          </a:ln>
-          <a:effectLst/>
-        </c:spPr>
-        <c:txPr>
-          <a:bodyPr rot="-60000000" spcFirstLastPara="1" vertOverflow="ellipsis" vert="horz" wrap="square" anchor="ctr" anchorCtr="1"/>
-          <a:lstStyle/>
-          <a:p>
-            <a:pPr>
-              <a:defRPr sz="1197" b="0" i="0" u="none" strike="noStrike" kern="1200" cap="none" spc="20" normalizeH="0" baseline="0">
-                <a:solidFill>
-                  <a:schemeClr val="tx1">
-                    <a:lumMod val="65000"/>
-                    <a:lumOff val="35000"/>
-                  </a:schemeClr>
-                </a:solidFill>
-                <a:latin typeface="+mn-lt"/>
-                <a:ea typeface="+mn-ea"/>
-                <a:cs typeface="+mn-cs"/>
-              </a:defRPr>
-            </a:pPr>
-            <a:endParaRPr lang="en-US"/>
-          </a:p>
-        </c:txPr>
-        <c:crossAx val="75820416"/>
-        <c:crosses val="autoZero"/>
-        <c:auto val="1"/>
-        <c:lblAlgn val="ctr"/>
-        <c:lblOffset val="100"/>
-      </c:catAx>
-      <c:valAx>
-        <c:axId val="75820416"/>
-        <c:scaling>
-          <c:orientation val="minMax"/>
-        </c:scaling>
-        <c:axPos val="l"/>
-        <c:majorGridlines>
-          <c:spPr>
-            <a:ln w="9525" cap="flat" cmpd="sng" algn="ctr">
-              <a:solidFill>
-                <a:schemeClr val="tx1">
-                  <a:lumMod val="5000"/>
-                  <a:lumOff val="95000"/>
-                </a:schemeClr>
-              </a:solidFill>
-              <a:round/>
-            </a:ln>
-            <a:effectLst/>
-          </c:spPr>
-        </c:majorGridlines>
-        <c:numFmt formatCode="General" sourceLinked="1"/>
-        <c:majorTickMark val="none"/>
-        <c:tickLblPos val="nextTo"/>
-        <c:spPr>
-          <a:noFill/>
-          <a:ln>
-            <a:noFill/>
-          </a:ln>
-          <a:effectLst/>
-        </c:spPr>
-        <c:txPr>
-          <a:bodyPr rot="-60000000" spcFirstLastPara="1" vertOverflow="ellipsis" vert="horz" wrap="square" anchor="ctr" anchorCtr="1"/>
-          <a:lstStyle/>
-          <a:p>
-            <a:pPr>
-              <a:defRPr sz="1197" b="0" i="0" u="none" strike="noStrike" kern="1200" spc="20" baseline="0">
-                <a:solidFill>
-                  <a:schemeClr val="tx1">
-                    <a:lumMod val="65000"/>
-                    <a:lumOff val="35000"/>
-                  </a:schemeClr>
-                </a:solidFill>
-                <a:latin typeface="+mn-lt"/>
-                <a:ea typeface="+mn-ea"/>
-                <a:cs typeface="+mn-cs"/>
-              </a:defRPr>
-            </a:pPr>
-            <a:endParaRPr lang="en-US"/>
-          </a:p>
-        </c:txPr>
-        <c:crossAx val="75818880"/>
-        <c:crosses val="autoZero"/>
-        <c:crossBetween val="between"/>
-      </c:valAx>
-      <c:spPr>
-        <a:noFill/>
-        <a:ln>
-          <a:noFill/>
-        </a:ln>
-        <a:effectLst/>
-      </c:spPr>
-    </c:plotArea>
-    <c:legend>
-      <c:legendPos val="b"/>
-      <c:layout/>
-      <c:spPr>
-        <a:noFill/>
-        <a:ln>
-          <a:noFill/>
-        </a:ln>
-        <a:effectLst/>
-      </c:spPr>
-      <c:txPr>
-        <a:bodyPr rot="0" spcFirstLastPara="1" vertOverflow="ellipsis" vert="horz" wrap="square" anchor="ctr" anchorCtr="1"/>
-        <a:lstStyle/>
-        <a:p>
-          <a:pPr>
-            <a:defRPr sz="1197" b="0" i="0" u="none" strike="noStrike" kern="1200" baseline="0">
-              <a:solidFill>
-                <a:schemeClr val="tx1">
-                  <a:lumMod val="65000"/>
-                  <a:lumOff val="35000"/>
-                </a:schemeClr>
-              </a:solidFill>
-              <a:latin typeface="+mn-lt"/>
-              <a:ea typeface="+mn-ea"/>
-              <a:cs typeface="+mn-cs"/>
-            </a:defRPr>
-          </a:pPr>
-          <a:endParaRPr lang="en-US"/>
-        </a:p>
-      </c:txPr>
-    </c:legend>
-    <c:plotVisOnly val="1"/>
-    <c:dispBlanksAs val="gap"/>
-  </c:chart>
-  <c:spPr>
-    <a:noFill/>
-    <a:ln>
-      <a:noFill/>
-    </a:ln>
-    <a:effectLst/>
-  </c:spPr>
-  <c:txPr>
-    <a:bodyPr/>
-    <a:lstStyle/>
-    <a:p>
-      <a:pPr>
-        <a:defRPr/>
-      </a:pPr>
-      <a:endParaRPr lang="en-US"/>
-    </a:p>
-  </c:txPr>
-  <c:externalData r:id="rId1"/>
-</c:chartSpace>
-</file>
-
-<file path=ppt/charts/colors1.xml><?xml version="1.0" encoding="utf-8"?>
-<cs:colorStyle xmlns:cs="http://schemas.microsoft.com/office/drawing/2012/chartStyle" xmlns:a="http://schemas.openxmlformats.org/drawingml/2006/main" meth="cycle" id="10">
-  <a:schemeClr val="accent1"/>
-  <a:schemeClr val="accent2"/>
-  <a:schemeClr val="accent3"/>
-  <a:schemeClr val="accent4"/>
-  <a:schemeClr val="accent5"/>
-  <a:schemeClr val="accent6"/>
-  <cs:variation/>
-  <cs:variation>
-    <a:lumMod val="60000"/>
-  </cs:variation>
-  <cs:variation>
-    <a:lumMod val="80000"/>
-    <a:lumOff val="20000"/>
-  </cs:variation>
-  <cs:variation>
-    <a:lumMod val="80000"/>
-  </cs:variation>
-  <cs:variation>
-    <a:lumMod val="60000"/>
-    <a:lumOff val="40000"/>
-  </cs:variation>
-  <cs:variation>
-    <a:lumMod val="50000"/>
-  </cs:variation>
-  <cs:variation>
-    <a:lumMod val="70000"/>
-    <a:lumOff val="30000"/>
-  </cs:variation>
-  <cs:variation>
-    <a:lumMod val="70000"/>
-  </cs:variation>
-  <cs:variation>
-    <a:lumMod val="50000"/>
-    <a:lumOff val="50000"/>
-  </cs:variation>
-</cs:colorStyle>
-</file>
-
-<file path=ppt/charts/style1.xml><?xml version="1.0" encoding="utf-8"?>
-<cs:chartStyle xmlns:cs="http://schemas.microsoft.com/office/drawing/2012/chartStyle" xmlns:a="http://schemas.openxmlformats.org/drawingml/2006/main" id="215">
-  <cs:axisTitle>
-    <cs:lnRef idx="0"/>
-    <cs:fillRef idx="0"/>
-    <cs:effectRef idx="0"/>
-    <cs:fontRef idx="minor">
-      <a:schemeClr val="tx1">
-        <a:lumMod val="65000"/>
-        <a:lumOff val="35000"/>
-      </a:schemeClr>
-    </cs:fontRef>
-    <cs:defRPr sz="1197" kern="1200" cap="all"/>
-  </cs:axisTitle>
-  <cs:categoryAxis>
-    <cs:lnRef idx="0"/>
-    <cs:fillRef idx="0"/>
-    <cs:effectRef idx="0"/>
-    <cs:fontRef idx="minor">
-      <a:schemeClr val="tx1">
-        <a:lumMod val="65000"/>
-        <a:lumOff val="35000"/>
-      </a:schemeClr>
-    </cs:fontRef>
-    <cs:spPr>
-      <a:ln w="15875" cap="flat" cmpd="sng" algn="ctr">
-        <a:solidFill>
-          <a:schemeClr val="tx1">
-            <a:lumMod val="25000"/>
-            <a:lumOff val="75000"/>
-          </a:schemeClr>
-        </a:solidFill>
-        <a:round/>
-      </a:ln>
-    </cs:spPr>
-    <cs:defRPr sz="1197" kern="1200" cap="none" spc="20" normalizeH="0" baseline="0"/>
-  </cs:categoryAxis>
-  <cs:chartArea mods="allowNoFillOverride allowNoLineOverride">
-    <cs:lnRef idx="0"/>
-    <cs:fillRef idx="0"/>
-    <cs:effectRef idx="0"/>
-    <cs:fontRef idx="minor">
-      <a:schemeClr val="dk1"/>
-    </cs:fontRef>
-    <cs:spPr>
-      <a:solidFill>
-        <a:schemeClr val="lt1"/>
-      </a:solidFill>
-      <a:ln w="9525" cap="flat" cmpd="sng" algn="ctr">
-        <a:solidFill>
-          <a:schemeClr val="tx1">
-            <a:lumMod val="15000"/>
-            <a:lumOff val="85000"/>
-          </a:schemeClr>
-        </a:solidFill>
-        <a:round/>
-      </a:ln>
-    </cs:spPr>
-    <cs:defRPr sz="1197" kern="1200"/>
-  </cs:chartArea>
-  <cs:dataLabel>
-    <cs:lnRef idx="0"/>
-    <cs:fillRef idx="0"/>
-    <cs:effectRef idx="0"/>
-    <cs:fontRef idx="minor">
-      <a:schemeClr val="tx1">
-        <a:lumMod val="75000"/>
-        <a:lumOff val="25000"/>
-      </a:schemeClr>
-    </cs:fontRef>
-    <cs:defRPr sz="1197" kern="1200"/>
-  </cs:dataLabel>
-  <cs:dataLabelCallout>
-    <cs:lnRef idx="0"/>
-    <cs:fillRef idx="0"/>
-    <cs:effectRef idx="0"/>
-    <cs:fontRef idx="minor">
-      <a:schemeClr val="bg1"/>
-    </cs:fontRef>
-    <cs:spPr>
-      <a:solidFill>
-        <a:schemeClr val="tx1">
-          <a:lumMod val="50000"/>
-          <a:lumOff val="50000"/>
-        </a:schemeClr>
-      </a:solidFill>
-    </cs:spPr>
-    <cs:defRPr sz="1197" kern="1200"/>
-    <cs:bodyPr rot="0" spcFirstLastPara="1" vertOverflow="clip" horzOverflow="clip" vert="horz" wrap="square" lIns="36576" tIns="18288" rIns="36576" bIns="18288" anchor="ctr" anchorCtr="1">
-      <a:spAutoFit/>
-    </cs:bodyPr>
-  </cs:dataLabelCallout>
-  <cs:dataPoint>
-    <cs:lnRef idx="0"/>
-    <cs:fillRef idx="0">
-      <cs:styleClr val="auto"/>
-    </cs:fillRef>
-    <cs:effectRef idx="0"/>
-    <cs:fontRef idx="minor">
-      <a:schemeClr val="dk1"/>
-    </cs:fontRef>
-    <cs:spPr>
-      <a:solidFill>
-        <a:schemeClr val="phClr">
-          <a:alpha val="70000"/>
-        </a:schemeClr>
-      </a:solidFill>
-    </cs:spPr>
-  </cs:dataPoint>
-  <cs:dataPoint3D>
-    <cs:lnRef idx="0"/>
-    <cs:fillRef idx="0">
-      <cs:styleClr val="auto"/>
-    </cs:fillRef>
-    <cs:effectRef idx="0"/>
-    <cs:fontRef idx="minor">
-      <a:schemeClr val="dk1"/>
-    </cs:fontRef>
-    <cs:spPr>
-      <a:solidFill>
-        <a:schemeClr val="phClr">
-          <a:alpha val="70000"/>
-        </a:schemeClr>
-      </a:solidFill>
-    </cs:spPr>
-  </cs:dataPoint3D>
-  <cs:dataPointLine>
-    <cs:lnRef idx="0">
-      <cs:styleClr val="auto"/>
-    </cs:lnRef>
-    <cs:fillRef idx="0"/>
-    <cs:effectRef idx="0"/>
-    <cs:fontRef idx="minor">
-      <a:schemeClr val="dk1"/>
-    </cs:fontRef>
-    <cs:spPr>
-      <a:ln w="28575" cap="rnd">
-        <a:solidFill>
-          <a:schemeClr val="phClr">
-            <a:alpha val="70000"/>
-          </a:schemeClr>
-        </a:solidFill>
-        <a:round/>
-      </a:ln>
-    </cs:spPr>
-  </cs:dataPointLine>
-  <cs:dataPointMarker>
-    <cs:lnRef idx="0"/>
-    <cs:fillRef idx="0">
-      <cs:styleClr val="auto"/>
-    </cs:fillRef>
-    <cs:effectRef idx="0"/>
-    <cs:fontRef idx="minor">
-      <a:schemeClr val="dk1"/>
-    </cs:fontRef>
-    <cs:spPr>
-      <a:solidFill>
-        <a:schemeClr val="phClr">
-          <a:alpha val="70000"/>
-        </a:schemeClr>
-      </a:solidFill>
-    </cs:spPr>
-  </cs:dataPointMarker>
-  <cs:dataPointMarkerLayout symbol="circle" size="6"/>
-  <cs:dataPointWireframe>
-    <cs:lnRef idx="0">
-      <cs:styleClr val="auto"/>
-    </cs:lnRef>
-    <cs:fillRef idx="0"/>
-    <cs:effectRef idx="0"/>
-    <cs:fontRef idx="minor">
-      <a:schemeClr val="dk1"/>
-    </cs:fontRef>
-    <cs:spPr>
-      <a:ln w="9525" cap="rnd">
-        <a:solidFill>
-          <a:schemeClr val="phClr"/>
-        </a:solidFill>
-        <a:round/>
-      </a:ln>
-    </cs:spPr>
-  </cs:dataPointWireframe>
-  <cs:dataTable>
-    <cs:lnRef idx="0"/>
-    <cs:fillRef idx="0"/>
-    <cs:effectRef idx="0"/>
-    <cs:fontRef idx="minor">
-      <a:schemeClr val="tx1">
-        <a:lumMod val="65000"/>
-        <a:lumOff val="35000"/>
-      </a:schemeClr>
-    </cs:fontRef>
-    <cs:spPr>
-      <a:ln w="9525">
-        <a:solidFill>
-          <a:schemeClr val="tx1">
-            <a:lumMod val="15000"/>
-            <a:lumOff val="85000"/>
-          </a:schemeClr>
-        </a:solidFill>
-      </a:ln>
-    </cs:spPr>
-    <cs:defRPr sz="1197" kern="1200"/>
-  </cs:dataTable>
-  <cs:downBar>
-    <cs:lnRef idx="0"/>
-    <cs:fillRef idx="0"/>
-    <cs:effectRef idx="0"/>
-    <cs:fontRef idx="minor">
-      <a:schemeClr val="dk1"/>
-    </cs:fontRef>
-    <cs:spPr>
-      <a:solidFill>
-        <a:schemeClr val="dk1">
-          <a:lumMod val="75000"/>
-          <a:lumOff val="25000"/>
-        </a:schemeClr>
-      </a:solidFill>
-      <a:ln w="9525">
-        <a:solidFill>
-          <a:schemeClr val="tx1">
-            <a:lumMod val="65000"/>
-            <a:lumOff val="35000"/>
-          </a:schemeClr>
-        </a:solidFill>
-      </a:ln>
-    </cs:spPr>
-  </cs:downBar>
-  <cs:dropLine>
-    <cs:lnRef idx="0"/>
-    <cs:fillRef idx="0"/>
-    <cs:effectRef idx="0"/>
-    <cs:fontRef idx="minor">
-      <a:schemeClr val="dk1"/>
-    </cs:fontRef>
-    <cs:spPr>
-      <a:ln w="9525">
-        <a:solidFill>
-          <a:schemeClr val="tx1">
-            <a:lumMod val="35000"/>
-            <a:lumOff val="65000"/>
-          </a:schemeClr>
-        </a:solidFill>
-        <a:round/>
-      </a:ln>
-    </cs:spPr>
-  </cs:dropLine>
-  <cs:errorBar>
-    <cs:lnRef idx="0"/>
-    <cs:fillRef idx="0"/>
-    <cs:effectRef idx="0"/>
-    <cs:fontRef idx="minor">
-      <a:schemeClr val="dk1"/>
-    </cs:fontRef>
-    <cs:spPr>
-      <a:ln w="9525">
-        <a:solidFill>
-          <a:schemeClr val="tx1">
-            <a:lumMod val="65000"/>
-            <a:lumOff val="35000"/>
-          </a:schemeClr>
-        </a:solidFill>
-        <a:round/>
-      </a:ln>
-    </cs:spPr>
-  </cs:errorBar>
-  <cs:floor>
-    <cs:lnRef idx="0"/>
-    <cs:fillRef idx="0"/>
-    <cs:effectRef idx="0"/>
-    <cs:fontRef idx="minor">
-      <a:schemeClr val="dk1"/>
-    </cs:fontRef>
-  </cs:floor>
-  <cs:gridlineMajor>
-    <cs:lnRef idx="0"/>
-    <cs:fillRef idx="0"/>
-    <cs:effectRef idx="0"/>
-    <cs:fontRef idx="minor">
-      <a:schemeClr val="dk1"/>
-    </cs:fontRef>
-    <cs:spPr>
-      <a:ln w="9525" cap="flat" cmpd="sng" algn="ctr">
-        <a:solidFill>
-          <a:schemeClr val="tx1">
-            <a:lumMod val="5000"/>
-            <a:lumOff val="95000"/>
-          </a:schemeClr>
-        </a:solidFill>
-        <a:round/>
-      </a:ln>
-    </cs:spPr>
-  </cs:gridlineMajor>
-  <cs:gridlineMinor>
-    <cs:lnRef idx="0"/>
-    <cs:fillRef idx="0"/>
-    <cs:effectRef idx="0"/>
-    <cs:fontRef idx="minor">
-      <a:schemeClr val="dk1"/>
-    </cs:fontRef>
-    <cs:spPr>
-      <a:ln>
-        <a:solidFill>
-          <a:schemeClr val="tx1">
-            <a:lumMod val="5000"/>
-            <a:lumOff val="95000"/>
-          </a:schemeClr>
-        </a:solidFill>
-      </a:ln>
-    </cs:spPr>
-  </cs:gridlineMinor>
-  <cs:hiLoLine>
-    <cs:lnRef idx="0"/>
-    <cs:fillRef idx="0"/>
-    <cs:effectRef idx="0"/>
-    <cs:fontRef idx="minor">
-      <a:schemeClr val="dk1"/>
-    </cs:fontRef>
-    <cs:spPr>
-      <a:ln w="9525">
-        <a:solidFill>
-          <a:schemeClr val="tx1">
-            <a:lumMod val="35000"/>
-            <a:lumOff val="65000"/>
-          </a:schemeClr>
-        </a:solidFill>
-        <a:round/>
-      </a:ln>
-    </cs:spPr>
-  </cs:hiLoLine>
-  <cs:leaderLine>
-    <cs:lnRef idx="0"/>
-    <cs:fillRef idx="0"/>
-    <cs:effectRef idx="0"/>
-    <cs:fontRef idx="minor">
-      <a:schemeClr val="dk1"/>
-    </cs:fontRef>
-    <cs:spPr>
-      <a:ln w="9525">
-        <a:solidFill>
-          <a:schemeClr val="tx1">
-            <a:lumMod val="35000"/>
-            <a:lumOff val="65000"/>
-          </a:schemeClr>
-        </a:solidFill>
-      </a:ln>
-    </cs:spPr>
-  </cs:leaderLine>
-  <cs:legend>
-    <cs:lnRef idx="0"/>
-    <cs:fillRef idx="0"/>
-    <cs:effectRef idx="0"/>
-    <cs:fontRef idx="minor">
-      <a:schemeClr val="tx1">
-        <a:lumMod val="65000"/>
-        <a:lumOff val="35000"/>
-      </a:schemeClr>
-    </cs:fontRef>
-    <cs:defRPr sz="1197" kern="1200" baseline="0"/>
-  </cs:legend>
-  <cs:plotArea mods="allowNoFillOverride allowNoLineOverride">
-    <cs:lnRef idx="0"/>
-    <cs:fillRef idx="0"/>
-    <cs:effectRef idx="0"/>
-    <cs:fontRef idx="minor">
-      <a:schemeClr val="dk1"/>
-    </cs:fontRef>
-  </cs:plotArea>
-  <cs:plotArea3D mods="allowNoFillOverride allowNoLineOverride">
-    <cs:lnRef idx="0"/>
-    <cs:fillRef idx="0"/>
-    <cs:effectRef idx="0"/>
-    <cs:fontRef idx="minor">
-      <a:schemeClr val="dk1"/>
-    </cs:fontRef>
-  </cs:plotArea3D>
-  <cs:seriesAxis>
-    <cs:lnRef idx="0"/>
-    <cs:fillRef idx="0"/>
-    <cs:effectRef idx="0"/>
-    <cs:fontRef idx="minor">
-      <a:schemeClr val="tx1">
-        <a:lumMod val="65000"/>
-        <a:lumOff val="35000"/>
-      </a:schemeClr>
-    </cs:fontRef>
-    <cs:defRPr sz="1197" kern="1200"/>
-  </cs:seriesAxis>
-  <cs:seriesLine>
-    <cs:lnRef idx="0"/>
-    <cs:fillRef idx="0"/>
-    <cs:effectRef idx="0"/>
-    <cs:fontRef idx="minor">
-      <a:schemeClr val="dk1"/>
-    </cs:fontRef>
-    <cs:spPr>
-      <a:ln w="9525">
-        <a:solidFill>
-          <a:schemeClr val="tx1">
-            <a:lumMod val="35000"/>
-            <a:lumOff val="65000"/>
-          </a:schemeClr>
-        </a:solidFill>
-        <a:round/>
-      </a:ln>
-    </cs:spPr>
-  </cs:seriesLine>
-  <cs:title>
-    <cs:lnRef idx="0"/>
-    <cs:fillRef idx="0"/>
-    <cs:effectRef idx="0"/>
-    <cs:fontRef idx="major">
-      <a:schemeClr val="tx1">
-        <a:lumMod val="65000"/>
-        <a:lumOff val="35000"/>
-      </a:schemeClr>
-    </cs:fontRef>
-    <cs:defRPr sz="2128" b="0" i="0" kern="1200" cap="none" spc="50" normalizeH="0" baseline="0"/>
-  </cs:title>
-  <cs:trendline>
-    <cs:lnRef idx="0">
-      <cs:styleClr val="auto"/>
-    </cs:lnRef>
-    <cs:fillRef idx="0"/>
-    <cs:effectRef idx="0"/>
-    <cs:fontRef idx="minor">
-      <a:schemeClr val="dk1"/>
-    </cs:fontRef>
-    <cs:spPr>
-      <a:ln w="15875" cap="rnd">
-        <a:solidFill>
-          <a:schemeClr val="phClr"/>
-        </a:solidFill>
-      </a:ln>
-    </cs:spPr>
-  </cs:trendline>
-  <cs:trendlineLabel>
-    <cs:lnRef idx="0"/>
-    <cs:fillRef idx="0"/>
-    <cs:effectRef idx="0"/>
-    <cs:fontRef idx="minor">
-      <a:schemeClr val="tx1">
-        <a:lumMod val="65000"/>
-        <a:lumOff val="35000"/>
-      </a:schemeClr>
-    </cs:fontRef>
-    <cs:defRPr sz="1197" kern="1200"/>
-  </cs:trendlineLabel>
-  <cs:upBar>
-    <cs:lnRef idx="0"/>
-    <cs:fillRef idx="0"/>
-    <cs:effectRef idx="0"/>
-    <cs:fontRef idx="minor">
-      <a:schemeClr val="dk1"/>
-    </cs:fontRef>
-    <cs:spPr>
-      <a:solidFill>
-        <a:schemeClr val="lt1"/>
-      </a:solidFill>
-      <a:ln w="9525">
-        <a:solidFill>
-          <a:schemeClr val="tx1">
-            <a:lumMod val="65000"/>
-            <a:lumOff val="35000"/>
-          </a:schemeClr>
-        </a:solidFill>
-      </a:ln>
-    </cs:spPr>
-  </cs:upBar>
-  <cs:valueAxis>
-    <cs:lnRef idx="0"/>
-    <cs:fillRef idx="0"/>
-    <cs:effectRef idx="0"/>
-    <cs:fontRef idx="minor">
-      <a:schemeClr val="tx1">
-        <a:lumMod val="65000"/>
-        <a:lumOff val="35000"/>
-      </a:schemeClr>
-    </cs:fontRef>
-    <cs:defRPr sz="1197" kern="1200" spc="20" baseline="0"/>
-  </cs:valueAxis>
-  <cs:wall>
-    <cs:lnRef idx="0"/>
-    <cs:fillRef idx="0"/>
-    <cs:effectRef idx="0"/>
-    <cs:fontRef idx="minor">
-      <a:schemeClr val="dk1"/>
-    </cs:fontRef>
-  </cs:wall>
-</cs:chartStyle>
 </file>
 
 <file path=ppt/diagrams/colors1.xml><?xml version="1.0" encoding="utf-8"?>
@@ -1812,2595 +868,7 @@
 </dgm:colorsDef>
 </file>
 
-<file path=ppt/diagrams/colors2.xml><?xml version="1.0" encoding="utf-8"?>
-<dgm:colorsDef xmlns:dgm="http://schemas.openxmlformats.org/drawingml/2006/diagram" xmlns:a="http://schemas.openxmlformats.org/drawingml/2006/main" uniqueId="urn:microsoft.com/office/officeart/2005/8/colors/accent1_2">
-  <dgm:title val=""/>
-  <dgm:desc val=""/>
-  <dgm:catLst>
-    <dgm:cat type="accent1" pri="11200"/>
-  </dgm:catLst>
-  <dgm:styleLbl name="node0">
-    <dgm:fillClrLst meth="repeat">
-      <a:schemeClr val="accent1"/>
-    </dgm:fillClrLst>
-    <dgm:linClrLst meth="repeat">
-      <a:schemeClr val="lt1"/>
-    </dgm:linClrLst>
-    <dgm:effectClrLst/>
-    <dgm:txLinClrLst/>
-    <dgm:txFillClrLst/>
-    <dgm:txEffectClrLst/>
-  </dgm:styleLbl>
-  <dgm:styleLbl name="alignNode1">
-    <dgm:fillClrLst meth="repeat">
-      <a:schemeClr val="accent1"/>
-    </dgm:fillClrLst>
-    <dgm:linClrLst meth="repeat">
-      <a:schemeClr val="accent1"/>
-    </dgm:linClrLst>
-    <dgm:effectClrLst/>
-    <dgm:txLinClrLst/>
-    <dgm:txFillClrLst/>
-    <dgm:txEffectClrLst/>
-  </dgm:styleLbl>
-  <dgm:styleLbl name="node1">
-    <dgm:fillClrLst meth="repeat">
-      <a:schemeClr val="accent1"/>
-    </dgm:fillClrLst>
-    <dgm:linClrLst meth="repeat">
-      <a:schemeClr val="lt1"/>
-    </dgm:linClrLst>
-    <dgm:effectClrLst/>
-    <dgm:txLinClrLst/>
-    <dgm:txFillClrLst/>
-    <dgm:txEffectClrLst/>
-  </dgm:styleLbl>
-  <dgm:styleLbl name="lnNode1">
-    <dgm:fillClrLst meth="repeat">
-      <a:schemeClr val="accent1"/>
-    </dgm:fillClrLst>
-    <dgm:linClrLst meth="repeat">
-      <a:schemeClr val="lt1"/>
-    </dgm:linClrLst>
-    <dgm:effectClrLst/>
-    <dgm:txLinClrLst/>
-    <dgm:txFillClrLst/>
-    <dgm:txEffectClrLst/>
-  </dgm:styleLbl>
-  <dgm:styleLbl name="vennNode1">
-    <dgm:fillClrLst meth="repeat">
-      <a:schemeClr val="accent1">
-        <a:alpha val="50000"/>
-      </a:schemeClr>
-    </dgm:fillClrLst>
-    <dgm:linClrLst meth="repeat">
-      <a:schemeClr val="lt1"/>
-    </dgm:linClrLst>
-    <dgm:effectClrLst/>
-    <dgm:txLinClrLst/>
-    <dgm:txFillClrLst/>
-    <dgm:txEffectClrLst/>
-  </dgm:styleLbl>
-  <dgm:styleLbl name="node2">
-    <dgm:fillClrLst meth="repeat">
-      <a:schemeClr val="accent1"/>
-    </dgm:fillClrLst>
-    <dgm:linClrLst meth="repeat">
-      <a:schemeClr val="lt1"/>
-    </dgm:linClrLst>
-    <dgm:effectClrLst/>
-    <dgm:txLinClrLst/>
-    <dgm:txFillClrLst/>
-    <dgm:txEffectClrLst/>
-  </dgm:styleLbl>
-  <dgm:styleLbl name="node3">
-    <dgm:fillClrLst meth="repeat">
-      <a:schemeClr val="accent1"/>
-    </dgm:fillClrLst>
-    <dgm:linClrLst meth="repeat">
-      <a:schemeClr val="lt1"/>
-    </dgm:linClrLst>
-    <dgm:effectClrLst/>
-    <dgm:txLinClrLst/>
-    <dgm:txFillClrLst/>
-    <dgm:txEffectClrLst/>
-  </dgm:styleLbl>
-  <dgm:styleLbl name="node4">
-    <dgm:fillClrLst meth="repeat">
-      <a:schemeClr val="accent1"/>
-    </dgm:fillClrLst>
-    <dgm:linClrLst meth="repeat">
-      <a:schemeClr val="lt1"/>
-    </dgm:linClrLst>
-    <dgm:effectClrLst/>
-    <dgm:txLinClrLst/>
-    <dgm:txFillClrLst/>
-    <dgm:txEffectClrLst/>
-  </dgm:styleLbl>
-  <dgm:styleLbl name="fgImgPlace1">
-    <dgm:fillClrLst meth="repeat">
-      <a:schemeClr val="accent1">
-        <a:tint val="50000"/>
-      </a:schemeClr>
-    </dgm:fillClrLst>
-    <dgm:linClrLst meth="repeat">
-      <a:schemeClr val="lt1"/>
-    </dgm:linClrLst>
-    <dgm:effectClrLst/>
-    <dgm:txLinClrLst/>
-    <dgm:txFillClrLst meth="repeat">
-      <a:schemeClr val="lt1"/>
-    </dgm:txFillClrLst>
-    <dgm:txEffectClrLst/>
-  </dgm:styleLbl>
-  <dgm:styleLbl name="alignImgPlace1">
-    <dgm:fillClrLst meth="repeat">
-      <a:schemeClr val="accent1">
-        <a:tint val="50000"/>
-      </a:schemeClr>
-    </dgm:fillClrLst>
-    <dgm:linClrLst meth="repeat">
-      <a:schemeClr val="lt1"/>
-    </dgm:linClrLst>
-    <dgm:effectClrLst/>
-    <dgm:txLinClrLst/>
-    <dgm:txFillClrLst meth="repeat">
-      <a:schemeClr val="lt1"/>
-    </dgm:txFillClrLst>
-    <dgm:txEffectClrLst/>
-  </dgm:styleLbl>
-  <dgm:styleLbl name="bgImgPlace1">
-    <dgm:fillClrLst meth="repeat">
-      <a:schemeClr val="accent1">
-        <a:tint val="50000"/>
-      </a:schemeClr>
-    </dgm:fillClrLst>
-    <dgm:linClrLst meth="repeat">
-      <a:schemeClr val="lt1"/>
-    </dgm:linClrLst>
-    <dgm:effectClrLst/>
-    <dgm:txLinClrLst/>
-    <dgm:txFillClrLst meth="repeat">
-      <a:schemeClr val="lt1"/>
-    </dgm:txFillClrLst>
-    <dgm:txEffectClrLst/>
-  </dgm:styleLbl>
-  <dgm:styleLbl name="sibTrans2D1">
-    <dgm:fillClrLst meth="repeat">
-      <a:schemeClr val="accent1">
-        <a:tint val="60000"/>
-      </a:schemeClr>
-    </dgm:fillClrLst>
-    <dgm:linClrLst meth="repeat">
-      <a:schemeClr val="accent1">
-        <a:tint val="60000"/>
-      </a:schemeClr>
-    </dgm:linClrLst>
-    <dgm:effectClrLst/>
-    <dgm:txLinClrLst/>
-    <dgm:txFillClrLst/>
-    <dgm:txEffectClrLst/>
-  </dgm:styleLbl>
-  <dgm:styleLbl name="fgSibTrans2D1">
-    <dgm:fillClrLst meth="repeat">
-      <a:schemeClr val="accent1">
-        <a:tint val="60000"/>
-      </a:schemeClr>
-    </dgm:fillClrLst>
-    <dgm:linClrLst meth="repeat">
-      <a:schemeClr val="accent1">
-        <a:tint val="60000"/>
-      </a:schemeClr>
-    </dgm:linClrLst>
-    <dgm:effectClrLst/>
-    <dgm:txLinClrLst/>
-    <dgm:txFillClrLst/>
-    <dgm:txEffectClrLst/>
-  </dgm:styleLbl>
-  <dgm:styleLbl name="bgSibTrans2D1">
-    <dgm:fillClrLst meth="repeat">
-      <a:schemeClr val="accent1">
-        <a:tint val="60000"/>
-      </a:schemeClr>
-    </dgm:fillClrLst>
-    <dgm:linClrLst meth="repeat">
-      <a:schemeClr val="accent1">
-        <a:tint val="60000"/>
-      </a:schemeClr>
-    </dgm:linClrLst>
-    <dgm:effectClrLst/>
-    <dgm:txLinClrLst/>
-    <dgm:txFillClrLst/>
-    <dgm:txEffectClrLst/>
-  </dgm:styleLbl>
-  <dgm:styleLbl name="sibTrans1D1">
-    <dgm:fillClrLst meth="repeat">
-      <a:schemeClr val="accent1"/>
-    </dgm:fillClrLst>
-    <dgm:linClrLst meth="repeat">
-      <a:schemeClr val="accent1"/>
-    </dgm:linClrLst>
-    <dgm:effectClrLst/>
-    <dgm:txLinClrLst/>
-    <dgm:txFillClrLst meth="repeat">
-      <a:schemeClr val="tx1"/>
-    </dgm:txFillClrLst>
-    <dgm:txEffectClrLst/>
-  </dgm:styleLbl>
-  <dgm:styleLbl name="callout">
-    <dgm:fillClrLst meth="repeat">
-      <a:schemeClr val="accent1"/>
-    </dgm:fillClrLst>
-    <dgm:linClrLst meth="repeat">
-      <a:schemeClr val="accent1">
-        <a:tint val="50000"/>
-      </a:schemeClr>
-    </dgm:linClrLst>
-    <dgm:effectClrLst/>
-    <dgm:txLinClrLst/>
-    <dgm:txFillClrLst meth="repeat">
-      <a:schemeClr val="tx1"/>
-    </dgm:txFillClrLst>
-    <dgm:txEffectClrLst/>
-  </dgm:styleLbl>
-  <dgm:styleLbl name="asst0">
-    <dgm:fillClrLst meth="repeat">
-      <a:schemeClr val="accent1"/>
-    </dgm:fillClrLst>
-    <dgm:linClrLst meth="repeat">
-      <a:schemeClr val="lt1"/>
-    </dgm:linClrLst>
-    <dgm:effectClrLst/>
-    <dgm:txLinClrLst/>
-    <dgm:txFillClrLst/>
-    <dgm:txEffectClrLst/>
-  </dgm:styleLbl>
-  <dgm:styleLbl name="asst1">
-    <dgm:fillClrLst meth="repeat">
-      <a:schemeClr val="accent1"/>
-    </dgm:fillClrLst>
-    <dgm:linClrLst meth="repeat">
-      <a:schemeClr val="lt1"/>
-    </dgm:linClrLst>
-    <dgm:effectClrLst/>
-    <dgm:txLinClrLst/>
-    <dgm:txFillClrLst/>
-    <dgm:txEffectClrLst/>
-  </dgm:styleLbl>
-  <dgm:styleLbl name="asst2">
-    <dgm:fillClrLst meth="repeat">
-      <a:schemeClr val="accent1"/>
-    </dgm:fillClrLst>
-    <dgm:linClrLst meth="repeat">
-      <a:schemeClr val="lt1"/>
-    </dgm:linClrLst>
-    <dgm:effectClrLst/>
-    <dgm:txLinClrLst/>
-    <dgm:txFillClrLst/>
-    <dgm:txEffectClrLst/>
-  </dgm:styleLbl>
-  <dgm:styleLbl name="asst3">
-    <dgm:fillClrLst meth="repeat">
-      <a:schemeClr val="accent1"/>
-    </dgm:fillClrLst>
-    <dgm:linClrLst meth="repeat">
-      <a:schemeClr val="lt1"/>
-    </dgm:linClrLst>
-    <dgm:effectClrLst/>
-    <dgm:txLinClrLst/>
-    <dgm:txFillClrLst/>
-    <dgm:txEffectClrLst/>
-  </dgm:styleLbl>
-  <dgm:styleLbl name="asst4">
-    <dgm:fillClrLst meth="repeat">
-      <a:schemeClr val="accent1"/>
-    </dgm:fillClrLst>
-    <dgm:linClrLst meth="repeat">
-      <a:schemeClr val="lt1"/>
-    </dgm:linClrLst>
-    <dgm:effectClrLst/>
-    <dgm:txLinClrLst/>
-    <dgm:txFillClrLst/>
-    <dgm:txEffectClrLst/>
-  </dgm:styleLbl>
-  <dgm:styleLbl name="parChTrans2D1">
-    <dgm:fillClrLst meth="repeat">
-      <a:schemeClr val="accent1">
-        <a:tint val="60000"/>
-      </a:schemeClr>
-    </dgm:fillClrLst>
-    <dgm:linClrLst meth="repeat">
-      <a:schemeClr val="accent1">
-        <a:tint val="60000"/>
-      </a:schemeClr>
-    </dgm:linClrLst>
-    <dgm:effectClrLst/>
-    <dgm:txLinClrLst/>
-    <dgm:txFillClrLst meth="repeat">
-      <a:schemeClr val="lt1"/>
-    </dgm:txFillClrLst>
-    <dgm:txEffectClrLst/>
-  </dgm:styleLbl>
-  <dgm:styleLbl name="parChTrans2D2">
-    <dgm:fillClrLst meth="repeat">
-      <a:schemeClr val="accent1"/>
-    </dgm:fillClrLst>
-    <dgm:linClrLst meth="repeat">
-      <a:schemeClr val="accent1"/>
-    </dgm:linClrLst>
-    <dgm:effectClrLst/>
-    <dgm:txLinClrLst/>
-    <dgm:txFillClrLst meth="repeat">
-      <a:schemeClr val="lt1"/>
-    </dgm:txFillClrLst>
-    <dgm:txEffectClrLst/>
-  </dgm:styleLbl>
-  <dgm:styleLbl name="parChTrans2D3">
-    <dgm:fillClrLst meth="repeat">
-      <a:schemeClr val="accent1"/>
-    </dgm:fillClrLst>
-    <dgm:linClrLst meth="repeat">
-      <a:schemeClr val="accent1"/>
-    </dgm:linClrLst>
-    <dgm:effectClrLst/>
-    <dgm:txLinClrLst/>
-    <dgm:txFillClrLst meth="repeat">
-      <a:schemeClr val="lt1"/>
-    </dgm:txFillClrLst>
-    <dgm:txEffectClrLst/>
-  </dgm:styleLbl>
-  <dgm:styleLbl name="parChTrans2D4">
-    <dgm:fillClrLst meth="repeat">
-      <a:schemeClr val="accent1"/>
-    </dgm:fillClrLst>
-    <dgm:linClrLst meth="repeat">
-      <a:schemeClr val="accent1"/>
-    </dgm:linClrLst>
-    <dgm:effectClrLst/>
-    <dgm:txLinClrLst/>
-    <dgm:txFillClrLst meth="repeat">
-      <a:schemeClr val="lt1"/>
-    </dgm:txFillClrLst>
-    <dgm:txEffectClrLst/>
-  </dgm:styleLbl>
-  <dgm:styleLbl name="parChTrans1D1">
-    <dgm:fillClrLst meth="repeat">
-      <a:schemeClr val="accent1"/>
-    </dgm:fillClrLst>
-    <dgm:linClrLst meth="repeat">
-      <a:schemeClr val="accent1">
-        <a:shade val="60000"/>
-      </a:schemeClr>
-    </dgm:linClrLst>
-    <dgm:effectClrLst/>
-    <dgm:txLinClrLst/>
-    <dgm:txFillClrLst meth="repeat">
-      <a:schemeClr val="tx1"/>
-    </dgm:txFillClrLst>
-    <dgm:txEffectClrLst/>
-  </dgm:styleLbl>
-  <dgm:styleLbl name="parChTrans1D2">
-    <dgm:fillClrLst meth="repeat">
-      <a:schemeClr val="accent1"/>
-    </dgm:fillClrLst>
-    <dgm:linClrLst meth="repeat">
-      <a:schemeClr val="accent1">
-        <a:shade val="60000"/>
-      </a:schemeClr>
-    </dgm:linClrLst>
-    <dgm:effectClrLst/>
-    <dgm:txLinClrLst/>
-    <dgm:txFillClrLst meth="repeat">
-      <a:schemeClr val="tx1"/>
-    </dgm:txFillClrLst>
-    <dgm:txEffectClrLst/>
-  </dgm:styleLbl>
-  <dgm:styleLbl name="parChTrans1D3">
-    <dgm:fillClrLst meth="repeat">
-      <a:schemeClr val="accent1"/>
-    </dgm:fillClrLst>
-    <dgm:linClrLst meth="repeat">
-      <a:schemeClr val="accent1">
-        <a:shade val="80000"/>
-      </a:schemeClr>
-    </dgm:linClrLst>
-    <dgm:effectClrLst/>
-    <dgm:txLinClrLst/>
-    <dgm:txFillClrLst meth="repeat">
-      <a:schemeClr val="tx1"/>
-    </dgm:txFillClrLst>
-    <dgm:txEffectClrLst/>
-  </dgm:styleLbl>
-  <dgm:styleLbl name="parChTrans1D4">
-    <dgm:fillClrLst meth="repeat">
-      <a:schemeClr val="accent1"/>
-    </dgm:fillClrLst>
-    <dgm:linClrLst meth="repeat">
-      <a:schemeClr val="accent1">
-        <a:shade val="80000"/>
-      </a:schemeClr>
-    </dgm:linClrLst>
-    <dgm:effectClrLst/>
-    <dgm:txLinClrLst/>
-    <dgm:txFillClrLst meth="repeat">
-      <a:schemeClr val="tx1"/>
-    </dgm:txFillClrLst>
-    <dgm:txEffectClrLst/>
-  </dgm:styleLbl>
-  <dgm:styleLbl name="fgAcc1">
-    <dgm:fillClrLst meth="repeat">
-      <a:schemeClr val="lt1">
-        <a:alpha val="90000"/>
-      </a:schemeClr>
-    </dgm:fillClrLst>
-    <dgm:linClrLst meth="repeat">
-      <a:schemeClr val="accent1"/>
-    </dgm:linClrLst>
-    <dgm:effectClrLst/>
-    <dgm:txLinClrLst/>
-    <dgm:txFillClrLst meth="repeat">
-      <a:schemeClr val="dk1"/>
-    </dgm:txFillClrLst>
-    <dgm:txEffectClrLst/>
-  </dgm:styleLbl>
-  <dgm:styleLbl name="conFgAcc1">
-    <dgm:fillClrLst meth="repeat">
-      <a:schemeClr val="lt1">
-        <a:alpha val="90000"/>
-      </a:schemeClr>
-    </dgm:fillClrLst>
-    <dgm:linClrLst meth="repeat">
-      <a:schemeClr val="accent1"/>
-    </dgm:linClrLst>
-    <dgm:effectClrLst/>
-    <dgm:txLinClrLst/>
-    <dgm:txFillClrLst meth="repeat">
-      <a:schemeClr val="dk1"/>
-    </dgm:txFillClrLst>
-    <dgm:txEffectClrLst/>
-  </dgm:styleLbl>
-  <dgm:styleLbl name="alignAcc1">
-    <dgm:fillClrLst meth="repeat">
-      <a:schemeClr val="lt1">
-        <a:alpha val="90000"/>
-      </a:schemeClr>
-    </dgm:fillClrLst>
-    <dgm:linClrLst meth="repeat">
-      <a:schemeClr val="accent1"/>
-    </dgm:linClrLst>
-    <dgm:effectClrLst/>
-    <dgm:txLinClrLst/>
-    <dgm:txFillClrLst meth="repeat">
-      <a:schemeClr val="dk1"/>
-    </dgm:txFillClrLst>
-    <dgm:txEffectClrLst/>
-  </dgm:styleLbl>
-  <dgm:styleLbl name="trAlignAcc1">
-    <dgm:fillClrLst meth="repeat">
-      <a:schemeClr val="lt1">
-        <a:alpha val="40000"/>
-      </a:schemeClr>
-    </dgm:fillClrLst>
-    <dgm:linClrLst meth="repeat">
-      <a:schemeClr val="accent1"/>
-    </dgm:linClrLst>
-    <dgm:effectClrLst/>
-    <dgm:txLinClrLst/>
-    <dgm:txFillClrLst meth="repeat">
-      <a:schemeClr val="dk1"/>
-    </dgm:txFillClrLst>
-    <dgm:txEffectClrLst/>
-  </dgm:styleLbl>
-  <dgm:styleLbl name="bgAcc1">
-    <dgm:fillClrLst meth="repeat">
-      <a:schemeClr val="lt1">
-        <a:alpha val="90000"/>
-      </a:schemeClr>
-    </dgm:fillClrLst>
-    <dgm:linClrLst meth="repeat">
-      <a:schemeClr val="accent1"/>
-    </dgm:linClrLst>
-    <dgm:effectClrLst/>
-    <dgm:txLinClrLst/>
-    <dgm:txFillClrLst meth="repeat">
-      <a:schemeClr val="dk1"/>
-    </dgm:txFillClrLst>
-    <dgm:txEffectClrLst/>
-  </dgm:styleLbl>
-  <dgm:styleLbl name="solidFgAcc1">
-    <dgm:fillClrLst meth="repeat">
-      <a:schemeClr val="lt1"/>
-    </dgm:fillClrLst>
-    <dgm:linClrLst meth="repeat">
-      <a:schemeClr val="accent1"/>
-    </dgm:linClrLst>
-    <dgm:effectClrLst/>
-    <dgm:txLinClrLst/>
-    <dgm:txFillClrLst meth="repeat">
-      <a:schemeClr val="dk1"/>
-    </dgm:txFillClrLst>
-    <dgm:txEffectClrLst/>
-  </dgm:styleLbl>
-  <dgm:styleLbl name="solidAlignAcc1">
-    <dgm:fillClrLst meth="repeat">
-      <a:schemeClr val="lt1"/>
-    </dgm:fillClrLst>
-    <dgm:linClrLst meth="repeat">
-      <a:schemeClr val="accent1"/>
-    </dgm:linClrLst>
-    <dgm:effectClrLst/>
-    <dgm:txLinClrLst/>
-    <dgm:txFillClrLst meth="repeat">
-      <a:schemeClr val="dk1"/>
-    </dgm:txFillClrLst>
-    <dgm:txEffectClrLst/>
-  </dgm:styleLbl>
-  <dgm:styleLbl name="solidBgAcc1">
-    <dgm:fillClrLst meth="repeat">
-      <a:schemeClr val="lt1"/>
-    </dgm:fillClrLst>
-    <dgm:linClrLst meth="repeat">
-      <a:schemeClr val="accent1"/>
-    </dgm:linClrLst>
-    <dgm:effectClrLst/>
-    <dgm:txLinClrLst/>
-    <dgm:txFillClrLst meth="repeat">
-      <a:schemeClr val="dk1"/>
-    </dgm:txFillClrLst>
-    <dgm:txEffectClrLst/>
-  </dgm:styleLbl>
-  <dgm:styleLbl name="fgAccFollowNode1">
-    <dgm:fillClrLst meth="repeat">
-      <a:schemeClr val="accent1">
-        <a:alpha val="90000"/>
-        <a:tint val="40000"/>
-      </a:schemeClr>
-    </dgm:fillClrLst>
-    <dgm:linClrLst meth="repeat">
-      <a:schemeClr val="accent1">
-        <a:alpha val="90000"/>
-        <a:tint val="40000"/>
-      </a:schemeClr>
-    </dgm:linClrLst>
-    <dgm:effectClrLst/>
-    <dgm:txLinClrLst/>
-    <dgm:txFillClrLst meth="repeat">
-      <a:schemeClr val="dk1"/>
-    </dgm:txFillClrLst>
-    <dgm:txEffectClrLst/>
-  </dgm:styleLbl>
-  <dgm:styleLbl name="alignAccFollowNode1">
-    <dgm:fillClrLst meth="repeat">
-      <a:schemeClr val="accent1">
-        <a:alpha val="90000"/>
-        <a:tint val="40000"/>
-      </a:schemeClr>
-    </dgm:fillClrLst>
-    <dgm:linClrLst meth="repeat">
-      <a:schemeClr val="accent1">
-        <a:alpha val="90000"/>
-        <a:tint val="40000"/>
-      </a:schemeClr>
-    </dgm:linClrLst>
-    <dgm:effectClrLst/>
-    <dgm:txLinClrLst/>
-    <dgm:txFillClrLst meth="repeat">
-      <a:schemeClr val="dk1"/>
-    </dgm:txFillClrLst>
-    <dgm:txEffectClrLst/>
-  </dgm:styleLbl>
-  <dgm:styleLbl name="bgAccFollowNode1">
-    <dgm:fillClrLst meth="repeat">
-      <a:schemeClr val="accent1">
-        <a:alpha val="90000"/>
-        <a:tint val="40000"/>
-      </a:schemeClr>
-    </dgm:fillClrLst>
-    <dgm:linClrLst meth="repeat">
-      <a:schemeClr val="accent1">
-        <a:alpha val="90000"/>
-        <a:tint val="40000"/>
-      </a:schemeClr>
-    </dgm:linClrLst>
-    <dgm:effectClrLst/>
-    <dgm:txLinClrLst/>
-    <dgm:txFillClrLst meth="repeat">
-      <a:schemeClr val="dk1"/>
-    </dgm:txFillClrLst>
-    <dgm:txEffectClrLst/>
-  </dgm:styleLbl>
-  <dgm:styleLbl name="fgAcc0">
-    <dgm:fillClrLst meth="repeat">
-      <a:schemeClr val="lt1">
-        <a:alpha val="90000"/>
-      </a:schemeClr>
-    </dgm:fillClrLst>
-    <dgm:linClrLst meth="repeat">
-      <a:schemeClr val="accent1"/>
-    </dgm:linClrLst>
-    <dgm:effectClrLst/>
-    <dgm:txLinClrLst/>
-    <dgm:txFillClrLst meth="repeat">
-      <a:schemeClr val="dk1"/>
-    </dgm:txFillClrLst>
-    <dgm:txEffectClrLst/>
-  </dgm:styleLbl>
-  <dgm:styleLbl name="fgAcc2">
-    <dgm:fillClrLst meth="repeat">
-      <a:schemeClr val="lt1">
-        <a:alpha val="90000"/>
-      </a:schemeClr>
-    </dgm:fillClrLst>
-    <dgm:linClrLst meth="repeat">
-      <a:schemeClr val="accent1"/>
-    </dgm:linClrLst>
-    <dgm:effectClrLst/>
-    <dgm:txLinClrLst/>
-    <dgm:txFillClrLst meth="repeat">
-      <a:schemeClr val="dk1"/>
-    </dgm:txFillClrLst>
-    <dgm:txEffectClrLst/>
-  </dgm:styleLbl>
-  <dgm:styleLbl name="fgAcc3">
-    <dgm:fillClrLst meth="repeat">
-      <a:schemeClr val="lt1">
-        <a:alpha val="90000"/>
-      </a:schemeClr>
-    </dgm:fillClrLst>
-    <dgm:linClrLst meth="repeat">
-      <a:schemeClr val="accent1"/>
-    </dgm:linClrLst>
-    <dgm:effectClrLst/>
-    <dgm:txLinClrLst/>
-    <dgm:txFillClrLst meth="repeat">
-      <a:schemeClr val="dk1"/>
-    </dgm:txFillClrLst>
-    <dgm:txEffectClrLst/>
-  </dgm:styleLbl>
-  <dgm:styleLbl name="fgAcc4">
-    <dgm:fillClrLst meth="repeat">
-      <a:schemeClr val="lt1">
-        <a:alpha val="90000"/>
-      </a:schemeClr>
-    </dgm:fillClrLst>
-    <dgm:linClrLst meth="repeat">
-      <a:schemeClr val="accent1"/>
-    </dgm:linClrLst>
-    <dgm:effectClrLst/>
-    <dgm:txLinClrLst/>
-    <dgm:txFillClrLst meth="repeat">
-      <a:schemeClr val="dk1"/>
-    </dgm:txFillClrLst>
-    <dgm:txEffectClrLst/>
-  </dgm:styleLbl>
-  <dgm:styleLbl name="bgShp">
-    <dgm:fillClrLst meth="repeat">
-      <a:schemeClr val="accent1">
-        <a:tint val="40000"/>
-      </a:schemeClr>
-    </dgm:fillClrLst>
-    <dgm:linClrLst meth="repeat">
-      <a:schemeClr val="accent1"/>
-    </dgm:linClrLst>
-    <dgm:effectClrLst/>
-    <dgm:txLinClrLst/>
-    <dgm:txFillClrLst meth="repeat">
-      <a:schemeClr val="dk1"/>
-    </dgm:txFillClrLst>
-    <dgm:txEffectClrLst/>
-  </dgm:styleLbl>
-  <dgm:styleLbl name="dkBgShp">
-    <dgm:fillClrLst meth="repeat">
-      <a:schemeClr val="accent1">
-        <a:shade val="80000"/>
-      </a:schemeClr>
-    </dgm:fillClrLst>
-    <dgm:linClrLst meth="repeat">
-      <a:schemeClr val="accent1"/>
-    </dgm:linClrLst>
-    <dgm:effectClrLst/>
-    <dgm:txLinClrLst/>
-    <dgm:txFillClrLst meth="repeat">
-      <a:schemeClr val="lt1"/>
-    </dgm:txFillClrLst>
-    <dgm:txEffectClrLst/>
-  </dgm:styleLbl>
-  <dgm:styleLbl name="trBgShp">
-    <dgm:fillClrLst meth="repeat">
-      <a:schemeClr val="accent1">
-        <a:tint val="50000"/>
-        <a:alpha val="40000"/>
-      </a:schemeClr>
-    </dgm:fillClrLst>
-    <dgm:linClrLst meth="repeat">
-      <a:schemeClr val="accent1"/>
-    </dgm:linClrLst>
-    <dgm:effectClrLst/>
-    <dgm:txLinClrLst/>
-    <dgm:txFillClrLst meth="repeat">
-      <a:schemeClr val="lt1"/>
-    </dgm:txFillClrLst>
-    <dgm:txEffectClrLst/>
-  </dgm:styleLbl>
-  <dgm:styleLbl name="fgShp">
-    <dgm:fillClrLst meth="repeat">
-      <a:schemeClr val="accent1">
-        <a:tint val="60000"/>
-      </a:schemeClr>
-    </dgm:fillClrLst>
-    <dgm:linClrLst meth="repeat">
-      <a:schemeClr val="lt1"/>
-    </dgm:linClrLst>
-    <dgm:effectClrLst/>
-    <dgm:txLinClrLst/>
-    <dgm:txFillClrLst meth="repeat">
-      <a:schemeClr val="dk1"/>
-    </dgm:txFillClrLst>
-    <dgm:txEffectClrLst/>
-  </dgm:styleLbl>
-  <dgm:styleLbl name="revTx">
-    <dgm:fillClrLst meth="repeat">
-      <a:schemeClr val="lt1">
-        <a:alpha val="0"/>
-      </a:schemeClr>
-    </dgm:fillClrLst>
-    <dgm:linClrLst meth="repeat">
-      <a:schemeClr val="dk1">
-        <a:alpha val="0"/>
-      </a:schemeClr>
-    </dgm:linClrLst>
-    <dgm:effectClrLst/>
-    <dgm:txLinClrLst/>
-    <dgm:txFillClrLst meth="repeat">
-      <a:schemeClr val="tx1"/>
-    </dgm:txFillClrLst>
-    <dgm:txEffectClrLst/>
-  </dgm:styleLbl>
-</dgm:colorsDef>
-</file>
-
-<file path=ppt/diagrams/colors3.xml><?xml version="1.0" encoding="utf-8"?>
-<dgm:colorsDef xmlns:dgm="http://schemas.openxmlformats.org/drawingml/2006/diagram" xmlns:a="http://schemas.openxmlformats.org/drawingml/2006/main" uniqueId="urn:microsoft.com/office/officeart/2005/8/colors/accent1_2">
-  <dgm:title val=""/>
-  <dgm:desc val=""/>
-  <dgm:catLst>
-    <dgm:cat type="accent1" pri="11200"/>
-  </dgm:catLst>
-  <dgm:styleLbl name="node0">
-    <dgm:fillClrLst meth="repeat">
-      <a:schemeClr val="accent1"/>
-    </dgm:fillClrLst>
-    <dgm:linClrLst meth="repeat">
-      <a:schemeClr val="lt1"/>
-    </dgm:linClrLst>
-    <dgm:effectClrLst/>
-    <dgm:txLinClrLst/>
-    <dgm:txFillClrLst/>
-    <dgm:txEffectClrLst/>
-  </dgm:styleLbl>
-  <dgm:styleLbl name="alignNode1">
-    <dgm:fillClrLst meth="repeat">
-      <a:schemeClr val="accent1"/>
-    </dgm:fillClrLst>
-    <dgm:linClrLst meth="repeat">
-      <a:schemeClr val="accent1"/>
-    </dgm:linClrLst>
-    <dgm:effectClrLst/>
-    <dgm:txLinClrLst/>
-    <dgm:txFillClrLst/>
-    <dgm:txEffectClrLst/>
-  </dgm:styleLbl>
-  <dgm:styleLbl name="node1">
-    <dgm:fillClrLst meth="repeat">
-      <a:schemeClr val="accent1"/>
-    </dgm:fillClrLst>
-    <dgm:linClrLst meth="repeat">
-      <a:schemeClr val="lt1"/>
-    </dgm:linClrLst>
-    <dgm:effectClrLst/>
-    <dgm:txLinClrLst/>
-    <dgm:txFillClrLst/>
-    <dgm:txEffectClrLst/>
-  </dgm:styleLbl>
-  <dgm:styleLbl name="lnNode1">
-    <dgm:fillClrLst meth="repeat">
-      <a:schemeClr val="accent1"/>
-    </dgm:fillClrLst>
-    <dgm:linClrLst meth="repeat">
-      <a:schemeClr val="lt1"/>
-    </dgm:linClrLst>
-    <dgm:effectClrLst/>
-    <dgm:txLinClrLst/>
-    <dgm:txFillClrLst/>
-    <dgm:txEffectClrLst/>
-  </dgm:styleLbl>
-  <dgm:styleLbl name="vennNode1">
-    <dgm:fillClrLst meth="repeat">
-      <a:schemeClr val="accent1">
-        <a:alpha val="50000"/>
-      </a:schemeClr>
-    </dgm:fillClrLst>
-    <dgm:linClrLst meth="repeat">
-      <a:schemeClr val="lt1"/>
-    </dgm:linClrLst>
-    <dgm:effectClrLst/>
-    <dgm:txLinClrLst/>
-    <dgm:txFillClrLst/>
-    <dgm:txEffectClrLst/>
-  </dgm:styleLbl>
-  <dgm:styleLbl name="node2">
-    <dgm:fillClrLst meth="repeat">
-      <a:schemeClr val="accent1"/>
-    </dgm:fillClrLst>
-    <dgm:linClrLst meth="repeat">
-      <a:schemeClr val="lt1"/>
-    </dgm:linClrLst>
-    <dgm:effectClrLst/>
-    <dgm:txLinClrLst/>
-    <dgm:txFillClrLst/>
-    <dgm:txEffectClrLst/>
-  </dgm:styleLbl>
-  <dgm:styleLbl name="node3">
-    <dgm:fillClrLst meth="repeat">
-      <a:schemeClr val="accent1"/>
-    </dgm:fillClrLst>
-    <dgm:linClrLst meth="repeat">
-      <a:schemeClr val="lt1"/>
-    </dgm:linClrLst>
-    <dgm:effectClrLst/>
-    <dgm:txLinClrLst/>
-    <dgm:txFillClrLst/>
-    <dgm:txEffectClrLst/>
-  </dgm:styleLbl>
-  <dgm:styleLbl name="node4">
-    <dgm:fillClrLst meth="repeat">
-      <a:schemeClr val="accent1"/>
-    </dgm:fillClrLst>
-    <dgm:linClrLst meth="repeat">
-      <a:schemeClr val="lt1"/>
-    </dgm:linClrLst>
-    <dgm:effectClrLst/>
-    <dgm:txLinClrLst/>
-    <dgm:txFillClrLst/>
-    <dgm:txEffectClrLst/>
-  </dgm:styleLbl>
-  <dgm:styleLbl name="fgImgPlace1">
-    <dgm:fillClrLst meth="repeat">
-      <a:schemeClr val="accent1">
-        <a:tint val="50000"/>
-      </a:schemeClr>
-    </dgm:fillClrLst>
-    <dgm:linClrLst meth="repeat">
-      <a:schemeClr val="lt1"/>
-    </dgm:linClrLst>
-    <dgm:effectClrLst/>
-    <dgm:txLinClrLst/>
-    <dgm:txFillClrLst meth="repeat">
-      <a:schemeClr val="lt1"/>
-    </dgm:txFillClrLst>
-    <dgm:txEffectClrLst/>
-  </dgm:styleLbl>
-  <dgm:styleLbl name="alignImgPlace1">
-    <dgm:fillClrLst meth="repeat">
-      <a:schemeClr val="accent1">
-        <a:tint val="50000"/>
-      </a:schemeClr>
-    </dgm:fillClrLst>
-    <dgm:linClrLst meth="repeat">
-      <a:schemeClr val="lt1"/>
-    </dgm:linClrLst>
-    <dgm:effectClrLst/>
-    <dgm:txLinClrLst/>
-    <dgm:txFillClrLst meth="repeat">
-      <a:schemeClr val="lt1"/>
-    </dgm:txFillClrLst>
-    <dgm:txEffectClrLst/>
-  </dgm:styleLbl>
-  <dgm:styleLbl name="bgImgPlace1">
-    <dgm:fillClrLst meth="repeat">
-      <a:schemeClr val="accent1">
-        <a:tint val="50000"/>
-      </a:schemeClr>
-    </dgm:fillClrLst>
-    <dgm:linClrLst meth="repeat">
-      <a:schemeClr val="lt1"/>
-    </dgm:linClrLst>
-    <dgm:effectClrLst/>
-    <dgm:txLinClrLst/>
-    <dgm:txFillClrLst meth="repeat">
-      <a:schemeClr val="lt1"/>
-    </dgm:txFillClrLst>
-    <dgm:txEffectClrLst/>
-  </dgm:styleLbl>
-  <dgm:styleLbl name="sibTrans2D1">
-    <dgm:fillClrLst meth="repeat">
-      <a:schemeClr val="accent1">
-        <a:tint val="60000"/>
-      </a:schemeClr>
-    </dgm:fillClrLst>
-    <dgm:linClrLst meth="repeat">
-      <a:schemeClr val="accent1">
-        <a:tint val="60000"/>
-      </a:schemeClr>
-    </dgm:linClrLst>
-    <dgm:effectClrLst/>
-    <dgm:txLinClrLst/>
-    <dgm:txFillClrLst/>
-    <dgm:txEffectClrLst/>
-  </dgm:styleLbl>
-  <dgm:styleLbl name="fgSibTrans2D1">
-    <dgm:fillClrLst meth="repeat">
-      <a:schemeClr val="accent1">
-        <a:tint val="60000"/>
-      </a:schemeClr>
-    </dgm:fillClrLst>
-    <dgm:linClrLst meth="repeat">
-      <a:schemeClr val="accent1">
-        <a:tint val="60000"/>
-      </a:schemeClr>
-    </dgm:linClrLst>
-    <dgm:effectClrLst/>
-    <dgm:txLinClrLst/>
-    <dgm:txFillClrLst/>
-    <dgm:txEffectClrLst/>
-  </dgm:styleLbl>
-  <dgm:styleLbl name="bgSibTrans2D1">
-    <dgm:fillClrLst meth="repeat">
-      <a:schemeClr val="accent1">
-        <a:tint val="60000"/>
-      </a:schemeClr>
-    </dgm:fillClrLst>
-    <dgm:linClrLst meth="repeat">
-      <a:schemeClr val="accent1">
-        <a:tint val="60000"/>
-      </a:schemeClr>
-    </dgm:linClrLst>
-    <dgm:effectClrLst/>
-    <dgm:txLinClrLst/>
-    <dgm:txFillClrLst/>
-    <dgm:txEffectClrLst/>
-  </dgm:styleLbl>
-  <dgm:styleLbl name="sibTrans1D1">
-    <dgm:fillClrLst meth="repeat">
-      <a:schemeClr val="accent1"/>
-    </dgm:fillClrLst>
-    <dgm:linClrLst meth="repeat">
-      <a:schemeClr val="accent1"/>
-    </dgm:linClrLst>
-    <dgm:effectClrLst/>
-    <dgm:txLinClrLst/>
-    <dgm:txFillClrLst meth="repeat">
-      <a:schemeClr val="tx1"/>
-    </dgm:txFillClrLst>
-    <dgm:txEffectClrLst/>
-  </dgm:styleLbl>
-  <dgm:styleLbl name="callout">
-    <dgm:fillClrLst meth="repeat">
-      <a:schemeClr val="accent1"/>
-    </dgm:fillClrLst>
-    <dgm:linClrLst meth="repeat">
-      <a:schemeClr val="accent1">
-        <a:tint val="50000"/>
-      </a:schemeClr>
-    </dgm:linClrLst>
-    <dgm:effectClrLst/>
-    <dgm:txLinClrLst/>
-    <dgm:txFillClrLst meth="repeat">
-      <a:schemeClr val="tx1"/>
-    </dgm:txFillClrLst>
-    <dgm:txEffectClrLst/>
-  </dgm:styleLbl>
-  <dgm:styleLbl name="asst0">
-    <dgm:fillClrLst meth="repeat">
-      <a:schemeClr val="accent1"/>
-    </dgm:fillClrLst>
-    <dgm:linClrLst meth="repeat">
-      <a:schemeClr val="lt1"/>
-    </dgm:linClrLst>
-    <dgm:effectClrLst/>
-    <dgm:txLinClrLst/>
-    <dgm:txFillClrLst/>
-    <dgm:txEffectClrLst/>
-  </dgm:styleLbl>
-  <dgm:styleLbl name="asst1">
-    <dgm:fillClrLst meth="repeat">
-      <a:schemeClr val="accent1"/>
-    </dgm:fillClrLst>
-    <dgm:linClrLst meth="repeat">
-      <a:schemeClr val="lt1"/>
-    </dgm:linClrLst>
-    <dgm:effectClrLst/>
-    <dgm:txLinClrLst/>
-    <dgm:txFillClrLst/>
-    <dgm:txEffectClrLst/>
-  </dgm:styleLbl>
-  <dgm:styleLbl name="asst2">
-    <dgm:fillClrLst meth="repeat">
-      <a:schemeClr val="accent1"/>
-    </dgm:fillClrLst>
-    <dgm:linClrLst meth="repeat">
-      <a:schemeClr val="lt1"/>
-    </dgm:linClrLst>
-    <dgm:effectClrLst/>
-    <dgm:txLinClrLst/>
-    <dgm:txFillClrLst/>
-    <dgm:txEffectClrLst/>
-  </dgm:styleLbl>
-  <dgm:styleLbl name="asst3">
-    <dgm:fillClrLst meth="repeat">
-      <a:schemeClr val="accent1"/>
-    </dgm:fillClrLst>
-    <dgm:linClrLst meth="repeat">
-      <a:schemeClr val="lt1"/>
-    </dgm:linClrLst>
-    <dgm:effectClrLst/>
-    <dgm:txLinClrLst/>
-    <dgm:txFillClrLst/>
-    <dgm:txEffectClrLst/>
-  </dgm:styleLbl>
-  <dgm:styleLbl name="asst4">
-    <dgm:fillClrLst meth="repeat">
-      <a:schemeClr val="accent1"/>
-    </dgm:fillClrLst>
-    <dgm:linClrLst meth="repeat">
-      <a:schemeClr val="lt1"/>
-    </dgm:linClrLst>
-    <dgm:effectClrLst/>
-    <dgm:txLinClrLst/>
-    <dgm:txFillClrLst/>
-    <dgm:txEffectClrLst/>
-  </dgm:styleLbl>
-  <dgm:styleLbl name="parChTrans2D1">
-    <dgm:fillClrLst meth="repeat">
-      <a:schemeClr val="accent1">
-        <a:tint val="60000"/>
-      </a:schemeClr>
-    </dgm:fillClrLst>
-    <dgm:linClrLst meth="repeat">
-      <a:schemeClr val="accent1">
-        <a:tint val="60000"/>
-      </a:schemeClr>
-    </dgm:linClrLst>
-    <dgm:effectClrLst/>
-    <dgm:txLinClrLst/>
-    <dgm:txFillClrLst meth="repeat">
-      <a:schemeClr val="lt1"/>
-    </dgm:txFillClrLst>
-    <dgm:txEffectClrLst/>
-  </dgm:styleLbl>
-  <dgm:styleLbl name="parChTrans2D2">
-    <dgm:fillClrLst meth="repeat">
-      <a:schemeClr val="accent1"/>
-    </dgm:fillClrLst>
-    <dgm:linClrLst meth="repeat">
-      <a:schemeClr val="accent1"/>
-    </dgm:linClrLst>
-    <dgm:effectClrLst/>
-    <dgm:txLinClrLst/>
-    <dgm:txFillClrLst meth="repeat">
-      <a:schemeClr val="lt1"/>
-    </dgm:txFillClrLst>
-    <dgm:txEffectClrLst/>
-  </dgm:styleLbl>
-  <dgm:styleLbl name="parChTrans2D3">
-    <dgm:fillClrLst meth="repeat">
-      <a:schemeClr val="accent1"/>
-    </dgm:fillClrLst>
-    <dgm:linClrLst meth="repeat">
-      <a:schemeClr val="accent1"/>
-    </dgm:linClrLst>
-    <dgm:effectClrLst/>
-    <dgm:txLinClrLst/>
-    <dgm:txFillClrLst meth="repeat">
-      <a:schemeClr val="lt1"/>
-    </dgm:txFillClrLst>
-    <dgm:txEffectClrLst/>
-  </dgm:styleLbl>
-  <dgm:styleLbl name="parChTrans2D4">
-    <dgm:fillClrLst meth="repeat">
-      <a:schemeClr val="accent1"/>
-    </dgm:fillClrLst>
-    <dgm:linClrLst meth="repeat">
-      <a:schemeClr val="accent1"/>
-    </dgm:linClrLst>
-    <dgm:effectClrLst/>
-    <dgm:txLinClrLst/>
-    <dgm:txFillClrLst meth="repeat">
-      <a:schemeClr val="lt1"/>
-    </dgm:txFillClrLst>
-    <dgm:txEffectClrLst/>
-  </dgm:styleLbl>
-  <dgm:styleLbl name="parChTrans1D1">
-    <dgm:fillClrLst meth="repeat">
-      <a:schemeClr val="accent1"/>
-    </dgm:fillClrLst>
-    <dgm:linClrLst meth="repeat">
-      <a:schemeClr val="accent1">
-        <a:shade val="60000"/>
-      </a:schemeClr>
-    </dgm:linClrLst>
-    <dgm:effectClrLst/>
-    <dgm:txLinClrLst/>
-    <dgm:txFillClrLst meth="repeat">
-      <a:schemeClr val="tx1"/>
-    </dgm:txFillClrLst>
-    <dgm:txEffectClrLst/>
-  </dgm:styleLbl>
-  <dgm:styleLbl name="parChTrans1D2">
-    <dgm:fillClrLst meth="repeat">
-      <a:schemeClr val="accent1"/>
-    </dgm:fillClrLst>
-    <dgm:linClrLst meth="repeat">
-      <a:schemeClr val="accent1">
-        <a:shade val="60000"/>
-      </a:schemeClr>
-    </dgm:linClrLst>
-    <dgm:effectClrLst/>
-    <dgm:txLinClrLst/>
-    <dgm:txFillClrLst meth="repeat">
-      <a:schemeClr val="tx1"/>
-    </dgm:txFillClrLst>
-    <dgm:txEffectClrLst/>
-  </dgm:styleLbl>
-  <dgm:styleLbl name="parChTrans1D3">
-    <dgm:fillClrLst meth="repeat">
-      <a:schemeClr val="accent1"/>
-    </dgm:fillClrLst>
-    <dgm:linClrLst meth="repeat">
-      <a:schemeClr val="accent1">
-        <a:shade val="80000"/>
-      </a:schemeClr>
-    </dgm:linClrLst>
-    <dgm:effectClrLst/>
-    <dgm:txLinClrLst/>
-    <dgm:txFillClrLst meth="repeat">
-      <a:schemeClr val="tx1"/>
-    </dgm:txFillClrLst>
-    <dgm:txEffectClrLst/>
-  </dgm:styleLbl>
-  <dgm:styleLbl name="parChTrans1D4">
-    <dgm:fillClrLst meth="repeat">
-      <a:schemeClr val="accent1"/>
-    </dgm:fillClrLst>
-    <dgm:linClrLst meth="repeat">
-      <a:schemeClr val="accent1">
-        <a:shade val="80000"/>
-      </a:schemeClr>
-    </dgm:linClrLst>
-    <dgm:effectClrLst/>
-    <dgm:txLinClrLst/>
-    <dgm:txFillClrLst meth="repeat">
-      <a:schemeClr val="tx1"/>
-    </dgm:txFillClrLst>
-    <dgm:txEffectClrLst/>
-  </dgm:styleLbl>
-  <dgm:styleLbl name="fgAcc1">
-    <dgm:fillClrLst meth="repeat">
-      <a:schemeClr val="lt1">
-        <a:alpha val="90000"/>
-      </a:schemeClr>
-    </dgm:fillClrLst>
-    <dgm:linClrLst meth="repeat">
-      <a:schemeClr val="accent1"/>
-    </dgm:linClrLst>
-    <dgm:effectClrLst/>
-    <dgm:txLinClrLst/>
-    <dgm:txFillClrLst meth="repeat">
-      <a:schemeClr val="dk1"/>
-    </dgm:txFillClrLst>
-    <dgm:txEffectClrLst/>
-  </dgm:styleLbl>
-  <dgm:styleLbl name="conFgAcc1">
-    <dgm:fillClrLst meth="repeat">
-      <a:schemeClr val="lt1">
-        <a:alpha val="90000"/>
-      </a:schemeClr>
-    </dgm:fillClrLst>
-    <dgm:linClrLst meth="repeat">
-      <a:schemeClr val="accent1"/>
-    </dgm:linClrLst>
-    <dgm:effectClrLst/>
-    <dgm:txLinClrLst/>
-    <dgm:txFillClrLst meth="repeat">
-      <a:schemeClr val="dk1"/>
-    </dgm:txFillClrLst>
-    <dgm:txEffectClrLst/>
-  </dgm:styleLbl>
-  <dgm:styleLbl name="alignAcc1">
-    <dgm:fillClrLst meth="repeat">
-      <a:schemeClr val="lt1">
-        <a:alpha val="90000"/>
-      </a:schemeClr>
-    </dgm:fillClrLst>
-    <dgm:linClrLst meth="repeat">
-      <a:schemeClr val="accent1"/>
-    </dgm:linClrLst>
-    <dgm:effectClrLst/>
-    <dgm:txLinClrLst/>
-    <dgm:txFillClrLst meth="repeat">
-      <a:schemeClr val="dk1"/>
-    </dgm:txFillClrLst>
-    <dgm:txEffectClrLst/>
-  </dgm:styleLbl>
-  <dgm:styleLbl name="trAlignAcc1">
-    <dgm:fillClrLst meth="repeat">
-      <a:schemeClr val="lt1">
-        <a:alpha val="40000"/>
-      </a:schemeClr>
-    </dgm:fillClrLst>
-    <dgm:linClrLst meth="repeat">
-      <a:schemeClr val="accent1"/>
-    </dgm:linClrLst>
-    <dgm:effectClrLst/>
-    <dgm:txLinClrLst/>
-    <dgm:txFillClrLst meth="repeat">
-      <a:schemeClr val="dk1"/>
-    </dgm:txFillClrLst>
-    <dgm:txEffectClrLst/>
-  </dgm:styleLbl>
-  <dgm:styleLbl name="bgAcc1">
-    <dgm:fillClrLst meth="repeat">
-      <a:schemeClr val="lt1">
-        <a:alpha val="90000"/>
-      </a:schemeClr>
-    </dgm:fillClrLst>
-    <dgm:linClrLst meth="repeat">
-      <a:schemeClr val="accent1"/>
-    </dgm:linClrLst>
-    <dgm:effectClrLst/>
-    <dgm:txLinClrLst/>
-    <dgm:txFillClrLst meth="repeat">
-      <a:schemeClr val="dk1"/>
-    </dgm:txFillClrLst>
-    <dgm:txEffectClrLst/>
-  </dgm:styleLbl>
-  <dgm:styleLbl name="solidFgAcc1">
-    <dgm:fillClrLst meth="repeat">
-      <a:schemeClr val="lt1"/>
-    </dgm:fillClrLst>
-    <dgm:linClrLst meth="repeat">
-      <a:schemeClr val="accent1"/>
-    </dgm:linClrLst>
-    <dgm:effectClrLst/>
-    <dgm:txLinClrLst/>
-    <dgm:txFillClrLst meth="repeat">
-      <a:schemeClr val="dk1"/>
-    </dgm:txFillClrLst>
-    <dgm:txEffectClrLst/>
-  </dgm:styleLbl>
-  <dgm:styleLbl name="solidAlignAcc1">
-    <dgm:fillClrLst meth="repeat">
-      <a:schemeClr val="lt1"/>
-    </dgm:fillClrLst>
-    <dgm:linClrLst meth="repeat">
-      <a:schemeClr val="accent1"/>
-    </dgm:linClrLst>
-    <dgm:effectClrLst/>
-    <dgm:txLinClrLst/>
-    <dgm:txFillClrLst meth="repeat">
-      <a:schemeClr val="dk1"/>
-    </dgm:txFillClrLst>
-    <dgm:txEffectClrLst/>
-  </dgm:styleLbl>
-  <dgm:styleLbl name="solidBgAcc1">
-    <dgm:fillClrLst meth="repeat">
-      <a:schemeClr val="lt1"/>
-    </dgm:fillClrLst>
-    <dgm:linClrLst meth="repeat">
-      <a:schemeClr val="accent1"/>
-    </dgm:linClrLst>
-    <dgm:effectClrLst/>
-    <dgm:txLinClrLst/>
-    <dgm:txFillClrLst meth="repeat">
-      <a:schemeClr val="dk1"/>
-    </dgm:txFillClrLst>
-    <dgm:txEffectClrLst/>
-  </dgm:styleLbl>
-  <dgm:styleLbl name="fgAccFollowNode1">
-    <dgm:fillClrLst meth="repeat">
-      <a:schemeClr val="accent1">
-        <a:alpha val="90000"/>
-        <a:tint val="40000"/>
-      </a:schemeClr>
-    </dgm:fillClrLst>
-    <dgm:linClrLst meth="repeat">
-      <a:schemeClr val="accent1">
-        <a:alpha val="90000"/>
-        <a:tint val="40000"/>
-      </a:schemeClr>
-    </dgm:linClrLst>
-    <dgm:effectClrLst/>
-    <dgm:txLinClrLst/>
-    <dgm:txFillClrLst meth="repeat">
-      <a:schemeClr val="dk1"/>
-    </dgm:txFillClrLst>
-    <dgm:txEffectClrLst/>
-  </dgm:styleLbl>
-  <dgm:styleLbl name="alignAccFollowNode1">
-    <dgm:fillClrLst meth="repeat">
-      <a:schemeClr val="accent1">
-        <a:alpha val="90000"/>
-        <a:tint val="40000"/>
-      </a:schemeClr>
-    </dgm:fillClrLst>
-    <dgm:linClrLst meth="repeat">
-      <a:schemeClr val="accent1">
-        <a:alpha val="90000"/>
-        <a:tint val="40000"/>
-      </a:schemeClr>
-    </dgm:linClrLst>
-    <dgm:effectClrLst/>
-    <dgm:txLinClrLst/>
-    <dgm:txFillClrLst meth="repeat">
-      <a:schemeClr val="dk1"/>
-    </dgm:txFillClrLst>
-    <dgm:txEffectClrLst/>
-  </dgm:styleLbl>
-  <dgm:styleLbl name="bgAccFollowNode1">
-    <dgm:fillClrLst meth="repeat">
-      <a:schemeClr val="accent1">
-        <a:alpha val="90000"/>
-        <a:tint val="40000"/>
-      </a:schemeClr>
-    </dgm:fillClrLst>
-    <dgm:linClrLst meth="repeat">
-      <a:schemeClr val="accent1">
-        <a:alpha val="90000"/>
-        <a:tint val="40000"/>
-      </a:schemeClr>
-    </dgm:linClrLst>
-    <dgm:effectClrLst/>
-    <dgm:txLinClrLst/>
-    <dgm:txFillClrLst meth="repeat">
-      <a:schemeClr val="dk1"/>
-    </dgm:txFillClrLst>
-    <dgm:txEffectClrLst/>
-  </dgm:styleLbl>
-  <dgm:styleLbl name="fgAcc0">
-    <dgm:fillClrLst meth="repeat">
-      <a:schemeClr val="lt1">
-        <a:alpha val="90000"/>
-      </a:schemeClr>
-    </dgm:fillClrLst>
-    <dgm:linClrLst meth="repeat">
-      <a:schemeClr val="accent1"/>
-    </dgm:linClrLst>
-    <dgm:effectClrLst/>
-    <dgm:txLinClrLst/>
-    <dgm:txFillClrLst meth="repeat">
-      <a:schemeClr val="dk1"/>
-    </dgm:txFillClrLst>
-    <dgm:txEffectClrLst/>
-  </dgm:styleLbl>
-  <dgm:styleLbl name="fgAcc2">
-    <dgm:fillClrLst meth="repeat">
-      <a:schemeClr val="lt1">
-        <a:alpha val="90000"/>
-      </a:schemeClr>
-    </dgm:fillClrLst>
-    <dgm:linClrLst meth="repeat">
-      <a:schemeClr val="accent1"/>
-    </dgm:linClrLst>
-    <dgm:effectClrLst/>
-    <dgm:txLinClrLst/>
-    <dgm:txFillClrLst meth="repeat">
-      <a:schemeClr val="dk1"/>
-    </dgm:txFillClrLst>
-    <dgm:txEffectClrLst/>
-  </dgm:styleLbl>
-  <dgm:styleLbl name="fgAcc3">
-    <dgm:fillClrLst meth="repeat">
-      <a:schemeClr val="lt1">
-        <a:alpha val="90000"/>
-      </a:schemeClr>
-    </dgm:fillClrLst>
-    <dgm:linClrLst meth="repeat">
-      <a:schemeClr val="accent1"/>
-    </dgm:linClrLst>
-    <dgm:effectClrLst/>
-    <dgm:txLinClrLst/>
-    <dgm:txFillClrLst meth="repeat">
-      <a:schemeClr val="dk1"/>
-    </dgm:txFillClrLst>
-    <dgm:txEffectClrLst/>
-  </dgm:styleLbl>
-  <dgm:styleLbl name="fgAcc4">
-    <dgm:fillClrLst meth="repeat">
-      <a:schemeClr val="lt1">
-        <a:alpha val="90000"/>
-      </a:schemeClr>
-    </dgm:fillClrLst>
-    <dgm:linClrLst meth="repeat">
-      <a:schemeClr val="accent1"/>
-    </dgm:linClrLst>
-    <dgm:effectClrLst/>
-    <dgm:txLinClrLst/>
-    <dgm:txFillClrLst meth="repeat">
-      <a:schemeClr val="dk1"/>
-    </dgm:txFillClrLst>
-    <dgm:txEffectClrLst/>
-  </dgm:styleLbl>
-  <dgm:styleLbl name="bgShp">
-    <dgm:fillClrLst meth="repeat">
-      <a:schemeClr val="accent1">
-        <a:tint val="40000"/>
-      </a:schemeClr>
-    </dgm:fillClrLst>
-    <dgm:linClrLst meth="repeat">
-      <a:schemeClr val="accent1"/>
-    </dgm:linClrLst>
-    <dgm:effectClrLst/>
-    <dgm:txLinClrLst/>
-    <dgm:txFillClrLst meth="repeat">
-      <a:schemeClr val="dk1"/>
-    </dgm:txFillClrLst>
-    <dgm:txEffectClrLst/>
-  </dgm:styleLbl>
-  <dgm:styleLbl name="dkBgShp">
-    <dgm:fillClrLst meth="repeat">
-      <a:schemeClr val="accent1">
-        <a:shade val="80000"/>
-      </a:schemeClr>
-    </dgm:fillClrLst>
-    <dgm:linClrLst meth="repeat">
-      <a:schemeClr val="accent1"/>
-    </dgm:linClrLst>
-    <dgm:effectClrLst/>
-    <dgm:txLinClrLst/>
-    <dgm:txFillClrLst meth="repeat">
-      <a:schemeClr val="lt1"/>
-    </dgm:txFillClrLst>
-    <dgm:txEffectClrLst/>
-  </dgm:styleLbl>
-  <dgm:styleLbl name="trBgShp">
-    <dgm:fillClrLst meth="repeat">
-      <a:schemeClr val="accent1">
-        <a:tint val="50000"/>
-        <a:alpha val="40000"/>
-      </a:schemeClr>
-    </dgm:fillClrLst>
-    <dgm:linClrLst meth="repeat">
-      <a:schemeClr val="accent1"/>
-    </dgm:linClrLst>
-    <dgm:effectClrLst/>
-    <dgm:txLinClrLst/>
-    <dgm:txFillClrLst meth="repeat">
-      <a:schemeClr val="lt1"/>
-    </dgm:txFillClrLst>
-    <dgm:txEffectClrLst/>
-  </dgm:styleLbl>
-  <dgm:styleLbl name="fgShp">
-    <dgm:fillClrLst meth="repeat">
-      <a:schemeClr val="accent1">
-        <a:tint val="60000"/>
-      </a:schemeClr>
-    </dgm:fillClrLst>
-    <dgm:linClrLst meth="repeat">
-      <a:schemeClr val="lt1"/>
-    </dgm:linClrLst>
-    <dgm:effectClrLst/>
-    <dgm:txLinClrLst/>
-    <dgm:txFillClrLst meth="repeat">
-      <a:schemeClr val="dk1"/>
-    </dgm:txFillClrLst>
-    <dgm:txEffectClrLst/>
-  </dgm:styleLbl>
-  <dgm:styleLbl name="revTx">
-    <dgm:fillClrLst meth="repeat">
-      <a:schemeClr val="lt1">
-        <a:alpha val="0"/>
-      </a:schemeClr>
-    </dgm:fillClrLst>
-    <dgm:linClrLst meth="repeat">
-      <a:schemeClr val="dk1">
-        <a:alpha val="0"/>
-      </a:schemeClr>
-    </dgm:linClrLst>
-    <dgm:effectClrLst/>
-    <dgm:txLinClrLst/>
-    <dgm:txFillClrLst meth="repeat">
-      <a:schemeClr val="tx1"/>
-    </dgm:txFillClrLst>
-    <dgm:txEffectClrLst/>
-  </dgm:styleLbl>
-</dgm:colorsDef>
-</file>
-
 <file path=ppt/diagrams/data1.xml><?xml version="1.0" encoding="utf-8"?>
-<dgm:dataModel xmlns:dgm="http://schemas.openxmlformats.org/drawingml/2006/diagram" xmlns:a="http://schemas.openxmlformats.org/drawingml/2006/main">
-  <dgm:ptLst>
-    <dgm:pt modelId="{425AB2E9-3568-4939-AD20-F42726F09D02}" type="doc">
-      <dgm:prSet loTypeId="urn:microsoft.com/office/officeart/2005/8/layout/hList1" loCatId="list" qsTypeId="urn:microsoft.com/office/officeart/2005/8/quickstyle/simple1" qsCatId="simple" csTypeId="urn:microsoft.com/office/officeart/2005/8/colors/accent1_2" csCatId="accent1" phldr="1"/>
-      <dgm:spPr/>
-      <dgm:t>
-        <a:bodyPr/>
-        <a:lstStyle/>
-        <a:p>
-          <a:endParaRPr lang="en-US"/>
-        </a:p>
-      </dgm:t>
-    </dgm:pt>
-    <dgm:pt modelId="{06F1FE2A-97BA-4B52-B3A6-E44D1F20CB28}">
-      <dgm:prSet phldrT="[Text]" custT="1"/>
-      <dgm:spPr/>
-      <dgm:t>
-        <a:bodyPr/>
-        <a:lstStyle/>
-        <a:p>
-          <a:r>
-            <a:rPr lang="en-US" sz="2800" dirty="0" smtClean="0"/>
-            <a:t>Controlled variables</a:t>
-          </a:r>
-          <a:endParaRPr lang="en-US" sz="2800" dirty="0"/>
-        </a:p>
-      </dgm:t>
-    </dgm:pt>
-    <dgm:pt modelId="{272155B6-483B-4675-B173-D3F00A201046}" type="parTrans" cxnId="{FC6EE199-23CF-4307-94F8-FC53916EA51A}">
-      <dgm:prSet/>
-      <dgm:spPr/>
-      <dgm:t>
-        <a:bodyPr/>
-        <a:lstStyle/>
-        <a:p>
-          <a:endParaRPr lang="en-US" sz="2800"/>
-        </a:p>
-      </dgm:t>
-    </dgm:pt>
-    <dgm:pt modelId="{0CACD921-34CA-4681-87F1-041A98C27B3D}" type="sibTrans" cxnId="{FC6EE199-23CF-4307-94F8-FC53916EA51A}">
-      <dgm:prSet/>
-      <dgm:spPr/>
-      <dgm:t>
-        <a:bodyPr/>
-        <a:lstStyle/>
-        <a:p>
-          <a:endParaRPr lang="en-US" sz="2800"/>
-        </a:p>
-      </dgm:t>
-    </dgm:pt>
-    <dgm:pt modelId="{4640F6E6-EF32-4372-9B3B-2FFD48F9CB5C}">
-      <dgm:prSet phldrT="[Text]" custT="1"/>
-      <dgm:spPr/>
-      <dgm:t>
-        <a:bodyPr/>
-        <a:lstStyle/>
-        <a:p>
-          <a:r>
-            <a:rPr lang="en-US" sz="2800" dirty="0" smtClean="0"/>
-            <a:t>These are kept the same throughout your experiments</a:t>
-          </a:r>
-          <a:endParaRPr lang="en-US" sz="2800" dirty="0"/>
-        </a:p>
-      </dgm:t>
-    </dgm:pt>
-    <dgm:pt modelId="{DB4F8E23-BBE6-4AB5-9D82-74F5115D7455}" type="parTrans" cxnId="{ACB965C6-1ACF-483C-9C29-8A17C949C706}">
-      <dgm:prSet/>
-      <dgm:spPr/>
-      <dgm:t>
-        <a:bodyPr/>
-        <a:lstStyle/>
-        <a:p>
-          <a:endParaRPr lang="en-US" sz="2800"/>
-        </a:p>
-      </dgm:t>
-    </dgm:pt>
-    <dgm:pt modelId="{55E32D54-3DF3-4F3F-B3B8-1AEE5606EC62}" type="sibTrans" cxnId="{ACB965C6-1ACF-483C-9C29-8A17C949C706}">
-      <dgm:prSet/>
-      <dgm:spPr/>
-      <dgm:t>
-        <a:bodyPr/>
-        <a:lstStyle/>
-        <a:p>
-          <a:endParaRPr lang="en-US" sz="2800"/>
-        </a:p>
-      </dgm:t>
-    </dgm:pt>
-    <dgm:pt modelId="{184B56DA-A66C-4DD0-AE11-0A7EBA387E48}">
-      <dgm:prSet phldrT="[Text]" custT="1"/>
-      <dgm:spPr/>
-      <dgm:t>
-        <a:bodyPr/>
-        <a:lstStyle/>
-        <a:p>
-          <a:r>
-            <a:rPr lang="en-US" sz="2800" dirty="0" smtClean="0"/>
-            <a:t>Independent variable</a:t>
-          </a:r>
-          <a:endParaRPr lang="en-US" sz="2800" dirty="0"/>
-        </a:p>
-      </dgm:t>
-    </dgm:pt>
-    <dgm:pt modelId="{3C1C544F-4C0C-4E19-A3D2-C3E5175D7B4B}" type="parTrans" cxnId="{01AD485A-0916-4A80-9CBA-29870F4D202A}">
-      <dgm:prSet/>
-      <dgm:spPr/>
-      <dgm:t>
-        <a:bodyPr/>
-        <a:lstStyle/>
-        <a:p>
-          <a:endParaRPr lang="en-US" sz="2800"/>
-        </a:p>
-      </dgm:t>
-    </dgm:pt>
-    <dgm:pt modelId="{8EE144C8-20EA-43DA-B048-41CEE06807BC}" type="sibTrans" cxnId="{01AD485A-0916-4A80-9CBA-29870F4D202A}">
-      <dgm:prSet/>
-      <dgm:spPr/>
-      <dgm:t>
-        <a:bodyPr/>
-        <a:lstStyle/>
-        <a:p>
-          <a:endParaRPr lang="en-US" sz="2800"/>
-        </a:p>
-      </dgm:t>
-    </dgm:pt>
-    <dgm:pt modelId="{17AF0C1B-AB46-4643-AAAB-C00D253E5731}">
-      <dgm:prSet phldrT="[Text]" custT="1"/>
-      <dgm:spPr/>
-      <dgm:t>
-        <a:bodyPr/>
-        <a:lstStyle/>
-        <a:p>
-          <a:r>
-            <a:rPr lang="en-US" sz="2800" dirty="0" smtClean="0"/>
-            <a:t>The </a:t>
-          </a:r>
-          <a:r>
-            <a:rPr lang="en-US" sz="2800" b="1" dirty="0" smtClean="0"/>
-            <a:t>one</a:t>
-          </a:r>
-          <a:r>
-            <a:rPr lang="en-US" sz="2800" dirty="0" smtClean="0"/>
-            <a:t> variable you purposely change and test</a:t>
-          </a:r>
-          <a:endParaRPr lang="en-US" sz="2800" dirty="0"/>
-        </a:p>
-      </dgm:t>
-    </dgm:pt>
-    <dgm:pt modelId="{29C3C336-A8CD-48B5-9F85-325299B52A84}" type="parTrans" cxnId="{31D0EEFF-9776-4597-8873-3B56F9091C86}">
-      <dgm:prSet/>
-      <dgm:spPr/>
-      <dgm:t>
-        <a:bodyPr/>
-        <a:lstStyle/>
-        <a:p>
-          <a:endParaRPr lang="en-US" sz="2800"/>
-        </a:p>
-      </dgm:t>
-    </dgm:pt>
-    <dgm:pt modelId="{631D11DF-11B6-487B-8148-E2BF1F9190AD}" type="sibTrans" cxnId="{31D0EEFF-9776-4597-8873-3B56F9091C86}">
-      <dgm:prSet/>
-      <dgm:spPr/>
-      <dgm:t>
-        <a:bodyPr/>
-        <a:lstStyle/>
-        <a:p>
-          <a:endParaRPr lang="en-US" sz="2800"/>
-        </a:p>
-      </dgm:t>
-    </dgm:pt>
-    <dgm:pt modelId="{2F8ECEAC-FAA3-4503-A169-57F41A503807}">
-      <dgm:prSet phldrT="[Text]" custT="1"/>
-      <dgm:spPr/>
-      <dgm:t>
-        <a:bodyPr/>
-        <a:lstStyle/>
-        <a:p>
-          <a:r>
-            <a:rPr lang="en-US" sz="2800" dirty="0" smtClean="0"/>
-            <a:t>Dependent variable</a:t>
-          </a:r>
-          <a:endParaRPr lang="en-US" sz="2800" dirty="0"/>
-        </a:p>
-      </dgm:t>
-    </dgm:pt>
-    <dgm:pt modelId="{ACAA3BC8-2CDA-42A5-8DD6-5A948ACC6FCF}" type="parTrans" cxnId="{24836079-9FDA-4F84-9291-518671EE6E30}">
-      <dgm:prSet/>
-      <dgm:spPr/>
-      <dgm:t>
-        <a:bodyPr/>
-        <a:lstStyle/>
-        <a:p>
-          <a:endParaRPr lang="en-US" sz="2800"/>
-        </a:p>
-      </dgm:t>
-    </dgm:pt>
-    <dgm:pt modelId="{61A568BF-D1AB-4345-9CA7-878468CAA9E0}" type="sibTrans" cxnId="{24836079-9FDA-4F84-9291-518671EE6E30}">
-      <dgm:prSet/>
-      <dgm:spPr/>
-      <dgm:t>
-        <a:bodyPr/>
-        <a:lstStyle/>
-        <a:p>
-          <a:endParaRPr lang="en-US" sz="2800"/>
-        </a:p>
-      </dgm:t>
-    </dgm:pt>
-    <dgm:pt modelId="{BB5A00DF-7368-4451-822A-C5213BEFEEBE}">
-      <dgm:prSet phldrT="[Text]" custT="1"/>
-      <dgm:spPr/>
-      <dgm:t>
-        <a:bodyPr/>
-        <a:lstStyle/>
-        <a:p>
-          <a:r>
-            <a:rPr lang="en-US" sz="2800" dirty="0" smtClean="0"/>
-            <a:t>The measure of change observed because of independent variable</a:t>
-          </a:r>
-          <a:endParaRPr lang="en-US" sz="2800" dirty="0"/>
-        </a:p>
-      </dgm:t>
-    </dgm:pt>
-    <dgm:pt modelId="{DBF05790-03E0-47D4-8137-1ED35487613F}" type="parTrans" cxnId="{3F455948-84CC-4BD3-B122-BC7FC520F6C2}">
-      <dgm:prSet/>
-      <dgm:spPr/>
-      <dgm:t>
-        <a:bodyPr/>
-        <a:lstStyle/>
-        <a:p>
-          <a:endParaRPr lang="en-US" sz="2800"/>
-        </a:p>
-      </dgm:t>
-    </dgm:pt>
-    <dgm:pt modelId="{1FC1A5B2-F57F-4D1D-AD7C-59801453B2A1}" type="sibTrans" cxnId="{3F455948-84CC-4BD3-B122-BC7FC520F6C2}">
-      <dgm:prSet/>
-      <dgm:spPr/>
-      <dgm:t>
-        <a:bodyPr/>
-        <a:lstStyle/>
-        <a:p>
-          <a:endParaRPr lang="en-US" sz="2800"/>
-        </a:p>
-      </dgm:t>
-    </dgm:pt>
-    <dgm:pt modelId="{B92700A2-FB38-4467-8A2E-6B17FD5FB43C}">
-      <dgm:prSet phldrT="[Text]" custT="1"/>
-      <dgm:spPr/>
-      <dgm:t>
-        <a:bodyPr/>
-        <a:lstStyle/>
-        <a:p>
-          <a:r>
-            <a:rPr lang="en-US" sz="2800" dirty="0" smtClean="0"/>
-            <a:t>Decide how you will measure the change</a:t>
-          </a:r>
-          <a:endParaRPr lang="en-US" sz="2800" dirty="0"/>
-        </a:p>
-      </dgm:t>
-    </dgm:pt>
-    <dgm:pt modelId="{D455CBAE-1EFE-4677-A720-D37D3C7C79C7}" type="parTrans" cxnId="{401C8A76-0402-439A-A771-D9B2BC35018E}">
-      <dgm:prSet/>
-      <dgm:spPr/>
-      <dgm:t>
-        <a:bodyPr/>
-        <a:lstStyle/>
-        <a:p>
-          <a:endParaRPr lang="en-US" sz="2800"/>
-        </a:p>
-      </dgm:t>
-    </dgm:pt>
-    <dgm:pt modelId="{A308112E-A697-4E6A-A0C4-5392D47FD2DE}" type="sibTrans" cxnId="{401C8A76-0402-439A-A771-D9B2BC35018E}">
-      <dgm:prSet/>
-      <dgm:spPr/>
-      <dgm:t>
-        <a:bodyPr/>
-        <a:lstStyle/>
-        <a:p>
-          <a:endParaRPr lang="en-US" sz="2800"/>
-        </a:p>
-      </dgm:t>
-    </dgm:pt>
-    <dgm:pt modelId="{4351CFC8-37EC-494B-A841-287649776134}" type="pres">
-      <dgm:prSet presAssocID="{425AB2E9-3568-4939-AD20-F42726F09D02}" presName="Name0" presStyleCnt="0">
-        <dgm:presLayoutVars>
-          <dgm:dir/>
-          <dgm:animLvl val="lvl"/>
-          <dgm:resizeHandles val="exact"/>
-        </dgm:presLayoutVars>
-      </dgm:prSet>
-      <dgm:spPr/>
-      <dgm:t>
-        <a:bodyPr/>
-        <a:lstStyle/>
-        <a:p>
-          <a:endParaRPr lang="en-US"/>
-        </a:p>
-      </dgm:t>
-    </dgm:pt>
-    <dgm:pt modelId="{70E9962D-05C5-4F85-A473-03B50B9C6416}" type="pres">
-      <dgm:prSet presAssocID="{06F1FE2A-97BA-4B52-B3A6-E44D1F20CB28}" presName="composite" presStyleCnt="0"/>
-      <dgm:spPr/>
-    </dgm:pt>
-    <dgm:pt modelId="{B8C15370-9E21-4343-A577-4985C41A0B6E}" type="pres">
-      <dgm:prSet presAssocID="{06F1FE2A-97BA-4B52-B3A6-E44D1F20CB28}" presName="parTx" presStyleLbl="alignNode1" presStyleIdx="0" presStyleCnt="3">
-        <dgm:presLayoutVars>
-          <dgm:chMax val="0"/>
-          <dgm:chPref val="0"/>
-          <dgm:bulletEnabled val="1"/>
-        </dgm:presLayoutVars>
-      </dgm:prSet>
-      <dgm:spPr/>
-      <dgm:t>
-        <a:bodyPr/>
-        <a:lstStyle/>
-        <a:p>
-          <a:endParaRPr lang="en-US"/>
-        </a:p>
-      </dgm:t>
-    </dgm:pt>
-    <dgm:pt modelId="{DE65B54D-BB89-4898-B770-68834B90CB27}" type="pres">
-      <dgm:prSet presAssocID="{06F1FE2A-97BA-4B52-B3A6-E44D1F20CB28}" presName="desTx" presStyleLbl="alignAccFollowNode1" presStyleIdx="0" presStyleCnt="3">
-        <dgm:presLayoutVars>
-          <dgm:bulletEnabled val="1"/>
-        </dgm:presLayoutVars>
-      </dgm:prSet>
-      <dgm:spPr/>
-      <dgm:t>
-        <a:bodyPr/>
-        <a:lstStyle/>
-        <a:p>
-          <a:endParaRPr lang="en-US"/>
-        </a:p>
-      </dgm:t>
-    </dgm:pt>
-    <dgm:pt modelId="{A7E2C66E-7169-4E42-A713-6528CC71DD9D}" type="pres">
-      <dgm:prSet presAssocID="{0CACD921-34CA-4681-87F1-041A98C27B3D}" presName="space" presStyleCnt="0"/>
-      <dgm:spPr/>
-    </dgm:pt>
-    <dgm:pt modelId="{C25D5A66-A92F-4D7D-A84B-534F27779317}" type="pres">
-      <dgm:prSet presAssocID="{184B56DA-A66C-4DD0-AE11-0A7EBA387E48}" presName="composite" presStyleCnt="0"/>
-      <dgm:spPr/>
-    </dgm:pt>
-    <dgm:pt modelId="{E01B3154-0666-4584-9FC4-432DE00CC402}" type="pres">
-      <dgm:prSet presAssocID="{184B56DA-A66C-4DD0-AE11-0A7EBA387E48}" presName="parTx" presStyleLbl="alignNode1" presStyleIdx="1" presStyleCnt="3">
-        <dgm:presLayoutVars>
-          <dgm:chMax val="0"/>
-          <dgm:chPref val="0"/>
-          <dgm:bulletEnabled val="1"/>
-        </dgm:presLayoutVars>
-      </dgm:prSet>
-      <dgm:spPr/>
-      <dgm:t>
-        <a:bodyPr/>
-        <a:lstStyle/>
-        <a:p>
-          <a:endParaRPr lang="en-US"/>
-        </a:p>
-      </dgm:t>
-    </dgm:pt>
-    <dgm:pt modelId="{6EC96761-7A7E-46B1-9A31-B92F49834D5A}" type="pres">
-      <dgm:prSet presAssocID="{184B56DA-A66C-4DD0-AE11-0A7EBA387E48}" presName="desTx" presStyleLbl="alignAccFollowNode1" presStyleIdx="1" presStyleCnt="3">
-        <dgm:presLayoutVars>
-          <dgm:bulletEnabled val="1"/>
-        </dgm:presLayoutVars>
-      </dgm:prSet>
-      <dgm:spPr/>
-      <dgm:t>
-        <a:bodyPr/>
-        <a:lstStyle/>
-        <a:p>
-          <a:endParaRPr lang="en-US"/>
-        </a:p>
-      </dgm:t>
-    </dgm:pt>
-    <dgm:pt modelId="{D004D87C-D390-4BAA-B20D-69AF97599BD7}" type="pres">
-      <dgm:prSet presAssocID="{8EE144C8-20EA-43DA-B048-41CEE06807BC}" presName="space" presStyleCnt="0"/>
-      <dgm:spPr/>
-    </dgm:pt>
-    <dgm:pt modelId="{F9A125CB-F105-4A75-821B-0388D80248ED}" type="pres">
-      <dgm:prSet presAssocID="{2F8ECEAC-FAA3-4503-A169-57F41A503807}" presName="composite" presStyleCnt="0"/>
-      <dgm:spPr/>
-    </dgm:pt>
-    <dgm:pt modelId="{64DD6D48-227C-4434-BED8-F49C9D4F4F7E}" type="pres">
-      <dgm:prSet presAssocID="{2F8ECEAC-FAA3-4503-A169-57F41A503807}" presName="parTx" presStyleLbl="alignNode1" presStyleIdx="2" presStyleCnt="3">
-        <dgm:presLayoutVars>
-          <dgm:chMax val="0"/>
-          <dgm:chPref val="0"/>
-          <dgm:bulletEnabled val="1"/>
-        </dgm:presLayoutVars>
-      </dgm:prSet>
-      <dgm:spPr/>
-      <dgm:t>
-        <a:bodyPr/>
-        <a:lstStyle/>
-        <a:p>
-          <a:endParaRPr lang="en-US"/>
-        </a:p>
-      </dgm:t>
-    </dgm:pt>
-    <dgm:pt modelId="{98860936-C475-4184-9A9D-2F4B5D8B0BC7}" type="pres">
-      <dgm:prSet presAssocID="{2F8ECEAC-FAA3-4503-A169-57F41A503807}" presName="desTx" presStyleLbl="alignAccFollowNode1" presStyleIdx="2" presStyleCnt="3">
-        <dgm:presLayoutVars>
-          <dgm:bulletEnabled val="1"/>
-        </dgm:presLayoutVars>
-      </dgm:prSet>
-      <dgm:spPr/>
-      <dgm:t>
-        <a:bodyPr/>
-        <a:lstStyle/>
-        <a:p>
-          <a:endParaRPr lang="en-US"/>
-        </a:p>
-      </dgm:t>
-    </dgm:pt>
-  </dgm:ptLst>
-  <dgm:cxnLst>
-    <dgm:cxn modelId="{12E1A9E1-0E2B-4599-8D03-2A69A1547115}" type="presOf" srcId="{425AB2E9-3568-4939-AD20-F42726F09D02}" destId="{4351CFC8-37EC-494B-A841-287649776134}" srcOrd="0" destOrd="0" presId="urn:microsoft.com/office/officeart/2005/8/layout/hList1"/>
-    <dgm:cxn modelId="{31D0EEFF-9776-4597-8873-3B56F9091C86}" srcId="{184B56DA-A66C-4DD0-AE11-0A7EBA387E48}" destId="{17AF0C1B-AB46-4643-AAAB-C00D253E5731}" srcOrd="0" destOrd="0" parTransId="{29C3C336-A8CD-48B5-9F85-325299B52A84}" sibTransId="{631D11DF-11B6-487B-8148-E2BF1F9190AD}"/>
-    <dgm:cxn modelId="{7FD88FF9-53A7-4C08-9686-37472D3C5F90}" type="presOf" srcId="{184B56DA-A66C-4DD0-AE11-0A7EBA387E48}" destId="{E01B3154-0666-4584-9FC4-432DE00CC402}" srcOrd="0" destOrd="0" presId="urn:microsoft.com/office/officeart/2005/8/layout/hList1"/>
-    <dgm:cxn modelId="{ACB965C6-1ACF-483C-9C29-8A17C949C706}" srcId="{06F1FE2A-97BA-4B52-B3A6-E44D1F20CB28}" destId="{4640F6E6-EF32-4372-9B3B-2FFD48F9CB5C}" srcOrd="0" destOrd="0" parTransId="{DB4F8E23-BBE6-4AB5-9D82-74F5115D7455}" sibTransId="{55E32D54-3DF3-4F3F-B3B8-1AEE5606EC62}"/>
-    <dgm:cxn modelId="{766F4955-F53D-4E5F-A7D9-8AE86DDD9794}" type="presOf" srcId="{B92700A2-FB38-4467-8A2E-6B17FD5FB43C}" destId="{98860936-C475-4184-9A9D-2F4B5D8B0BC7}" srcOrd="0" destOrd="1" presId="urn:microsoft.com/office/officeart/2005/8/layout/hList1"/>
-    <dgm:cxn modelId="{4E402F4F-22AD-4214-BE8C-948F617ABB38}" type="presOf" srcId="{BB5A00DF-7368-4451-822A-C5213BEFEEBE}" destId="{98860936-C475-4184-9A9D-2F4B5D8B0BC7}" srcOrd="0" destOrd="0" presId="urn:microsoft.com/office/officeart/2005/8/layout/hList1"/>
-    <dgm:cxn modelId="{01AD485A-0916-4A80-9CBA-29870F4D202A}" srcId="{425AB2E9-3568-4939-AD20-F42726F09D02}" destId="{184B56DA-A66C-4DD0-AE11-0A7EBA387E48}" srcOrd="1" destOrd="0" parTransId="{3C1C544F-4C0C-4E19-A3D2-C3E5175D7B4B}" sibTransId="{8EE144C8-20EA-43DA-B048-41CEE06807BC}"/>
-    <dgm:cxn modelId="{401C8A76-0402-439A-A771-D9B2BC35018E}" srcId="{2F8ECEAC-FAA3-4503-A169-57F41A503807}" destId="{B92700A2-FB38-4467-8A2E-6B17FD5FB43C}" srcOrd="1" destOrd="0" parTransId="{D455CBAE-1EFE-4677-A720-D37D3C7C79C7}" sibTransId="{A308112E-A697-4E6A-A0C4-5392D47FD2DE}"/>
-    <dgm:cxn modelId="{51EFA3EF-F9E3-4B84-BA84-84A3BBF4D4D3}" type="presOf" srcId="{17AF0C1B-AB46-4643-AAAB-C00D253E5731}" destId="{6EC96761-7A7E-46B1-9A31-B92F49834D5A}" srcOrd="0" destOrd="0" presId="urn:microsoft.com/office/officeart/2005/8/layout/hList1"/>
-    <dgm:cxn modelId="{24836079-9FDA-4F84-9291-518671EE6E30}" srcId="{425AB2E9-3568-4939-AD20-F42726F09D02}" destId="{2F8ECEAC-FAA3-4503-A169-57F41A503807}" srcOrd="2" destOrd="0" parTransId="{ACAA3BC8-2CDA-42A5-8DD6-5A948ACC6FCF}" sibTransId="{61A568BF-D1AB-4345-9CA7-878468CAA9E0}"/>
-    <dgm:cxn modelId="{913323B4-1F88-4AC5-8C9E-BE0572C8023B}" type="presOf" srcId="{4640F6E6-EF32-4372-9B3B-2FFD48F9CB5C}" destId="{DE65B54D-BB89-4898-B770-68834B90CB27}" srcOrd="0" destOrd="0" presId="urn:microsoft.com/office/officeart/2005/8/layout/hList1"/>
-    <dgm:cxn modelId="{9C3D3653-8462-4AAD-A961-3717216B9CF2}" type="presOf" srcId="{06F1FE2A-97BA-4B52-B3A6-E44D1F20CB28}" destId="{B8C15370-9E21-4343-A577-4985C41A0B6E}" srcOrd="0" destOrd="0" presId="urn:microsoft.com/office/officeart/2005/8/layout/hList1"/>
-    <dgm:cxn modelId="{3F455948-84CC-4BD3-B122-BC7FC520F6C2}" srcId="{2F8ECEAC-FAA3-4503-A169-57F41A503807}" destId="{BB5A00DF-7368-4451-822A-C5213BEFEEBE}" srcOrd="0" destOrd="0" parTransId="{DBF05790-03E0-47D4-8137-1ED35487613F}" sibTransId="{1FC1A5B2-F57F-4D1D-AD7C-59801453B2A1}"/>
-    <dgm:cxn modelId="{9BA84549-343A-497A-8F50-EA4C874AF4DD}" type="presOf" srcId="{2F8ECEAC-FAA3-4503-A169-57F41A503807}" destId="{64DD6D48-227C-4434-BED8-F49C9D4F4F7E}" srcOrd="0" destOrd="0" presId="urn:microsoft.com/office/officeart/2005/8/layout/hList1"/>
-    <dgm:cxn modelId="{FC6EE199-23CF-4307-94F8-FC53916EA51A}" srcId="{425AB2E9-3568-4939-AD20-F42726F09D02}" destId="{06F1FE2A-97BA-4B52-B3A6-E44D1F20CB28}" srcOrd="0" destOrd="0" parTransId="{272155B6-483B-4675-B173-D3F00A201046}" sibTransId="{0CACD921-34CA-4681-87F1-041A98C27B3D}"/>
-    <dgm:cxn modelId="{AE41C4D7-1708-49AF-AE4A-683C8CF513D4}" type="presParOf" srcId="{4351CFC8-37EC-494B-A841-287649776134}" destId="{70E9962D-05C5-4F85-A473-03B50B9C6416}" srcOrd="0" destOrd="0" presId="urn:microsoft.com/office/officeart/2005/8/layout/hList1"/>
-    <dgm:cxn modelId="{54821AC3-B761-4DE3-A299-35C839B48BE7}" type="presParOf" srcId="{70E9962D-05C5-4F85-A473-03B50B9C6416}" destId="{B8C15370-9E21-4343-A577-4985C41A0B6E}" srcOrd="0" destOrd="0" presId="urn:microsoft.com/office/officeart/2005/8/layout/hList1"/>
-    <dgm:cxn modelId="{3935A46C-E062-4151-BCBD-56617280633D}" type="presParOf" srcId="{70E9962D-05C5-4F85-A473-03B50B9C6416}" destId="{DE65B54D-BB89-4898-B770-68834B90CB27}" srcOrd="1" destOrd="0" presId="urn:microsoft.com/office/officeart/2005/8/layout/hList1"/>
-    <dgm:cxn modelId="{0A12C62A-0CDE-440C-8EAB-E415EF2E4EAF}" type="presParOf" srcId="{4351CFC8-37EC-494B-A841-287649776134}" destId="{A7E2C66E-7169-4E42-A713-6528CC71DD9D}" srcOrd="1" destOrd="0" presId="urn:microsoft.com/office/officeart/2005/8/layout/hList1"/>
-    <dgm:cxn modelId="{54851ACF-12A9-4433-874C-444142834581}" type="presParOf" srcId="{4351CFC8-37EC-494B-A841-287649776134}" destId="{C25D5A66-A92F-4D7D-A84B-534F27779317}" srcOrd="2" destOrd="0" presId="urn:microsoft.com/office/officeart/2005/8/layout/hList1"/>
-    <dgm:cxn modelId="{868B21E6-351E-4088-8823-CA0673B273DE}" type="presParOf" srcId="{C25D5A66-A92F-4D7D-A84B-534F27779317}" destId="{E01B3154-0666-4584-9FC4-432DE00CC402}" srcOrd="0" destOrd="0" presId="urn:microsoft.com/office/officeart/2005/8/layout/hList1"/>
-    <dgm:cxn modelId="{91B14886-054D-49EB-AF4F-06F73F4E851C}" type="presParOf" srcId="{C25D5A66-A92F-4D7D-A84B-534F27779317}" destId="{6EC96761-7A7E-46B1-9A31-B92F49834D5A}" srcOrd="1" destOrd="0" presId="urn:microsoft.com/office/officeart/2005/8/layout/hList1"/>
-    <dgm:cxn modelId="{68DB7211-B7EA-4286-B920-F0E227605505}" type="presParOf" srcId="{4351CFC8-37EC-494B-A841-287649776134}" destId="{D004D87C-D390-4BAA-B20D-69AF97599BD7}" srcOrd="3" destOrd="0" presId="urn:microsoft.com/office/officeart/2005/8/layout/hList1"/>
-    <dgm:cxn modelId="{10B5F44C-3CDA-48E6-B908-B6A9CE97492E}" type="presParOf" srcId="{4351CFC8-37EC-494B-A841-287649776134}" destId="{F9A125CB-F105-4A75-821B-0388D80248ED}" srcOrd="4" destOrd="0" presId="urn:microsoft.com/office/officeart/2005/8/layout/hList1"/>
-    <dgm:cxn modelId="{82B6102B-62E6-40B9-9BD7-E73770A2464A}" type="presParOf" srcId="{F9A125CB-F105-4A75-821B-0388D80248ED}" destId="{64DD6D48-227C-4434-BED8-F49C9D4F4F7E}" srcOrd="0" destOrd="0" presId="urn:microsoft.com/office/officeart/2005/8/layout/hList1"/>
-    <dgm:cxn modelId="{5D5C143C-31FC-4B5B-97EA-AB78A00ACAA1}" type="presParOf" srcId="{F9A125CB-F105-4A75-821B-0388D80248ED}" destId="{98860936-C475-4184-9A9D-2F4B5D8B0BC7}" srcOrd="1" destOrd="0" presId="urn:microsoft.com/office/officeart/2005/8/layout/hList1"/>
-  </dgm:cxnLst>
-  <dgm:bg/>
-  <dgm:whole/>
-  <dgm:extLst>
-    <a:ext uri="http://schemas.microsoft.com/office/drawing/2008/diagram">
-      <dsp:dataModelExt xmlns:dsp="http://schemas.microsoft.com/office/drawing/2008/diagram" xmlns="" relId="rId7" minVer="http://schemas.openxmlformats.org/drawingml/2006/diagram"/>
-    </a:ext>
-  </dgm:extLst>
-</dgm:dataModel>
-</file>
-
-<file path=ppt/diagrams/data2.xml><?xml version="1.0" encoding="utf-8"?>
-<dgm:dataModel xmlns:dgm="http://schemas.openxmlformats.org/drawingml/2006/diagram" xmlns:a="http://schemas.openxmlformats.org/drawingml/2006/main">
-  <dgm:ptLst>
-    <dgm:pt modelId="{25AFBC85-EE41-46FB-A7F4-99ED4084C835}" type="doc">
-      <dgm:prSet loTypeId="urn:microsoft.com/office/officeart/2008/layout/TitlePictureLineup" loCatId="picture" qsTypeId="urn:microsoft.com/office/officeart/2005/8/quickstyle/simple1" qsCatId="simple" csTypeId="urn:microsoft.com/office/officeart/2005/8/colors/accent1_2" csCatId="accent1" phldr="1"/>
-      <dgm:spPr/>
-      <dgm:t>
-        <a:bodyPr/>
-        <a:lstStyle/>
-        <a:p>
-          <a:endParaRPr lang="en-US"/>
-        </a:p>
-      </dgm:t>
-    </dgm:pt>
-    <dgm:pt modelId="{A518A75D-9854-4CDE-9FB7-B1EBB324AAED}">
-      <dgm:prSet phldrT="[Text]"/>
-      <dgm:spPr/>
-      <dgm:t>
-        <a:bodyPr/>
-        <a:lstStyle/>
-        <a:p>
-          <a:r>
-            <a:rPr lang="en-US" dirty="0" smtClean="0"/>
-            <a:t>Step 1</a:t>
-          </a:r>
-          <a:endParaRPr lang="en-US" dirty="0"/>
-        </a:p>
-      </dgm:t>
-    </dgm:pt>
-    <dgm:pt modelId="{8A2D5E86-42BC-415B-A1DE-0C28EEB3661C}" type="parTrans" cxnId="{E5053C00-76EC-4519-ABF3-0ACDA95BE163}">
-      <dgm:prSet/>
-      <dgm:spPr/>
-      <dgm:t>
-        <a:bodyPr/>
-        <a:lstStyle/>
-        <a:p>
-          <a:endParaRPr lang="en-US"/>
-        </a:p>
-      </dgm:t>
-    </dgm:pt>
-    <dgm:pt modelId="{FF440F30-5F7D-44F0-8264-C65521A11F0C}" type="sibTrans" cxnId="{E5053C00-76EC-4519-ABF3-0ACDA95BE163}">
-      <dgm:prSet/>
-      <dgm:spPr/>
-      <dgm:t>
-        <a:bodyPr/>
-        <a:lstStyle/>
-        <a:p>
-          <a:endParaRPr lang="en-US"/>
-        </a:p>
-      </dgm:t>
-    </dgm:pt>
-    <dgm:pt modelId="{48328429-D21F-4CF6-9089-EE3F5F57F2AC}">
-      <dgm:prSet phldrT="[Text]"/>
-      <dgm:spPr/>
-      <dgm:t>
-        <a:bodyPr/>
-        <a:lstStyle/>
-        <a:p>
-          <a:r>
-            <a:rPr lang="en-US" dirty="0" smtClean="0"/>
-            <a:t>Describe this step in your experiment</a:t>
-          </a:r>
-          <a:endParaRPr lang="en-US" dirty="0"/>
-        </a:p>
-      </dgm:t>
-    </dgm:pt>
-    <dgm:pt modelId="{1635AB15-42A4-42D6-9F2B-33788AD7A83B}" type="parTrans" cxnId="{B7AA9BCE-D649-4F1B-B108-93466D2481F6}">
-      <dgm:prSet/>
-      <dgm:spPr/>
-      <dgm:t>
-        <a:bodyPr/>
-        <a:lstStyle/>
-        <a:p>
-          <a:endParaRPr lang="en-US"/>
-        </a:p>
-      </dgm:t>
-    </dgm:pt>
-    <dgm:pt modelId="{C822654F-BF62-47E3-96FD-AE4B604B788B}" type="sibTrans" cxnId="{B7AA9BCE-D649-4F1B-B108-93466D2481F6}">
-      <dgm:prSet/>
-      <dgm:spPr/>
-      <dgm:t>
-        <a:bodyPr/>
-        <a:lstStyle/>
-        <a:p>
-          <a:endParaRPr lang="en-US"/>
-        </a:p>
-      </dgm:t>
-    </dgm:pt>
-    <dgm:pt modelId="{25AF84C7-6ED7-450C-83EA-4337CE735A70}">
-      <dgm:prSet phldrT="[Text]"/>
-      <dgm:spPr/>
-      <dgm:t>
-        <a:bodyPr/>
-        <a:lstStyle/>
-        <a:p>
-          <a:r>
-            <a:rPr lang="en-US" dirty="0" smtClean="0"/>
-            <a:t>Step 2</a:t>
-          </a:r>
-          <a:endParaRPr lang="en-US" dirty="0"/>
-        </a:p>
-      </dgm:t>
-    </dgm:pt>
-    <dgm:pt modelId="{33168ED3-1516-4DE0-87C6-D0BBEBB68307}" type="parTrans" cxnId="{447AF68F-5153-4E01-A5A1-8D3A25A73007}">
-      <dgm:prSet/>
-      <dgm:spPr/>
-      <dgm:t>
-        <a:bodyPr/>
-        <a:lstStyle/>
-        <a:p>
-          <a:endParaRPr lang="en-US"/>
-        </a:p>
-      </dgm:t>
-    </dgm:pt>
-    <dgm:pt modelId="{2562C856-622C-43A4-99D0-A7FF0C835EBA}" type="sibTrans" cxnId="{447AF68F-5153-4E01-A5A1-8D3A25A73007}">
-      <dgm:prSet/>
-      <dgm:spPr/>
-      <dgm:t>
-        <a:bodyPr/>
-        <a:lstStyle/>
-        <a:p>
-          <a:endParaRPr lang="en-US"/>
-        </a:p>
-      </dgm:t>
-    </dgm:pt>
-    <dgm:pt modelId="{300FCD3E-1ADF-4D8E-8B7F-C23D248E5AA3}">
-      <dgm:prSet phldrT="[Text]"/>
-      <dgm:spPr/>
-      <dgm:t>
-        <a:bodyPr/>
-        <a:lstStyle/>
-        <a:p>
-          <a:r>
-            <a:rPr lang="en-US" smtClean="0"/>
-            <a:t>Describe this step in your experiment</a:t>
-          </a:r>
-          <a:endParaRPr lang="en-US" dirty="0"/>
-        </a:p>
-      </dgm:t>
-    </dgm:pt>
-    <dgm:pt modelId="{BC272908-DB90-4FCA-8784-0CA7E6A97E8F}" type="parTrans" cxnId="{4B471AE2-396E-4C5C-9110-4123DA6DCE53}">
-      <dgm:prSet/>
-      <dgm:spPr/>
-      <dgm:t>
-        <a:bodyPr/>
-        <a:lstStyle/>
-        <a:p>
-          <a:endParaRPr lang="en-US"/>
-        </a:p>
-      </dgm:t>
-    </dgm:pt>
-    <dgm:pt modelId="{4A78B380-1F85-4365-BF1F-0BD8AD7C8590}" type="sibTrans" cxnId="{4B471AE2-396E-4C5C-9110-4123DA6DCE53}">
-      <dgm:prSet/>
-      <dgm:spPr/>
-      <dgm:t>
-        <a:bodyPr/>
-        <a:lstStyle/>
-        <a:p>
-          <a:endParaRPr lang="en-US"/>
-        </a:p>
-      </dgm:t>
-    </dgm:pt>
-    <dgm:pt modelId="{0F8DBA57-A3BA-4BC9-A853-67B71E3B3531}">
-      <dgm:prSet phldrT="[Text]"/>
-      <dgm:spPr/>
-      <dgm:t>
-        <a:bodyPr/>
-        <a:lstStyle/>
-        <a:p>
-          <a:r>
-            <a:rPr lang="en-US" dirty="0" smtClean="0"/>
-            <a:t>Step 3</a:t>
-          </a:r>
-          <a:endParaRPr lang="en-US" dirty="0"/>
-        </a:p>
-      </dgm:t>
-    </dgm:pt>
-    <dgm:pt modelId="{99BB5F99-B845-4128-856A-D40FE489F4C0}" type="parTrans" cxnId="{81AE50C2-F587-470B-86FC-B5A28EFEE1BC}">
-      <dgm:prSet/>
-      <dgm:spPr/>
-      <dgm:t>
-        <a:bodyPr/>
-        <a:lstStyle/>
-        <a:p>
-          <a:endParaRPr lang="en-US"/>
-        </a:p>
-      </dgm:t>
-    </dgm:pt>
-    <dgm:pt modelId="{CD82CFE7-3793-47B0-8B52-9C19EDB40EDE}" type="sibTrans" cxnId="{81AE50C2-F587-470B-86FC-B5A28EFEE1BC}">
-      <dgm:prSet/>
-      <dgm:spPr/>
-      <dgm:t>
-        <a:bodyPr/>
-        <a:lstStyle/>
-        <a:p>
-          <a:endParaRPr lang="en-US"/>
-        </a:p>
-      </dgm:t>
-    </dgm:pt>
-    <dgm:pt modelId="{D0989AE5-C818-44D5-8AE6-32DEAF6F46CC}">
-      <dgm:prSet phldrT="[Text]"/>
-      <dgm:spPr/>
-      <dgm:t>
-        <a:bodyPr/>
-        <a:lstStyle/>
-        <a:p>
-          <a:r>
-            <a:rPr lang="en-US" dirty="0" smtClean="0"/>
-            <a:t>Describe this step in your experiment</a:t>
-          </a:r>
-          <a:endParaRPr lang="en-US" dirty="0"/>
-        </a:p>
-      </dgm:t>
-    </dgm:pt>
-    <dgm:pt modelId="{5116A57A-5F5C-441B-8E98-72FC83223934}" type="parTrans" cxnId="{0990249C-5F83-4AC6-BBDE-76609E41C3B7}">
-      <dgm:prSet/>
-      <dgm:spPr/>
-      <dgm:t>
-        <a:bodyPr/>
-        <a:lstStyle/>
-        <a:p>
-          <a:endParaRPr lang="en-US"/>
-        </a:p>
-      </dgm:t>
-    </dgm:pt>
-    <dgm:pt modelId="{0B13468D-FE4E-4A8A-A598-8159F0C900A0}" type="sibTrans" cxnId="{0990249C-5F83-4AC6-BBDE-76609E41C3B7}">
-      <dgm:prSet/>
-      <dgm:spPr/>
-      <dgm:t>
-        <a:bodyPr/>
-        <a:lstStyle/>
-        <a:p>
-          <a:endParaRPr lang="en-US"/>
-        </a:p>
-      </dgm:t>
-    </dgm:pt>
-    <dgm:pt modelId="{677FC8B7-2875-43E9-9CDF-1CB72AAB0D0E}">
-      <dgm:prSet phldrT="[Text]"/>
-      <dgm:spPr/>
-      <dgm:t>
-        <a:bodyPr/>
-        <a:lstStyle/>
-        <a:p>
-          <a:r>
-            <a:rPr lang="en-US" dirty="0" smtClean="0"/>
-            <a:t>Step 4</a:t>
-          </a:r>
-          <a:endParaRPr lang="en-US" dirty="0"/>
-        </a:p>
-      </dgm:t>
-    </dgm:pt>
-    <dgm:pt modelId="{135D044B-CF2D-4837-B65C-369AE7EBF5F6}" type="parTrans" cxnId="{97DC5797-804D-44AB-A7F2-9EB61CACB1D5}">
-      <dgm:prSet/>
-      <dgm:spPr/>
-      <dgm:t>
-        <a:bodyPr/>
-        <a:lstStyle/>
-        <a:p>
-          <a:endParaRPr lang="en-US"/>
-        </a:p>
-      </dgm:t>
-    </dgm:pt>
-    <dgm:pt modelId="{76FCE978-AC8C-47A4-866D-929EE0B68914}" type="sibTrans" cxnId="{97DC5797-804D-44AB-A7F2-9EB61CACB1D5}">
-      <dgm:prSet/>
-      <dgm:spPr/>
-      <dgm:t>
-        <a:bodyPr/>
-        <a:lstStyle/>
-        <a:p>
-          <a:endParaRPr lang="en-US"/>
-        </a:p>
-      </dgm:t>
-    </dgm:pt>
-    <dgm:pt modelId="{A9B56225-2ADD-49DA-81AC-70F2AF1C4A96}">
-      <dgm:prSet phldrT="[Text]"/>
-      <dgm:spPr/>
-      <dgm:t>
-        <a:bodyPr/>
-        <a:lstStyle/>
-        <a:p>
-          <a:r>
-            <a:rPr lang="en-US" dirty="0" smtClean="0"/>
-            <a:t>Describe this step in your experiment</a:t>
-          </a:r>
-          <a:endParaRPr lang="en-US" dirty="0"/>
-        </a:p>
-      </dgm:t>
-    </dgm:pt>
-    <dgm:pt modelId="{0BDA5908-E6FD-4F09-9B29-F0DA4C25A334}" type="parTrans" cxnId="{21B7AB36-1C2E-4E8E-BAFE-E7BF013A0E25}">
-      <dgm:prSet/>
-      <dgm:spPr/>
-      <dgm:t>
-        <a:bodyPr/>
-        <a:lstStyle/>
-        <a:p>
-          <a:endParaRPr lang="en-US"/>
-        </a:p>
-      </dgm:t>
-    </dgm:pt>
-    <dgm:pt modelId="{430BF9A0-6AC4-4B0D-A7AB-5C13328C2783}" type="sibTrans" cxnId="{21B7AB36-1C2E-4E8E-BAFE-E7BF013A0E25}">
-      <dgm:prSet/>
-      <dgm:spPr/>
-      <dgm:t>
-        <a:bodyPr/>
-        <a:lstStyle/>
-        <a:p>
-          <a:endParaRPr lang="en-US"/>
-        </a:p>
-      </dgm:t>
-    </dgm:pt>
-    <dgm:pt modelId="{8C6E4A05-D928-421F-BB35-AB0FFEB0B7C4}" type="pres">
-      <dgm:prSet presAssocID="{25AFBC85-EE41-46FB-A7F4-99ED4084C835}" presName="Name0" presStyleCnt="0">
-        <dgm:presLayoutVars>
-          <dgm:dir/>
-        </dgm:presLayoutVars>
-      </dgm:prSet>
-      <dgm:spPr/>
-      <dgm:t>
-        <a:bodyPr/>
-        <a:lstStyle/>
-        <a:p>
-          <a:endParaRPr lang="en-US"/>
-        </a:p>
-      </dgm:t>
-    </dgm:pt>
-    <dgm:pt modelId="{8C8EDC2C-400F-4A87-B348-71B90CDC58F1}" type="pres">
-      <dgm:prSet presAssocID="{A518A75D-9854-4CDE-9FB7-B1EBB324AAED}" presName="composite" presStyleCnt="0"/>
-      <dgm:spPr/>
-    </dgm:pt>
-    <dgm:pt modelId="{53B4FA82-603E-4EDB-90A9-1DA699C2C901}" type="pres">
-      <dgm:prSet presAssocID="{A518A75D-9854-4CDE-9FB7-B1EBB324AAED}" presName="Accent" presStyleLbl="alignAcc1" presStyleIdx="0" presStyleCnt="4"/>
-      <dgm:spPr/>
-    </dgm:pt>
-    <dgm:pt modelId="{48475A52-D924-4818-BEE8-D250047D6B3F}" type="pres">
-      <dgm:prSet presAssocID="{A518A75D-9854-4CDE-9FB7-B1EBB324AAED}" presName="Image" presStyleLbl="node1" presStyleIdx="0" presStyleCnt="4"/>
-      <dgm:spPr>
-        <a:blipFill>
-          <a:blip xmlns:r="http://schemas.openxmlformats.org/officeDocument/2006/relationships" r:embed="rId1" cstate="print">
-            <a:extLst>
-              <a:ext uri="{28A0092B-C50C-407E-A947-70E740481C1C}">
-                <a14:useLocalDpi xmlns:a14="http://schemas.microsoft.com/office/drawing/2010/main" xmlns="" val="0"/>
-              </a:ext>
-            </a:extLst>
-          </a:blip>
-          <a:srcRect/>
-          <a:stretch>
-            <a:fillRect/>
-          </a:stretch>
-        </a:blipFill>
-      </dgm:spPr>
-      <dgm:extLst>
-        <a:ext uri="{E40237B7-FDA0-4F09-8148-C483321AD2D9}">
-          <dgm14:cNvPr xmlns:dgm14="http://schemas.microsoft.com/office/drawing/2010/diagram" xmlns="" id="0" name="" descr="Stack of file folders and papers with pen on top." title="Sample Picture"/>
-        </a:ext>
-      </dgm:extLst>
-    </dgm:pt>
-    <dgm:pt modelId="{5ABBC393-AD16-4772-8402-4ABCB8683B4E}" type="pres">
-      <dgm:prSet presAssocID="{A518A75D-9854-4CDE-9FB7-B1EBB324AAED}" presName="Child" presStyleLbl="revTx" presStyleIdx="0" presStyleCnt="4">
-        <dgm:presLayoutVars>
-          <dgm:bulletEnabled val="1"/>
-        </dgm:presLayoutVars>
-      </dgm:prSet>
-      <dgm:spPr/>
-      <dgm:t>
-        <a:bodyPr/>
-        <a:lstStyle/>
-        <a:p>
-          <a:endParaRPr lang="en-US"/>
-        </a:p>
-      </dgm:t>
-    </dgm:pt>
-    <dgm:pt modelId="{770E20EC-6929-4A45-99D5-285545E37892}" type="pres">
-      <dgm:prSet presAssocID="{A518A75D-9854-4CDE-9FB7-B1EBB324AAED}" presName="Parent" presStyleLbl="alignNode1" presStyleIdx="0" presStyleCnt="4">
-        <dgm:presLayoutVars>
-          <dgm:bulletEnabled val="1"/>
-        </dgm:presLayoutVars>
-      </dgm:prSet>
-      <dgm:spPr/>
-      <dgm:t>
-        <a:bodyPr/>
-        <a:lstStyle/>
-        <a:p>
-          <a:endParaRPr lang="en-US"/>
-        </a:p>
-      </dgm:t>
-    </dgm:pt>
-    <dgm:pt modelId="{F445107B-3E02-430C-9039-D2AE418B235A}" type="pres">
-      <dgm:prSet presAssocID="{FF440F30-5F7D-44F0-8264-C65521A11F0C}" presName="sibTrans" presStyleCnt="0"/>
-      <dgm:spPr/>
-    </dgm:pt>
-    <dgm:pt modelId="{4F88CED5-DAB2-486C-AD16-C2CB6913B61B}" type="pres">
-      <dgm:prSet presAssocID="{25AF84C7-6ED7-450C-83EA-4337CE735A70}" presName="composite" presStyleCnt="0"/>
-      <dgm:spPr/>
-    </dgm:pt>
-    <dgm:pt modelId="{6806A88B-ACCD-4689-BA2C-F1412EF73B42}" type="pres">
-      <dgm:prSet presAssocID="{25AF84C7-6ED7-450C-83EA-4337CE735A70}" presName="Accent" presStyleLbl="alignAcc1" presStyleIdx="1" presStyleCnt="4"/>
-      <dgm:spPr/>
-    </dgm:pt>
-    <dgm:pt modelId="{6D3BA09B-A748-477B-98A1-FEDE95925694}" type="pres">
-      <dgm:prSet presAssocID="{25AF84C7-6ED7-450C-83EA-4337CE735A70}" presName="Image" presStyleLbl="node1" presStyleIdx="1" presStyleCnt="4"/>
-      <dgm:spPr>
-        <a:blipFill>
-          <a:blip xmlns:r="http://schemas.openxmlformats.org/officeDocument/2006/relationships" r:embed="rId2" cstate="print">
-            <a:extLst>
-              <a:ext uri="{28A0092B-C50C-407E-A947-70E740481C1C}">
-                <a14:useLocalDpi xmlns:a14="http://schemas.microsoft.com/office/drawing/2010/main" xmlns="" val="0"/>
-              </a:ext>
-            </a:extLst>
-          </a:blip>
-          <a:srcRect/>
-          <a:stretch>
-            <a:fillRect/>
-          </a:stretch>
-        </a:blipFill>
-      </dgm:spPr>
-      <dgm:extLst>
-        <a:ext uri="{E40237B7-FDA0-4F09-8148-C483321AD2D9}">
-          <dgm14:cNvPr xmlns:dgm14="http://schemas.microsoft.com/office/drawing/2010/diagram" xmlns="" id="0" name="" descr="Four people having a discussion in office with large windows." title="Sample Picture"/>
-        </a:ext>
-      </dgm:extLst>
-    </dgm:pt>
-    <dgm:pt modelId="{A0810939-5D65-4F5C-894F-F86C706A7A1C}" type="pres">
-      <dgm:prSet presAssocID="{25AF84C7-6ED7-450C-83EA-4337CE735A70}" presName="Child" presStyleLbl="revTx" presStyleIdx="1" presStyleCnt="4">
-        <dgm:presLayoutVars>
-          <dgm:bulletEnabled val="1"/>
-        </dgm:presLayoutVars>
-      </dgm:prSet>
-      <dgm:spPr/>
-      <dgm:t>
-        <a:bodyPr/>
-        <a:lstStyle/>
-        <a:p>
-          <a:endParaRPr lang="en-US"/>
-        </a:p>
-      </dgm:t>
-    </dgm:pt>
-    <dgm:pt modelId="{16EEE8E2-3D18-44F6-B04A-3D59841E4FA8}" type="pres">
-      <dgm:prSet presAssocID="{25AF84C7-6ED7-450C-83EA-4337CE735A70}" presName="Parent" presStyleLbl="alignNode1" presStyleIdx="1" presStyleCnt="4">
-        <dgm:presLayoutVars>
-          <dgm:bulletEnabled val="1"/>
-        </dgm:presLayoutVars>
-      </dgm:prSet>
-      <dgm:spPr/>
-      <dgm:t>
-        <a:bodyPr/>
-        <a:lstStyle/>
-        <a:p>
-          <a:endParaRPr lang="en-US"/>
-        </a:p>
-      </dgm:t>
-    </dgm:pt>
-    <dgm:pt modelId="{BC140B48-2181-4811-AF91-223867D0738E}" type="pres">
-      <dgm:prSet presAssocID="{2562C856-622C-43A4-99D0-A7FF0C835EBA}" presName="sibTrans" presStyleCnt="0"/>
-      <dgm:spPr/>
-    </dgm:pt>
-    <dgm:pt modelId="{57293698-40AD-44C8-9B60-0D0C4FC11960}" type="pres">
-      <dgm:prSet presAssocID="{0F8DBA57-A3BA-4BC9-A853-67B71E3B3531}" presName="composite" presStyleCnt="0"/>
-      <dgm:spPr/>
-    </dgm:pt>
-    <dgm:pt modelId="{7F77031C-84AF-49FA-B2E3-6B22E2F49F2B}" type="pres">
-      <dgm:prSet presAssocID="{0F8DBA57-A3BA-4BC9-A853-67B71E3B3531}" presName="Accent" presStyleLbl="alignAcc1" presStyleIdx="2" presStyleCnt="4"/>
-      <dgm:spPr/>
-    </dgm:pt>
-    <dgm:pt modelId="{6FDEA8A3-BC3B-493E-88CC-A57435CCDC96}" type="pres">
-      <dgm:prSet presAssocID="{0F8DBA57-A3BA-4BC9-A853-67B71E3B3531}" presName="Image" presStyleLbl="node1" presStyleIdx="2" presStyleCnt="4"/>
-      <dgm:spPr>
-        <a:blipFill>
-          <a:blip xmlns:r="http://schemas.openxmlformats.org/officeDocument/2006/relationships" r:embed="rId3" cstate="print">
-            <a:extLst>
-              <a:ext uri="{28A0092B-C50C-407E-A947-70E740481C1C}">
-                <a14:useLocalDpi xmlns:a14="http://schemas.microsoft.com/office/drawing/2010/main" xmlns="" val="0"/>
-              </a:ext>
-            </a:extLst>
-          </a:blip>
-          <a:srcRect/>
-          <a:stretch>
-            <a:fillRect/>
-          </a:stretch>
-        </a:blipFill>
-      </dgm:spPr>
-      <dgm:extLst>
-        <a:ext uri="{E40237B7-FDA0-4F09-8148-C483321AD2D9}">
-          <dgm14:cNvPr xmlns:dgm14="http://schemas.microsoft.com/office/drawing/2010/diagram" xmlns="" id="0" name="" descr="Close up of students studying in library." title="Sample Picture"/>
-        </a:ext>
-      </dgm:extLst>
-    </dgm:pt>
-    <dgm:pt modelId="{EBE06ADE-C892-44D3-AB90-0EE941CCA21D}" type="pres">
-      <dgm:prSet presAssocID="{0F8DBA57-A3BA-4BC9-A853-67B71E3B3531}" presName="Child" presStyleLbl="revTx" presStyleIdx="2" presStyleCnt="4">
-        <dgm:presLayoutVars>
-          <dgm:bulletEnabled val="1"/>
-        </dgm:presLayoutVars>
-      </dgm:prSet>
-      <dgm:spPr/>
-      <dgm:t>
-        <a:bodyPr/>
-        <a:lstStyle/>
-        <a:p>
-          <a:endParaRPr lang="en-US"/>
-        </a:p>
-      </dgm:t>
-    </dgm:pt>
-    <dgm:pt modelId="{B3686B38-0C87-411A-9F82-923E333643FB}" type="pres">
-      <dgm:prSet presAssocID="{0F8DBA57-A3BA-4BC9-A853-67B71E3B3531}" presName="Parent" presStyleLbl="alignNode1" presStyleIdx="2" presStyleCnt="4">
-        <dgm:presLayoutVars>
-          <dgm:bulletEnabled val="1"/>
-        </dgm:presLayoutVars>
-      </dgm:prSet>
-      <dgm:spPr/>
-      <dgm:t>
-        <a:bodyPr/>
-        <a:lstStyle/>
-        <a:p>
-          <a:endParaRPr lang="en-US"/>
-        </a:p>
-      </dgm:t>
-    </dgm:pt>
-    <dgm:pt modelId="{0A69584E-ED28-4A81-B130-0E9A2F565C94}" type="pres">
-      <dgm:prSet presAssocID="{CD82CFE7-3793-47B0-8B52-9C19EDB40EDE}" presName="sibTrans" presStyleCnt="0"/>
-      <dgm:spPr/>
-    </dgm:pt>
-    <dgm:pt modelId="{CCF11A6E-F586-4910-8C44-1AE6AD4ECC02}" type="pres">
-      <dgm:prSet presAssocID="{677FC8B7-2875-43E9-9CDF-1CB72AAB0D0E}" presName="composite" presStyleCnt="0"/>
-      <dgm:spPr/>
-    </dgm:pt>
-    <dgm:pt modelId="{87ACD694-36F9-4193-A8FE-573DA345BCA3}" type="pres">
-      <dgm:prSet presAssocID="{677FC8B7-2875-43E9-9CDF-1CB72AAB0D0E}" presName="Accent" presStyleLbl="alignAcc1" presStyleIdx="3" presStyleCnt="4"/>
-      <dgm:spPr/>
-    </dgm:pt>
-    <dgm:pt modelId="{D5EF084B-0048-459A-9001-2451F5192F25}" type="pres">
-      <dgm:prSet presAssocID="{677FC8B7-2875-43E9-9CDF-1CB72AAB0D0E}" presName="Image" presStyleLbl="node1" presStyleIdx="3" presStyleCnt="4"/>
-      <dgm:spPr>
-        <a:blipFill>
-          <a:blip xmlns:r="http://schemas.openxmlformats.org/officeDocument/2006/relationships" r:embed="rId4" cstate="print">
-            <a:extLst>
-              <a:ext uri="{28A0092B-C50C-407E-A947-70E740481C1C}">
-                <a14:useLocalDpi xmlns:a14="http://schemas.microsoft.com/office/drawing/2010/main" xmlns="" val="0"/>
-              </a:ext>
-            </a:extLst>
-          </a:blip>
-          <a:srcRect/>
-          <a:stretch>
-            <a:fillRect/>
-          </a:stretch>
-        </a:blipFill>
-      </dgm:spPr>
-      <dgm:t>
-        <a:bodyPr/>
-        <a:lstStyle/>
-        <a:p>
-          <a:endParaRPr lang="en-US"/>
-        </a:p>
-      </dgm:t>
-      <dgm:extLst>
-        <a:ext uri="{E40237B7-FDA0-4F09-8148-C483321AD2D9}">
-          <dgm14:cNvPr xmlns:dgm14="http://schemas.microsoft.com/office/drawing/2010/diagram" xmlns="" id="0" name="" descr="Closeup of gloved hand picking up a glass beaker." title="Sample Picture"/>
-        </a:ext>
-      </dgm:extLst>
-    </dgm:pt>
-    <dgm:pt modelId="{2A1C86DE-9AB9-421D-8408-47DA191A0168}" type="pres">
-      <dgm:prSet presAssocID="{677FC8B7-2875-43E9-9CDF-1CB72AAB0D0E}" presName="Child" presStyleLbl="revTx" presStyleIdx="3" presStyleCnt="4">
-        <dgm:presLayoutVars>
-          <dgm:bulletEnabled val="1"/>
-        </dgm:presLayoutVars>
-      </dgm:prSet>
-      <dgm:spPr/>
-      <dgm:t>
-        <a:bodyPr/>
-        <a:lstStyle/>
-        <a:p>
-          <a:endParaRPr lang="en-US"/>
-        </a:p>
-      </dgm:t>
-    </dgm:pt>
-    <dgm:pt modelId="{4E89074A-DD45-4C30-BE68-0847302086FD}" type="pres">
-      <dgm:prSet presAssocID="{677FC8B7-2875-43E9-9CDF-1CB72AAB0D0E}" presName="Parent" presStyleLbl="alignNode1" presStyleIdx="3" presStyleCnt="4">
-        <dgm:presLayoutVars>
-          <dgm:bulletEnabled val="1"/>
-        </dgm:presLayoutVars>
-      </dgm:prSet>
-      <dgm:spPr/>
-      <dgm:t>
-        <a:bodyPr/>
-        <a:lstStyle/>
-        <a:p>
-          <a:endParaRPr lang="en-US"/>
-        </a:p>
-      </dgm:t>
-    </dgm:pt>
-  </dgm:ptLst>
-  <dgm:cxnLst>
-    <dgm:cxn modelId="{E5053C00-76EC-4519-ABF3-0ACDA95BE163}" srcId="{25AFBC85-EE41-46FB-A7F4-99ED4084C835}" destId="{A518A75D-9854-4CDE-9FB7-B1EBB324AAED}" srcOrd="0" destOrd="0" parTransId="{8A2D5E86-42BC-415B-A1DE-0C28EEB3661C}" sibTransId="{FF440F30-5F7D-44F0-8264-C65521A11F0C}"/>
-    <dgm:cxn modelId="{21B7AB36-1C2E-4E8E-BAFE-E7BF013A0E25}" srcId="{677FC8B7-2875-43E9-9CDF-1CB72AAB0D0E}" destId="{A9B56225-2ADD-49DA-81AC-70F2AF1C4A96}" srcOrd="0" destOrd="0" parTransId="{0BDA5908-E6FD-4F09-9B29-F0DA4C25A334}" sibTransId="{430BF9A0-6AC4-4B0D-A7AB-5C13328C2783}"/>
-    <dgm:cxn modelId="{4B471AE2-396E-4C5C-9110-4123DA6DCE53}" srcId="{25AF84C7-6ED7-450C-83EA-4337CE735A70}" destId="{300FCD3E-1ADF-4D8E-8B7F-C23D248E5AA3}" srcOrd="0" destOrd="0" parTransId="{BC272908-DB90-4FCA-8784-0CA7E6A97E8F}" sibTransId="{4A78B380-1F85-4365-BF1F-0BD8AD7C8590}"/>
-    <dgm:cxn modelId="{0990249C-5F83-4AC6-BBDE-76609E41C3B7}" srcId="{0F8DBA57-A3BA-4BC9-A853-67B71E3B3531}" destId="{D0989AE5-C818-44D5-8AE6-32DEAF6F46CC}" srcOrd="0" destOrd="0" parTransId="{5116A57A-5F5C-441B-8E98-72FC83223934}" sibTransId="{0B13468D-FE4E-4A8A-A598-8159F0C900A0}"/>
-    <dgm:cxn modelId="{97DC5797-804D-44AB-A7F2-9EB61CACB1D5}" srcId="{25AFBC85-EE41-46FB-A7F4-99ED4084C835}" destId="{677FC8B7-2875-43E9-9CDF-1CB72AAB0D0E}" srcOrd="3" destOrd="0" parTransId="{135D044B-CF2D-4837-B65C-369AE7EBF5F6}" sibTransId="{76FCE978-AC8C-47A4-866D-929EE0B68914}"/>
-    <dgm:cxn modelId="{CA8B89D3-A3E5-41AB-9C8A-76BEC3920398}" type="presOf" srcId="{A518A75D-9854-4CDE-9FB7-B1EBB324AAED}" destId="{770E20EC-6929-4A45-99D5-285545E37892}" srcOrd="0" destOrd="0" presId="urn:microsoft.com/office/officeart/2008/layout/TitlePictureLineup"/>
-    <dgm:cxn modelId="{BC99CF63-34B5-4D4D-84B8-160D4C4D99B0}" type="presOf" srcId="{300FCD3E-1ADF-4D8E-8B7F-C23D248E5AA3}" destId="{A0810939-5D65-4F5C-894F-F86C706A7A1C}" srcOrd="0" destOrd="0" presId="urn:microsoft.com/office/officeart/2008/layout/TitlePictureLineup"/>
-    <dgm:cxn modelId="{6A0A065E-D593-4F6E-BB02-BF63EE5BC407}" type="presOf" srcId="{25AFBC85-EE41-46FB-A7F4-99ED4084C835}" destId="{8C6E4A05-D928-421F-BB35-AB0FFEB0B7C4}" srcOrd="0" destOrd="0" presId="urn:microsoft.com/office/officeart/2008/layout/TitlePictureLineup"/>
-    <dgm:cxn modelId="{C84F12B6-3EE3-4557-A9DE-5ECD9E203BEF}" type="presOf" srcId="{0F8DBA57-A3BA-4BC9-A853-67B71E3B3531}" destId="{B3686B38-0C87-411A-9F82-923E333643FB}" srcOrd="0" destOrd="0" presId="urn:microsoft.com/office/officeart/2008/layout/TitlePictureLineup"/>
-    <dgm:cxn modelId="{447AF68F-5153-4E01-A5A1-8D3A25A73007}" srcId="{25AFBC85-EE41-46FB-A7F4-99ED4084C835}" destId="{25AF84C7-6ED7-450C-83EA-4337CE735A70}" srcOrd="1" destOrd="0" parTransId="{33168ED3-1516-4DE0-87C6-D0BBEBB68307}" sibTransId="{2562C856-622C-43A4-99D0-A7FF0C835EBA}"/>
-    <dgm:cxn modelId="{9140734E-E639-4086-9B62-F9B15D8D45A9}" type="presOf" srcId="{D0989AE5-C818-44D5-8AE6-32DEAF6F46CC}" destId="{EBE06ADE-C892-44D3-AB90-0EE941CCA21D}" srcOrd="0" destOrd="0" presId="urn:microsoft.com/office/officeart/2008/layout/TitlePictureLineup"/>
-    <dgm:cxn modelId="{E003B334-5224-4D62-B853-FA481A6CA493}" type="presOf" srcId="{A9B56225-2ADD-49DA-81AC-70F2AF1C4A96}" destId="{2A1C86DE-9AB9-421D-8408-47DA191A0168}" srcOrd="0" destOrd="0" presId="urn:microsoft.com/office/officeart/2008/layout/TitlePictureLineup"/>
-    <dgm:cxn modelId="{B724B512-D13F-42E5-8E9D-6F0A3CE544D8}" type="presOf" srcId="{48328429-D21F-4CF6-9089-EE3F5F57F2AC}" destId="{5ABBC393-AD16-4772-8402-4ABCB8683B4E}" srcOrd="0" destOrd="0" presId="urn:microsoft.com/office/officeart/2008/layout/TitlePictureLineup"/>
-    <dgm:cxn modelId="{951AB036-7A1D-4DCF-8595-B29E9F00F3BE}" type="presOf" srcId="{677FC8B7-2875-43E9-9CDF-1CB72AAB0D0E}" destId="{4E89074A-DD45-4C30-BE68-0847302086FD}" srcOrd="0" destOrd="0" presId="urn:microsoft.com/office/officeart/2008/layout/TitlePictureLineup"/>
-    <dgm:cxn modelId="{B7AA9BCE-D649-4F1B-B108-93466D2481F6}" srcId="{A518A75D-9854-4CDE-9FB7-B1EBB324AAED}" destId="{48328429-D21F-4CF6-9089-EE3F5F57F2AC}" srcOrd="0" destOrd="0" parTransId="{1635AB15-42A4-42D6-9F2B-33788AD7A83B}" sibTransId="{C822654F-BF62-47E3-96FD-AE4B604B788B}"/>
-    <dgm:cxn modelId="{4A4ADF06-6D3D-43CF-9662-53E434EE742F}" type="presOf" srcId="{25AF84C7-6ED7-450C-83EA-4337CE735A70}" destId="{16EEE8E2-3D18-44F6-B04A-3D59841E4FA8}" srcOrd="0" destOrd="0" presId="urn:microsoft.com/office/officeart/2008/layout/TitlePictureLineup"/>
-    <dgm:cxn modelId="{81AE50C2-F587-470B-86FC-B5A28EFEE1BC}" srcId="{25AFBC85-EE41-46FB-A7F4-99ED4084C835}" destId="{0F8DBA57-A3BA-4BC9-A853-67B71E3B3531}" srcOrd="2" destOrd="0" parTransId="{99BB5F99-B845-4128-856A-D40FE489F4C0}" sibTransId="{CD82CFE7-3793-47B0-8B52-9C19EDB40EDE}"/>
-    <dgm:cxn modelId="{B5657A53-F7C5-449A-A28C-ADB1BD95AFAD}" type="presParOf" srcId="{8C6E4A05-D928-421F-BB35-AB0FFEB0B7C4}" destId="{8C8EDC2C-400F-4A87-B348-71B90CDC58F1}" srcOrd="0" destOrd="0" presId="urn:microsoft.com/office/officeart/2008/layout/TitlePictureLineup"/>
-    <dgm:cxn modelId="{1C80C19B-C14E-453A-AD9B-0F519D412CCB}" type="presParOf" srcId="{8C8EDC2C-400F-4A87-B348-71B90CDC58F1}" destId="{53B4FA82-603E-4EDB-90A9-1DA699C2C901}" srcOrd="0" destOrd="0" presId="urn:microsoft.com/office/officeart/2008/layout/TitlePictureLineup"/>
-    <dgm:cxn modelId="{0D6A37DD-154A-4327-B4B3-2A50C24373F9}" type="presParOf" srcId="{8C8EDC2C-400F-4A87-B348-71B90CDC58F1}" destId="{48475A52-D924-4818-BEE8-D250047D6B3F}" srcOrd="1" destOrd="0" presId="urn:microsoft.com/office/officeart/2008/layout/TitlePictureLineup"/>
-    <dgm:cxn modelId="{1E1E856B-4E06-4DFA-AE7E-1819C16ECE23}" type="presParOf" srcId="{8C8EDC2C-400F-4A87-B348-71B90CDC58F1}" destId="{5ABBC393-AD16-4772-8402-4ABCB8683B4E}" srcOrd="2" destOrd="0" presId="urn:microsoft.com/office/officeart/2008/layout/TitlePictureLineup"/>
-    <dgm:cxn modelId="{94603CFF-6319-4F7E-9584-61D5B3C6CCE8}" type="presParOf" srcId="{8C8EDC2C-400F-4A87-B348-71B90CDC58F1}" destId="{770E20EC-6929-4A45-99D5-285545E37892}" srcOrd="3" destOrd="0" presId="urn:microsoft.com/office/officeart/2008/layout/TitlePictureLineup"/>
-    <dgm:cxn modelId="{118F0820-8E7E-4B51-9E59-DD8CD76FCF99}" type="presParOf" srcId="{8C6E4A05-D928-421F-BB35-AB0FFEB0B7C4}" destId="{F445107B-3E02-430C-9039-D2AE418B235A}" srcOrd="1" destOrd="0" presId="urn:microsoft.com/office/officeart/2008/layout/TitlePictureLineup"/>
-    <dgm:cxn modelId="{548A32D1-9AF9-45CD-8C7D-024637A7AB9D}" type="presParOf" srcId="{8C6E4A05-D928-421F-BB35-AB0FFEB0B7C4}" destId="{4F88CED5-DAB2-486C-AD16-C2CB6913B61B}" srcOrd="2" destOrd="0" presId="urn:microsoft.com/office/officeart/2008/layout/TitlePictureLineup"/>
-    <dgm:cxn modelId="{82A3BCF8-B055-4122-8F9F-3924F53D11F3}" type="presParOf" srcId="{4F88CED5-DAB2-486C-AD16-C2CB6913B61B}" destId="{6806A88B-ACCD-4689-BA2C-F1412EF73B42}" srcOrd="0" destOrd="0" presId="urn:microsoft.com/office/officeart/2008/layout/TitlePictureLineup"/>
-    <dgm:cxn modelId="{B468AC5D-6312-4CB3-A75C-4DD567095356}" type="presParOf" srcId="{4F88CED5-DAB2-486C-AD16-C2CB6913B61B}" destId="{6D3BA09B-A748-477B-98A1-FEDE95925694}" srcOrd="1" destOrd="0" presId="urn:microsoft.com/office/officeart/2008/layout/TitlePictureLineup"/>
-    <dgm:cxn modelId="{565D5817-8668-4194-8212-B5C1333A11D3}" type="presParOf" srcId="{4F88CED5-DAB2-486C-AD16-C2CB6913B61B}" destId="{A0810939-5D65-4F5C-894F-F86C706A7A1C}" srcOrd="2" destOrd="0" presId="urn:microsoft.com/office/officeart/2008/layout/TitlePictureLineup"/>
-    <dgm:cxn modelId="{588CC3A0-CAF9-4EC4-9804-E43CF7F6D4A8}" type="presParOf" srcId="{4F88CED5-DAB2-486C-AD16-C2CB6913B61B}" destId="{16EEE8E2-3D18-44F6-B04A-3D59841E4FA8}" srcOrd="3" destOrd="0" presId="urn:microsoft.com/office/officeart/2008/layout/TitlePictureLineup"/>
-    <dgm:cxn modelId="{174A4375-01F6-4B6C-BFAA-671ADF1C725A}" type="presParOf" srcId="{8C6E4A05-D928-421F-BB35-AB0FFEB0B7C4}" destId="{BC140B48-2181-4811-AF91-223867D0738E}" srcOrd="3" destOrd="0" presId="urn:microsoft.com/office/officeart/2008/layout/TitlePictureLineup"/>
-    <dgm:cxn modelId="{34978403-7B65-46B8-9090-6D3EF6659C85}" type="presParOf" srcId="{8C6E4A05-D928-421F-BB35-AB0FFEB0B7C4}" destId="{57293698-40AD-44C8-9B60-0D0C4FC11960}" srcOrd="4" destOrd="0" presId="urn:microsoft.com/office/officeart/2008/layout/TitlePictureLineup"/>
-    <dgm:cxn modelId="{5D836622-280E-4845-A659-9D33579C26AB}" type="presParOf" srcId="{57293698-40AD-44C8-9B60-0D0C4FC11960}" destId="{7F77031C-84AF-49FA-B2E3-6B22E2F49F2B}" srcOrd="0" destOrd="0" presId="urn:microsoft.com/office/officeart/2008/layout/TitlePictureLineup"/>
-    <dgm:cxn modelId="{1B177A82-D028-4DEB-802C-CC84A925EB5D}" type="presParOf" srcId="{57293698-40AD-44C8-9B60-0D0C4FC11960}" destId="{6FDEA8A3-BC3B-493E-88CC-A57435CCDC96}" srcOrd="1" destOrd="0" presId="urn:microsoft.com/office/officeart/2008/layout/TitlePictureLineup"/>
-    <dgm:cxn modelId="{C8378814-4562-48A5-B7DC-6589C729DB15}" type="presParOf" srcId="{57293698-40AD-44C8-9B60-0D0C4FC11960}" destId="{EBE06ADE-C892-44D3-AB90-0EE941CCA21D}" srcOrd="2" destOrd="0" presId="urn:microsoft.com/office/officeart/2008/layout/TitlePictureLineup"/>
-    <dgm:cxn modelId="{0D45383A-482B-44A0-B1A5-2DCB71105C09}" type="presParOf" srcId="{57293698-40AD-44C8-9B60-0D0C4FC11960}" destId="{B3686B38-0C87-411A-9F82-923E333643FB}" srcOrd="3" destOrd="0" presId="urn:microsoft.com/office/officeart/2008/layout/TitlePictureLineup"/>
-    <dgm:cxn modelId="{08204CAE-7BF2-4DAB-8015-F3F5ABE2F48B}" type="presParOf" srcId="{8C6E4A05-D928-421F-BB35-AB0FFEB0B7C4}" destId="{0A69584E-ED28-4A81-B130-0E9A2F565C94}" srcOrd="5" destOrd="0" presId="urn:microsoft.com/office/officeart/2008/layout/TitlePictureLineup"/>
-    <dgm:cxn modelId="{52EDB241-342E-464E-8400-02E1B331CB85}" type="presParOf" srcId="{8C6E4A05-D928-421F-BB35-AB0FFEB0B7C4}" destId="{CCF11A6E-F586-4910-8C44-1AE6AD4ECC02}" srcOrd="6" destOrd="0" presId="urn:microsoft.com/office/officeart/2008/layout/TitlePictureLineup"/>
-    <dgm:cxn modelId="{C38F45B8-687B-4411-8E6A-53A47B7D6176}" type="presParOf" srcId="{CCF11A6E-F586-4910-8C44-1AE6AD4ECC02}" destId="{87ACD694-36F9-4193-A8FE-573DA345BCA3}" srcOrd="0" destOrd="0" presId="urn:microsoft.com/office/officeart/2008/layout/TitlePictureLineup"/>
-    <dgm:cxn modelId="{897F451A-53DF-4B1E-9380-A027CBDC7541}" type="presParOf" srcId="{CCF11A6E-F586-4910-8C44-1AE6AD4ECC02}" destId="{D5EF084B-0048-459A-9001-2451F5192F25}" srcOrd="1" destOrd="0" presId="urn:microsoft.com/office/officeart/2008/layout/TitlePictureLineup"/>
-    <dgm:cxn modelId="{4180D4C8-36C2-4E1C-9F25-69BF37E8E673}" type="presParOf" srcId="{CCF11A6E-F586-4910-8C44-1AE6AD4ECC02}" destId="{2A1C86DE-9AB9-421D-8408-47DA191A0168}" srcOrd="2" destOrd="0" presId="urn:microsoft.com/office/officeart/2008/layout/TitlePictureLineup"/>
-    <dgm:cxn modelId="{9E1174A5-804B-4A57-89C9-AAA3D772EA69}" type="presParOf" srcId="{CCF11A6E-F586-4910-8C44-1AE6AD4ECC02}" destId="{4E89074A-DD45-4C30-BE68-0847302086FD}" srcOrd="3" destOrd="0" presId="urn:microsoft.com/office/officeart/2008/layout/TitlePictureLineup"/>
-  </dgm:cxnLst>
-  <dgm:bg/>
-  <dgm:whole/>
-  <dgm:extLst>
-    <a:ext uri="http://schemas.microsoft.com/office/drawing/2008/diagram">
-      <dsp:dataModelExt xmlns:dsp="http://schemas.microsoft.com/office/drawing/2008/diagram" xmlns="" relId="rId12" minVer="http://schemas.openxmlformats.org/drawingml/2006/diagram"/>
-    </a:ext>
-  </dgm:extLst>
-</dgm:dataModel>
-</file>
-
-<file path=ppt/diagrams/data3.xml><?xml version="1.0" encoding="utf-8"?>
 <dgm:dataModel xmlns:dgm="http://schemas.openxmlformats.org/drawingml/2006/diagram" xmlns:a="http://schemas.openxmlformats.org/drawingml/2006/main">
   <dgm:ptLst>
     <dgm:pt modelId="{425AB2E9-3568-4939-AD20-F42726F09D02}" type="doc">
@@ -5345,1502 +1813,6 @@
 </file>
 
 <file path=ppt/diagrams/drawing1.xml><?xml version="1.0" encoding="utf-8"?>
-<dsp:drawing xmlns:dgm="http://schemas.openxmlformats.org/drawingml/2006/diagram" xmlns:a="http://schemas.openxmlformats.org/drawingml/2006/main" xmlns:dsp="http://schemas.microsoft.com/office/drawing/2008/diagram">
-  <dsp:spTree>
-    <dsp:nvGrpSpPr>
-      <dsp:cNvPr id="0" name=""/>
-      <dsp:cNvGrpSpPr/>
-    </dsp:nvGrpSpPr>
-    <dsp:grpSpPr/>
-    <dsp:sp modelId="{B8C15370-9E21-4343-A577-4985C41A0B6E}">
-      <dsp:nvSpPr>
-        <dsp:cNvPr id="0" name=""/>
-        <dsp:cNvSpPr/>
-      </dsp:nvSpPr>
-      <dsp:spPr>
-        <a:xfrm>
-          <a:off x="4000" y="1352158"/>
-          <a:ext cx="3900487" cy="1560194"/>
-        </a:xfrm>
-        <a:prstGeom prst="rect">
-          <a:avLst/>
-        </a:prstGeom>
-        <a:solidFill>
-          <a:schemeClr val="accent1">
-            <a:hueOff val="0"/>
-            <a:satOff val="0"/>
-            <a:lumOff val="0"/>
-            <a:alphaOff val="0"/>
-          </a:schemeClr>
-        </a:solidFill>
-        <a:ln w="12700" cap="flat" cmpd="sng" algn="ctr">
-          <a:solidFill>
-            <a:schemeClr val="accent1">
-              <a:hueOff val="0"/>
-              <a:satOff val="0"/>
-              <a:lumOff val="0"/>
-              <a:alphaOff val="0"/>
-            </a:schemeClr>
-          </a:solidFill>
-          <a:prstDash val="solid"/>
-          <a:miter lim="800000"/>
-        </a:ln>
-        <a:effectLst/>
-      </dsp:spPr>
-      <dsp:style>
-        <a:lnRef idx="2">
-          <a:scrgbClr r="0" g="0" b="0"/>
-        </a:lnRef>
-        <a:fillRef idx="1">
-          <a:scrgbClr r="0" g="0" b="0"/>
-        </a:fillRef>
-        <a:effectRef idx="0">
-          <a:scrgbClr r="0" g="0" b="0"/>
-        </a:effectRef>
-        <a:fontRef idx="minor">
-          <a:schemeClr val="lt1"/>
-        </a:fontRef>
-      </dsp:style>
-      <dsp:txBody>
-        <a:bodyPr spcFirstLastPara="0" vert="horz" wrap="square" lIns="199136" tIns="113792" rIns="199136" bIns="113792" numCol="1" spcCol="1270" anchor="ctr" anchorCtr="0">
-          <a:noAutofit/>
-        </a:bodyPr>
-        <a:lstStyle/>
-        <a:p>
-          <a:pPr lvl="0" algn="ctr" defTabSz="1244600">
-            <a:lnSpc>
-              <a:spcPct val="90000"/>
-            </a:lnSpc>
-            <a:spcBef>
-              <a:spcPct val="0"/>
-            </a:spcBef>
-            <a:spcAft>
-              <a:spcPct val="35000"/>
-            </a:spcAft>
-          </a:pPr>
-          <a:r>
-            <a:rPr lang="en-US" sz="2800" kern="1200" dirty="0" smtClean="0"/>
-            <a:t>Controlled variables</a:t>
-          </a:r>
-          <a:endParaRPr lang="en-US" sz="2800" kern="1200" dirty="0"/>
-        </a:p>
-      </dsp:txBody>
-      <dsp:txXfrm>
-        <a:off x="4000" y="1352158"/>
-        <a:ext cx="3900487" cy="1560194"/>
-      </dsp:txXfrm>
-    </dsp:sp>
-    <dsp:sp modelId="{DE65B54D-BB89-4898-B770-68834B90CB27}">
-      <dsp:nvSpPr>
-        <dsp:cNvPr id="0" name=""/>
-        <dsp:cNvSpPr/>
-      </dsp:nvSpPr>
-      <dsp:spPr>
-        <a:xfrm>
-          <a:off x="4000" y="2912353"/>
-          <a:ext cx="3900487" cy="3033224"/>
-        </a:xfrm>
-        <a:prstGeom prst="rect">
-          <a:avLst/>
-        </a:prstGeom>
-        <a:solidFill>
-          <a:schemeClr val="accent1">
-            <a:alpha val="90000"/>
-            <a:tint val="40000"/>
-            <a:hueOff val="0"/>
-            <a:satOff val="0"/>
-            <a:lumOff val="0"/>
-            <a:alphaOff val="0"/>
-          </a:schemeClr>
-        </a:solidFill>
-        <a:ln w="12700" cap="flat" cmpd="sng" algn="ctr">
-          <a:solidFill>
-            <a:schemeClr val="accent1">
-              <a:alpha val="90000"/>
-              <a:tint val="40000"/>
-              <a:hueOff val="0"/>
-              <a:satOff val="0"/>
-              <a:lumOff val="0"/>
-              <a:alphaOff val="0"/>
-            </a:schemeClr>
-          </a:solidFill>
-          <a:prstDash val="solid"/>
-          <a:miter lim="800000"/>
-        </a:ln>
-        <a:effectLst/>
-      </dsp:spPr>
-      <dsp:style>
-        <a:lnRef idx="2">
-          <a:scrgbClr r="0" g="0" b="0"/>
-        </a:lnRef>
-        <a:fillRef idx="1">
-          <a:scrgbClr r="0" g="0" b="0"/>
-        </a:fillRef>
-        <a:effectRef idx="0">
-          <a:scrgbClr r="0" g="0" b="0"/>
-        </a:effectRef>
-        <a:fontRef idx="minor"/>
-      </dsp:style>
-      <dsp:txBody>
-        <a:bodyPr spcFirstLastPara="0" vert="horz" wrap="square" lIns="149352" tIns="149352" rIns="199136" bIns="224028" numCol="1" spcCol="1270" anchor="t" anchorCtr="0">
-          <a:noAutofit/>
-        </a:bodyPr>
-        <a:lstStyle/>
-        <a:p>
-          <a:pPr marL="285750" lvl="1" indent="-285750" algn="l" defTabSz="1244600">
-            <a:lnSpc>
-              <a:spcPct val="90000"/>
-            </a:lnSpc>
-            <a:spcBef>
-              <a:spcPct val="0"/>
-            </a:spcBef>
-            <a:spcAft>
-              <a:spcPct val="15000"/>
-            </a:spcAft>
-            <a:buChar char="••"/>
-          </a:pPr>
-          <a:r>
-            <a:rPr lang="en-US" sz="2800" kern="1200" dirty="0" smtClean="0"/>
-            <a:t>These are kept the same throughout your experiments</a:t>
-          </a:r>
-          <a:endParaRPr lang="en-US" sz="2800" kern="1200" dirty="0"/>
-        </a:p>
-      </dsp:txBody>
-      <dsp:txXfrm>
-        <a:off x="4000" y="2912353"/>
-        <a:ext cx="3900487" cy="3033224"/>
-      </dsp:txXfrm>
-    </dsp:sp>
-    <dsp:sp modelId="{E01B3154-0666-4584-9FC4-432DE00CC402}">
-      <dsp:nvSpPr>
-        <dsp:cNvPr id="0" name=""/>
-        <dsp:cNvSpPr/>
-      </dsp:nvSpPr>
-      <dsp:spPr>
-        <a:xfrm>
-          <a:off x="4450556" y="1352158"/>
-          <a:ext cx="3900487" cy="1560194"/>
-        </a:xfrm>
-        <a:prstGeom prst="rect">
-          <a:avLst/>
-        </a:prstGeom>
-        <a:solidFill>
-          <a:schemeClr val="accent1">
-            <a:hueOff val="0"/>
-            <a:satOff val="0"/>
-            <a:lumOff val="0"/>
-            <a:alphaOff val="0"/>
-          </a:schemeClr>
-        </a:solidFill>
-        <a:ln w="12700" cap="flat" cmpd="sng" algn="ctr">
-          <a:solidFill>
-            <a:schemeClr val="accent1">
-              <a:hueOff val="0"/>
-              <a:satOff val="0"/>
-              <a:lumOff val="0"/>
-              <a:alphaOff val="0"/>
-            </a:schemeClr>
-          </a:solidFill>
-          <a:prstDash val="solid"/>
-          <a:miter lim="800000"/>
-        </a:ln>
-        <a:effectLst/>
-      </dsp:spPr>
-      <dsp:style>
-        <a:lnRef idx="2">
-          <a:scrgbClr r="0" g="0" b="0"/>
-        </a:lnRef>
-        <a:fillRef idx="1">
-          <a:scrgbClr r="0" g="0" b="0"/>
-        </a:fillRef>
-        <a:effectRef idx="0">
-          <a:scrgbClr r="0" g="0" b="0"/>
-        </a:effectRef>
-        <a:fontRef idx="minor">
-          <a:schemeClr val="lt1"/>
-        </a:fontRef>
-      </dsp:style>
-      <dsp:txBody>
-        <a:bodyPr spcFirstLastPara="0" vert="horz" wrap="square" lIns="199136" tIns="113792" rIns="199136" bIns="113792" numCol="1" spcCol="1270" anchor="ctr" anchorCtr="0">
-          <a:noAutofit/>
-        </a:bodyPr>
-        <a:lstStyle/>
-        <a:p>
-          <a:pPr lvl="0" algn="ctr" defTabSz="1244600">
-            <a:lnSpc>
-              <a:spcPct val="90000"/>
-            </a:lnSpc>
-            <a:spcBef>
-              <a:spcPct val="0"/>
-            </a:spcBef>
-            <a:spcAft>
-              <a:spcPct val="35000"/>
-            </a:spcAft>
-          </a:pPr>
-          <a:r>
-            <a:rPr lang="en-US" sz="2800" kern="1200" dirty="0" smtClean="0"/>
-            <a:t>Independent variable</a:t>
-          </a:r>
-          <a:endParaRPr lang="en-US" sz="2800" kern="1200" dirty="0"/>
-        </a:p>
-      </dsp:txBody>
-      <dsp:txXfrm>
-        <a:off x="4450556" y="1352158"/>
-        <a:ext cx="3900487" cy="1560194"/>
-      </dsp:txXfrm>
-    </dsp:sp>
-    <dsp:sp modelId="{6EC96761-7A7E-46B1-9A31-B92F49834D5A}">
-      <dsp:nvSpPr>
-        <dsp:cNvPr id="0" name=""/>
-        <dsp:cNvSpPr/>
-      </dsp:nvSpPr>
-      <dsp:spPr>
-        <a:xfrm>
-          <a:off x="4450556" y="2912353"/>
-          <a:ext cx="3900487" cy="3033224"/>
-        </a:xfrm>
-        <a:prstGeom prst="rect">
-          <a:avLst/>
-        </a:prstGeom>
-        <a:solidFill>
-          <a:schemeClr val="accent1">
-            <a:alpha val="90000"/>
-            <a:tint val="40000"/>
-            <a:hueOff val="0"/>
-            <a:satOff val="0"/>
-            <a:lumOff val="0"/>
-            <a:alphaOff val="0"/>
-          </a:schemeClr>
-        </a:solidFill>
-        <a:ln w="12700" cap="flat" cmpd="sng" algn="ctr">
-          <a:solidFill>
-            <a:schemeClr val="accent1">
-              <a:alpha val="90000"/>
-              <a:tint val="40000"/>
-              <a:hueOff val="0"/>
-              <a:satOff val="0"/>
-              <a:lumOff val="0"/>
-              <a:alphaOff val="0"/>
-            </a:schemeClr>
-          </a:solidFill>
-          <a:prstDash val="solid"/>
-          <a:miter lim="800000"/>
-        </a:ln>
-        <a:effectLst/>
-      </dsp:spPr>
-      <dsp:style>
-        <a:lnRef idx="2">
-          <a:scrgbClr r="0" g="0" b="0"/>
-        </a:lnRef>
-        <a:fillRef idx="1">
-          <a:scrgbClr r="0" g="0" b="0"/>
-        </a:fillRef>
-        <a:effectRef idx="0">
-          <a:scrgbClr r="0" g="0" b="0"/>
-        </a:effectRef>
-        <a:fontRef idx="minor"/>
-      </dsp:style>
-      <dsp:txBody>
-        <a:bodyPr spcFirstLastPara="0" vert="horz" wrap="square" lIns="149352" tIns="149352" rIns="199136" bIns="224028" numCol="1" spcCol="1270" anchor="t" anchorCtr="0">
-          <a:noAutofit/>
-        </a:bodyPr>
-        <a:lstStyle/>
-        <a:p>
-          <a:pPr marL="285750" lvl="1" indent="-285750" algn="l" defTabSz="1244600">
-            <a:lnSpc>
-              <a:spcPct val="90000"/>
-            </a:lnSpc>
-            <a:spcBef>
-              <a:spcPct val="0"/>
-            </a:spcBef>
-            <a:spcAft>
-              <a:spcPct val="15000"/>
-            </a:spcAft>
-            <a:buChar char="••"/>
-          </a:pPr>
-          <a:r>
-            <a:rPr lang="en-US" sz="2800" kern="1200" dirty="0" smtClean="0"/>
-            <a:t>The </a:t>
-          </a:r>
-          <a:r>
-            <a:rPr lang="en-US" sz="2800" b="1" kern="1200" dirty="0" smtClean="0"/>
-            <a:t>one</a:t>
-          </a:r>
-          <a:r>
-            <a:rPr lang="en-US" sz="2800" kern="1200" dirty="0" smtClean="0"/>
-            <a:t> variable you purposely change and test</a:t>
-          </a:r>
-          <a:endParaRPr lang="en-US" sz="2800" kern="1200" dirty="0"/>
-        </a:p>
-      </dsp:txBody>
-      <dsp:txXfrm>
-        <a:off x="4450556" y="2912353"/>
-        <a:ext cx="3900487" cy="3033224"/>
-      </dsp:txXfrm>
-    </dsp:sp>
-    <dsp:sp modelId="{64DD6D48-227C-4434-BED8-F49C9D4F4F7E}">
-      <dsp:nvSpPr>
-        <dsp:cNvPr id="0" name=""/>
-        <dsp:cNvSpPr/>
-      </dsp:nvSpPr>
-      <dsp:spPr>
-        <a:xfrm>
-          <a:off x="8897111" y="1352158"/>
-          <a:ext cx="3900487" cy="1560194"/>
-        </a:xfrm>
-        <a:prstGeom prst="rect">
-          <a:avLst/>
-        </a:prstGeom>
-        <a:solidFill>
-          <a:schemeClr val="accent1">
-            <a:hueOff val="0"/>
-            <a:satOff val="0"/>
-            <a:lumOff val="0"/>
-            <a:alphaOff val="0"/>
-          </a:schemeClr>
-        </a:solidFill>
-        <a:ln w="12700" cap="flat" cmpd="sng" algn="ctr">
-          <a:solidFill>
-            <a:schemeClr val="accent1">
-              <a:hueOff val="0"/>
-              <a:satOff val="0"/>
-              <a:lumOff val="0"/>
-              <a:alphaOff val="0"/>
-            </a:schemeClr>
-          </a:solidFill>
-          <a:prstDash val="solid"/>
-          <a:miter lim="800000"/>
-        </a:ln>
-        <a:effectLst/>
-      </dsp:spPr>
-      <dsp:style>
-        <a:lnRef idx="2">
-          <a:scrgbClr r="0" g="0" b="0"/>
-        </a:lnRef>
-        <a:fillRef idx="1">
-          <a:scrgbClr r="0" g="0" b="0"/>
-        </a:fillRef>
-        <a:effectRef idx="0">
-          <a:scrgbClr r="0" g="0" b="0"/>
-        </a:effectRef>
-        <a:fontRef idx="minor">
-          <a:schemeClr val="lt1"/>
-        </a:fontRef>
-      </dsp:style>
-      <dsp:txBody>
-        <a:bodyPr spcFirstLastPara="0" vert="horz" wrap="square" lIns="199136" tIns="113792" rIns="199136" bIns="113792" numCol="1" spcCol="1270" anchor="ctr" anchorCtr="0">
-          <a:noAutofit/>
-        </a:bodyPr>
-        <a:lstStyle/>
-        <a:p>
-          <a:pPr lvl="0" algn="ctr" defTabSz="1244600">
-            <a:lnSpc>
-              <a:spcPct val="90000"/>
-            </a:lnSpc>
-            <a:spcBef>
-              <a:spcPct val="0"/>
-            </a:spcBef>
-            <a:spcAft>
-              <a:spcPct val="35000"/>
-            </a:spcAft>
-          </a:pPr>
-          <a:r>
-            <a:rPr lang="en-US" sz="2800" kern="1200" dirty="0" smtClean="0"/>
-            <a:t>Dependent variable</a:t>
-          </a:r>
-          <a:endParaRPr lang="en-US" sz="2800" kern="1200" dirty="0"/>
-        </a:p>
-      </dsp:txBody>
-      <dsp:txXfrm>
-        <a:off x="8897111" y="1352158"/>
-        <a:ext cx="3900487" cy="1560194"/>
-      </dsp:txXfrm>
-    </dsp:sp>
-    <dsp:sp modelId="{98860936-C475-4184-9A9D-2F4B5D8B0BC7}">
-      <dsp:nvSpPr>
-        <dsp:cNvPr id="0" name=""/>
-        <dsp:cNvSpPr/>
-      </dsp:nvSpPr>
-      <dsp:spPr>
-        <a:xfrm>
-          <a:off x="8897111" y="2912353"/>
-          <a:ext cx="3900487" cy="3033224"/>
-        </a:xfrm>
-        <a:prstGeom prst="rect">
-          <a:avLst/>
-        </a:prstGeom>
-        <a:solidFill>
-          <a:schemeClr val="accent1">
-            <a:alpha val="90000"/>
-            <a:tint val="40000"/>
-            <a:hueOff val="0"/>
-            <a:satOff val="0"/>
-            <a:lumOff val="0"/>
-            <a:alphaOff val="0"/>
-          </a:schemeClr>
-        </a:solidFill>
-        <a:ln w="12700" cap="flat" cmpd="sng" algn="ctr">
-          <a:solidFill>
-            <a:schemeClr val="accent1">
-              <a:alpha val="90000"/>
-              <a:tint val="40000"/>
-              <a:hueOff val="0"/>
-              <a:satOff val="0"/>
-              <a:lumOff val="0"/>
-              <a:alphaOff val="0"/>
-            </a:schemeClr>
-          </a:solidFill>
-          <a:prstDash val="solid"/>
-          <a:miter lim="800000"/>
-        </a:ln>
-        <a:effectLst/>
-      </dsp:spPr>
-      <dsp:style>
-        <a:lnRef idx="2">
-          <a:scrgbClr r="0" g="0" b="0"/>
-        </a:lnRef>
-        <a:fillRef idx="1">
-          <a:scrgbClr r="0" g="0" b="0"/>
-        </a:fillRef>
-        <a:effectRef idx="0">
-          <a:scrgbClr r="0" g="0" b="0"/>
-        </a:effectRef>
-        <a:fontRef idx="minor"/>
-      </dsp:style>
-      <dsp:txBody>
-        <a:bodyPr spcFirstLastPara="0" vert="horz" wrap="square" lIns="149352" tIns="149352" rIns="199136" bIns="224028" numCol="1" spcCol="1270" anchor="t" anchorCtr="0">
-          <a:noAutofit/>
-        </a:bodyPr>
-        <a:lstStyle/>
-        <a:p>
-          <a:pPr marL="285750" lvl="1" indent="-285750" algn="l" defTabSz="1244600">
-            <a:lnSpc>
-              <a:spcPct val="90000"/>
-            </a:lnSpc>
-            <a:spcBef>
-              <a:spcPct val="0"/>
-            </a:spcBef>
-            <a:spcAft>
-              <a:spcPct val="15000"/>
-            </a:spcAft>
-            <a:buChar char="••"/>
-          </a:pPr>
-          <a:r>
-            <a:rPr lang="en-US" sz="2800" kern="1200" dirty="0" smtClean="0"/>
-            <a:t>The measure of change observed because of independent variable</a:t>
-          </a:r>
-          <a:endParaRPr lang="en-US" sz="2800" kern="1200" dirty="0"/>
-        </a:p>
-        <a:p>
-          <a:pPr marL="285750" lvl="1" indent="-285750" algn="l" defTabSz="1244600">
-            <a:lnSpc>
-              <a:spcPct val="90000"/>
-            </a:lnSpc>
-            <a:spcBef>
-              <a:spcPct val="0"/>
-            </a:spcBef>
-            <a:spcAft>
-              <a:spcPct val="15000"/>
-            </a:spcAft>
-            <a:buChar char="••"/>
-          </a:pPr>
-          <a:r>
-            <a:rPr lang="en-US" sz="2800" kern="1200" dirty="0" smtClean="0"/>
-            <a:t>Decide how you will measure the change</a:t>
-          </a:r>
-          <a:endParaRPr lang="en-US" sz="2800" kern="1200" dirty="0"/>
-        </a:p>
-      </dsp:txBody>
-      <dsp:txXfrm>
-        <a:off x="8897111" y="2912353"/>
-        <a:ext cx="3900487" cy="3033224"/>
-      </dsp:txXfrm>
-    </dsp:sp>
-  </dsp:spTree>
-</dsp:drawing>
-</file>
-
-<file path=ppt/diagrams/drawing2.xml><?xml version="1.0" encoding="utf-8"?>
-<dsp:drawing xmlns:dgm="http://schemas.openxmlformats.org/drawingml/2006/diagram" xmlns:a="http://schemas.openxmlformats.org/drawingml/2006/main" xmlns:dsp="http://schemas.microsoft.com/office/drawing/2008/diagram">
-  <dsp:spTree>
-    <dsp:nvGrpSpPr>
-      <dsp:cNvPr id="0" name=""/>
-      <dsp:cNvGrpSpPr/>
-    </dsp:nvGrpSpPr>
-    <dsp:grpSpPr/>
-    <dsp:sp modelId="{53B4FA82-603E-4EDB-90A9-1DA699C2C901}">
-      <dsp:nvSpPr>
-        <dsp:cNvPr id="0" name=""/>
-        <dsp:cNvSpPr/>
-      </dsp:nvSpPr>
-      <dsp:spPr>
-        <a:xfrm>
-          <a:off x="2026" y="1108774"/>
-          <a:ext cx="0" cy="5036556"/>
-        </a:xfrm>
-        <a:prstGeom prst="line">
-          <a:avLst/>
-        </a:prstGeom>
-        <a:solidFill>
-          <a:schemeClr val="lt1">
-            <a:alpha val="90000"/>
-            <a:hueOff val="0"/>
-            <a:satOff val="0"/>
-            <a:lumOff val="0"/>
-            <a:alphaOff val="0"/>
-          </a:schemeClr>
-        </a:solidFill>
-        <a:ln w="12700" cap="flat" cmpd="sng" algn="ctr">
-          <a:solidFill>
-            <a:schemeClr val="accent1">
-              <a:hueOff val="0"/>
-              <a:satOff val="0"/>
-              <a:lumOff val="0"/>
-              <a:alphaOff val="0"/>
-            </a:schemeClr>
-          </a:solidFill>
-          <a:prstDash val="solid"/>
-          <a:miter lim="800000"/>
-        </a:ln>
-        <a:effectLst/>
-      </dsp:spPr>
-      <dsp:style>
-        <a:lnRef idx="2">
-          <a:scrgbClr r="0" g="0" b="0"/>
-        </a:lnRef>
-        <a:fillRef idx="1">
-          <a:scrgbClr r="0" g="0" b="0"/>
-        </a:fillRef>
-        <a:effectRef idx="0">
-          <a:scrgbClr r="0" g="0" b="0"/>
-        </a:effectRef>
-        <a:fontRef idx="minor"/>
-      </dsp:style>
-    </dsp:sp>
-    <dsp:sp modelId="{48475A52-D924-4818-BEE8-D250047D6B3F}">
-      <dsp:nvSpPr>
-        <dsp:cNvPr id="0" name=""/>
-        <dsp:cNvSpPr/>
-      </dsp:nvSpPr>
-      <dsp:spPr>
-        <a:xfrm>
-          <a:off x="141930" y="1276659"/>
-          <a:ext cx="2648948" cy="2266450"/>
-        </a:xfrm>
-        <a:prstGeom prst="rect">
-          <a:avLst/>
-        </a:prstGeom>
-        <a:blipFill>
-          <a:blip xmlns:r="http://schemas.openxmlformats.org/officeDocument/2006/relationships" r:embed="rId1" cstate="print">
-            <a:extLst>
-              <a:ext uri="{28A0092B-C50C-407E-A947-70E740481C1C}">
-                <a14:useLocalDpi xmlns:a14="http://schemas.microsoft.com/office/drawing/2010/main" xmlns="" val="0"/>
-              </a:ext>
-            </a:extLst>
-          </a:blip>
-          <a:srcRect/>
-          <a:stretch>
-            <a:fillRect/>
-          </a:stretch>
-        </a:blipFill>
-        <a:ln w="12700" cap="flat" cmpd="sng" algn="ctr">
-          <a:solidFill>
-            <a:schemeClr val="lt1">
-              <a:hueOff val="0"/>
-              <a:satOff val="0"/>
-              <a:lumOff val="0"/>
-              <a:alphaOff val="0"/>
-            </a:schemeClr>
-          </a:solidFill>
-          <a:prstDash val="solid"/>
-          <a:miter lim="800000"/>
-        </a:ln>
-        <a:effectLst/>
-      </dsp:spPr>
-      <dsp:style>
-        <a:lnRef idx="2">
-          <a:scrgbClr r="0" g="0" b="0"/>
-        </a:lnRef>
-        <a:fillRef idx="1">
-          <a:scrgbClr r="0" g="0" b="0"/>
-        </a:fillRef>
-        <a:effectRef idx="0">
-          <a:scrgbClr r="0" g="0" b="0"/>
-        </a:effectRef>
-        <a:fontRef idx="minor">
-          <a:schemeClr val="lt1"/>
-        </a:fontRef>
-      </dsp:style>
-    </dsp:sp>
-    <dsp:sp modelId="{5ABBC393-AD16-4772-8402-4ABCB8683B4E}">
-      <dsp:nvSpPr>
-        <dsp:cNvPr id="0" name=""/>
-        <dsp:cNvSpPr/>
-      </dsp:nvSpPr>
-      <dsp:spPr>
-        <a:xfrm>
-          <a:off x="141930" y="3543110"/>
-          <a:ext cx="2648948" cy="2602220"/>
-        </a:xfrm>
-        <a:prstGeom prst="rect">
-          <a:avLst/>
-        </a:prstGeom>
-        <a:noFill/>
-        <a:ln>
-          <a:noFill/>
-        </a:ln>
-        <a:effectLst/>
-      </dsp:spPr>
-      <dsp:style>
-        <a:lnRef idx="0">
-          <a:scrgbClr r="0" g="0" b="0"/>
-        </a:lnRef>
-        <a:fillRef idx="0">
-          <a:scrgbClr r="0" g="0" b="0"/>
-        </a:fillRef>
-        <a:effectRef idx="0">
-          <a:scrgbClr r="0" g="0" b="0"/>
-        </a:effectRef>
-        <a:fontRef idx="minor"/>
-      </dsp:style>
-      <dsp:txBody>
-        <a:bodyPr spcFirstLastPara="0" vert="horz" wrap="square" lIns="91440" tIns="91440" rIns="91440" bIns="91440" numCol="1" spcCol="1270" anchor="t" anchorCtr="0">
-          <a:noAutofit/>
-        </a:bodyPr>
-        <a:lstStyle/>
-        <a:p>
-          <a:pPr lvl="0" algn="ctr" defTabSz="1600200">
-            <a:lnSpc>
-              <a:spcPct val="90000"/>
-            </a:lnSpc>
-            <a:spcBef>
-              <a:spcPct val="0"/>
-            </a:spcBef>
-            <a:spcAft>
-              <a:spcPct val="35000"/>
-            </a:spcAft>
-          </a:pPr>
-          <a:r>
-            <a:rPr lang="en-US" sz="3600" kern="1200" dirty="0" smtClean="0"/>
-            <a:t>Describe this step in your experiment</a:t>
-          </a:r>
-          <a:endParaRPr lang="en-US" sz="3600" kern="1200" dirty="0"/>
-        </a:p>
-      </dsp:txBody>
-      <dsp:txXfrm>
-        <a:off x="141930" y="3543110"/>
-        <a:ext cx="2648948" cy="2602220"/>
-      </dsp:txXfrm>
-    </dsp:sp>
-    <dsp:sp modelId="{770E20EC-6929-4A45-99D5-285545E37892}">
-      <dsp:nvSpPr>
-        <dsp:cNvPr id="0" name=""/>
-        <dsp:cNvSpPr/>
-      </dsp:nvSpPr>
-      <dsp:spPr>
-        <a:xfrm>
-          <a:off x="2026" y="549157"/>
-          <a:ext cx="2798086" cy="559617"/>
-        </a:xfrm>
-        <a:prstGeom prst="rect">
-          <a:avLst/>
-        </a:prstGeom>
-        <a:solidFill>
-          <a:schemeClr val="accent1">
-            <a:hueOff val="0"/>
-            <a:satOff val="0"/>
-            <a:lumOff val="0"/>
-            <a:alphaOff val="0"/>
-          </a:schemeClr>
-        </a:solidFill>
-        <a:ln w="12700" cap="flat" cmpd="sng" algn="ctr">
-          <a:solidFill>
-            <a:schemeClr val="accent1">
-              <a:hueOff val="0"/>
-              <a:satOff val="0"/>
-              <a:lumOff val="0"/>
-              <a:alphaOff val="0"/>
-            </a:schemeClr>
-          </a:solidFill>
-          <a:prstDash val="solid"/>
-          <a:miter lim="800000"/>
-        </a:ln>
-        <a:effectLst/>
-      </dsp:spPr>
-      <dsp:style>
-        <a:lnRef idx="2">
-          <a:scrgbClr r="0" g="0" b="0"/>
-        </a:lnRef>
-        <a:fillRef idx="1">
-          <a:scrgbClr r="0" g="0" b="0"/>
-        </a:fillRef>
-        <a:effectRef idx="0">
-          <a:scrgbClr r="0" g="0" b="0"/>
-        </a:effectRef>
-        <a:fontRef idx="minor">
-          <a:schemeClr val="lt1"/>
-        </a:fontRef>
-      </dsp:style>
-      <dsp:txBody>
-        <a:bodyPr spcFirstLastPara="0" vert="horz" wrap="square" lIns="76200" tIns="76200" rIns="76200" bIns="76200" numCol="1" spcCol="1270" anchor="ctr" anchorCtr="0">
-          <a:noAutofit/>
-        </a:bodyPr>
-        <a:lstStyle/>
-        <a:p>
-          <a:pPr lvl="0" algn="ctr" defTabSz="1333500">
-            <a:lnSpc>
-              <a:spcPct val="90000"/>
-            </a:lnSpc>
-            <a:spcBef>
-              <a:spcPct val="0"/>
-            </a:spcBef>
-            <a:spcAft>
-              <a:spcPct val="35000"/>
-            </a:spcAft>
-          </a:pPr>
-          <a:r>
-            <a:rPr lang="en-US" sz="3000" kern="1200" dirty="0" smtClean="0"/>
-            <a:t>Step 1</a:t>
-          </a:r>
-          <a:endParaRPr lang="en-US" sz="3000" kern="1200" dirty="0"/>
-        </a:p>
-      </dsp:txBody>
-      <dsp:txXfrm>
-        <a:off x="2026" y="549157"/>
-        <a:ext cx="2798086" cy="559617"/>
-      </dsp:txXfrm>
-    </dsp:sp>
-    <dsp:sp modelId="{6806A88B-ACCD-4689-BA2C-F1412EF73B42}">
-      <dsp:nvSpPr>
-        <dsp:cNvPr id="0" name=""/>
-        <dsp:cNvSpPr/>
-      </dsp:nvSpPr>
-      <dsp:spPr>
-        <a:xfrm>
-          <a:off x="3335179" y="1108774"/>
-          <a:ext cx="0" cy="5036556"/>
-        </a:xfrm>
-        <a:prstGeom prst="line">
-          <a:avLst/>
-        </a:prstGeom>
-        <a:solidFill>
-          <a:schemeClr val="lt1">
-            <a:alpha val="90000"/>
-            <a:hueOff val="0"/>
-            <a:satOff val="0"/>
-            <a:lumOff val="0"/>
-            <a:alphaOff val="0"/>
-          </a:schemeClr>
-        </a:solidFill>
-        <a:ln w="12700" cap="flat" cmpd="sng" algn="ctr">
-          <a:solidFill>
-            <a:schemeClr val="accent1">
-              <a:hueOff val="0"/>
-              <a:satOff val="0"/>
-              <a:lumOff val="0"/>
-              <a:alphaOff val="0"/>
-            </a:schemeClr>
-          </a:solidFill>
-          <a:prstDash val="solid"/>
-          <a:miter lim="800000"/>
-        </a:ln>
-        <a:effectLst/>
-      </dsp:spPr>
-      <dsp:style>
-        <a:lnRef idx="2">
-          <a:scrgbClr r="0" g="0" b="0"/>
-        </a:lnRef>
-        <a:fillRef idx="1">
-          <a:scrgbClr r="0" g="0" b="0"/>
-        </a:fillRef>
-        <a:effectRef idx="0">
-          <a:scrgbClr r="0" g="0" b="0"/>
-        </a:effectRef>
-        <a:fontRef idx="minor"/>
-      </dsp:style>
-    </dsp:sp>
-    <dsp:sp modelId="{6D3BA09B-A748-477B-98A1-FEDE95925694}">
-      <dsp:nvSpPr>
-        <dsp:cNvPr id="0" name=""/>
-        <dsp:cNvSpPr/>
-      </dsp:nvSpPr>
-      <dsp:spPr>
-        <a:xfrm>
-          <a:off x="3475084" y="1276659"/>
-          <a:ext cx="2648948" cy="2266450"/>
-        </a:xfrm>
-        <a:prstGeom prst="rect">
-          <a:avLst/>
-        </a:prstGeom>
-        <a:blipFill>
-          <a:blip xmlns:r="http://schemas.openxmlformats.org/officeDocument/2006/relationships" r:embed="rId2" cstate="print">
-            <a:extLst>
-              <a:ext uri="{28A0092B-C50C-407E-A947-70E740481C1C}">
-                <a14:useLocalDpi xmlns:a14="http://schemas.microsoft.com/office/drawing/2010/main" xmlns="" val="0"/>
-              </a:ext>
-            </a:extLst>
-          </a:blip>
-          <a:srcRect/>
-          <a:stretch>
-            <a:fillRect/>
-          </a:stretch>
-        </a:blipFill>
-        <a:ln w="12700" cap="flat" cmpd="sng" algn="ctr">
-          <a:solidFill>
-            <a:schemeClr val="lt1">
-              <a:hueOff val="0"/>
-              <a:satOff val="0"/>
-              <a:lumOff val="0"/>
-              <a:alphaOff val="0"/>
-            </a:schemeClr>
-          </a:solidFill>
-          <a:prstDash val="solid"/>
-          <a:miter lim="800000"/>
-        </a:ln>
-        <a:effectLst/>
-      </dsp:spPr>
-      <dsp:style>
-        <a:lnRef idx="2">
-          <a:scrgbClr r="0" g="0" b="0"/>
-        </a:lnRef>
-        <a:fillRef idx="1">
-          <a:scrgbClr r="0" g="0" b="0"/>
-        </a:fillRef>
-        <a:effectRef idx="0">
-          <a:scrgbClr r="0" g="0" b="0"/>
-        </a:effectRef>
-        <a:fontRef idx="minor">
-          <a:schemeClr val="lt1"/>
-        </a:fontRef>
-      </dsp:style>
-    </dsp:sp>
-    <dsp:sp modelId="{A0810939-5D65-4F5C-894F-F86C706A7A1C}">
-      <dsp:nvSpPr>
-        <dsp:cNvPr id="0" name=""/>
-        <dsp:cNvSpPr/>
-      </dsp:nvSpPr>
-      <dsp:spPr>
-        <a:xfrm>
-          <a:off x="3475084" y="3543110"/>
-          <a:ext cx="2648948" cy="2602220"/>
-        </a:xfrm>
-        <a:prstGeom prst="rect">
-          <a:avLst/>
-        </a:prstGeom>
-        <a:noFill/>
-        <a:ln>
-          <a:noFill/>
-        </a:ln>
-        <a:effectLst/>
-      </dsp:spPr>
-      <dsp:style>
-        <a:lnRef idx="0">
-          <a:scrgbClr r="0" g="0" b="0"/>
-        </a:lnRef>
-        <a:fillRef idx="0">
-          <a:scrgbClr r="0" g="0" b="0"/>
-        </a:fillRef>
-        <a:effectRef idx="0">
-          <a:scrgbClr r="0" g="0" b="0"/>
-        </a:effectRef>
-        <a:fontRef idx="minor"/>
-      </dsp:style>
-      <dsp:txBody>
-        <a:bodyPr spcFirstLastPara="0" vert="horz" wrap="square" lIns="91440" tIns="91440" rIns="91440" bIns="91440" numCol="1" spcCol="1270" anchor="t" anchorCtr="0">
-          <a:noAutofit/>
-        </a:bodyPr>
-        <a:lstStyle/>
-        <a:p>
-          <a:pPr lvl="0" algn="ctr" defTabSz="1600200">
-            <a:lnSpc>
-              <a:spcPct val="90000"/>
-            </a:lnSpc>
-            <a:spcBef>
-              <a:spcPct val="0"/>
-            </a:spcBef>
-            <a:spcAft>
-              <a:spcPct val="35000"/>
-            </a:spcAft>
-          </a:pPr>
-          <a:r>
-            <a:rPr lang="en-US" sz="3600" kern="1200" smtClean="0"/>
-            <a:t>Describe this step in your experiment</a:t>
-          </a:r>
-          <a:endParaRPr lang="en-US" sz="3600" kern="1200" dirty="0"/>
-        </a:p>
-      </dsp:txBody>
-      <dsp:txXfrm>
-        <a:off x="3475084" y="3543110"/>
-        <a:ext cx="2648948" cy="2602220"/>
-      </dsp:txXfrm>
-    </dsp:sp>
-    <dsp:sp modelId="{16EEE8E2-3D18-44F6-B04A-3D59841E4FA8}">
-      <dsp:nvSpPr>
-        <dsp:cNvPr id="0" name=""/>
-        <dsp:cNvSpPr/>
-      </dsp:nvSpPr>
-      <dsp:spPr>
-        <a:xfrm>
-          <a:off x="3335179" y="549157"/>
-          <a:ext cx="2798086" cy="559617"/>
-        </a:xfrm>
-        <a:prstGeom prst="rect">
-          <a:avLst/>
-        </a:prstGeom>
-        <a:solidFill>
-          <a:schemeClr val="accent1">
-            <a:hueOff val="0"/>
-            <a:satOff val="0"/>
-            <a:lumOff val="0"/>
-            <a:alphaOff val="0"/>
-          </a:schemeClr>
-        </a:solidFill>
-        <a:ln w="12700" cap="flat" cmpd="sng" algn="ctr">
-          <a:solidFill>
-            <a:schemeClr val="accent1">
-              <a:hueOff val="0"/>
-              <a:satOff val="0"/>
-              <a:lumOff val="0"/>
-              <a:alphaOff val="0"/>
-            </a:schemeClr>
-          </a:solidFill>
-          <a:prstDash val="solid"/>
-          <a:miter lim="800000"/>
-        </a:ln>
-        <a:effectLst/>
-      </dsp:spPr>
-      <dsp:style>
-        <a:lnRef idx="2">
-          <a:scrgbClr r="0" g="0" b="0"/>
-        </a:lnRef>
-        <a:fillRef idx="1">
-          <a:scrgbClr r="0" g="0" b="0"/>
-        </a:fillRef>
-        <a:effectRef idx="0">
-          <a:scrgbClr r="0" g="0" b="0"/>
-        </a:effectRef>
-        <a:fontRef idx="minor">
-          <a:schemeClr val="lt1"/>
-        </a:fontRef>
-      </dsp:style>
-      <dsp:txBody>
-        <a:bodyPr spcFirstLastPara="0" vert="horz" wrap="square" lIns="76200" tIns="76200" rIns="76200" bIns="76200" numCol="1" spcCol="1270" anchor="ctr" anchorCtr="0">
-          <a:noAutofit/>
-        </a:bodyPr>
-        <a:lstStyle/>
-        <a:p>
-          <a:pPr lvl="0" algn="ctr" defTabSz="1333500">
-            <a:lnSpc>
-              <a:spcPct val="90000"/>
-            </a:lnSpc>
-            <a:spcBef>
-              <a:spcPct val="0"/>
-            </a:spcBef>
-            <a:spcAft>
-              <a:spcPct val="35000"/>
-            </a:spcAft>
-          </a:pPr>
-          <a:r>
-            <a:rPr lang="en-US" sz="3000" kern="1200" dirty="0" smtClean="0"/>
-            <a:t>Step 2</a:t>
-          </a:r>
-          <a:endParaRPr lang="en-US" sz="3000" kern="1200" dirty="0"/>
-        </a:p>
-      </dsp:txBody>
-      <dsp:txXfrm>
-        <a:off x="3335179" y="549157"/>
-        <a:ext cx="2798086" cy="559617"/>
-      </dsp:txXfrm>
-    </dsp:sp>
-    <dsp:sp modelId="{7F77031C-84AF-49FA-B2E3-6B22E2F49F2B}">
-      <dsp:nvSpPr>
-        <dsp:cNvPr id="0" name=""/>
-        <dsp:cNvSpPr/>
-      </dsp:nvSpPr>
-      <dsp:spPr>
-        <a:xfrm>
-          <a:off x="6668333" y="1108774"/>
-          <a:ext cx="0" cy="5036556"/>
-        </a:xfrm>
-        <a:prstGeom prst="line">
-          <a:avLst/>
-        </a:prstGeom>
-        <a:solidFill>
-          <a:schemeClr val="lt1">
-            <a:alpha val="90000"/>
-            <a:hueOff val="0"/>
-            <a:satOff val="0"/>
-            <a:lumOff val="0"/>
-            <a:alphaOff val="0"/>
-          </a:schemeClr>
-        </a:solidFill>
-        <a:ln w="12700" cap="flat" cmpd="sng" algn="ctr">
-          <a:solidFill>
-            <a:schemeClr val="accent1">
-              <a:hueOff val="0"/>
-              <a:satOff val="0"/>
-              <a:lumOff val="0"/>
-              <a:alphaOff val="0"/>
-            </a:schemeClr>
-          </a:solidFill>
-          <a:prstDash val="solid"/>
-          <a:miter lim="800000"/>
-        </a:ln>
-        <a:effectLst/>
-      </dsp:spPr>
-      <dsp:style>
-        <a:lnRef idx="2">
-          <a:scrgbClr r="0" g="0" b="0"/>
-        </a:lnRef>
-        <a:fillRef idx="1">
-          <a:scrgbClr r="0" g="0" b="0"/>
-        </a:fillRef>
-        <a:effectRef idx="0">
-          <a:scrgbClr r="0" g="0" b="0"/>
-        </a:effectRef>
-        <a:fontRef idx="minor"/>
-      </dsp:style>
-    </dsp:sp>
-    <dsp:sp modelId="{6FDEA8A3-BC3B-493E-88CC-A57435CCDC96}">
-      <dsp:nvSpPr>
-        <dsp:cNvPr id="0" name=""/>
-        <dsp:cNvSpPr/>
-      </dsp:nvSpPr>
-      <dsp:spPr>
-        <a:xfrm>
-          <a:off x="6808237" y="1276659"/>
-          <a:ext cx="2648948" cy="2266450"/>
-        </a:xfrm>
-        <a:prstGeom prst="rect">
-          <a:avLst/>
-        </a:prstGeom>
-        <a:blipFill>
-          <a:blip xmlns:r="http://schemas.openxmlformats.org/officeDocument/2006/relationships" r:embed="rId3" cstate="print">
-            <a:extLst>
-              <a:ext uri="{28A0092B-C50C-407E-A947-70E740481C1C}">
-                <a14:useLocalDpi xmlns:a14="http://schemas.microsoft.com/office/drawing/2010/main" xmlns="" val="0"/>
-              </a:ext>
-            </a:extLst>
-          </a:blip>
-          <a:srcRect/>
-          <a:stretch>
-            <a:fillRect/>
-          </a:stretch>
-        </a:blipFill>
-        <a:ln w="12700" cap="flat" cmpd="sng" algn="ctr">
-          <a:solidFill>
-            <a:schemeClr val="lt1">
-              <a:hueOff val="0"/>
-              <a:satOff val="0"/>
-              <a:lumOff val="0"/>
-              <a:alphaOff val="0"/>
-            </a:schemeClr>
-          </a:solidFill>
-          <a:prstDash val="solid"/>
-          <a:miter lim="800000"/>
-        </a:ln>
-        <a:effectLst/>
-      </dsp:spPr>
-      <dsp:style>
-        <a:lnRef idx="2">
-          <a:scrgbClr r="0" g="0" b="0"/>
-        </a:lnRef>
-        <a:fillRef idx="1">
-          <a:scrgbClr r="0" g="0" b="0"/>
-        </a:fillRef>
-        <a:effectRef idx="0">
-          <a:scrgbClr r="0" g="0" b="0"/>
-        </a:effectRef>
-        <a:fontRef idx="minor">
-          <a:schemeClr val="lt1"/>
-        </a:fontRef>
-      </dsp:style>
-    </dsp:sp>
-    <dsp:sp modelId="{EBE06ADE-C892-44D3-AB90-0EE941CCA21D}">
-      <dsp:nvSpPr>
-        <dsp:cNvPr id="0" name=""/>
-        <dsp:cNvSpPr/>
-      </dsp:nvSpPr>
-      <dsp:spPr>
-        <a:xfrm>
-          <a:off x="6808237" y="3543110"/>
-          <a:ext cx="2648948" cy="2602220"/>
-        </a:xfrm>
-        <a:prstGeom prst="rect">
-          <a:avLst/>
-        </a:prstGeom>
-        <a:noFill/>
-        <a:ln>
-          <a:noFill/>
-        </a:ln>
-        <a:effectLst/>
-      </dsp:spPr>
-      <dsp:style>
-        <a:lnRef idx="0">
-          <a:scrgbClr r="0" g="0" b="0"/>
-        </a:lnRef>
-        <a:fillRef idx="0">
-          <a:scrgbClr r="0" g="0" b="0"/>
-        </a:fillRef>
-        <a:effectRef idx="0">
-          <a:scrgbClr r="0" g="0" b="0"/>
-        </a:effectRef>
-        <a:fontRef idx="minor"/>
-      </dsp:style>
-      <dsp:txBody>
-        <a:bodyPr spcFirstLastPara="0" vert="horz" wrap="square" lIns="91440" tIns="91440" rIns="91440" bIns="91440" numCol="1" spcCol="1270" anchor="t" anchorCtr="0">
-          <a:noAutofit/>
-        </a:bodyPr>
-        <a:lstStyle/>
-        <a:p>
-          <a:pPr lvl="0" algn="ctr" defTabSz="1600200">
-            <a:lnSpc>
-              <a:spcPct val="90000"/>
-            </a:lnSpc>
-            <a:spcBef>
-              <a:spcPct val="0"/>
-            </a:spcBef>
-            <a:spcAft>
-              <a:spcPct val="35000"/>
-            </a:spcAft>
-          </a:pPr>
-          <a:r>
-            <a:rPr lang="en-US" sz="3600" kern="1200" dirty="0" smtClean="0"/>
-            <a:t>Describe this step in your experiment</a:t>
-          </a:r>
-          <a:endParaRPr lang="en-US" sz="3600" kern="1200" dirty="0"/>
-        </a:p>
-      </dsp:txBody>
-      <dsp:txXfrm>
-        <a:off x="6808237" y="3543110"/>
-        <a:ext cx="2648948" cy="2602220"/>
-      </dsp:txXfrm>
-    </dsp:sp>
-    <dsp:sp modelId="{B3686B38-0C87-411A-9F82-923E333643FB}">
-      <dsp:nvSpPr>
-        <dsp:cNvPr id="0" name=""/>
-        <dsp:cNvSpPr/>
-      </dsp:nvSpPr>
-      <dsp:spPr>
-        <a:xfrm>
-          <a:off x="6668333" y="549157"/>
-          <a:ext cx="2798086" cy="559617"/>
-        </a:xfrm>
-        <a:prstGeom prst="rect">
-          <a:avLst/>
-        </a:prstGeom>
-        <a:solidFill>
-          <a:schemeClr val="accent1">
-            <a:hueOff val="0"/>
-            <a:satOff val="0"/>
-            <a:lumOff val="0"/>
-            <a:alphaOff val="0"/>
-          </a:schemeClr>
-        </a:solidFill>
-        <a:ln w="12700" cap="flat" cmpd="sng" algn="ctr">
-          <a:solidFill>
-            <a:schemeClr val="accent1">
-              <a:hueOff val="0"/>
-              <a:satOff val="0"/>
-              <a:lumOff val="0"/>
-              <a:alphaOff val="0"/>
-            </a:schemeClr>
-          </a:solidFill>
-          <a:prstDash val="solid"/>
-          <a:miter lim="800000"/>
-        </a:ln>
-        <a:effectLst/>
-      </dsp:spPr>
-      <dsp:style>
-        <a:lnRef idx="2">
-          <a:scrgbClr r="0" g="0" b="0"/>
-        </a:lnRef>
-        <a:fillRef idx="1">
-          <a:scrgbClr r="0" g="0" b="0"/>
-        </a:fillRef>
-        <a:effectRef idx="0">
-          <a:scrgbClr r="0" g="0" b="0"/>
-        </a:effectRef>
-        <a:fontRef idx="minor">
-          <a:schemeClr val="lt1"/>
-        </a:fontRef>
-      </dsp:style>
-      <dsp:txBody>
-        <a:bodyPr spcFirstLastPara="0" vert="horz" wrap="square" lIns="76200" tIns="76200" rIns="76200" bIns="76200" numCol="1" spcCol="1270" anchor="ctr" anchorCtr="0">
-          <a:noAutofit/>
-        </a:bodyPr>
-        <a:lstStyle/>
-        <a:p>
-          <a:pPr lvl="0" algn="ctr" defTabSz="1333500">
-            <a:lnSpc>
-              <a:spcPct val="90000"/>
-            </a:lnSpc>
-            <a:spcBef>
-              <a:spcPct val="0"/>
-            </a:spcBef>
-            <a:spcAft>
-              <a:spcPct val="35000"/>
-            </a:spcAft>
-          </a:pPr>
-          <a:r>
-            <a:rPr lang="en-US" sz="3000" kern="1200" dirty="0" smtClean="0"/>
-            <a:t>Step 3</a:t>
-          </a:r>
-          <a:endParaRPr lang="en-US" sz="3000" kern="1200" dirty="0"/>
-        </a:p>
-      </dsp:txBody>
-      <dsp:txXfrm>
-        <a:off x="6668333" y="549157"/>
-        <a:ext cx="2798086" cy="559617"/>
-      </dsp:txXfrm>
-    </dsp:sp>
-    <dsp:sp modelId="{87ACD694-36F9-4193-A8FE-573DA345BCA3}">
-      <dsp:nvSpPr>
-        <dsp:cNvPr id="0" name=""/>
-        <dsp:cNvSpPr/>
-      </dsp:nvSpPr>
-      <dsp:spPr>
-        <a:xfrm>
-          <a:off x="10001487" y="1108774"/>
-          <a:ext cx="0" cy="5036556"/>
-        </a:xfrm>
-        <a:prstGeom prst="line">
-          <a:avLst/>
-        </a:prstGeom>
-        <a:solidFill>
-          <a:schemeClr val="lt1">
-            <a:alpha val="90000"/>
-            <a:hueOff val="0"/>
-            <a:satOff val="0"/>
-            <a:lumOff val="0"/>
-            <a:alphaOff val="0"/>
-          </a:schemeClr>
-        </a:solidFill>
-        <a:ln w="12700" cap="flat" cmpd="sng" algn="ctr">
-          <a:solidFill>
-            <a:schemeClr val="accent1">
-              <a:hueOff val="0"/>
-              <a:satOff val="0"/>
-              <a:lumOff val="0"/>
-              <a:alphaOff val="0"/>
-            </a:schemeClr>
-          </a:solidFill>
-          <a:prstDash val="solid"/>
-          <a:miter lim="800000"/>
-        </a:ln>
-        <a:effectLst/>
-      </dsp:spPr>
-      <dsp:style>
-        <a:lnRef idx="2">
-          <a:scrgbClr r="0" g="0" b="0"/>
-        </a:lnRef>
-        <a:fillRef idx="1">
-          <a:scrgbClr r="0" g="0" b="0"/>
-        </a:fillRef>
-        <a:effectRef idx="0">
-          <a:scrgbClr r="0" g="0" b="0"/>
-        </a:effectRef>
-        <a:fontRef idx="minor"/>
-      </dsp:style>
-    </dsp:sp>
-    <dsp:sp modelId="{D5EF084B-0048-459A-9001-2451F5192F25}">
-      <dsp:nvSpPr>
-        <dsp:cNvPr id="0" name=""/>
-        <dsp:cNvSpPr/>
-      </dsp:nvSpPr>
-      <dsp:spPr>
-        <a:xfrm>
-          <a:off x="10141391" y="1276659"/>
-          <a:ext cx="2648948" cy="2266450"/>
-        </a:xfrm>
-        <a:prstGeom prst="rect">
-          <a:avLst/>
-        </a:prstGeom>
-        <a:blipFill>
-          <a:blip xmlns:r="http://schemas.openxmlformats.org/officeDocument/2006/relationships" r:embed="rId4" cstate="print">
-            <a:extLst>
-              <a:ext uri="{28A0092B-C50C-407E-A947-70E740481C1C}">
-                <a14:useLocalDpi xmlns:a14="http://schemas.microsoft.com/office/drawing/2010/main" xmlns="" val="0"/>
-              </a:ext>
-            </a:extLst>
-          </a:blip>
-          <a:srcRect/>
-          <a:stretch>
-            <a:fillRect/>
-          </a:stretch>
-        </a:blipFill>
-        <a:ln w="12700" cap="flat" cmpd="sng" algn="ctr">
-          <a:solidFill>
-            <a:schemeClr val="lt1">
-              <a:hueOff val="0"/>
-              <a:satOff val="0"/>
-              <a:lumOff val="0"/>
-              <a:alphaOff val="0"/>
-            </a:schemeClr>
-          </a:solidFill>
-          <a:prstDash val="solid"/>
-          <a:miter lim="800000"/>
-        </a:ln>
-        <a:effectLst/>
-      </dsp:spPr>
-      <dsp:style>
-        <a:lnRef idx="2">
-          <a:scrgbClr r="0" g="0" b="0"/>
-        </a:lnRef>
-        <a:fillRef idx="1">
-          <a:scrgbClr r="0" g="0" b="0"/>
-        </a:fillRef>
-        <a:effectRef idx="0">
-          <a:scrgbClr r="0" g="0" b="0"/>
-        </a:effectRef>
-        <a:fontRef idx="minor">
-          <a:schemeClr val="lt1"/>
-        </a:fontRef>
-      </dsp:style>
-    </dsp:sp>
-    <dsp:sp modelId="{2A1C86DE-9AB9-421D-8408-47DA191A0168}">
-      <dsp:nvSpPr>
-        <dsp:cNvPr id="0" name=""/>
-        <dsp:cNvSpPr/>
-      </dsp:nvSpPr>
-      <dsp:spPr>
-        <a:xfrm>
-          <a:off x="10141391" y="3543110"/>
-          <a:ext cx="2648948" cy="2602220"/>
-        </a:xfrm>
-        <a:prstGeom prst="rect">
-          <a:avLst/>
-        </a:prstGeom>
-        <a:noFill/>
-        <a:ln>
-          <a:noFill/>
-        </a:ln>
-        <a:effectLst/>
-      </dsp:spPr>
-      <dsp:style>
-        <a:lnRef idx="0">
-          <a:scrgbClr r="0" g="0" b="0"/>
-        </a:lnRef>
-        <a:fillRef idx="0">
-          <a:scrgbClr r="0" g="0" b="0"/>
-        </a:fillRef>
-        <a:effectRef idx="0">
-          <a:scrgbClr r="0" g="0" b="0"/>
-        </a:effectRef>
-        <a:fontRef idx="minor"/>
-      </dsp:style>
-      <dsp:txBody>
-        <a:bodyPr spcFirstLastPara="0" vert="horz" wrap="square" lIns="91440" tIns="91440" rIns="91440" bIns="91440" numCol="1" spcCol="1270" anchor="t" anchorCtr="0">
-          <a:noAutofit/>
-        </a:bodyPr>
-        <a:lstStyle/>
-        <a:p>
-          <a:pPr lvl="0" algn="ctr" defTabSz="1600200">
-            <a:lnSpc>
-              <a:spcPct val="90000"/>
-            </a:lnSpc>
-            <a:spcBef>
-              <a:spcPct val="0"/>
-            </a:spcBef>
-            <a:spcAft>
-              <a:spcPct val="35000"/>
-            </a:spcAft>
-          </a:pPr>
-          <a:r>
-            <a:rPr lang="en-US" sz="3600" kern="1200" dirty="0" smtClean="0"/>
-            <a:t>Describe this step in your experiment</a:t>
-          </a:r>
-          <a:endParaRPr lang="en-US" sz="3600" kern="1200" dirty="0"/>
-        </a:p>
-      </dsp:txBody>
-      <dsp:txXfrm>
-        <a:off x="10141391" y="3543110"/>
-        <a:ext cx="2648948" cy="2602220"/>
-      </dsp:txXfrm>
-    </dsp:sp>
-    <dsp:sp modelId="{4E89074A-DD45-4C30-BE68-0847302086FD}">
-      <dsp:nvSpPr>
-        <dsp:cNvPr id="0" name=""/>
-        <dsp:cNvSpPr/>
-      </dsp:nvSpPr>
-      <dsp:spPr>
-        <a:xfrm>
-          <a:off x="10001487" y="549157"/>
-          <a:ext cx="2798086" cy="559617"/>
-        </a:xfrm>
-        <a:prstGeom prst="rect">
-          <a:avLst/>
-        </a:prstGeom>
-        <a:solidFill>
-          <a:schemeClr val="accent1">
-            <a:hueOff val="0"/>
-            <a:satOff val="0"/>
-            <a:lumOff val="0"/>
-            <a:alphaOff val="0"/>
-          </a:schemeClr>
-        </a:solidFill>
-        <a:ln w="12700" cap="flat" cmpd="sng" algn="ctr">
-          <a:solidFill>
-            <a:schemeClr val="accent1">
-              <a:hueOff val="0"/>
-              <a:satOff val="0"/>
-              <a:lumOff val="0"/>
-              <a:alphaOff val="0"/>
-            </a:schemeClr>
-          </a:solidFill>
-          <a:prstDash val="solid"/>
-          <a:miter lim="800000"/>
-        </a:ln>
-        <a:effectLst/>
-      </dsp:spPr>
-      <dsp:style>
-        <a:lnRef idx="2">
-          <a:scrgbClr r="0" g="0" b="0"/>
-        </a:lnRef>
-        <a:fillRef idx="1">
-          <a:scrgbClr r="0" g="0" b="0"/>
-        </a:fillRef>
-        <a:effectRef idx="0">
-          <a:scrgbClr r="0" g="0" b="0"/>
-        </a:effectRef>
-        <a:fontRef idx="minor">
-          <a:schemeClr val="lt1"/>
-        </a:fontRef>
-      </dsp:style>
-      <dsp:txBody>
-        <a:bodyPr spcFirstLastPara="0" vert="horz" wrap="square" lIns="76200" tIns="76200" rIns="76200" bIns="76200" numCol="1" spcCol="1270" anchor="ctr" anchorCtr="0">
-          <a:noAutofit/>
-        </a:bodyPr>
-        <a:lstStyle/>
-        <a:p>
-          <a:pPr lvl="0" algn="ctr" defTabSz="1333500">
-            <a:lnSpc>
-              <a:spcPct val="90000"/>
-            </a:lnSpc>
-            <a:spcBef>
-              <a:spcPct val="0"/>
-            </a:spcBef>
-            <a:spcAft>
-              <a:spcPct val="35000"/>
-            </a:spcAft>
-          </a:pPr>
-          <a:r>
-            <a:rPr lang="en-US" sz="3000" kern="1200" dirty="0" smtClean="0"/>
-            <a:t>Step 4</a:t>
-          </a:r>
-          <a:endParaRPr lang="en-US" sz="3000" kern="1200" dirty="0"/>
-        </a:p>
-      </dsp:txBody>
-      <dsp:txXfrm>
-        <a:off x="10001487" y="549157"/>
-        <a:ext cx="2798086" cy="559617"/>
-      </dsp:txXfrm>
-    </dsp:sp>
-  </dsp:spTree>
-</dsp:drawing>
-</file>
-
-<file path=ppt/diagrams/drawing3.xml><?xml version="1.0" encoding="utf-8"?>
 <dsp:drawing xmlns:dgm="http://schemas.openxmlformats.org/drawingml/2006/diagram" xmlns:a="http://schemas.openxmlformats.org/drawingml/2006/main" xmlns:dsp="http://schemas.microsoft.com/office/drawing/2008/diagram">
   <dsp:spTree>
     <dsp:nvGrpSpPr>
@@ -7804,2582 +2776,7 @@
 </dgm:layoutDef>
 </file>
 
-<file path=ppt/diagrams/layout2.xml><?xml version="1.0" encoding="utf-8"?>
-<dgm:layoutDef xmlns:dgm="http://schemas.openxmlformats.org/drawingml/2006/diagram" xmlns:a="http://schemas.openxmlformats.org/drawingml/2006/main" uniqueId="urn:microsoft.com/office/officeart/2008/layout/TitlePictureLineup">
-  <dgm:title val=""/>
-  <dgm:desc val=""/>
-  <dgm:catLst>
-    <dgm:cat type="picture" pri="18000"/>
-    <dgm:cat type="pictureconvert" pri="18000"/>
-  </dgm:catLst>
-  <dgm:sampData>
-    <dgm:dataModel>
-      <dgm:ptLst>
-        <dgm:pt modelId="0" type="doc"/>
-        <dgm:pt modelId="10">
-          <dgm:prSet phldr="1"/>
-        </dgm:pt>
-        <dgm:pt modelId="11">
-          <dgm:prSet phldr="1"/>
-        </dgm:pt>
-        <dgm:pt modelId="20">
-          <dgm:prSet phldr="1"/>
-        </dgm:pt>
-        <dgm:pt modelId="21">
-          <dgm:prSet phldr="1"/>
-        </dgm:pt>
-        <dgm:pt modelId="30">
-          <dgm:prSet phldr="1"/>
-        </dgm:pt>
-        <dgm:pt modelId="31">
-          <dgm:prSet phldr="1"/>
-        </dgm:pt>
-      </dgm:ptLst>
-      <dgm:cxnLst>
-        <dgm:cxn modelId="40" srcId="0" destId="10" srcOrd="0" destOrd="0"/>
-        <dgm:cxn modelId="12" srcId="10" destId="11" srcOrd="0" destOrd="0"/>
-        <dgm:cxn modelId="50" srcId="0" destId="20" srcOrd="1" destOrd="0"/>
-        <dgm:cxn modelId="22" srcId="20" destId="21" srcOrd="0" destOrd="0"/>
-        <dgm:cxn modelId="60" srcId="0" destId="30" srcOrd="1" destOrd="0"/>
-        <dgm:cxn modelId="32" srcId="30" destId="31" srcOrd="0" destOrd="0"/>
-      </dgm:cxnLst>
-      <dgm:bg/>
-      <dgm:whole/>
-    </dgm:dataModel>
-  </dgm:sampData>
-  <dgm:styleData>
-    <dgm:dataModel>
-      <dgm:ptLst>
-        <dgm:pt modelId="0" type="doc"/>
-        <dgm:pt modelId="10">
-          <dgm:prSet phldr="1"/>
-        </dgm:pt>
-        <dgm:pt modelId="20">
-          <dgm:prSet phldr="1"/>
-        </dgm:pt>
-      </dgm:ptLst>
-      <dgm:cxnLst>
-        <dgm:cxn modelId="40" srcId="0" destId="10" srcOrd="0" destOrd="0"/>
-        <dgm:cxn modelId="50" srcId="0" destId="20" srcOrd="1" destOrd="0"/>
-      </dgm:cxnLst>
-      <dgm:bg/>
-      <dgm:whole/>
-    </dgm:dataModel>
-  </dgm:styleData>
-  <dgm:clrData>
-    <dgm:dataModel>
-      <dgm:ptLst>
-        <dgm:pt modelId="0" type="doc"/>
-        <dgm:pt modelId="10">
-          <dgm:prSet phldr="1"/>
-        </dgm:pt>
-        <dgm:pt modelId="20">
-          <dgm:prSet phldr="1"/>
-        </dgm:pt>
-        <dgm:pt modelId="30">
-          <dgm:prSet phldr="1"/>
-        </dgm:pt>
-        <dgm:pt modelId="40">
-          <dgm:prSet phldr="1"/>
-        </dgm:pt>
-      </dgm:ptLst>
-      <dgm:cxnLst>
-        <dgm:cxn modelId="50" srcId="0" destId="10" srcOrd="0" destOrd="0"/>
-        <dgm:cxn modelId="60" srcId="0" destId="20" srcOrd="1" destOrd="0"/>
-        <dgm:cxn modelId="70" srcId="0" destId="30" srcOrd="2" destOrd="0"/>
-        <dgm:cxn modelId="80" srcId="0" destId="40" srcOrd="3" destOrd="0"/>
-      </dgm:cxnLst>
-      <dgm:bg/>
-      <dgm:whole/>
-    </dgm:dataModel>
-  </dgm:clrData>
-  <dgm:layoutNode name="Name0">
-    <dgm:varLst>
-      <dgm:dir/>
-    </dgm:varLst>
-    <dgm:choose name="Name1">
-      <dgm:if name="Name2" func="var" arg="dir" op="equ" val="norm">
-        <dgm:alg type="lin">
-          <dgm:param type="linDir" val="fromL"/>
-          <dgm:param type="fallback" val="1D"/>
-          <dgm:param type="horzAlign" val="ctr"/>
-          <dgm:param type="vertAlign" val="mid"/>
-          <dgm:param type="nodeVertAlign" val="t"/>
-        </dgm:alg>
-      </dgm:if>
-      <dgm:else name="Name3">
-        <dgm:alg type="lin">
-          <dgm:param type="linDir" val="fromR"/>
-          <dgm:param type="fallback" val="1D"/>
-          <dgm:param type="horzAlign" val="ctr"/>
-          <dgm:param type="vertAlign" val="mid"/>
-          <dgm:param type="nodeVertAlign" val="t"/>
-        </dgm:alg>
-      </dgm:else>
-    </dgm:choose>
-    <dgm:shape xmlns:r="http://schemas.openxmlformats.org/officeDocument/2006/relationships" r:blip="">
-      <dgm:adjLst/>
-    </dgm:shape>
-    <dgm:constrLst>
-      <dgm:constr type="h" for="des" forName="Child" op="equ"/>
-      <dgm:constr type="w" for="des" forName="Child" op="equ"/>
-      <dgm:constr type="h" for="des" forName="Accent" op="equ"/>
-      <dgm:constr type="w" for="des" forName="Accent" op="equ"/>
-      <dgm:constr type="primFontSz" for="des" forName="Parent" op="equ"/>
-      <dgm:constr type="primFontSz" for="des" forName="Child" op="equ"/>
-      <dgm:constr type="w" for="ch" forName="composite" refType="w"/>
-      <dgm:constr type="h" for="ch" forName="composite" refType="h"/>
-      <dgm:constr type="sp" refType="w" refFor="ch" refForName="composite" op="equ" fact="0.1"/>
-      <dgm:constr type="w" for="ch" forName="sibTrans" refType="w" refFor="ch" refForName="composite" op="equ" fact="0.05"/>
-      <dgm:constr type="h" for="ch" forName="sibTrans" refType="w" refFor="ch" refForName="sibTrans" op="equ"/>
-    </dgm:constrLst>
-    <dgm:forEach name="nodesForEach" axis="ch" ptType="node">
-      <dgm:layoutNode name="composite">
-        <dgm:alg type="composite">
-          <dgm:param type="ar" val="0.5"/>
-        </dgm:alg>
-        <dgm:shape xmlns:r="http://schemas.openxmlformats.org/officeDocument/2006/relationships" r:blip="">
-          <dgm:adjLst/>
-        </dgm:shape>
-        <dgm:choose name="Name4">
-          <dgm:if name="Name5" func="var" arg="dir" op="equ" val="norm">
-            <dgm:constrLst>
-              <dgm:constr type="l" for="ch" forName="Parent" refType="w" fact="0"/>
-              <dgm:constr type="t" for="ch" forName="Parent" refType="h" fact="0"/>
-              <dgm:constr type="w" for="ch" forName="Parent" refType="w"/>
-              <dgm:constr type="h" for="ch" forName="Parent" refType="h" fact="0.1"/>
-              <dgm:constr type="l" for="ch" forName="Accent" refType="w" fact="0"/>
-              <dgm:constr type="b" for="ch" forName="Accent" refType="h"/>
-              <dgm:constr type="w" for="ch" forName="Accent" refType="w" fact="0"/>
-              <dgm:constr type="h" for="ch" forName="Accent" refType="h" fact="0.9"/>
-              <dgm:constr type="l" for="ch" forName="Image" refType="w" fact="0.05"/>
-              <dgm:constr type="t" for="ch" forName="Image" refType="h" fact="0.13"/>
-              <dgm:constr type="w" for="ch" forName="Image" refType="w" fact="0.9467"/>
-              <dgm:constr type="h" for="ch" forName="Image" refType="h" fact="0.405"/>
-              <dgm:constr type="l" for="ch" forName="Child" refType="w" fact="0.05"/>
-              <dgm:constr type="t" for="ch" forName="Child" refType="h" fact="0.535"/>
-              <dgm:constr type="w" for="ch" forName="Child" refType="w" fact="0.9467"/>
-              <dgm:constr type="h" for="ch" forName="Child" refType="h" fact="0.465"/>
-            </dgm:constrLst>
-          </dgm:if>
-          <dgm:else name="Name6">
-            <dgm:constrLst>
-              <dgm:constr type="l" for="ch" forName="Parent" refType="w" fact="0"/>
-              <dgm:constr type="t" for="ch" forName="Parent" refType="h" fact="0"/>
-              <dgm:constr type="w" for="ch" forName="Parent" refType="w"/>
-              <dgm:constr type="h" for="ch" forName="Parent" refType="h" fact="0.1"/>
-              <dgm:constr type="l" for="ch" forName="Accent" refType="w"/>
-              <dgm:constr type="b" for="ch" forName="Accent" refType="h"/>
-              <dgm:constr type="h" for="ch" forName="Accent" refType="h" fact="0.9"/>
-              <dgm:constr type="l" for="ch" forName="Image" refType="w" fact="0"/>
-              <dgm:constr type="t" for="ch" forName="Image" refType="h" fact="0.13"/>
-              <dgm:constr type="w" for="ch" forName="Image" refType="w" fact="0.9467"/>
-              <dgm:constr type="h" for="ch" forName="Image" refType="h" fact="0.405"/>
-              <dgm:constr type="l" for="ch" forName="Child" refType="w" fact="0"/>
-              <dgm:constr type="t" for="ch" forName="Child" refType="h" fact="0.535"/>
-              <dgm:constr type="w" for="ch" forName="Child" refType="w" fact="0.9467"/>
-              <dgm:constr type="h" for="ch" forName="Child" refType="h" fact="0.465"/>
-            </dgm:constrLst>
-          </dgm:else>
-        </dgm:choose>
-        <dgm:forEach name="Name7" axis="self" ptType="node">
-          <dgm:layoutNode name="Accent" styleLbl="alignAcc1">
-            <dgm:alg type="sp"/>
-            <dgm:shape xmlns:r="http://schemas.openxmlformats.org/officeDocument/2006/relationships" type="line" r:blip="">
-              <dgm:adjLst/>
-            </dgm:shape>
-            <dgm:presOf/>
-          </dgm:layoutNode>
-          <dgm:layoutNode name="Image">
-            <dgm:alg type="sp"/>
-            <dgm:shape xmlns:r="http://schemas.openxmlformats.org/officeDocument/2006/relationships" type="rect" r:blip="" blipPhldr="1">
-              <dgm:adjLst/>
-            </dgm:shape>
-            <dgm:presOf/>
-          </dgm:layoutNode>
-          <dgm:layoutNode name="Child" styleLbl="revTx">
-            <dgm:varLst>
-              <dgm:bulletEnabled val="1"/>
-            </dgm:varLst>
-            <dgm:choose name="Name8">
-              <dgm:if name="Name9" axis="ch" ptType="node" func="cnt" op="gt" val="1">
-                <dgm:choose name="Name10">
-                  <dgm:if name="Name11" func="var" arg="dir" op="equ" val="norm">
-                    <dgm:alg type="tx">
-                      <dgm:param type="shpTxLTRAlignCh" val="l"/>
-                      <dgm:param type="shpTxRTLAlignCh" val="r"/>
-                      <dgm:param type="txAnchorVert" val="t"/>
-                      <dgm:param type="stBulletLvl" val="1"/>
-                    </dgm:alg>
-                  </dgm:if>
-                  <dgm:else name="Name12">
-                    <dgm:alg type="tx">
-                      <dgm:param type="shpTxLTRAlignCh" val="l"/>
-                      <dgm:param type="shpTxRTLAlignCh" val="r"/>
-                      <dgm:param type="txAnchorVert" val="t"/>
-                      <dgm:param type="stBulletLvl" val="1"/>
-                    </dgm:alg>
-                  </dgm:else>
-                </dgm:choose>
-              </dgm:if>
-              <dgm:else name="Name13">
-                <dgm:choose name="Name14">
-                  <dgm:if name="Name15" func="var" arg="dir" op="equ" val="norm">
-                    <dgm:alg type="tx">
-                      <dgm:param type="shpTxLTRAlignCh" val="l"/>
-                      <dgm:param type="shpTxRTLAlignCh" val="r"/>
-                      <dgm:param type="txAnchorVert" val="t"/>
-                      <dgm:param type="stBulletLvl" val="2"/>
-                    </dgm:alg>
-                  </dgm:if>
-                  <dgm:else name="Name16">
-                    <dgm:alg type="tx">
-                      <dgm:param type="shpTxLTRAlignCh" val="l"/>
-                      <dgm:param type="shpTxRTLAlignCh" val="r"/>
-                      <dgm:param type="txAnchorVert" val="t"/>
-                      <dgm:param type="stBulletLvl" val="2"/>
-                    </dgm:alg>
-                  </dgm:else>
-                </dgm:choose>
-              </dgm:else>
-            </dgm:choose>
-            <dgm:shape xmlns:r="http://schemas.openxmlformats.org/officeDocument/2006/relationships" type="rect" r:blip="">
-              <dgm:adjLst/>
-            </dgm:shape>
-            <dgm:presOf axis="des" ptType="node"/>
-            <dgm:constrLst>
-              <dgm:constr type="lMarg" refType="primFontSz" fact="0.2"/>
-              <dgm:constr type="rMarg" refType="primFontSz" fact="0.2"/>
-              <dgm:constr type="tMarg" refType="primFontSz" fact="0.2"/>
-              <dgm:constr type="bMarg" refType="primFontSz" fact="0.2"/>
-            </dgm:constrLst>
-            <dgm:ruleLst>
-              <dgm:rule type="primFontSz" val="5" fact="NaN" max="NaN"/>
-            </dgm:ruleLst>
-          </dgm:layoutNode>
-          <dgm:layoutNode name="Parent" styleLbl="alignNode1">
-            <dgm:varLst>
-              <dgm:bulletEnabled val="1"/>
-            </dgm:varLst>
-            <dgm:alg type="tx">
-              <dgm:param type="shpTxLTRAlignCh" val="ctr"/>
-              <dgm:param type="txAnchorVertCh" val="mid"/>
-            </dgm:alg>
-            <dgm:shape xmlns:r="http://schemas.openxmlformats.org/officeDocument/2006/relationships" type="rect" r:blip="">
-              <dgm:adjLst/>
-            </dgm:shape>
-            <dgm:presOf axis="self"/>
-            <dgm:constrLst>
-              <dgm:constr type="lMarg" refType="primFontSz" fact="0.2"/>
-              <dgm:constr type="rMarg" refType="primFontSz" fact="0.2"/>
-              <dgm:constr type="tMarg" refType="primFontSz" fact="0.2"/>
-              <dgm:constr type="bMarg" refType="primFontSz" fact="0.2"/>
-            </dgm:constrLst>
-            <dgm:ruleLst>
-              <dgm:rule type="primFontSz" val="5" fact="NaN" max="NaN"/>
-            </dgm:ruleLst>
-          </dgm:layoutNode>
-        </dgm:forEach>
-      </dgm:layoutNode>
-      <dgm:forEach name="sibTransForEach" axis="followSib" ptType="sibTrans" cnt="1">
-        <dgm:layoutNode name="sibTrans">
-          <dgm:alg type="sp"/>
-          <dgm:shape xmlns:r="http://schemas.openxmlformats.org/officeDocument/2006/relationships" r:blip="">
-            <dgm:adjLst/>
-          </dgm:shape>
-        </dgm:layoutNode>
-      </dgm:forEach>
-    </dgm:forEach>
-  </dgm:layoutNode>
-</dgm:layoutDef>
-</file>
-
-<file path=ppt/diagrams/layout3.xml><?xml version="1.0" encoding="utf-8"?>
-<dgm:layoutDef xmlns:dgm="http://schemas.openxmlformats.org/drawingml/2006/diagram" xmlns:a="http://schemas.openxmlformats.org/drawingml/2006/main" uniqueId="urn:microsoft.com/office/officeart/2005/8/layout/hList1">
-  <dgm:title val=""/>
-  <dgm:desc val=""/>
-  <dgm:catLst>
-    <dgm:cat type="list" pri="5000"/>
-    <dgm:cat type="convert" pri="5000"/>
-  </dgm:catLst>
-  <dgm:sampData>
-    <dgm:dataModel>
-      <dgm:ptLst>
-        <dgm:pt modelId="0" type="doc"/>
-        <dgm:pt modelId="1">
-          <dgm:prSet phldr="1"/>
-        </dgm:pt>
-        <dgm:pt modelId="11">
-          <dgm:prSet phldr="1"/>
-        </dgm:pt>
-        <dgm:pt modelId="12">
-          <dgm:prSet phldr="1"/>
-        </dgm:pt>
-        <dgm:pt modelId="2">
-          <dgm:prSet phldr="1"/>
-        </dgm:pt>
-        <dgm:pt modelId="21">
-          <dgm:prSet phldr="1"/>
-        </dgm:pt>
-        <dgm:pt modelId="22">
-          <dgm:prSet phldr="1"/>
-        </dgm:pt>
-        <dgm:pt modelId="3">
-          <dgm:prSet phldr="1"/>
-        </dgm:pt>
-        <dgm:pt modelId="31">
-          <dgm:prSet phldr="1"/>
-        </dgm:pt>
-        <dgm:pt modelId="32">
-          <dgm:prSet phldr="1"/>
-        </dgm:pt>
-      </dgm:ptLst>
-      <dgm:cxnLst>
-        <dgm:cxn modelId="4" srcId="0" destId="1" srcOrd="0" destOrd="0"/>
-        <dgm:cxn modelId="5" srcId="0" destId="2" srcOrd="1" destOrd="0"/>
-        <dgm:cxn modelId="6" srcId="0" destId="3" srcOrd="2" destOrd="0"/>
-        <dgm:cxn modelId="13" srcId="1" destId="11" srcOrd="0" destOrd="0"/>
-        <dgm:cxn modelId="14" srcId="1" destId="12" srcOrd="1" destOrd="0"/>
-        <dgm:cxn modelId="23" srcId="2" destId="21" srcOrd="0" destOrd="0"/>
-        <dgm:cxn modelId="24" srcId="2" destId="22" srcOrd="1" destOrd="0"/>
-        <dgm:cxn modelId="33" srcId="3" destId="31" srcOrd="0" destOrd="0"/>
-        <dgm:cxn modelId="34" srcId="3" destId="32" srcOrd="1" destOrd="0"/>
-      </dgm:cxnLst>
-      <dgm:bg/>
-      <dgm:whole/>
-    </dgm:dataModel>
-  </dgm:sampData>
-  <dgm:styleData>
-    <dgm:dataModel>
-      <dgm:ptLst>
-        <dgm:pt modelId="0" type="doc"/>
-        <dgm:pt modelId="1">
-          <dgm:prSet phldr="1"/>
-        </dgm:pt>
-        <dgm:pt modelId="2">
-          <dgm:prSet phldr="1"/>
-        </dgm:pt>
-      </dgm:ptLst>
-      <dgm:cxnLst>
-        <dgm:cxn modelId="3" srcId="0" destId="1" srcOrd="0" destOrd="0"/>
-        <dgm:cxn modelId="4" srcId="0" destId="2" srcOrd="1" destOrd="0"/>
-      </dgm:cxnLst>
-      <dgm:bg/>
-      <dgm:whole/>
-    </dgm:dataModel>
-  </dgm:styleData>
-  <dgm:clrData>
-    <dgm:dataModel>
-      <dgm:ptLst>
-        <dgm:pt modelId="0" type="doc"/>
-        <dgm:pt modelId="1">
-          <dgm:prSet phldr="1"/>
-        </dgm:pt>
-        <dgm:pt modelId="2">
-          <dgm:prSet phldr="1"/>
-        </dgm:pt>
-        <dgm:pt modelId="3">
-          <dgm:prSet phldr="1"/>
-        </dgm:pt>
-        <dgm:pt modelId="4">
-          <dgm:prSet phldr="1"/>
-        </dgm:pt>
-      </dgm:ptLst>
-      <dgm:cxnLst>
-        <dgm:cxn modelId="5" srcId="0" destId="1" srcOrd="0" destOrd="0"/>
-        <dgm:cxn modelId="6" srcId="0" destId="2" srcOrd="1" destOrd="0"/>
-        <dgm:cxn modelId="7" srcId="0" destId="3" srcOrd="2" destOrd="0"/>
-        <dgm:cxn modelId="8" srcId="0" destId="4" srcOrd="3" destOrd="0"/>
-      </dgm:cxnLst>
-      <dgm:bg/>
-      <dgm:whole/>
-    </dgm:dataModel>
-  </dgm:clrData>
-  <dgm:layoutNode name="Name0">
-    <dgm:varLst>
-      <dgm:dir/>
-      <dgm:animLvl val="lvl"/>
-      <dgm:resizeHandles val="exact"/>
-    </dgm:varLst>
-    <dgm:choose name="Name1">
-      <dgm:if name="Name2" func="var" arg="dir" op="equ" val="norm">
-        <dgm:alg type="lin"/>
-      </dgm:if>
-      <dgm:else name="Name3">
-        <dgm:alg type="lin">
-          <dgm:param type="linDir" val="fromR"/>
-        </dgm:alg>
-      </dgm:else>
-    </dgm:choose>
-    <dgm:shape xmlns:r="http://schemas.openxmlformats.org/officeDocument/2006/relationships" r:blip="">
-      <dgm:adjLst/>
-    </dgm:shape>
-    <dgm:presOf/>
-    <dgm:constrLst>
-      <dgm:constr type="h" for="ch" forName="composite" refType="h"/>
-      <dgm:constr type="w" for="ch" forName="composite" refType="w"/>
-      <dgm:constr type="w" for="des" forName="parTx"/>
-      <dgm:constr type="h" for="des" forName="parTx" op="equ"/>
-      <dgm:constr type="w" for="des" forName="desTx"/>
-      <dgm:constr type="h" for="des" forName="desTx" op="equ"/>
-      <dgm:constr type="primFontSz" for="des" forName="parTx" val="65"/>
-      <dgm:constr type="secFontSz" for="des" forName="desTx" refType="primFontSz" refFor="des" refForName="parTx" op="equ"/>
-      <dgm:constr type="h" for="des" forName="parTx" refType="primFontSz" refFor="des" refForName="parTx" fact="0.8"/>
-      <dgm:constr type="h" for="des" forName="desTx" refType="primFontSz" refFor="des" refForName="parTx" fact="1.22"/>
-      <dgm:constr type="w" for="ch" forName="space" refType="w" refFor="ch" refForName="composite" op="equ" fact="0.14"/>
-    </dgm:constrLst>
-    <dgm:ruleLst>
-      <dgm:rule type="w" for="ch" forName="composite" val="0" fact="NaN" max="NaN"/>
-      <dgm:rule type="primFontSz" for="des" forName="parTx" val="5" fact="NaN" max="NaN"/>
-    </dgm:ruleLst>
-    <dgm:forEach name="Name4" axis="ch" ptType="node">
-      <dgm:layoutNode name="composite">
-        <dgm:alg type="composite"/>
-        <dgm:shape xmlns:r="http://schemas.openxmlformats.org/officeDocument/2006/relationships" r:blip="">
-          <dgm:adjLst/>
-        </dgm:shape>
-        <dgm:presOf/>
-        <dgm:constrLst>
-          <dgm:constr type="l" for="ch" forName="parTx"/>
-          <dgm:constr type="w" for="ch" forName="parTx" refType="w"/>
-          <dgm:constr type="t" for="ch" forName="parTx"/>
-          <dgm:constr type="l" for="ch" forName="desTx"/>
-          <dgm:constr type="w" for="ch" forName="desTx" refType="w" refFor="ch" refForName="parTx"/>
-          <dgm:constr type="t" for="ch" forName="desTx" refType="h" refFor="ch" refForName="parTx"/>
-        </dgm:constrLst>
-        <dgm:ruleLst>
-          <dgm:rule type="h" val="INF" fact="NaN" max="NaN"/>
-        </dgm:ruleLst>
-        <dgm:layoutNode name="parTx" styleLbl="alignNode1">
-          <dgm:varLst>
-            <dgm:chMax val="0"/>
-            <dgm:chPref val="0"/>
-            <dgm:bulletEnabled val="1"/>
-          </dgm:varLst>
-          <dgm:alg type="tx"/>
-          <dgm:shape xmlns:r="http://schemas.openxmlformats.org/officeDocument/2006/relationships" type="rect" r:blip="">
-            <dgm:adjLst/>
-          </dgm:shape>
-          <dgm:presOf axis="self" ptType="node"/>
-          <dgm:constrLst>
-            <dgm:constr type="h" refType="w" op="lte" fact="0.4"/>
-            <dgm:constr type="h"/>
-            <dgm:constr type="tMarg" refType="primFontSz" fact="0.32"/>
-            <dgm:constr type="bMarg" refType="primFontSz" fact="0.32"/>
-          </dgm:constrLst>
-          <dgm:ruleLst>
-            <dgm:rule type="h" val="INF" fact="NaN" max="NaN"/>
-          </dgm:ruleLst>
-        </dgm:layoutNode>
-        <dgm:layoutNode name="desTx" styleLbl="alignAccFollowNode1">
-          <dgm:varLst>
-            <dgm:bulletEnabled val="1"/>
-          </dgm:varLst>
-          <dgm:alg type="tx">
-            <dgm:param type="stBulletLvl" val="1"/>
-          </dgm:alg>
-          <dgm:shape xmlns:r="http://schemas.openxmlformats.org/officeDocument/2006/relationships" type="rect" r:blip="">
-            <dgm:adjLst/>
-          </dgm:shape>
-          <dgm:presOf axis="des" ptType="node"/>
-          <dgm:constrLst>
-            <dgm:constr type="secFontSz" val="65"/>
-            <dgm:constr type="primFontSz" refType="secFontSz"/>
-            <dgm:constr type="h"/>
-            <dgm:constr type="lMarg" refType="primFontSz" fact="0.42"/>
-            <dgm:constr type="tMarg" refType="primFontSz" fact="0.42"/>
-            <dgm:constr type="bMarg" refType="primFontSz" fact="0.63"/>
-          </dgm:constrLst>
-          <dgm:ruleLst>
-            <dgm:rule type="h" val="INF" fact="NaN" max="NaN"/>
-          </dgm:ruleLst>
-        </dgm:layoutNode>
-      </dgm:layoutNode>
-      <dgm:forEach name="Name5" axis="followSib" ptType="sibTrans" cnt="1">
-        <dgm:layoutNode name="space">
-          <dgm:alg type="sp"/>
-          <dgm:shape xmlns:r="http://schemas.openxmlformats.org/officeDocument/2006/relationships" r:blip="">
-            <dgm:adjLst/>
-          </dgm:shape>
-          <dgm:presOf/>
-          <dgm:constrLst/>
-          <dgm:ruleLst/>
-        </dgm:layoutNode>
-      </dgm:forEach>
-    </dgm:forEach>
-  </dgm:layoutNode>
-</dgm:layoutDef>
-</file>
-
 <file path=ppt/diagrams/quickStyle1.xml><?xml version="1.0" encoding="utf-8"?>
-<dgm:styleDef xmlns:dgm="http://schemas.openxmlformats.org/drawingml/2006/diagram" xmlns:a="http://schemas.openxmlformats.org/drawingml/2006/main" uniqueId="urn:microsoft.com/office/officeart/2005/8/quickstyle/simple1">
-  <dgm:title val=""/>
-  <dgm:desc val=""/>
-  <dgm:catLst>
-    <dgm:cat type="simple" pri="10100"/>
-  </dgm:catLst>
-  <dgm:scene3d>
-    <a:camera prst="orthographicFront"/>
-    <a:lightRig rig="threePt" dir="t"/>
-  </dgm:scene3d>
-  <dgm:styleLbl name="node0">
-    <dgm:scene3d>
-      <a:camera prst="orthographicFront"/>
-      <a:lightRig rig="threePt" dir="t"/>
-    </dgm:scene3d>
-    <dgm:sp3d/>
-    <dgm:txPr/>
-    <dgm:style>
-      <a:lnRef idx="2">
-        <a:scrgbClr r="0" g="0" b="0"/>
-      </a:lnRef>
-      <a:fillRef idx="1">
-        <a:scrgbClr r="0" g="0" b="0"/>
-      </a:fillRef>
-      <a:effectRef idx="0">
-        <a:scrgbClr r="0" g="0" b="0"/>
-      </a:effectRef>
-      <a:fontRef idx="minor">
-        <a:schemeClr val="lt1"/>
-      </a:fontRef>
-    </dgm:style>
-  </dgm:styleLbl>
-  <dgm:styleLbl name="lnNode1">
-    <dgm:scene3d>
-      <a:camera prst="orthographicFront"/>
-      <a:lightRig rig="threePt" dir="t"/>
-    </dgm:scene3d>
-    <dgm:sp3d/>
-    <dgm:txPr/>
-    <dgm:style>
-      <a:lnRef idx="2">
-        <a:scrgbClr r="0" g="0" b="0"/>
-      </a:lnRef>
-      <a:fillRef idx="1">
-        <a:scrgbClr r="0" g="0" b="0"/>
-      </a:fillRef>
-      <a:effectRef idx="0">
-        <a:scrgbClr r="0" g="0" b="0"/>
-      </a:effectRef>
-      <a:fontRef idx="minor">
-        <a:schemeClr val="lt1"/>
-      </a:fontRef>
-    </dgm:style>
-  </dgm:styleLbl>
-  <dgm:styleLbl name="vennNode1">
-    <dgm:scene3d>
-      <a:camera prst="orthographicFront"/>
-      <a:lightRig rig="threePt" dir="t"/>
-    </dgm:scene3d>
-    <dgm:sp3d/>
-    <dgm:txPr/>
-    <dgm:style>
-      <a:lnRef idx="2">
-        <a:scrgbClr r="0" g="0" b="0"/>
-      </a:lnRef>
-      <a:fillRef idx="1">
-        <a:scrgbClr r="0" g="0" b="0"/>
-      </a:fillRef>
-      <a:effectRef idx="0">
-        <a:scrgbClr r="0" g="0" b="0"/>
-      </a:effectRef>
-      <a:fontRef idx="minor">
-        <a:schemeClr val="tx1"/>
-      </a:fontRef>
-    </dgm:style>
-  </dgm:styleLbl>
-  <dgm:styleLbl name="alignNode1">
-    <dgm:scene3d>
-      <a:camera prst="orthographicFront"/>
-      <a:lightRig rig="threePt" dir="t"/>
-    </dgm:scene3d>
-    <dgm:sp3d/>
-    <dgm:txPr/>
-    <dgm:style>
-      <a:lnRef idx="2">
-        <a:scrgbClr r="0" g="0" b="0"/>
-      </a:lnRef>
-      <a:fillRef idx="1">
-        <a:scrgbClr r="0" g="0" b="0"/>
-      </a:fillRef>
-      <a:effectRef idx="0">
-        <a:scrgbClr r="0" g="0" b="0"/>
-      </a:effectRef>
-      <a:fontRef idx="minor">
-        <a:schemeClr val="lt1"/>
-      </a:fontRef>
-    </dgm:style>
-  </dgm:styleLbl>
-  <dgm:styleLbl name="node1">
-    <dgm:scene3d>
-      <a:camera prst="orthographicFront"/>
-      <a:lightRig rig="threePt" dir="t"/>
-    </dgm:scene3d>
-    <dgm:sp3d/>
-    <dgm:txPr/>
-    <dgm:style>
-      <a:lnRef idx="2">
-        <a:scrgbClr r="0" g="0" b="0"/>
-      </a:lnRef>
-      <a:fillRef idx="1">
-        <a:scrgbClr r="0" g="0" b="0"/>
-      </a:fillRef>
-      <a:effectRef idx="0">
-        <a:scrgbClr r="0" g="0" b="0"/>
-      </a:effectRef>
-      <a:fontRef idx="minor">
-        <a:schemeClr val="lt1"/>
-      </a:fontRef>
-    </dgm:style>
-  </dgm:styleLbl>
-  <dgm:styleLbl name="node2">
-    <dgm:scene3d>
-      <a:camera prst="orthographicFront"/>
-      <a:lightRig rig="threePt" dir="t"/>
-    </dgm:scene3d>
-    <dgm:sp3d/>
-    <dgm:txPr/>
-    <dgm:style>
-      <a:lnRef idx="2">
-        <a:scrgbClr r="0" g="0" b="0"/>
-      </a:lnRef>
-      <a:fillRef idx="1">
-        <a:scrgbClr r="0" g="0" b="0"/>
-      </a:fillRef>
-      <a:effectRef idx="0">
-        <a:scrgbClr r="0" g="0" b="0"/>
-      </a:effectRef>
-      <a:fontRef idx="minor">
-        <a:schemeClr val="lt1"/>
-      </a:fontRef>
-    </dgm:style>
-  </dgm:styleLbl>
-  <dgm:styleLbl name="node3">
-    <dgm:scene3d>
-      <a:camera prst="orthographicFront"/>
-      <a:lightRig rig="threePt" dir="t"/>
-    </dgm:scene3d>
-    <dgm:sp3d/>
-    <dgm:txPr/>
-    <dgm:style>
-      <a:lnRef idx="2">
-        <a:scrgbClr r="0" g="0" b="0"/>
-      </a:lnRef>
-      <a:fillRef idx="1">
-        <a:scrgbClr r="0" g="0" b="0"/>
-      </a:fillRef>
-      <a:effectRef idx="0">
-        <a:scrgbClr r="0" g="0" b="0"/>
-      </a:effectRef>
-      <a:fontRef idx="minor">
-        <a:schemeClr val="lt1"/>
-      </a:fontRef>
-    </dgm:style>
-  </dgm:styleLbl>
-  <dgm:styleLbl name="node4">
-    <dgm:scene3d>
-      <a:camera prst="orthographicFront"/>
-      <a:lightRig rig="threePt" dir="t"/>
-    </dgm:scene3d>
-    <dgm:sp3d/>
-    <dgm:txPr/>
-    <dgm:style>
-      <a:lnRef idx="2">
-        <a:scrgbClr r="0" g="0" b="0"/>
-      </a:lnRef>
-      <a:fillRef idx="1">
-        <a:scrgbClr r="0" g="0" b="0"/>
-      </a:fillRef>
-      <a:effectRef idx="0">
-        <a:scrgbClr r="0" g="0" b="0"/>
-      </a:effectRef>
-      <a:fontRef idx="minor">
-        <a:schemeClr val="lt1"/>
-      </a:fontRef>
-    </dgm:style>
-  </dgm:styleLbl>
-  <dgm:styleLbl name="fgImgPlace1">
-    <dgm:scene3d>
-      <a:camera prst="orthographicFront"/>
-      <a:lightRig rig="threePt" dir="t"/>
-    </dgm:scene3d>
-    <dgm:sp3d/>
-    <dgm:txPr/>
-    <dgm:style>
-      <a:lnRef idx="2">
-        <a:scrgbClr r="0" g="0" b="0"/>
-      </a:lnRef>
-      <a:fillRef idx="1">
-        <a:scrgbClr r="0" g="0" b="0"/>
-      </a:fillRef>
-      <a:effectRef idx="0">
-        <a:scrgbClr r="0" g="0" b="0"/>
-      </a:effectRef>
-      <a:fontRef idx="minor"/>
-    </dgm:style>
-  </dgm:styleLbl>
-  <dgm:styleLbl name="alignImgPlace1">
-    <dgm:scene3d>
-      <a:camera prst="orthographicFront"/>
-      <a:lightRig rig="threePt" dir="t"/>
-    </dgm:scene3d>
-    <dgm:sp3d/>
-    <dgm:txPr/>
-    <dgm:style>
-      <a:lnRef idx="2">
-        <a:scrgbClr r="0" g="0" b="0"/>
-      </a:lnRef>
-      <a:fillRef idx="1">
-        <a:scrgbClr r="0" g="0" b="0"/>
-      </a:fillRef>
-      <a:effectRef idx="0">
-        <a:scrgbClr r="0" g="0" b="0"/>
-      </a:effectRef>
-      <a:fontRef idx="minor"/>
-    </dgm:style>
-  </dgm:styleLbl>
-  <dgm:styleLbl name="bgImgPlace1">
-    <dgm:scene3d>
-      <a:camera prst="orthographicFront"/>
-      <a:lightRig rig="threePt" dir="t"/>
-    </dgm:scene3d>
-    <dgm:sp3d/>
-    <dgm:txPr/>
-    <dgm:style>
-      <a:lnRef idx="2">
-        <a:scrgbClr r="0" g="0" b="0"/>
-      </a:lnRef>
-      <a:fillRef idx="1">
-        <a:scrgbClr r="0" g="0" b="0"/>
-      </a:fillRef>
-      <a:effectRef idx="0">
-        <a:scrgbClr r="0" g="0" b="0"/>
-      </a:effectRef>
-      <a:fontRef idx="minor"/>
-    </dgm:style>
-  </dgm:styleLbl>
-  <dgm:styleLbl name="sibTrans2D1">
-    <dgm:scene3d>
-      <a:camera prst="orthographicFront"/>
-      <a:lightRig rig="threePt" dir="t"/>
-    </dgm:scene3d>
-    <dgm:sp3d/>
-    <dgm:txPr/>
-    <dgm:style>
-      <a:lnRef idx="0">
-        <a:scrgbClr r="0" g="0" b="0"/>
-      </a:lnRef>
-      <a:fillRef idx="1">
-        <a:scrgbClr r="0" g="0" b="0"/>
-      </a:fillRef>
-      <a:effectRef idx="0">
-        <a:scrgbClr r="0" g="0" b="0"/>
-      </a:effectRef>
-      <a:fontRef idx="minor">
-        <a:schemeClr val="lt1"/>
-      </a:fontRef>
-    </dgm:style>
-  </dgm:styleLbl>
-  <dgm:styleLbl name="fgSibTrans2D1">
-    <dgm:scene3d>
-      <a:camera prst="orthographicFront"/>
-      <a:lightRig rig="threePt" dir="t"/>
-    </dgm:scene3d>
-    <dgm:sp3d/>
-    <dgm:txPr/>
-    <dgm:style>
-      <a:lnRef idx="0">
-        <a:scrgbClr r="0" g="0" b="0"/>
-      </a:lnRef>
-      <a:fillRef idx="1">
-        <a:scrgbClr r="0" g="0" b="0"/>
-      </a:fillRef>
-      <a:effectRef idx="0">
-        <a:scrgbClr r="0" g="0" b="0"/>
-      </a:effectRef>
-      <a:fontRef idx="minor">
-        <a:schemeClr val="lt1"/>
-      </a:fontRef>
-    </dgm:style>
-  </dgm:styleLbl>
-  <dgm:styleLbl name="bgSibTrans2D1">
-    <dgm:scene3d>
-      <a:camera prst="orthographicFront"/>
-      <a:lightRig rig="threePt" dir="t"/>
-    </dgm:scene3d>
-    <dgm:sp3d/>
-    <dgm:txPr/>
-    <dgm:style>
-      <a:lnRef idx="0">
-        <a:scrgbClr r="0" g="0" b="0"/>
-      </a:lnRef>
-      <a:fillRef idx="1">
-        <a:scrgbClr r="0" g="0" b="0"/>
-      </a:fillRef>
-      <a:effectRef idx="0">
-        <a:scrgbClr r="0" g="0" b="0"/>
-      </a:effectRef>
-      <a:fontRef idx="minor">
-        <a:schemeClr val="lt1"/>
-      </a:fontRef>
-    </dgm:style>
-  </dgm:styleLbl>
-  <dgm:styleLbl name="sibTrans1D1">
-    <dgm:scene3d>
-      <a:camera prst="orthographicFront"/>
-      <a:lightRig rig="threePt" dir="t"/>
-    </dgm:scene3d>
-    <dgm:sp3d/>
-    <dgm:txPr/>
-    <dgm:style>
-      <a:lnRef idx="1">
-        <a:scrgbClr r="0" g="0" b="0"/>
-      </a:lnRef>
-      <a:fillRef idx="0">
-        <a:scrgbClr r="0" g="0" b="0"/>
-      </a:fillRef>
-      <a:effectRef idx="0">
-        <a:scrgbClr r="0" g="0" b="0"/>
-      </a:effectRef>
-      <a:fontRef idx="minor"/>
-    </dgm:style>
-  </dgm:styleLbl>
-  <dgm:styleLbl name="callout">
-    <dgm:scene3d>
-      <a:camera prst="orthographicFront"/>
-      <a:lightRig rig="threePt" dir="t"/>
-    </dgm:scene3d>
-    <dgm:sp3d/>
-    <dgm:txPr/>
-    <dgm:style>
-      <a:lnRef idx="2">
-        <a:scrgbClr r="0" g="0" b="0"/>
-      </a:lnRef>
-      <a:fillRef idx="1">
-        <a:scrgbClr r="0" g="0" b="0"/>
-      </a:fillRef>
-      <a:effectRef idx="0">
-        <a:scrgbClr r="0" g="0" b="0"/>
-      </a:effectRef>
-      <a:fontRef idx="minor"/>
-    </dgm:style>
-  </dgm:styleLbl>
-  <dgm:styleLbl name="asst0">
-    <dgm:scene3d>
-      <a:camera prst="orthographicFront"/>
-      <a:lightRig rig="threePt" dir="t"/>
-    </dgm:scene3d>
-    <dgm:sp3d/>
-    <dgm:txPr/>
-    <dgm:style>
-      <a:lnRef idx="2">
-        <a:scrgbClr r="0" g="0" b="0"/>
-      </a:lnRef>
-      <a:fillRef idx="1">
-        <a:scrgbClr r="0" g="0" b="0"/>
-      </a:fillRef>
-      <a:effectRef idx="0">
-        <a:scrgbClr r="0" g="0" b="0"/>
-      </a:effectRef>
-      <a:fontRef idx="minor">
-        <a:schemeClr val="lt1"/>
-      </a:fontRef>
-    </dgm:style>
-  </dgm:styleLbl>
-  <dgm:styleLbl name="asst1">
-    <dgm:scene3d>
-      <a:camera prst="orthographicFront"/>
-      <a:lightRig rig="threePt" dir="t"/>
-    </dgm:scene3d>
-    <dgm:sp3d/>
-    <dgm:txPr/>
-    <dgm:style>
-      <a:lnRef idx="2">
-        <a:scrgbClr r="0" g="0" b="0"/>
-      </a:lnRef>
-      <a:fillRef idx="1">
-        <a:scrgbClr r="0" g="0" b="0"/>
-      </a:fillRef>
-      <a:effectRef idx="0">
-        <a:scrgbClr r="0" g="0" b="0"/>
-      </a:effectRef>
-      <a:fontRef idx="minor">
-        <a:schemeClr val="lt1"/>
-      </a:fontRef>
-    </dgm:style>
-  </dgm:styleLbl>
-  <dgm:styleLbl name="asst2">
-    <dgm:scene3d>
-      <a:camera prst="orthographicFront"/>
-      <a:lightRig rig="threePt" dir="t"/>
-    </dgm:scene3d>
-    <dgm:sp3d/>
-    <dgm:txPr/>
-    <dgm:style>
-      <a:lnRef idx="2">
-        <a:scrgbClr r="0" g="0" b="0"/>
-      </a:lnRef>
-      <a:fillRef idx="1">
-        <a:scrgbClr r="0" g="0" b="0"/>
-      </a:fillRef>
-      <a:effectRef idx="0">
-        <a:scrgbClr r="0" g="0" b="0"/>
-      </a:effectRef>
-      <a:fontRef idx="minor">
-        <a:schemeClr val="lt1"/>
-      </a:fontRef>
-    </dgm:style>
-  </dgm:styleLbl>
-  <dgm:styleLbl name="asst3">
-    <dgm:scene3d>
-      <a:camera prst="orthographicFront"/>
-      <a:lightRig rig="threePt" dir="t"/>
-    </dgm:scene3d>
-    <dgm:sp3d/>
-    <dgm:txPr/>
-    <dgm:style>
-      <a:lnRef idx="2">
-        <a:scrgbClr r="0" g="0" b="0"/>
-      </a:lnRef>
-      <a:fillRef idx="1">
-        <a:scrgbClr r="0" g="0" b="0"/>
-      </a:fillRef>
-      <a:effectRef idx="0">
-        <a:scrgbClr r="0" g="0" b="0"/>
-      </a:effectRef>
-      <a:fontRef idx="minor">
-        <a:schemeClr val="lt1"/>
-      </a:fontRef>
-    </dgm:style>
-  </dgm:styleLbl>
-  <dgm:styleLbl name="asst4">
-    <dgm:scene3d>
-      <a:camera prst="orthographicFront"/>
-      <a:lightRig rig="threePt" dir="t"/>
-    </dgm:scene3d>
-    <dgm:sp3d/>
-    <dgm:txPr/>
-    <dgm:style>
-      <a:lnRef idx="2">
-        <a:scrgbClr r="0" g="0" b="0"/>
-      </a:lnRef>
-      <a:fillRef idx="1">
-        <a:scrgbClr r="0" g="0" b="0"/>
-      </a:fillRef>
-      <a:effectRef idx="0">
-        <a:scrgbClr r="0" g="0" b="0"/>
-      </a:effectRef>
-      <a:fontRef idx="minor">
-        <a:schemeClr val="lt1"/>
-      </a:fontRef>
-    </dgm:style>
-  </dgm:styleLbl>
-  <dgm:styleLbl name="parChTrans2D1">
-    <dgm:scene3d>
-      <a:camera prst="orthographicFront"/>
-      <a:lightRig rig="threePt" dir="t"/>
-    </dgm:scene3d>
-    <dgm:sp3d/>
-    <dgm:txPr/>
-    <dgm:style>
-      <a:lnRef idx="2">
-        <a:scrgbClr r="0" g="0" b="0"/>
-      </a:lnRef>
-      <a:fillRef idx="1">
-        <a:scrgbClr r="0" g="0" b="0"/>
-      </a:fillRef>
-      <a:effectRef idx="0">
-        <a:scrgbClr r="0" g="0" b="0"/>
-      </a:effectRef>
-      <a:fontRef idx="minor">
-        <a:schemeClr val="lt1"/>
-      </a:fontRef>
-    </dgm:style>
-  </dgm:styleLbl>
-  <dgm:styleLbl name="parChTrans2D2">
-    <dgm:scene3d>
-      <a:camera prst="orthographicFront"/>
-      <a:lightRig rig="threePt" dir="t"/>
-    </dgm:scene3d>
-    <dgm:sp3d/>
-    <dgm:txPr/>
-    <dgm:style>
-      <a:lnRef idx="2">
-        <a:scrgbClr r="0" g="0" b="0"/>
-      </a:lnRef>
-      <a:fillRef idx="1">
-        <a:scrgbClr r="0" g="0" b="0"/>
-      </a:fillRef>
-      <a:effectRef idx="0">
-        <a:scrgbClr r="0" g="0" b="0"/>
-      </a:effectRef>
-      <a:fontRef idx="minor">
-        <a:schemeClr val="lt1"/>
-      </a:fontRef>
-    </dgm:style>
-  </dgm:styleLbl>
-  <dgm:styleLbl name="parChTrans2D3">
-    <dgm:scene3d>
-      <a:camera prst="orthographicFront"/>
-      <a:lightRig rig="threePt" dir="t"/>
-    </dgm:scene3d>
-    <dgm:sp3d/>
-    <dgm:txPr/>
-    <dgm:style>
-      <a:lnRef idx="2">
-        <a:scrgbClr r="0" g="0" b="0"/>
-      </a:lnRef>
-      <a:fillRef idx="1">
-        <a:scrgbClr r="0" g="0" b="0"/>
-      </a:fillRef>
-      <a:effectRef idx="0">
-        <a:scrgbClr r="0" g="0" b="0"/>
-      </a:effectRef>
-      <a:fontRef idx="minor">
-        <a:schemeClr val="lt1"/>
-      </a:fontRef>
-    </dgm:style>
-  </dgm:styleLbl>
-  <dgm:styleLbl name="parChTrans2D4">
-    <dgm:scene3d>
-      <a:camera prst="orthographicFront"/>
-      <a:lightRig rig="threePt" dir="t"/>
-    </dgm:scene3d>
-    <dgm:sp3d/>
-    <dgm:txPr/>
-    <dgm:style>
-      <a:lnRef idx="2">
-        <a:scrgbClr r="0" g="0" b="0"/>
-      </a:lnRef>
-      <a:fillRef idx="1">
-        <a:scrgbClr r="0" g="0" b="0"/>
-      </a:fillRef>
-      <a:effectRef idx="0">
-        <a:scrgbClr r="0" g="0" b="0"/>
-      </a:effectRef>
-      <a:fontRef idx="minor">
-        <a:schemeClr val="lt1"/>
-      </a:fontRef>
-    </dgm:style>
-  </dgm:styleLbl>
-  <dgm:styleLbl name="parChTrans1D1">
-    <dgm:scene3d>
-      <a:camera prst="orthographicFront"/>
-      <a:lightRig rig="threePt" dir="t"/>
-    </dgm:scene3d>
-    <dgm:sp3d/>
-    <dgm:txPr/>
-    <dgm:style>
-      <a:lnRef idx="2">
-        <a:scrgbClr r="0" g="0" b="0"/>
-      </a:lnRef>
-      <a:fillRef idx="0">
-        <a:scrgbClr r="0" g="0" b="0"/>
-      </a:fillRef>
-      <a:effectRef idx="0">
-        <a:scrgbClr r="0" g="0" b="0"/>
-      </a:effectRef>
-      <a:fontRef idx="minor"/>
-    </dgm:style>
-  </dgm:styleLbl>
-  <dgm:styleLbl name="parChTrans1D2">
-    <dgm:scene3d>
-      <a:camera prst="orthographicFront"/>
-      <a:lightRig rig="threePt" dir="t"/>
-    </dgm:scene3d>
-    <dgm:sp3d/>
-    <dgm:txPr/>
-    <dgm:style>
-      <a:lnRef idx="2">
-        <a:scrgbClr r="0" g="0" b="0"/>
-      </a:lnRef>
-      <a:fillRef idx="0">
-        <a:scrgbClr r="0" g="0" b="0"/>
-      </a:fillRef>
-      <a:effectRef idx="0">
-        <a:scrgbClr r="0" g="0" b="0"/>
-      </a:effectRef>
-      <a:fontRef idx="minor"/>
-    </dgm:style>
-  </dgm:styleLbl>
-  <dgm:styleLbl name="parChTrans1D3">
-    <dgm:scene3d>
-      <a:camera prst="orthographicFront"/>
-      <a:lightRig rig="threePt" dir="t"/>
-    </dgm:scene3d>
-    <dgm:sp3d/>
-    <dgm:txPr/>
-    <dgm:style>
-      <a:lnRef idx="2">
-        <a:scrgbClr r="0" g="0" b="0"/>
-      </a:lnRef>
-      <a:fillRef idx="0">
-        <a:scrgbClr r="0" g="0" b="0"/>
-      </a:fillRef>
-      <a:effectRef idx="0">
-        <a:scrgbClr r="0" g="0" b="0"/>
-      </a:effectRef>
-      <a:fontRef idx="minor"/>
-    </dgm:style>
-  </dgm:styleLbl>
-  <dgm:styleLbl name="parChTrans1D4">
-    <dgm:scene3d>
-      <a:camera prst="orthographicFront"/>
-      <a:lightRig rig="threePt" dir="t"/>
-    </dgm:scene3d>
-    <dgm:sp3d/>
-    <dgm:txPr/>
-    <dgm:style>
-      <a:lnRef idx="2">
-        <a:scrgbClr r="0" g="0" b="0"/>
-      </a:lnRef>
-      <a:fillRef idx="0">
-        <a:scrgbClr r="0" g="0" b="0"/>
-      </a:fillRef>
-      <a:effectRef idx="0">
-        <a:scrgbClr r="0" g="0" b="0"/>
-      </a:effectRef>
-      <a:fontRef idx="minor"/>
-    </dgm:style>
-  </dgm:styleLbl>
-  <dgm:styleLbl name="fgAcc1">
-    <dgm:scene3d>
-      <a:camera prst="orthographicFront"/>
-      <a:lightRig rig="threePt" dir="t"/>
-    </dgm:scene3d>
-    <dgm:sp3d/>
-    <dgm:txPr/>
-    <dgm:style>
-      <a:lnRef idx="2">
-        <a:scrgbClr r="0" g="0" b="0"/>
-      </a:lnRef>
-      <a:fillRef idx="1">
-        <a:scrgbClr r="0" g="0" b="0"/>
-      </a:fillRef>
-      <a:effectRef idx="0">
-        <a:scrgbClr r="0" g="0" b="0"/>
-      </a:effectRef>
-      <a:fontRef idx="minor"/>
-    </dgm:style>
-  </dgm:styleLbl>
-  <dgm:styleLbl name="conFgAcc1">
-    <dgm:scene3d>
-      <a:camera prst="orthographicFront"/>
-      <a:lightRig rig="threePt" dir="t"/>
-    </dgm:scene3d>
-    <dgm:sp3d/>
-    <dgm:txPr/>
-    <dgm:style>
-      <a:lnRef idx="2">
-        <a:scrgbClr r="0" g="0" b="0"/>
-      </a:lnRef>
-      <a:fillRef idx="1">
-        <a:scrgbClr r="0" g="0" b="0"/>
-      </a:fillRef>
-      <a:effectRef idx="0">
-        <a:scrgbClr r="0" g="0" b="0"/>
-      </a:effectRef>
-      <a:fontRef idx="minor"/>
-    </dgm:style>
-  </dgm:styleLbl>
-  <dgm:styleLbl name="alignAcc1">
-    <dgm:scene3d>
-      <a:camera prst="orthographicFront"/>
-      <a:lightRig rig="threePt" dir="t"/>
-    </dgm:scene3d>
-    <dgm:sp3d/>
-    <dgm:txPr/>
-    <dgm:style>
-      <a:lnRef idx="2">
-        <a:scrgbClr r="0" g="0" b="0"/>
-      </a:lnRef>
-      <a:fillRef idx="1">
-        <a:scrgbClr r="0" g="0" b="0"/>
-      </a:fillRef>
-      <a:effectRef idx="0">
-        <a:scrgbClr r="0" g="0" b="0"/>
-      </a:effectRef>
-      <a:fontRef idx="minor"/>
-    </dgm:style>
-  </dgm:styleLbl>
-  <dgm:styleLbl name="trAlignAcc1">
-    <dgm:scene3d>
-      <a:camera prst="orthographicFront"/>
-      <a:lightRig rig="threePt" dir="t"/>
-    </dgm:scene3d>
-    <dgm:sp3d/>
-    <dgm:txPr/>
-    <dgm:style>
-      <a:lnRef idx="1">
-        <a:scrgbClr r="0" g="0" b="0"/>
-      </a:lnRef>
-      <a:fillRef idx="1">
-        <a:scrgbClr r="0" g="0" b="0"/>
-      </a:fillRef>
-      <a:effectRef idx="0">
-        <a:scrgbClr r="0" g="0" b="0"/>
-      </a:effectRef>
-      <a:fontRef idx="minor"/>
-    </dgm:style>
-  </dgm:styleLbl>
-  <dgm:styleLbl name="bgAcc1">
-    <dgm:scene3d>
-      <a:camera prst="orthographicFront"/>
-      <a:lightRig rig="threePt" dir="t"/>
-    </dgm:scene3d>
-    <dgm:sp3d/>
-    <dgm:txPr/>
-    <dgm:style>
-      <a:lnRef idx="2">
-        <a:scrgbClr r="0" g="0" b="0"/>
-      </a:lnRef>
-      <a:fillRef idx="1">
-        <a:scrgbClr r="0" g="0" b="0"/>
-      </a:fillRef>
-      <a:effectRef idx="0">
-        <a:scrgbClr r="0" g="0" b="0"/>
-      </a:effectRef>
-      <a:fontRef idx="minor"/>
-    </dgm:style>
-  </dgm:styleLbl>
-  <dgm:styleLbl name="solidFgAcc1">
-    <dgm:scene3d>
-      <a:camera prst="orthographicFront"/>
-      <a:lightRig rig="threePt" dir="t"/>
-    </dgm:scene3d>
-    <dgm:sp3d/>
-    <dgm:txPr/>
-    <dgm:style>
-      <a:lnRef idx="2">
-        <a:scrgbClr r="0" g="0" b="0"/>
-      </a:lnRef>
-      <a:fillRef idx="1">
-        <a:scrgbClr r="0" g="0" b="0"/>
-      </a:fillRef>
-      <a:effectRef idx="0">
-        <a:scrgbClr r="0" g="0" b="0"/>
-      </a:effectRef>
-      <a:fontRef idx="minor"/>
-    </dgm:style>
-  </dgm:styleLbl>
-  <dgm:styleLbl name="solidAlignAcc1">
-    <dgm:scene3d>
-      <a:camera prst="orthographicFront"/>
-      <a:lightRig rig="threePt" dir="t"/>
-    </dgm:scene3d>
-    <dgm:sp3d/>
-    <dgm:txPr/>
-    <dgm:style>
-      <a:lnRef idx="2">
-        <a:scrgbClr r="0" g="0" b="0"/>
-      </a:lnRef>
-      <a:fillRef idx="1">
-        <a:scrgbClr r="0" g="0" b="0"/>
-      </a:fillRef>
-      <a:effectRef idx="0">
-        <a:scrgbClr r="0" g="0" b="0"/>
-      </a:effectRef>
-      <a:fontRef idx="minor"/>
-    </dgm:style>
-  </dgm:styleLbl>
-  <dgm:styleLbl name="solidBgAcc1">
-    <dgm:scene3d>
-      <a:camera prst="orthographicFront"/>
-      <a:lightRig rig="threePt" dir="t"/>
-    </dgm:scene3d>
-    <dgm:sp3d/>
-    <dgm:txPr/>
-    <dgm:style>
-      <a:lnRef idx="2">
-        <a:scrgbClr r="0" g="0" b="0"/>
-      </a:lnRef>
-      <a:fillRef idx="1">
-        <a:scrgbClr r="0" g="0" b="0"/>
-      </a:fillRef>
-      <a:effectRef idx="0">
-        <a:scrgbClr r="0" g="0" b="0"/>
-      </a:effectRef>
-      <a:fontRef idx="minor"/>
-    </dgm:style>
-  </dgm:styleLbl>
-  <dgm:styleLbl name="fgAccFollowNode1">
-    <dgm:scene3d>
-      <a:camera prst="orthographicFront"/>
-      <a:lightRig rig="threePt" dir="t"/>
-    </dgm:scene3d>
-    <dgm:sp3d/>
-    <dgm:txPr/>
-    <dgm:style>
-      <a:lnRef idx="2">
-        <a:scrgbClr r="0" g="0" b="0"/>
-      </a:lnRef>
-      <a:fillRef idx="1">
-        <a:scrgbClr r="0" g="0" b="0"/>
-      </a:fillRef>
-      <a:effectRef idx="0">
-        <a:scrgbClr r="0" g="0" b="0"/>
-      </a:effectRef>
-      <a:fontRef idx="minor"/>
-    </dgm:style>
-  </dgm:styleLbl>
-  <dgm:styleLbl name="alignAccFollowNode1">
-    <dgm:scene3d>
-      <a:camera prst="orthographicFront"/>
-      <a:lightRig rig="threePt" dir="t"/>
-    </dgm:scene3d>
-    <dgm:sp3d/>
-    <dgm:txPr/>
-    <dgm:style>
-      <a:lnRef idx="2">
-        <a:scrgbClr r="0" g="0" b="0"/>
-      </a:lnRef>
-      <a:fillRef idx="1">
-        <a:scrgbClr r="0" g="0" b="0"/>
-      </a:fillRef>
-      <a:effectRef idx="0">
-        <a:scrgbClr r="0" g="0" b="0"/>
-      </a:effectRef>
-      <a:fontRef idx="minor"/>
-    </dgm:style>
-  </dgm:styleLbl>
-  <dgm:styleLbl name="bgAccFollowNode1">
-    <dgm:scene3d>
-      <a:camera prst="orthographicFront"/>
-      <a:lightRig rig="threePt" dir="t"/>
-    </dgm:scene3d>
-    <dgm:sp3d/>
-    <dgm:txPr/>
-    <dgm:style>
-      <a:lnRef idx="2">
-        <a:scrgbClr r="0" g="0" b="0"/>
-      </a:lnRef>
-      <a:fillRef idx="1">
-        <a:scrgbClr r="0" g="0" b="0"/>
-      </a:fillRef>
-      <a:effectRef idx="0">
-        <a:scrgbClr r="0" g="0" b="0"/>
-      </a:effectRef>
-      <a:fontRef idx="minor"/>
-    </dgm:style>
-  </dgm:styleLbl>
-  <dgm:styleLbl name="fgAcc0">
-    <dgm:scene3d>
-      <a:camera prst="orthographicFront"/>
-      <a:lightRig rig="threePt" dir="t"/>
-    </dgm:scene3d>
-    <dgm:sp3d/>
-    <dgm:txPr/>
-    <dgm:style>
-      <a:lnRef idx="2">
-        <a:scrgbClr r="0" g="0" b="0"/>
-      </a:lnRef>
-      <a:fillRef idx="1">
-        <a:scrgbClr r="0" g="0" b="0"/>
-      </a:fillRef>
-      <a:effectRef idx="0">
-        <a:scrgbClr r="0" g="0" b="0"/>
-      </a:effectRef>
-      <a:fontRef idx="minor"/>
-    </dgm:style>
-  </dgm:styleLbl>
-  <dgm:styleLbl name="fgAcc2">
-    <dgm:scene3d>
-      <a:camera prst="orthographicFront"/>
-      <a:lightRig rig="threePt" dir="t"/>
-    </dgm:scene3d>
-    <dgm:sp3d/>
-    <dgm:txPr/>
-    <dgm:style>
-      <a:lnRef idx="2">
-        <a:scrgbClr r="0" g="0" b="0"/>
-      </a:lnRef>
-      <a:fillRef idx="1">
-        <a:scrgbClr r="0" g="0" b="0"/>
-      </a:fillRef>
-      <a:effectRef idx="0">
-        <a:scrgbClr r="0" g="0" b="0"/>
-      </a:effectRef>
-      <a:fontRef idx="minor"/>
-    </dgm:style>
-  </dgm:styleLbl>
-  <dgm:styleLbl name="fgAcc3">
-    <dgm:scene3d>
-      <a:camera prst="orthographicFront"/>
-      <a:lightRig rig="threePt" dir="t"/>
-    </dgm:scene3d>
-    <dgm:sp3d/>
-    <dgm:txPr/>
-    <dgm:style>
-      <a:lnRef idx="2">
-        <a:scrgbClr r="0" g="0" b="0"/>
-      </a:lnRef>
-      <a:fillRef idx="1">
-        <a:scrgbClr r="0" g="0" b="0"/>
-      </a:fillRef>
-      <a:effectRef idx="0">
-        <a:scrgbClr r="0" g="0" b="0"/>
-      </a:effectRef>
-      <a:fontRef idx="minor"/>
-    </dgm:style>
-  </dgm:styleLbl>
-  <dgm:styleLbl name="fgAcc4">
-    <dgm:scene3d>
-      <a:camera prst="orthographicFront"/>
-      <a:lightRig rig="threePt" dir="t"/>
-    </dgm:scene3d>
-    <dgm:sp3d/>
-    <dgm:txPr/>
-    <dgm:style>
-      <a:lnRef idx="2">
-        <a:scrgbClr r="0" g="0" b="0"/>
-      </a:lnRef>
-      <a:fillRef idx="1">
-        <a:scrgbClr r="0" g="0" b="0"/>
-      </a:fillRef>
-      <a:effectRef idx="0">
-        <a:scrgbClr r="0" g="0" b="0"/>
-      </a:effectRef>
-      <a:fontRef idx="minor"/>
-    </dgm:style>
-  </dgm:styleLbl>
-  <dgm:styleLbl name="bgShp">
-    <dgm:scene3d>
-      <a:camera prst="orthographicFront"/>
-      <a:lightRig rig="threePt" dir="t"/>
-    </dgm:scene3d>
-    <dgm:sp3d/>
-    <dgm:txPr/>
-    <dgm:style>
-      <a:lnRef idx="0">
-        <a:scrgbClr r="0" g="0" b="0"/>
-      </a:lnRef>
-      <a:fillRef idx="1">
-        <a:scrgbClr r="0" g="0" b="0"/>
-      </a:fillRef>
-      <a:effectRef idx="0">
-        <a:scrgbClr r="0" g="0" b="0"/>
-      </a:effectRef>
-      <a:fontRef idx="minor"/>
-    </dgm:style>
-  </dgm:styleLbl>
-  <dgm:styleLbl name="dkBgShp">
-    <dgm:scene3d>
-      <a:camera prst="orthographicFront"/>
-      <a:lightRig rig="threePt" dir="t"/>
-    </dgm:scene3d>
-    <dgm:sp3d/>
-    <dgm:txPr/>
-    <dgm:style>
-      <a:lnRef idx="0">
-        <a:scrgbClr r="0" g="0" b="0"/>
-      </a:lnRef>
-      <a:fillRef idx="1">
-        <a:scrgbClr r="0" g="0" b="0"/>
-      </a:fillRef>
-      <a:effectRef idx="0">
-        <a:scrgbClr r="0" g="0" b="0"/>
-      </a:effectRef>
-      <a:fontRef idx="minor"/>
-    </dgm:style>
-  </dgm:styleLbl>
-  <dgm:styleLbl name="trBgShp">
-    <dgm:scene3d>
-      <a:camera prst="orthographicFront"/>
-      <a:lightRig rig="threePt" dir="t"/>
-    </dgm:scene3d>
-    <dgm:sp3d/>
-    <dgm:txPr/>
-    <dgm:style>
-      <a:lnRef idx="0">
-        <a:scrgbClr r="0" g="0" b="0"/>
-      </a:lnRef>
-      <a:fillRef idx="1">
-        <a:scrgbClr r="0" g="0" b="0"/>
-      </a:fillRef>
-      <a:effectRef idx="0">
-        <a:scrgbClr r="0" g="0" b="0"/>
-      </a:effectRef>
-      <a:fontRef idx="minor"/>
-    </dgm:style>
-  </dgm:styleLbl>
-  <dgm:styleLbl name="fgShp">
-    <dgm:scene3d>
-      <a:camera prst="orthographicFront"/>
-      <a:lightRig rig="threePt" dir="t"/>
-    </dgm:scene3d>
-    <dgm:sp3d/>
-    <dgm:txPr/>
-    <dgm:style>
-      <a:lnRef idx="2">
-        <a:scrgbClr r="0" g="0" b="0"/>
-      </a:lnRef>
-      <a:fillRef idx="1">
-        <a:scrgbClr r="0" g="0" b="0"/>
-      </a:fillRef>
-      <a:effectRef idx="0">
-        <a:scrgbClr r="0" g="0" b="0"/>
-      </a:effectRef>
-      <a:fontRef idx="minor"/>
-    </dgm:style>
-  </dgm:styleLbl>
-  <dgm:styleLbl name="revTx">
-    <dgm:scene3d>
-      <a:camera prst="orthographicFront"/>
-      <a:lightRig rig="threePt" dir="t"/>
-    </dgm:scene3d>
-    <dgm:sp3d/>
-    <dgm:txPr/>
-    <dgm:style>
-      <a:lnRef idx="0">
-        <a:scrgbClr r="0" g="0" b="0"/>
-      </a:lnRef>
-      <a:fillRef idx="0">
-        <a:scrgbClr r="0" g="0" b="0"/>
-      </a:fillRef>
-      <a:effectRef idx="0">
-        <a:scrgbClr r="0" g="0" b="0"/>
-      </a:effectRef>
-      <a:fontRef idx="minor"/>
-    </dgm:style>
-  </dgm:styleLbl>
-</dgm:styleDef>
-</file>
-
-<file path=ppt/diagrams/quickStyle2.xml><?xml version="1.0" encoding="utf-8"?>
-<dgm:styleDef xmlns:dgm="http://schemas.openxmlformats.org/drawingml/2006/diagram" xmlns:a="http://schemas.openxmlformats.org/drawingml/2006/main" uniqueId="urn:microsoft.com/office/officeart/2005/8/quickstyle/simple1">
-  <dgm:title val=""/>
-  <dgm:desc val=""/>
-  <dgm:catLst>
-    <dgm:cat type="simple" pri="10100"/>
-  </dgm:catLst>
-  <dgm:scene3d>
-    <a:camera prst="orthographicFront"/>
-    <a:lightRig rig="threePt" dir="t"/>
-  </dgm:scene3d>
-  <dgm:styleLbl name="node0">
-    <dgm:scene3d>
-      <a:camera prst="orthographicFront"/>
-      <a:lightRig rig="threePt" dir="t"/>
-    </dgm:scene3d>
-    <dgm:sp3d/>
-    <dgm:txPr/>
-    <dgm:style>
-      <a:lnRef idx="2">
-        <a:scrgbClr r="0" g="0" b="0"/>
-      </a:lnRef>
-      <a:fillRef idx="1">
-        <a:scrgbClr r="0" g="0" b="0"/>
-      </a:fillRef>
-      <a:effectRef idx="0">
-        <a:scrgbClr r="0" g="0" b="0"/>
-      </a:effectRef>
-      <a:fontRef idx="minor">
-        <a:schemeClr val="lt1"/>
-      </a:fontRef>
-    </dgm:style>
-  </dgm:styleLbl>
-  <dgm:styleLbl name="lnNode1">
-    <dgm:scene3d>
-      <a:camera prst="orthographicFront"/>
-      <a:lightRig rig="threePt" dir="t"/>
-    </dgm:scene3d>
-    <dgm:sp3d/>
-    <dgm:txPr/>
-    <dgm:style>
-      <a:lnRef idx="2">
-        <a:scrgbClr r="0" g="0" b="0"/>
-      </a:lnRef>
-      <a:fillRef idx="1">
-        <a:scrgbClr r="0" g="0" b="0"/>
-      </a:fillRef>
-      <a:effectRef idx="0">
-        <a:scrgbClr r="0" g="0" b="0"/>
-      </a:effectRef>
-      <a:fontRef idx="minor">
-        <a:schemeClr val="lt1"/>
-      </a:fontRef>
-    </dgm:style>
-  </dgm:styleLbl>
-  <dgm:styleLbl name="vennNode1">
-    <dgm:scene3d>
-      <a:camera prst="orthographicFront"/>
-      <a:lightRig rig="threePt" dir="t"/>
-    </dgm:scene3d>
-    <dgm:sp3d/>
-    <dgm:txPr/>
-    <dgm:style>
-      <a:lnRef idx="2">
-        <a:scrgbClr r="0" g="0" b="0"/>
-      </a:lnRef>
-      <a:fillRef idx="1">
-        <a:scrgbClr r="0" g="0" b="0"/>
-      </a:fillRef>
-      <a:effectRef idx="0">
-        <a:scrgbClr r="0" g="0" b="0"/>
-      </a:effectRef>
-      <a:fontRef idx="minor">
-        <a:schemeClr val="tx1"/>
-      </a:fontRef>
-    </dgm:style>
-  </dgm:styleLbl>
-  <dgm:styleLbl name="alignNode1">
-    <dgm:scene3d>
-      <a:camera prst="orthographicFront"/>
-      <a:lightRig rig="threePt" dir="t"/>
-    </dgm:scene3d>
-    <dgm:sp3d/>
-    <dgm:txPr/>
-    <dgm:style>
-      <a:lnRef idx="2">
-        <a:scrgbClr r="0" g="0" b="0"/>
-      </a:lnRef>
-      <a:fillRef idx="1">
-        <a:scrgbClr r="0" g="0" b="0"/>
-      </a:fillRef>
-      <a:effectRef idx="0">
-        <a:scrgbClr r="0" g="0" b="0"/>
-      </a:effectRef>
-      <a:fontRef idx="minor">
-        <a:schemeClr val="lt1"/>
-      </a:fontRef>
-    </dgm:style>
-  </dgm:styleLbl>
-  <dgm:styleLbl name="node1">
-    <dgm:scene3d>
-      <a:camera prst="orthographicFront"/>
-      <a:lightRig rig="threePt" dir="t"/>
-    </dgm:scene3d>
-    <dgm:sp3d/>
-    <dgm:txPr/>
-    <dgm:style>
-      <a:lnRef idx="2">
-        <a:scrgbClr r="0" g="0" b="0"/>
-      </a:lnRef>
-      <a:fillRef idx="1">
-        <a:scrgbClr r="0" g="0" b="0"/>
-      </a:fillRef>
-      <a:effectRef idx="0">
-        <a:scrgbClr r="0" g="0" b="0"/>
-      </a:effectRef>
-      <a:fontRef idx="minor">
-        <a:schemeClr val="lt1"/>
-      </a:fontRef>
-    </dgm:style>
-  </dgm:styleLbl>
-  <dgm:styleLbl name="node2">
-    <dgm:scene3d>
-      <a:camera prst="orthographicFront"/>
-      <a:lightRig rig="threePt" dir="t"/>
-    </dgm:scene3d>
-    <dgm:sp3d/>
-    <dgm:txPr/>
-    <dgm:style>
-      <a:lnRef idx="2">
-        <a:scrgbClr r="0" g="0" b="0"/>
-      </a:lnRef>
-      <a:fillRef idx="1">
-        <a:scrgbClr r="0" g="0" b="0"/>
-      </a:fillRef>
-      <a:effectRef idx="0">
-        <a:scrgbClr r="0" g="0" b="0"/>
-      </a:effectRef>
-      <a:fontRef idx="minor">
-        <a:schemeClr val="lt1"/>
-      </a:fontRef>
-    </dgm:style>
-  </dgm:styleLbl>
-  <dgm:styleLbl name="node3">
-    <dgm:scene3d>
-      <a:camera prst="orthographicFront"/>
-      <a:lightRig rig="threePt" dir="t"/>
-    </dgm:scene3d>
-    <dgm:sp3d/>
-    <dgm:txPr/>
-    <dgm:style>
-      <a:lnRef idx="2">
-        <a:scrgbClr r="0" g="0" b="0"/>
-      </a:lnRef>
-      <a:fillRef idx="1">
-        <a:scrgbClr r="0" g="0" b="0"/>
-      </a:fillRef>
-      <a:effectRef idx="0">
-        <a:scrgbClr r="0" g="0" b="0"/>
-      </a:effectRef>
-      <a:fontRef idx="minor">
-        <a:schemeClr val="lt1"/>
-      </a:fontRef>
-    </dgm:style>
-  </dgm:styleLbl>
-  <dgm:styleLbl name="node4">
-    <dgm:scene3d>
-      <a:camera prst="orthographicFront"/>
-      <a:lightRig rig="threePt" dir="t"/>
-    </dgm:scene3d>
-    <dgm:sp3d/>
-    <dgm:txPr/>
-    <dgm:style>
-      <a:lnRef idx="2">
-        <a:scrgbClr r="0" g="0" b="0"/>
-      </a:lnRef>
-      <a:fillRef idx="1">
-        <a:scrgbClr r="0" g="0" b="0"/>
-      </a:fillRef>
-      <a:effectRef idx="0">
-        <a:scrgbClr r="0" g="0" b="0"/>
-      </a:effectRef>
-      <a:fontRef idx="minor">
-        <a:schemeClr val="lt1"/>
-      </a:fontRef>
-    </dgm:style>
-  </dgm:styleLbl>
-  <dgm:styleLbl name="fgImgPlace1">
-    <dgm:scene3d>
-      <a:camera prst="orthographicFront"/>
-      <a:lightRig rig="threePt" dir="t"/>
-    </dgm:scene3d>
-    <dgm:sp3d/>
-    <dgm:txPr/>
-    <dgm:style>
-      <a:lnRef idx="2">
-        <a:scrgbClr r="0" g="0" b="0"/>
-      </a:lnRef>
-      <a:fillRef idx="1">
-        <a:scrgbClr r="0" g="0" b="0"/>
-      </a:fillRef>
-      <a:effectRef idx="0">
-        <a:scrgbClr r="0" g="0" b="0"/>
-      </a:effectRef>
-      <a:fontRef idx="minor"/>
-    </dgm:style>
-  </dgm:styleLbl>
-  <dgm:styleLbl name="alignImgPlace1">
-    <dgm:scene3d>
-      <a:camera prst="orthographicFront"/>
-      <a:lightRig rig="threePt" dir="t"/>
-    </dgm:scene3d>
-    <dgm:sp3d/>
-    <dgm:txPr/>
-    <dgm:style>
-      <a:lnRef idx="2">
-        <a:scrgbClr r="0" g="0" b="0"/>
-      </a:lnRef>
-      <a:fillRef idx="1">
-        <a:scrgbClr r="0" g="0" b="0"/>
-      </a:fillRef>
-      <a:effectRef idx="0">
-        <a:scrgbClr r="0" g="0" b="0"/>
-      </a:effectRef>
-      <a:fontRef idx="minor"/>
-    </dgm:style>
-  </dgm:styleLbl>
-  <dgm:styleLbl name="bgImgPlace1">
-    <dgm:scene3d>
-      <a:camera prst="orthographicFront"/>
-      <a:lightRig rig="threePt" dir="t"/>
-    </dgm:scene3d>
-    <dgm:sp3d/>
-    <dgm:txPr/>
-    <dgm:style>
-      <a:lnRef idx="2">
-        <a:scrgbClr r="0" g="0" b="0"/>
-      </a:lnRef>
-      <a:fillRef idx="1">
-        <a:scrgbClr r="0" g="0" b="0"/>
-      </a:fillRef>
-      <a:effectRef idx="0">
-        <a:scrgbClr r="0" g="0" b="0"/>
-      </a:effectRef>
-      <a:fontRef idx="minor"/>
-    </dgm:style>
-  </dgm:styleLbl>
-  <dgm:styleLbl name="sibTrans2D1">
-    <dgm:scene3d>
-      <a:camera prst="orthographicFront"/>
-      <a:lightRig rig="threePt" dir="t"/>
-    </dgm:scene3d>
-    <dgm:sp3d/>
-    <dgm:txPr/>
-    <dgm:style>
-      <a:lnRef idx="0">
-        <a:scrgbClr r="0" g="0" b="0"/>
-      </a:lnRef>
-      <a:fillRef idx="1">
-        <a:scrgbClr r="0" g="0" b="0"/>
-      </a:fillRef>
-      <a:effectRef idx="0">
-        <a:scrgbClr r="0" g="0" b="0"/>
-      </a:effectRef>
-      <a:fontRef idx="minor">
-        <a:schemeClr val="lt1"/>
-      </a:fontRef>
-    </dgm:style>
-  </dgm:styleLbl>
-  <dgm:styleLbl name="fgSibTrans2D1">
-    <dgm:scene3d>
-      <a:camera prst="orthographicFront"/>
-      <a:lightRig rig="threePt" dir="t"/>
-    </dgm:scene3d>
-    <dgm:sp3d/>
-    <dgm:txPr/>
-    <dgm:style>
-      <a:lnRef idx="0">
-        <a:scrgbClr r="0" g="0" b="0"/>
-      </a:lnRef>
-      <a:fillRef idx="1">
-        <a:scrgbClr r="0" g="0" b="0"/>
-      </a:fillRef>
-      <a:effectRef idx="0">
-        <a:scrgbClr r="0" g="0" b="0"/>
-      </a:effectRef>
-      <a:fontRef idx="minor">
-        <a:schemeClr val="lt1"/>
-      </a:fontRef>
-    </dgm:style>
-  </dgm:styleLbl>
-  <dgm:styleLbl name="bgSibTrans2D1">
-    <dgm:scene3d>
-      <a:camera prst="orthographicFront"/>
-      <a:lightRig rig="threePt" dir="t"/>
-    </dgm:scene3d>
-    <dgm:sp3d/>
-    <dgm:txPr/>
-    <dgm:style>
-      <a:lnRef idx="0">
-        <a:scrgbClr r="0" g="0" b="0"/>
-      </a:lnRef>
-      <a:fillRef idx="1">
-        <a:scrgbClr r="0" g="0" b="0"/>
-      </a:fillRef>
-      <a:effectRef idx="0">
-        <a:scrgbClr r="0" g="0" b="0"/>
-      </a:effectRef>
-      <a:fontRef idx="minor">
-        <a:schemeClr val="lt1"/>
-      </a:fontRef>
-    </dgm:style>
-  </dgm:styleLbl>
-  <dgm:styleLbl name="sibTrans1D1">
-    <dgm:scene3d>
-      <a:camera prst="orthographicFront"/>
-      <a:lightRig rig="threePt" dir="t"/>
-    </dgm:scene3d>
-    <dgm:sp3d/>
-    <dgm:txPr/>
-    <dgm:style>
-      <a:lnRef idx="1">
-        <a:scrgbClr r="0" g="0" b="0"/>
-      </a:lnRef>
-      <a:fillRef idx="0">
-        <a:scrgbClr r="0" g="0" b="0"/>
-      </a:fillRef>
-      <a:effectRef idx="0">
-        <a:scrgbClr r="0" g="0" b="0"/>
-      </a:effectRef>
-      <a:fontRef idx="minor"/>
-    </dgm:style>
-  </dgm:styleLbl>
-  <dgm:styleLbl name="callout">
-    <dgm:scene3d>
-      <a:camera prst="orthographicFront"/>
-      <a:lightRig rig="threePt" dir="t"/>
-    </dgm:scene3d>
-    <dgm:sp3d/>
-    <dgm:txPr/>
-    <dgm:style>
-      <a:lnRef idx="2">
-        <a:scrgbClr r="0" g="0" b="0"/>
-      </a:lnRef>
-      <a:fillRef idx="1">
-        <a:scrgbClr r="0" g="0" b="0"/>
-      </a:fillRef>
-      <a:effectRef idx="0">
-        <a:scrgbClr r="0" g="0" b="0"/>
-      </a:effectRef>
-      <a:fontRef idx="minor"/>
-    </dgm:style>
-  </dgm:styleLbl>
-  <dgm:styleLbl name="asst0">
-    <dgm:scene3d>
-      <a:camera prst="orthographicFront"/>
-      <a:lightRig rig="threePt" dir="t"/>
-    </dgm:scene3d>
-    <dgm:sp3d/>
-    <dgm:txPr/>
-    <dgm:style>
-      <a:lnRef idx="2">
-        <a:scrgbClr r="0" g="0" b="0"/>
-      </a:lnRef>
-      <a:fillRef idx="1">
-        <a:scrgbClr r="0" g="0" b="0"/>
-      </a:fillRef>
-      <a:effectRef idx="0">
-        <a:scrgbClr r="0" g="0" b="0"/>
-      </a:effectRef>
-      <a:fontRef idx="minor">
-        <a:schemeClr val="lt1"/>
-      </a:fontRef>
-    </dgm:style>
-  </dgm:styleLbl>
-  <dgm:styleLbl name="asst1">
-    <dgm:scene3d>
-      <a:camera prst="orthographicFront"/>
-      <a:lightRig rig="threePt" dir="t"/>
-    </dgm:scene3d>
-    <dgm:sp3d/>
-    <dgm:txPr/>
-    <dgm:style>
-      <a:lnRef idx="2">
-        <a:scrgbClr r="0" g="0" b="0"/>
-      </a:lnRef>
-      <a:fillRef idx="1">
-        <a:scrgbClr r="0" g="0" b="0"/>
-      </a:fillRef>
-      <a:effectRef idx="0">
-        <a:scrgbClr r="0" g="0" b="0"/>
-      </a:effectRef>
-      <a:fontRef idx="minor">
-        <a:schemeClr val="lt1"/>
-      </a:fontRef>
-    </dgm:style>
-  </dgm:styleLbl>
-  <dgm:styleLbl name="asst2">
-    <dgm:scene3d>
-      <a:camera prst="orthographicFront"/>
-      <a:lightRig rig="threePt" dir="t"/>
-    </dgm:scene3d>
-    <dgm:sp3d/>
-    <dgm:txPr/>
-    <dgm:style>
-      <a:lnRef idx="2">
-        <a:scrgbClr r="0" g="0" b="0"/>
-      </a:lnRef>
-      <a:fillRef idx="1">
-        <a:scrgbClr r="0" g="0" b="0"/>
-      </a:fillRef>
-      <a:effectRef idx="0">
-        <a:scrgbClr r="0" g="0" b="0"/>
-      </a:effectRef>
-      <a:fontRef idx="minor">
-        <a:schemeClr val="lt1"/>
-      </a:fontRef>
-    </dgm:style>
-  </dgm:styleLbl>
-  <dgm:styleLbl name="asst3">
-    <dgm:scene3d>
-      <a:camera prst="orthographicFront"/>
-      <a:lightRig rig="threePt" dir="t"/>
-    </dgm:scene3d>
-    <dgm:sp3d/>
-    <dgm:txPr/>
-    <dgm:style>
-      <a:lnRef idx="2">
-        <a:scrgbClr r="0" g="0" b="0"/>
-      </a:lnRef>
-      <a:fillRef idx="1">
-        <a:scrgbClr r="0" g="0" b="0"/>
-      </a:fillRef>
-      <a:effectRef idx="0">
-        <a:scrgbClr r="0" g="0" b="0"/>
-      </a:effectRef>
-      <a:fontRef idx="minor">
-        <a:schemeClr val="lt1"/>
-      </a:fontRef>
-    </dgm:style>
-  </dgm:styleLbl>
-  <dgm:styleLbl name="asst4">
-    <dgm:scene3d>
-      <a:camera prst="orthographicFront"/>
-      <a:lightRig rig="threePt" dir="t"/>
-    </dgm:scene3d>
-    <dgm:sp3d/>
-    <dgm:txPr/>
-    <dgm:style>
-      <a:lnRef idx="2">
-        <a:scrgbClr r="0" g="0" b="0"/>
-      </a:lnRef>
-      <a:fillRef idx="1">
-        <a:scrgbClr r="0" g="0" b="0"/>
-      </a:fillRef>
-      <a:effectRef idx="0">
-        <a:scrgbClr r="0" g="0" b="0"/>
-      </a:effectRef>
-      <a:fontRef idx="minor">
-        <a:schemeClr val="lt1"/>
-      </a:fontRef>
-    </dgm:style>
-  </dgm:styleLbl>
-  <dgm:styleLbl name="parChTrans2D1">
-    <dgm:scene3d>
-      <a:camera prst="orthographicFront"/>
-      <a:lightRig rig="threePt" dir="t"/>
-    </dgm:scene3d>
-    <dgm:sp3d/>
-    <dgm:txPr/>
-    <dgm:style>
-      <a:lnRef idx="2">
-        <a:scrgbClr r="0" g="0" b="0"/>
-      </a:lnRef>
-      <a:fillRef idx="1">
-        <a:scrgbClr r="0" g="0" b="0"/>
-      </a:fillRef>
-      <a:effectRef idx="0">
-        <a:scrgbClr r="0" g="0" b="0"/>
-      </a:effectRef>
-      <a:fontRef idx="minor">
-        <a:schemeClr val="lt1"/>
-      </a:fontRef>
-    </dgm:style>
-  </dgm:styleLbl>
-  <dgm:styleLbl name="parChTrans2D2">
-    <dgm:scene3d>
-      <a:camera prst="orthographicFront"/>
-      <a:lightRig rig="threePt" dir="t"/>
-    </dgm:scene3d>
-    <dgm:sp3d/>
-    <dgm:txPr/>
-    <dgm:style>
-      <a:lnRef idx="2">
-        <a:scrgbClr r="0" g="0" b="0"/>
-      </a:lnRef>
-      <a:fillRef idx="1">
-        <a:scrgbClr r="0" g="0" b="0"/>
-      </a:fillRef>
-      <a:effectRef idx="0">
-        <a:scrgbClr r="0" g="0" b="0"/>
-      </a:effectRef>
-      <a:fontRef idx="minor">
-        <a:schemeClr val="lt1"/>
-      </a:fontRef>
-    </dgm:style>
-  </dgm:styleLbl>
-  <dgm:styleLbl name="parChTrans2D3">
-    <dgm:scene3d>
-      <a:camera prst="orthographicFront"/>
-      <a:lightRig rig="threePt" dir="t"/>
-    </dgm:scene3d>
-    <dgm:sp3d/>
-    <dgm:txPr/>
-    <dgm:style>
-      <a:lnRef idx="2">
-        <a:scrgbClr r="0" g="0" b="0"/>
-      </a:lnRef>
-      <a:fillRef idx="1">
-        <a:scrgbClr r="0" g="0" b="0"/>
-      </a:fillRef>
-      <a:effectRef idx="0">
-        <a:scrgbClr r="0" g="0" b="0"/>
-      </a:effectRef>
-      <a:fontRef idx="minor">
-        <a:schemeClr val="lt1"/>
-      </a:fontRef>
-    </dgm:style>
-  </dgm:styleLbl>
-  <dgm:styleLbl name="parChTrans2D4">
-    <dgm:scene3d>
-      <a:camera prst="orthographicFront"/>
-      <a:lightRig rig="threePt" dir="t"/>
-    </dgm:scene3d>
-    <dgm:sp3d/>
-    <dgm:txPr/>
-    <dgm:style>
-      <a:lnRef idx="2">
-        <a:scrgbClr r="0" g="0" b="0"/>
-      </a:lnRef>
-      <a:fillRef idx="1">
-        <a:scrgbClr r="0" g="0" b="0"/>
-      </a:fillRef>
-      <a:effectRef idx="0">
-        <a:scrgbClr r="0" g="0" b="0"/>
-      </a:effectRef>
-      <a:fontRef idx="minor">
-        <a:schemeClr val="lt1"/>
-      </a:fontRef>
-    </dgm:style>
-  </dgm:styleLbl>
-  <dgm:styleLbl name="parChTrans1D1">
-    <dgm:scene3d>
-      <a:camera prst="orthographicFront"/>
-      <a:lightRig rig="threePt" dir="t"/>
-    </dgm:scene3d>
-    <dgm:sp3d/>
-    <dgm:txPr/>
-    <dgm:style>
-      <a:lnRef idx="2">
-        <a:scrgbClr r="0" g="0" b="0"/>
-      </a:lnRef>
-      <a:fillRef idx="0">
-        <a:scrgbClr r="0" g="0" b="0"/>
-      </a:fillRef>
-      <a:effectRef idx="0">
-        <a:scrgbClr r="0" g="0" b="0"/>
-      </a:effectRef>
-      <a:fontRef idx="minor"/>
-    </dgm:style>
-  </dgm:styleLbl>
-  <dgm:styleLbl name="parChTrans1D2">
-    <dgm:scene3d>
-      <a:camera prst="orthographicFront"/>
-      <a:lightRig rig="threePt" dir="t"/>
-    </dgm:scene3d>
-    <dgm:sp3d/>
-    <dgm:txPr/>
-    <dgm:style>
-      <a:lnRef idx="2">
-        <a:scrgbClr r="0" g="0" b="0"/>
-      </a:lnRef>
-      <a:fillRef idx="0">
-        <a:scrgbClr r="0" g="0" b="0"/>
-      </a:fillRef>
-      <a:effectRef idx="0">
-        <a:scrgbClr r="0" g="0" b="0"/>
-      </a:effectRef>
-      <a:fontRef idx="minor"/>
-    </dgm:style>
-  </dgm:styleLbl>
-  <dgm:styleLbl name="parChTrans1D3">
-    <dgm:scene3d>
-      <a:camera prst="orthographicFront"/>
-      <a:lightRig rig="threePt" dir="t"/>
-    </dgm:scene3d>
-    <dgm:sp3d/>
-    <dgm:txPr/>
-    <dgm:style>
-      <a:lnRef idx="2">
-        <a:scrgbClr r="0" g="0" b="0"/>
-      </a:lnRef>
-      <a:fillRef idx="0">
-        <a:scrgbClr r="0" g="0" b="0"/>
-      </a:fillRef>
-      <a:effectRef idx="0">
-        <a:scrgbClr r="0" g="0" b="0"/>
-      </a:effectRef>
-      <a:fontRef idx="minor"/>
-    </dgm:style>
-  </dgm:styleLbl>
-  <dgm:styleLbl name="parChTrans1D4">
-    <dgm:scene3d>
-      <a:camera prst="orthographicFront"/>
-      <a:lightRig rig="threePt" dir="t"/>
-    </dgm:scene3d>
-    <dgm:sp3d/>
-    <dgm:txPr/>
-    <dgm:style>
-      <a:lnRef idx="2">
-        <a:scrgbClr r="0" g="0" b="0"/>
-      </a:lnRef>
-      <a:fillRef idx="0">
-        <a:scrgbClr r="0" g="0" b="0"/>
-      </a:fillRef>
-      <a:effectRef idx="0">
-        <a:scrgbClr r="0" g="0" b="0"/>
-      </a:effectRef>
-      <a:fontRef idx="minor"/>
-    </dgm:style>
-  </dgm:styleLbl>
-  <dgm:styleLbl name="fgAcc1">
-    <dgm:scene3d>
-      <a:camera prst="orthographicFront"/>
-      <a:lightRig rig="threePt" dir="t"/>
-    </dgm:scene3d>
-    <dgm:sp3d/>
-    <dgm:txPr/>
-    <dgm:style>
-      <a:lnRef idx="2">
-        <a:scrgbClr r="0" g="0" b="0"/>
-      </a:lnRef>
-      <a:fillRef idx="1">
-        <a:scrgbClr r="0" g="0" b="0"/>
-      </a:fillRef>
-      <a:effectRef idx="0">
-        <a:scrgbClr r="0" g="0" b="0"/>
-      </a:effectRef>
-      <a:fontRef idx="minor"/>
-    </dgm:style>
-  </dgm:styleLbl>
-  <dgm:styleLbl name="conFgAcc1">
-    <dgm:scene3d>
-      <a:camera prst="orthographicFront"/>
-      <a:lightRig rig="threePt" dir="t"/>
-    </dgm:scene3d>
-    <dgm:sp3d/>
-    <dgm:txPr/>
-    <dgm:style>
-      <a:lnRef idx="2">
-        <a:scrgbClr r="0" g="0" b="0"/>
-      </a:lnRef>
-      <a:fillRef idx="1">
-        <a:scrgbClr r="0" g="0" b="0"/>
-      </a:fillRef>
-      <a:effectRef idx="0">
-        <a:scrgbClr r="0" g="0" b="0"/>
-      </a:effectRef>
-      <a:fontRef idx="minor"/>
-    </dgm:style>
-  </dgm:styleLbl>
-  <dgm:styleLbl name="alignAcc1">
-    <dgm:scene3d>
-      <a:camera prst="orthographicFront"/>
-      <a:lightRig rig="threePt" dir="t"/>
-    </dgm:scene3d>
-    <dgm:sp3d/>
-    <dgm:txPr/>
-    <dgm:style>
-      <a:lnRef idx="2">
-        <a:scrgbClr r="0" g="0" b="0"/>
-      </a:lnRef>
-      <a:fillRef idx="1">
-        <a:scrgbClr r="0" g="0" b="0"/>
-      </a:fillRef>
-      <a:effectRef idx="0">
-        <a:scrgbClr r="0" g="0" b="0"/>
-      </a:effectRef>
-      <a:fontRef idx="minor"/>
-    </dgm:style>
-  </dgm:styleLbl>
-  <dgm:styleLbl name="trAlignAcc1">
-    <dgm:scene3d>
-      <a:camera prst="orthographicFront"/>
-      <a:lightRig rig="threePt" dir="t"/>
-    </dgm:scene3d>
-    <dgm:sp3d/>
-    <dgm:txPr/>
-    <dgm:style>
-      <a:lnRef idx="1">
-        <a:scrgbClr r="0" g="0" b="0"/>
-      </a:lnRef>
-      <a:fillRef idx="1">
-        <a:scrgbClr r="0" g="0" b="0"/>
-      </a:fillRef>
-      <a:effectRef idx="0">
-        <a:scrgbClr r="0" g="0" b="0"/>
-      </a:effectRef>
-      <a:fontRef idx="minor"/>
-    </dgm:style>
-  </dgm:styleLbl>
-  <dgm:styleLbl name="bgAcc1">
-    <dgm:scene3d>
-      <a:camera prst="orthographicFront"/>
-      <a:lightRig rig="threePt" dir="t"/>
-    </dgm:scene3d>
-    <dgm:sp3d/>
-    <dgm:txPr/>
-    <dgm:style>
-      <a:lnRef idx="2">
-        <a:scrgbClr r="0" g="0" b="0"/>
-      </a:lnRef>
-      <a:fillRef idx="1">
-        <a:scrgbClr r="0" g="0" b="0"/>
-      </a:fillRef>
-      <a:effectRef idx="0">
-        <a:scrgbClr r="0" g="0" b="0"/>
-      </a:effectRef>
-      <a:fontRef idx="minor"/>
-    </dgm:style>
-  </dgm:styleLbl>
-  <dgm:styleLbl name="solidFgAcc1">
-    <dgm:scene3d>
-      <a:camera prst="orthographicFront"/>
-      <a:lightRig rig="threePt" dir="t"/>
-    </dgm:scene3d>
-    <dgm:sp3d/>
-    <dgm:txPr/>
-    <dgm:style>
-      <a:lnRef idx="2">
-        <a:scrgbClr r="0" g="0" b="0"/>
-      </a:lnRef>
-      <a:fillRef idx="1">
-        <a:scrgbClr r="0" g="0" b="0"/>
-      </a:fillRef>
-      <a:effectRef idx="0">
-        <a:scrgbClr r="0" g="0" b="0"/>
-      </a:effectRef>
-      <a:fontRef idx="minor"/>
-    </dgm:style>
-  </dgm:styleLbl>
-  <dgm:styleLbl name="solidAlignAcc1">
-    <dgm:scene3d>
-      <a:camera prst="orthographicFront"/>
-      <a:lightRig rig="threePt" dir="t"/>
-    </dgm:scene3d>
-    <dgm:sp3d/>
-    <dgm:txPr/>
-    <dgm:style>
-      <a:lnRef idx="2">
-        <a:scrgbClr r="0" g="0" b="0"/>
-      </a:lnRef>
-      <a:fillRef idx="1">
-        <a:scrgbClr r="0" g="0" b="0"/>
-      </a:fillRef>
-      <a:effectRef idx="0">
-        <a:scrgbClr r="0" g="0" b="0"/>
-      </a:effectRef>
-      <a:fontRef idx="minor"/>
-    </dgm:style>
-  </dgm:styleLbl>
-  <dgm:styleLbl name="solidBgAcc1">
-    <dgm:scene3d>
-      <a:camera prst="orthographicFront"/>
-      <a:lightRig rig="threePt" dir="t"/>
-    </dgm:scene3d>
-    <dgm:sp3d/>
-    <dgm:txPr/>
-    <dgm:style>
-      <a:lnRef idx="2">
-        <a:scrgbClr r="0" g="0" b="0"/>
-      </a:lnRef>
-      <a:fillRef idx="1">
-        <a:scrgbClr r="0" g="0" b="0"/>
-      </a:fillRef>
-      <a:effectRef idx="0">
-        <a:scrgbClr r="0" g="0" b="0"/>
-      </a:effectRef>
-      <a:fontRef idx="minor"/>
-    </dgm:style>
-  </dgm:styleLbl>
-  <dgm:styleLbl name="fgAccFollowNode1">
-    <dgm:scene3d>
-      <a:camera prst="orthographicFront"/>
-      <a:lightRig rig="threePt" dir="t"/>
-    </dgm:scene3d>
-    <dgm:sp3d/>
-    <dgm:txPr/>
-    <dgm:style>
-      <a:lnRef idx="2">
-        <a:scrgbClr r="0" g="0" b="0"/>
-      </a:lnRef>
-      <a:fillRef idx="1">
-        <a:scrgbClr r="0" g="0" b="0"/>
-      </a:fillRef>
-      <a:effectRef idx="0">
-        <a:scrgbClr r="0" g="0" b="0"/>
-      </a:effectRef>
-      <a:fontRef idx="minor"/>
-    </dgm:style>
-  </dgm:styleLbl>
-  <dgm:styleLbl name="alignAccFollowNode1">
-    <dgm:scene3d>
-      <a:camera prst="orthographicFront"/>
-      <a:lightRig rig="threePt" dir="t"/>
-    </dgm:scene3d>
-    <dgm:sp3d/>
-    <dgm:txPr/>
-    <dgm:style>
-      <a:lnRef idx="2">
-        <a:scrgbClr r="0" g="0" b="0"/>
-      </a:lnRef>
-      <a:fillRef idx="1">
-        <a:scrgbClr r="0" g="0" b="0"/>
-      </a:fillRef>
-      <a:effectRef idx="0">
-        <a:scrgbClr r="0" g="0" b="0"/>
-      </a:effectRef>
-      <a:fontRef idx="minor"/>
-    </dgm:style>
-  </dgm:styleLbl>
-  <dgm:styleLbl name="bgAccFollowNode1">
-    <dgm:scene3d>
-      <a:camera prst="orthographicFront"/>
-      <a:lightRig rig="threePt" dir="t"/>
-    </dgm:scene3d>
-    <dgm:sp3d/>
-    <dgm:txPr/>
-    <dgm:style>
-      <a:lnRef idx="2">
-        <a:scrgbClr r="0" g="0" b="0"/>
-      </a:lnRef>
-      <a:fillRef idx="1">
-        <a:scrgbClr r="0" g="0" b="0"/>
-      </a:fillRef>
-      <a:effectRef idx="0">
-        <a:scrgbClr r="0" g="0" b="0"/>
-      </a:effectRef>
-      <a:fontRef idx="minor"/>
-    </dgm:style>
-  </dgm:styleLbl>
-  <dgm:styleLbl name="fgAcc0">
-    <dgm:scene3d>
-      <a:camera prst="orthographicFront"/>
-      <a:lightRig rig="threePt" dir="t"/>
-    </dgm:scene3d>
-    <dgm:sp3d/>
-    <dgm:txPr/>
-    <dgm:style>
-      <a:lnRef idx="2">
-        <a:scrgbClr r="0" g="0" b="0"/>
-      </a:lnRef>
-      <a:fillRef idx="1">
-        <a:scrgbClr r="0" g="0" b="0"/>
-      </a:fillRef>
-      <a:effectRef idx="0">
-        <a:scrgbClr r="0" g="0" b="0"/>
-      </a:effectRef>
-      <a:fontRef idx="minor"/>
-    </dgm:style>
-  </dgm:styleLbl>
-  <dgm:styleLbl name="fgAcc2">
-    <dgm:scene3d>
-      <a:camera prst="orthographicFront"/>
-      <a:lightRig rig="threePt" dir="t"/>
-    </dgm:scene3d>
-    <dgm:sp3d/>
-    <dgm:txPr/>
-    <dgm:style>
-      <a:lnRef idx="2">
-        <a:scrgbClr r="0" g="0" b="0"/>
-      </a:lnRef>
-      <a:fillRef idx="1">
-        <a:scrgbClr r="0" g="0" b="0"/>
-      </a:fillRef>
-      <a:effectRef idx="0">
-        <a:scrgbClr r="0" g="0" b="0"/>
-      </a:effectRef>
-      <a:fontRef idx="minor"/>
-    </dgm:style>
-  </dgm:styleLbl>
-  <dgm:styleLbl name="fgAcc3">
-    <dgm:scene3d>
-      <a:camera prst="orthographicFront"/>
-      <a:lightRig rig="threePt" dir="t"/>
-    </dgm:scene3d>
-    <dgm:sp3d/>
-    <dgm:txPr/>
-    <dgm:style>
-      <a:lnRef idx="2">
-        <a:scrgbClr r="0" g="0" b="0"/>
-      </a:lnRef>
-      <a:fillRef idx="1">
-        <a:scrgbClr r="0" g="0" b="0"/>
-      </a:fillRef>
-      <a:effectRef idx="0">
-        <a:scrgbClr r="0" g="0" b="0"/>
-      </a:effectRef>
-      <a:fontRef idx="minor"/>
-    </dgm:style>
-  </dgm:styleLbl>
-  <dgm:styleLbl name="fgAcc4">
-    <dgm:scene3d>
-      <a:camera prst="orthographicFront"/>
-      <a:lightRig rig="threePt" dir="t"/>
-    </dgm:scene3d>
-    <dgm:sp3d/>
-    <dgm:txPr/>
-    <dgm:style>
-      <a:lnRef idx="2">
-        <a:scrgbClr r="0" g="0" b="0"/>
-      </a:lnRef>
-      <a:fillRef idx="1">
-        <a:scrgbClr r="0" g="0" b="0"/>
-      </a:fillRef>
-      <a:effectRef idx="0">
-        <a:scrgbClr r="0" g="0" b="0"/>
-      </a:effectRef>
-      <a:fontRef idx="minor"/>
-    </dgm:style>
-  </dgm:styleLbl>
-  <dgm:styleLbl name="bgShp">
-    <dgm:scene3d>
-      <a:camera prst="orthographicFront"/>
-      <a:lightRig rig="threePt" dir="t"/>
-    </dgm:scene3d>
-    <dgm:sp3d/>
-    <dgm:txPr/>
-    <dgm:style>
-      <a:lnRef idx="0">
-        <a:scrgbClr r="0" g="0" b="0"/>
-      </a:lnRef>
-      <a:fillRef idx="1">
-        <a:scrgbClr r="0" g="0" b="0"/>
-      </a:fillRef>
-      <a:effectRef idx="0">
-        <a:scrgbClr r="0" g="0" b="0"/>
-      </a:effectRef>
-      <a:fontRef idx="minor"/>
-    </dgm:style>
-  </dgm:styleLbl>
-  <dgm:styleLbl name="dkBgShp">
-    <dgm:scene3d>
-      <a:camera prst="orthographicFront"/>
-      <a:lightRig rig="threePt" dir="t"/>
-    </dgm:scene3d>
-    <dgm:sp3d/>
-    <dgm:txPr/>
-    <dgm:style>
-      <a:lnRef idx="0">
-        <a:scrgbClr r="0" g="0" b="0"/>
-      </a:lnRef>
-      <a:fillRef idx="1">
-        <a:scrgbClr r="0" g="0" b="0"/>
-      </a:fillRef>
-      <a:effectRef idx="0">
-        <a:scrgbClr r="0" g="0" b="0"/>
-      </a:effectRef>
-      <a:fontRef idx="minor"/>
-    </dgm:style>
-  </dgm:styleLbl>
-  <dgm:styleLbl name="trBgShp">
-    <dgm:scene3d>
-      <a:camera prst="orthographicFront"/>
-      <a:lightRig rig="threePt" dir="t"/>
-    </dgm:scene3d>
-    <dgm:sp3d/>
-    <dgm:txPr/>
-    <dgm:style>
-      <a:lnRef idx="0">
-        <a:scrgbClr r="0" g="0" b="0"/>
-      </a:lnRef>
-      <a:fillRef idx="1">
-        <a:scrgbClr r="0" g="0" b="0"/>
-      </a:fillRef>
-      <a:effectRef idx="0">
-        <a:scrgbClr r="0" g="0" b="0"/>
-      </a:effectRef>
-      <a:fontRef idx="minor"/>
-    </dgm:style>
-  </dgm:styleLbl>
-  <dgm:styleLbl name="fgShp">
-    <dgm:scene3d>
-      <a:camera prst="orthographicFront"/>
-      <a:lightRig rig="threePt" dir="t"/>
-    </dgm:scene3d>
-    <dgm:sp3d/>
-    <dgm:txPr/>
-    <dgm:style>
-      <a:lnRef idx="2">
-        <a:scrgbClr r="0" g="0" b="0"/>
-      </a:lnRef>
-      <a:fillRef idx="1">
-        <a:scrgbClr r="0" g="0" b="0"/>
-      </a:fillRef>
-      <a:effectRef idx="0">
-        <a:scrgbClr r="0" g="0" b="0"/>
-      </a:effectRef>
-      <a:fontRef idx="minor"/>
-    </dgm:style>
-  </dgm:styleLbl>
-  <dgm:styleLbl name="revTx">
-    <dgm:scene3d>
-      <a:camera prst="orthographicFront"/>
-      <a:lightRig rig="threePt" dir="t"/>
-    </dgm:scene3d>
-    <dgm:sp3d/>
-    <dgm:txPr/>
-    <dgm:style>
-      <a:lnRef idx="0">
-        <a:scrgbClr r="0" g="0" b="0"/>
-      </a:lnRef>
-      <a:fillRef idx="0">
-        <a:scrgbClr r="0" g="0" b="0"/>
-      </a:fillRef>
-      <a:effectRef idx="0">
-        <a:scrgbClr r="0" g="0" b="0"/>
-      </a:effectRef>
-      <a:fontRef idx="minor"/>
-    </dgm:style>
-  </dgm:styleLbl>
-</dgm:styleDef>
-</file>
-
-<file path=ppt/diagrams/quickStyle3.xml><?xml version="1.0" encoding="utf-8"?>
 <dgm:styleDef xmlns:dgm="http://schemas.openxmlformats.org/drawingml/2006/diagram" xmlns:a="http://schemas.openxmlformats.org/drawingml/2006/main" uniqueId="urn:microsoft.com/office/officeart/2005/8/quickstyle/simple1">
   <dgm:title val=""/>
   <dgm:desc val=""/>
@@ -11572,7 +3969,7 @@
     </p:spTree>
     <p:extLst>
       <p:ext uri="{BB962C8B-B14F-4D97-AF65-F5344CB8AC3E}">
-        <p14:creationId xmlns:p14="http://schemas.microsoft.com/office/powerpoint/2010/main" xmlns="" val="1472466397"/>
+        <p14:creationId xmlns="" xmlns:p14="http://schemas.microsoft.com/office/powerpoint/2010/main" val="1472466397"/>
       </p:ext>
     </p:extLst>
   </p:cSld>
@@ -11832,7 +4229,7 @@
     </p:spTree>
     <p:extLst>
       <p:ext uri="{BB962C8B-B14F-4D97-AF65-F5344CB8AC3E}">
-        <p14:creationId xmlns:p14="http://schemas.microsoft.com/office/powerpoint/2010/main" xmlns="" val="1624808637"/>
+        <p14:creationId xmlns="" xmlns:p14="http://schemas.microsoft.com/office/powerpoint/2010/main" val="1624808637"/>
       </p:ext>
     </p:extLst>
   </p:cSld>
@@ -11932,110 +4329,6 @@
 </p:notesMaster>
 </file>
 
-<file path=ppt/notesSlides/notesSlide1.xml><?xml version="1.0" encoding="utf-8"?>
-<p:notes xmlns:a="http://schemas.openxmlformats.org/drawingml/2006/main" xmlns:r="http://schemas.openxmlformats.org/officeDocument/2006/relationships" xmlns:p="http://schemas.openxmlformats.org/presentationml/2006/main">
-  <p:cSld>
-    <p:spTree>
-      <p:nvGrpSpPr>
-        <p:cNvPr id="1" name=""/>
-        <p:cNvGrpSpPr/>
-        <p:nvPr/>
-      </p:nvGrpSpPr>
-      <p:grpSpPr>
-        <a:xfrm>
-          <a:off x="0" y="0"/>
-          <a:ext cx="0" cy="0"/>
-          <a:chOff x="0" y="0"/>
-          <a:chExt cx="0" cy="0"/>
-        </a:xfrm>
-      </p:grpSpPr>
-      <p:sp>
-        <p:nvSpPr>
-          <p:cNvPr id="2" name="Slide Image Placeholder 1"/>
-          <p:cNvSpPr>
-            <a:spLocks noGrp="1" noRot="1" noChangeAspect="1"/>
-          </p:cNvSpPr>
-          <p:nvPr>
-            <p:ph type="sldImg"/>
-          </p:nvPr>
-        </p:nvSpPr>
-        <p:spPr/>
-      </p:sp>
-      <p:sp>
-        <p:nvSpPr>
-          <p:cNvPr id="3" name="Notes Placeholder 2"/>
-          <p:cNvSpPr>
-            <a:spLocks noGrp="1"/>
-          </p:cNvSpPr>
-          <p:nvPr>
-            <p:ph type="body" idx="1"/>
-          </p:nvPr>
-        </p:nvSpPr>
-        <p:spPr/>
-        <p:txBody>
-          <a:bodyPr/>
-          <a:lstStyle/>
-          <a:p>
-            <a:r>
-              <a:rPr lang="en-US" dirty="0"/>
-              <a:t>To change </a:t>
-            </a:r>
-            <a:r>
-              <a:rPr lang="en-US"/>
-              <a:t>this </a:t>
-            </a:r>
-            <a:r>
-              <a:rPr lang="en-US" smtClean="0"/>
-              <a:t>poster, </a:t>
-            </a:r>
-            <a:r>
-              <a:rPr lang="en-US" dirty="0"/>
-              <a:t>replace our sample content with your own. Or, if you'd rather start from a clean slate, press the New Slide button on the Home tab to insert a new page. Now enter your text and pictures in the empty placeholders. If you need more placeholders for titles, subtitles or body text, copy any of the existing placeholders, then drag the new one into place</a:t>
-            </a:r>
-            <a:r>
-              <a:rPr lang="en-US" dirty="0" smtClean="0"/>
-              <a:t>.</a:t>
-            </a:r>
-          </a:p>
-        </p:txBody>
-      </p:sp>
-      <p:sp>
-        <p:nvSpPr>
-          <p:cNvPr id="4" name="Slide Number Placeholder 3"/>
-          <p:cNvSpPr>
-            <a:spLocks noGrp="1"/>
-          </p:cNvSpPr>
-          <p:nvPr>
-            <p:ph type="sldNum" sz="quarter" idx="10"/>
-          </p:nvPr>
-        </p:nvSpPr>
-        <p:spPr/>
-        <p:txBody>
-          <a:bodyPr/>
-          <a:lstStyle/>
-          <a:p>
-            <a:fld id="{37C7F044-5458-4B2E-BFA0-52AAA1C529D4}" type="slidenum">
-              <a:rPr lang="en-US" smtClean="0"/>
-              <a:pPr/>
-              <a:t>1</a:t>
-            </a:fld>
-            <a:endParaRPr lang="en-US"/>
-          </a:p>
-        </p:txBody>
-      </p:sp>
-    </p:spTree>
-    <p:extLst>
-      <p:ext uri="{BB962C8B-B14F-4D97-AF65-F5344CB8AC3E}">
-        <p14:creationId xmlns:p14="http://schemas.microsoft.com/office/powerpoint/2010/main" xmlns="" val="3872615507"/>
-      </p:ext>
-    </p:extLst>
-  </p:cSld>
-  <p:clrMapOvr>
-    <a:masterClrMapping/>
-  </p:clrMapOvr>
-</p:notes>
-</file>
-
 <file path=ppt/slideLayouts/slideLayout1.xml><?xml version="1.0" encoding="utf-8"?>
 <p:sldLayout xmlns:a="http://schemas.openxmlformats.org/drawingml/2006/main" xmlns:r="http://schemas.openxmlformats.org/officeDocument/2006/relationships" xmlns:p="http://schemas.openxmlformats.org/presentationml/2006/main" preserve="1" userDrawn="1">
   <p:cSld name="Poster">
@@ -15108,7 +7401,7 @@
     </p:spTree>
     <p:extLst>
       <p:ext uri="{BB962C8B-B14F-4D97-AF65-F5344CB8AC3E}">
-        <p14:creationId xmlns:p14="http://schemas.microsoft.com/office/powerpoint/2010/main" xmlns="" val="145907722"/>
+        <p14:creationId xmlns="" xmlns:p14="http://schemas.microsoft.com/office/powerpoint/2010/main" val="145907722"/>
       </p:ext>
     </p:extLst>
   </p:cSld>
@@ -15117,7 +7410,7 @@
   </p:clrMapOvr>
   <p:extLst mod="1">
     <p:ext uri="{DCECCB84-F9BA-43D5-87BE-67443E8EF086}">
-      <p15:sldGuideLst xmlns:p15="http://schemas.microsoft.com/office/powerpoint/2012/main" xmlns="">
+      <p15:sldGuideLst xmlns="" xmlns:p15="http://schemas.microsoft.com/office/powerpoint/2012/main">
         <p15:guide id="1" pos="9168" userDrawn="1">
           <p15:clr>
             <a:srgbClr val="A4A3A4"/>
@@ -15503,7 +7796,7 @@
     </p:spTree>
     <p:extLst>
       <p:ext uri="{BB962C8B-B14F-4D97-AF65-F5344CB8AC3E}">
-        <p14:creationId xmlns:p14="http://schemas.microsoft.com/office/powerpoint/2010/main" xmlns="" val="2508807471"/>
+        <p14:creationId xmlns="" xmlns:p14="http://schemas.microsoft.com/office/powerpoint/2010/main" val="2508807471"/>
       </p:ext>
     </p:extLst>
   </p:cSld>
@@ -15838,7 +8131,7 @@
   </p:txStyles>
   <p:extLst mod="1">
     <p:ext uri="{27BBF7A9-308A-43DC-89C8-2F10F3537804}">
-      <p15:sldGuideLst xmlns:p15="http://schemas.microsoft.com/office/powerpoint/2012/main" xmlns="">
+      <p15:sldGuideLst xmlns="" xmlns:p15="http://schemas.microsoft.com/office/powerpoint/2012/main">
         <p15:guide id="1" orient="horz" pos="10368" userDrawn="1">
           <p15:clr>
             <a:srgbClr val="A4A3A4"/>
@@ -15884,916 +8177,6 @@
       </p:grpSpPr>
       <p:sp>
         <p:nvSpPr>
-          <p:cNvPr id="4" name="Title 3"/>
-          <p:cNvSpPr>
-            <a:spLocks noGrp="1"/>
-          </p:cNvSpPr>
-          <p:nvPr>
-            <p:ph type="title"/>
-          </p:nvPr>
-        </p:nvSpPr>
-        <p:spPr/>
-        <p:txBody>
-          <a:bodyPr/>
-          <a:lstStyle/>
-          <a:p>
-            <a:r>
-              <a:rPr lang="en-US" dirty="0" smtClean="0"/>
-              <a:t>Science Project Title</a:t>
-            </a:r>
-            <a:endParaRPr lang="en-US" dirty="0"/>
-          </a:p>
-        </p:txBody>
-      </p:sp>
-      <p:sp>
-        <p:nvSpPr>
-          <p:cNvPr id="23" name="Text Placeholder 22"/>
-          <p:cNvSpPr>
-            <a:spLocks noGrp="1"/>
-          </p:cNvSpPr>
-          <p:nvPr>
-            <p:ph type="body" sz="quarter" idx="36"/>
-          </p:nvPr>
-        </p:nvSpPr>
-        <p:spPr/>
-        <p:txBody>
-          <a:bodyPr/>
-          <a:lstStyle/>
-          <a:p>
-            <a:r>
-              <a:rPr lang="en-US" smtClean="0"/>
-              <a:t>Your name | Teacher’s name | School</a:t>
-            </a:r>
-            <a:endParaRPr lang="en-US" dirty="0"/>
-          </a:p>
-        </p:txBody>
-      </p:sp>
-      <p:sp>
-        <p:nvSpPr>
-          <p:cNvPr id="67" name="Text Placeholder 66"/>
-          <p:cNvSpPr>
-            <a:spLocks noGrp="1"/>
-          </p:cNvSpPr>
-          <p:nvPr>
-            <p:ph type="body" sz="quarter" idx="13"/>
-          </p:nvPr>
-        </p:nvSpPr>
-        <p:spPr/>
-        <p:txBody>
-          <a:bodyPr/>
-          <a:lstStyle/>
-          <a:p>
-            <a:r>
-              <a:rPr lang="en-US" dirty="0" smtClean="0"/>
-              <a:t>Problem / Question</a:t>
-            </a:r>
-            <a:endParaRPr lang="en-US" dirty="0"/>
-          </a:p>
-        </p:txBody>
-      </p:sp>
-      <p:sp>
-        <p:nvSpPr>
-          <p:cNvPr id="69" name="Text Placeholder 68"/>
-          <p:cNvSpPr>
-            <a:spLocks noGrp="1"/>
-          </p:cNvSpPr>
-          <p:nvPr>
-            <p:ph type="body" sz="quarter" idx="39"/>
-          </p:nvPr>
-        </p:nvSpPr>
-        <p:spPr/>
-        <p:txBody>
-          <a:bodyPr/>
-          <a:lstStyle/>
-          <a:p>
-            <a:r>
-              <a:rPr lang="en-US" dirty="0" smtClean="0"/>
-              <a:t>Enter your question here (statement of the problem)</a:t>
-            </a:r>
-            <a:endParaRPr lang="en-US" dirty="0"/>
-          </a:p>
-        </p:txBody>
-      </p:sp>
-      <p:sp>
-        <p:nvSpPr>
-          <p:cNvPr id="68" name="Text Placeholder 67"/>
-          <p:cNvSpPr>
-            <a:spLocks noGrp="1"/>
-          </p:cNvSpPr>
-          <p:nvPr>
-            <p:ph type="body" sz="quarter" idx="37"/>
-          </p:nvPr>
-        </p:nvSpPr>
-        <p:spPr/>
-        <p:txBody>
-          <a:bodyPr/>
-          <a:lstStyle/>
-          <a:p>
-            <a:r>
-              <a:rPr lang="en-US" smtClean="0"/>
-              <a:t>Hypothesis</a:t>
-            </a:r>
-            <a:endParaRPr lang="en-US" dirty="0"/>
-          </a:p>
-        </p:txBody>
-      </p:sp>
-      <p:sp>
-        <p:nvSpPr>
-          <p:cNvPr id="11" name="Content Placeholder 10"/>
-          <p:cNvSpPr>
-            <a:spLocks noGrp="1"/>
-          </p:cNvSpPr>
-          <p:nvPr>
-            <p:ph sz="quarter" idx="38"/>
-          </p:nvPr>
-        </p:nvSpPr>
-        <p:spPr/>
-        <p:txBody>
-          <a:bodyPr/>
-          <a:lstStyle/>
-          <a:p>
-            <a:endParaRPr lang="en-US" dirty="0" smtClean="0"/>
-          </a:p>
-          <a:p>
-            <a:r>
-              <a:rPr lang="en-US" dirty="0" smtClean="0"/>
-              <a:t>Add your answer / solution here</a:t>
-            </a:r>
-          </a:p>
-          <a:p>
-            <a:r>
-              <a:rPr lang="en-US" dirty="0" smtClean="0"/>
-              <a:t>Write hypothesis before you begin the experiment</a:t>
-            </a:r>
-          </a:p>
-          <a:p>
-            <a:r>
-              <a:rPr lang="en-US" dirty="0" smtClean="0"/>
-              <a:t>This should be your best educated guess based on your research</a:t>
-            </a:r>
-            <a:endParaRPr lang="en-US" dirty="0"/>
-          </a:p>
-        </p:txBody>
-      </p:sp>
-      <p:sp>
-        <p:nvSpPr>
-          <p:cNvPr id="7" name="Text Placeholder 6"/>
-          <p:cNvSpPr>
-            <a:spLocks noGrp="1"/>
-          </p:cNvSpPr>
-          <p:nvPr>
-            <p:ph type="body" sz="quarter" idx="17"/>
-          </p:nvPr>
-        </p:nvSpPr>
-        <p:spPr/>
-        <p:txBody>
-          <a:bodyPr/>
-          <a:lstStyle/>
-          <a:p>
-            <a:r>
-              <a:rPr lang="en-US" smtClean="0"/>
-              <a:t>Project Overview</a:t>
-            </a:r>
-            <a:endParaRPr lang="en-US" dirty="0"/>
-          </a:p>
-        </p:txBody>
-      </p:sp>
-      <p:sp>
-        <p:nvSpPr>
-          <p:cNvPr id="12" name="Content Placeholder 11"/>
-          <p:cNvSpPr>
-            <a:spLocks noGrp="1"/>
-          </p:cNvSpPr>
-          <p:nvPr>
-            <p:ph sz="quarter" idx="25"/>
-          </p:nvPr>
-        </p:nvSpPr>
-        <p:spPr/>
-        <p:txBody>
-          <a:bodyPr/>
-          <a:lstStyle/>
-          <a:p>
-            <a:r>
-              <a:rPr lang="en-US" dirty="0" smtClean="0"/>
-              <a:t>Add a brief overview or summary of your project. (Use the Bullets button on the Home tab to remove the bullets.)</a:t>
-            </a:r>
-            <a:endParaRPr lang="en-US" dirty="0"/>
-          </a:p>
-        </p:txBody>
-      </p:sp>
-      <p:sp>
-        <p:nvSpPr>
-          <p:cNvPr id="8" name="Text Placeholder 7"/>
-          <p:cNvSpPr>
-            <a:spLocks noGrp="1"/>
-          </p:cNvSpPr>
-          <p:nvPr>
-            <p:ph type="body" sz="quarter" idx="19"/>
-          </p:nvPr>
-        </p:nvSpPr>
-        <p:spPr/>
-        <p:txBody>
-          <a:bodyPr/>
-          <a:lstStyle/>
-          <a:p>
-            <a:r>
-              <a:rPr lang="en-US" smtClean="0"/>
-              <a:t>Variables / Research</a:t>
-            </a:r>
-            <a:endParaRPr lang="en-US" dirty="0"/>
-          </a:p>
-        </p:txBody>
-      </p:sp>
-      <p:graphicFrame>
-        <p:nvGraphicFramePr>
-          <p:cNvPr id="72" name="Content Placeholder 71" descr="Horizontal Bullet List"/>
-          <p:cNvGraphicFramePr>
-            <a:graphicFrameLocks noGrp="1"/>
-          </p:cNvGraphicFramePr>
-          <p:nvPr>
-            <p:ph sz="quarter" idx="26"/>
-            <p:extLst>
-              <p:ext uri="{D42A27DB-BD31-4B8C-83A1-F6EECF244321}">
-                <p14:modId xmlns:p14="http://schemas.microsoft.com/office/powerpoint/2010/main" xmlns="" val="2939312321"/>
-              </p:ext>
-            </p:extLst>
-          </p:nvPr>
-        </p:nvGraphicFramePr>
-        <p:xfrm>
-          <a:off x="1143000" y="24331613"/>
-          <a:ext cx="12801600" cy="7297737"/>
-        </p:xfrm>
-        <a:graphic>
-          <a:graphicData uri="http://schemas.openxmlformats.org/drawingml/2006/diagram">
-            <dgm:relIds xmlns:dgm="http://schemas.openxmlformats.org/drawingml/2006/diagram" xmlns:r="http://schemas.openxmlformats.org/officeDocument/2006/relationships" r:dm="rId3" r:lo="rId4" r:qs="rId5" r:cs="rId6"/>
-          </a:graphicData>
-        </a:graphic>
-      </p:graphicFrame>
-      <p:sp>
-        <p:nvSpPr>
-          <p:cNvPr id="9" name="Text Placeholder 8"/>
-          <p:cNvSpPr>
-            <a:spLocks noGrp="1"/>
-          </p:cNvSpPr>
-          <p:nvPr>
-            <p:ph type="body" sz="quarter" idx="21"/>
-          </p:nvPr>
-        </p:nvSpPr>
-        <p:spPr/>
-        <p:txBody>
-          <a:bodyPr/>
-          <a:lstStyle/>
-          <a:p>
-            <a:r>
-              <a:rPr lang="en-US" smtClean="0"/>
-              <a:t>Materials</a:t>
-            </a:r>
-            <a:endParaRPr lang="en-US" dirty="0"/>
-          </a:p>
-        </p:txBody>
-      </p:sp>
-      <p:graphicFrame>
-        <p:nvGraphicFramePr>
-          <p:cNvPr id="2" name="Content Placeholder 1" descr="Sample table with 2 columns, 8 rows"/>
-          <p:cNvGraphicFramePr>
-            <a:graphicFrameLocks noGrp="1"/>
-          </p:cNvGraphicFramePr>
-          <p:nvPr>
-            <p:ph sz="quarter" idx="27"/>
-            <p:extLst>
-              <p:ext uri="{D42A27DB-BD31-4B8C-83A1-F6EECF244321}">
-                <p14:modId xmlns:p14="http://schemas.microsoft.com/office/powerpoint/2010/main" xmlns="" val="216089078"/>
-              </p:ext>
-            </p:extLst>
-          </p:nvPr>
-        </p:nvGraphicFramePr>
-        <p:xfrm>
-          <a:off x="15544800" y="7113588"/>
-          <a:ext cx="12801600" cy="6659560"/>
-        </p:xfrm>
-        <a:graphic>
-          <a:graphicData uri="http://schemas.openxmlformats.org/drawingml/2006/table">
-            <a:tbl>
-              <a:tblPr firstRow="1" bandRow="1">
-                <a:tableStyleId>{69012ECD-51FC-41F1-AA8D-1B2483CD663E}</a:tableStyleId>
-              </a:tblPr>
-              <a:tblGrid>
-                <a:gridCol w="6400800"/>
-                <a:gridCol w="6400800"/>
-              </a:tblGrid>
-              <a:tr h="832445">
-                <a:tc>
-                  <a:txBody>
-                    <a:bodyPr/>
-                    <a:lstStyle/>
-                    <a:p>
-                      <a:pPr algn="ctr"/>
-                      <a:r>
-                        <a:rPr lang="en-US" sz="2800" dirty="0" smtClean="0"/>
-                        <a:t>Materials (detailed list)</a:t>
-                      </a:r>
-                      <a:endParaRPr lang="en-US" sz="2800" dirty="0"/>
-                    </a:p>
-                  </a:txBody>
-                  <a:tcPr anchor="ctr"/>
-                </a:tc>
-                <a:tc>
-                  <a:txBody>
-                    <a:bodyPr/>
-                    <a:lstStyle/>
-                    <a:p>
-                      <a:pPr algn="ctr"/>
-                      <a:r>
-                        <a:rPr lang="en-US" sz="2800" dirty="0" smtClean="0"/>
-                        <a:t>Quantity (be</a:t>
-                      </a:r>
-                      <a:r>
-                        <a:rPr lang="en-US" sz="2800" baseline="0" dirty="0" smtClean="0"/>
-                        <a:t> specific)</a:t>
-                      </a:r>
-                      <a:endParaRPr lang="en-US" sz="2800" dirty="0"/>
-                    </a:p>
-                  </a:txBody>
-                  <a:tcPr anchor="ctr"/>
-                </a:tc>
-              </a:tr>
-              <a:tr h="832445">
-                <a:tc>
-                  <a:txBody>
-                    <a:bodyPr/>
-                    <a:lstStyle/>
-                    <a:p>
-                      <a:pPr algn="ctr"/>
-                      <a:r>
-                        <a:rPr lang="en-US" sz="2800" dirty="0" smtClean="0"/>
-                        <a:t>Item</a:t>
-                      </a:r>
-                      <a:endParaRPr lang="en-US" sz="2800" dirty="0"/>
-                    </a:p>
-                  </a:txBody>
-                  <a:tcPr anchor="ctr"/>
-                </a:tc>
-                <a:tc>
-                  <a:txBody>
-                    <a:bodyPr/>
-                    <a:lstStyle/>
-                    <a:p>
-                      <a:pPr algn="ctr"/>
-                      <a:r>
-                        <a:rPr lang="en-US" sz="2800" dirty="0" smtClean="0"/>
-                        <a:t>Amount</a:t>
-                      </a:r>
-                      <a:endParaRPr lang="en-US" sz="2800" dirty="0"/>
-                    </a:p>
-                  </a:txBody>
-                  <a:tcPr anchor="ctr"/>
-                </a:tc>
-              </a:tr>
-              <a:tr h="832445">
-                <a:tc>
-                  <a:txBody>
-                    <a:bodyPr/>
-                    <a:lstStyle/>
-                    <a:p>
-                      <a:pPr algn="ctr"/>
-                      <a:r>
-                        <a:rPr lang="en-US" sz="2800" dirty="0" smtClean="0"/>
-                        <a:t>Item</a:t>
-                      </a:r>
-                      <a:endParaRPr lang="en-US" sz="2800" dirty="0"/>
-                    </a:p>
-                  </a:txBody>
-                  <a:tcPr anchor="ctr"/>
-                </a:tc>
-                <a:tc>
-                  <a:txBody>
-                    <a:bodyPr/>
-                    <a:lstStyle/>
-                    <a:p>
-                      <a:pPr algn="ctr"/>
-                      <a:r>
-                        <a:rPr lang="en-US" sz="2800" dirty="0" smtClean="0"/>
-                        <a:t>Amount</a:t>
-                      </a:r>
-                      <a:endParaRPr lang="en-US" sz="2800" dirty="0"/>
-                    </a:p>
-                  </a:txBody>
-                  <a:tcPr anchor="ctr"/>
-                </a:tc>
-              </a:tr>
-              <a:tr h="832445">
-                <a:tc>
-                  <a:txBody>
-                    <a:bodyPr/>
-                    <a:lstStyle/>
-                    <a:p>
-                      <a:pPr algn="ctr"/>
-                      <a:r>
-                        <a:rPr lang="en-US" sz="2800" dirty="0" smtClean="0"/>
-                        <a:t>Item</a:t>
-                      </a:r>
-                      <a:endParaRPr lang="en-US" sz="2800" dirty="0"/>
-                    </a:p>
-                  </a:txBody>
-                  <a:tcPr anchor="ctr"/>
-                </a:tc>
-                <a:tc>
-                  <a:txBody>
-                    <a:bodyPr/>
-                    <a:lstStyle/>
-                    <a:p>
-                      <a:pPr algn="ctr"/>
-                      <a:r>
-                        <a:rPr lang="en-US" sz="2800" dirty="0" smtClean="0"/>
-                        <a:t>Amount</a:t>
-                      </a:r>
-                      <a:endParaRPr lang="en-US" sz="2800" dirty="0"/>
-                    </a:p>
-                  </a:txBody>
-                  <a:tcPr anchor="ctr"/>
-                </a:tc>
-              </a:tr>
-              <a:tr h="832445">
-                <a:tc>
-                  <a:txBody>
-                    <a:bodyPr/>
-                    <a:lstStyle/>
-                    <a:p>
-                      <a:pPr algn="ctr"/>
-                      <a:r>
-                        <a:rPr lang="en-US" sz="2800" dirty="0" smtClean="0"/>
-                        <a:t>Item</a:t>
-                      </a:r>
-                      <a:endParaRPr lang="en-US" sz="2800" dirty="0"/>
-                    </a:p>
-                  </a:txBody>
-                  <a:tcPr anchor="ctr"/>
-                </a:tc>
-                <a:tc>
-                  <a:txBody>
-                    <a:bodyPr/>
-                    <a:lstStyle/>
-                    <a:p>
-                      <a:pPr algn="ctr"/>
-                      <a:r>
-                        <a:rPr lang="en-US" sz="2800" dirty="0" smtClean="0"/>
-                        <a:t>Amount</a:t>
-                      </a:r>
-                      <a:endParaRPr lang="en-US" sz="2800" dirty="0"/>
-                    </a:p>
-                  </a:txBody>
-                  <a:tcPr anchor="ctr"/>
-                </a:tc>
-              </a:tr>
-              <a:tr h="832445">
-                <a:tc>
-                  <a:txBody>
-                    <a:bodyPr/>
-                    <a:lstStyle/>
-                    <a:p>
-                      <a:pPr algn="ctr"/>
-                      <a:r>
-                        <a:rPr lang="en-US" sz="2800" dirty="0" smtClean="0"/>
-                        <a:t>Item</a:t>
-                      </a:r>
-                      <a:endParaRPr lang="en-US" sz="2800" dirty="0"/>
-                    </a:p>
-                  </a:txBody>
-                  <a:tcPr anchor="ctr"/>
-                </a:tc>
-                <a:tc>
-                  <a:txBody>
-                    <a:bodyPr/>
-                    <a:lstStyle/>
-                    <a:p>
-                      <a:pPr algn="ctr"/>
-                      <a:r>
-                        <a:rPr lang="en-US" sz="2800" dirty="0" smtClean="0"/>
-                        <a:t>Amount</a:t>
-                      </a:r>
-                      <a:endParaRPr lang="en-US" sz="2800" dirty="0"/>
-                    </a:p>
-                  </a:txBody>
-                  <a:tcPr anchor="ctr"/>
-                </a:tc>
-              </a:tr>
-              <a:tr h="832445">
-                <a:tc>
-                  <a:txBody>
-                    <a:bodyPr/>
-                    <a:lstStyle/>
-                    <a:p>
-                      <a:pPr algn="ctr"/>
-                      <a:r>
-                        <a:rPr lang="en-US" sz="2800" dirty="0" smtClean="0"/>
-                        <a:t>Item</a:t>
-                      </a:r>
-                      <a:endParaRPr lang="en-US" sz="2800" dirty="0"/>
-                    </a:p>
-                  </a:txBody>
-                  <a:tcPr anchor="ctr"/>
-                </a:tc>
-                <a:tc>
-                  <a:txBody>
-                    <a:bodyPr/>
-                    <a:lstStyle/>
-                    <a:p>
-                      <a:pPr algn="ctr"/>
-                      <a:r>
-                        <a:rPr lang="en-US" sz="2800" dirty="0" smtClean="0"/>
-                        <a:t>Amount</a:t>
-                      </a:r>
-                      <a:endParaRPr lang="en-US" sz="2800" dirty="0"/>
-                    </a:p>
-                  </a:txBody>
-                  <a:tcPr anchor="ctr"/>
-                </a:tc>
-              </a:tr>
-              <a:tr h="832445">
-                <a:tc>
-                  <a:txBody>
-                    <a:bodyPr/>
-                    <a:lstStyle/>
-                    <a:p>
-                      <a:pPr algn="ctr"/>
-                      <a:r>
-                        <a:rPr lang="en-US" sz="2800" dirty="0" smtClean="0"/>
-                        <a:t>Item</a:t>
-                      </a:r>
-                      <a:endParaRPr lang="en-US" sz="2800" dirty="0"/>
-                    </a:p>
-                  </a:txBody>
-                  <a:tcPr anchor="ctr"/>
-                </a:tc>
-                <a:tc>
-                  <a:txBody>
-                    <a:bodyPr/>
-                    <a:lstStyle/>
-                    <a:p>
-                      <a:pPr algn="ctr"/>
-                      <a:r>
-                        <a:rPr lang="en-US" sz="2800" dirty="0" smtClean="0"/>
-                        <a:t>Amount</a:t>
-                      </a:r>
-                      <a:endParaRPr lang="en-US" sz="2800" dirty="0"/>
-                    </a:p>
-                  </a:txBody>
-                  <a:tcPr anchor="ctr"/>
-                </a:tc>
-              </a:tr>
-            </a:tbl>
-          </a:graphicData>
-        </a:graphic>
-      </p:graphicFrame>
-      <p:sp>
-        <p:nvSpPr>
-          <p:cNvPr id="70" name="Text Placeholder 69"/>
-          <p:cNvSpPr>
-            <a:spLocks noGrp="1"/>
-          </p:cNvSpPr>
-          <p:nvPr>
-            <p:ph type="body" sz="quarter" idx="40"/>
-          </p:nvPr>
-        </p:nvSpPr>
-        <p:spPr/>
-        <p:txBody>
-          <a:bodyPr/>
-          <a:lstStyle/>
-          <a:p>
-            <a:r>
-              <a:rPr lang="en-US" smtClean="0"/>
-              <a:t>Procedure</a:t>
-            </a:r>
-            <a:endParaRPr lang="en-US" dirty="0"/>
-          </a:p>
-        </p:txBody>
-      </p:sp>
-      <p:graphicFrame>
-        <p:nvGraphicFramePr>
-          <p:cNvPr id="3" name="Content Placeholder 2" descr="Title Picture Lineup"/>
-          <p:cNvGraphicFramePr>
-            <a:graphicFrameLocks noGrp="1"/>
-          </p:cNvGraphicFramePr>
-          <p:nvPr>
-            <p:ph sz="quarter" idx="23"/>
-            <p:extLst>
-              <p:ext uri="{D42A27DB-BD31-4B8C-83A1-F6EECF244321}">
-                <p14:modId xmlns:p14="http://schemas.microsoft.com/office/powerpoint/2010/main" xmlns="" val="3302216694"/>
-              </p:ext>
-            </p:extLst>
-          </p:nvPr>
-        </p:nvGraphicFramePr>
-        <p:xfrm>
-          <a:off x="15544800" y="15773400"/>
-          <a:ext cx="12801600" cy="6694488"/>
-        </p:xfrm>
-        <a:graphic>
-          <a:graphicData uri="http://schemas.openxmlformats.org/drawingml/2006/diagram">
-            <dgm:relIds xmlns:dgm="http://schemas.openxmlformats.org/drawingml/2006/diagram" xmlns:r="http://schemas.openxmlformats.org/officeDocument/2006/relationships" r:dm="rId8" r:lo="rId9" r:qs="rId10" r:cs="rId11"/>
-          </a:graphicData>
-        </a:graphic>
-      </p:graphicFrame>
-      <p:sp>
-        <p:nvSpPr>
-          <p:cNvPr id="16" name="Text Placeholder 15"/>
-          <p:cNvSpPr>
-            <a:spLocks noGrp="1"/>
-          </p:cNvSpPr>
-          <p:nvPr>
-            <p:ph type="body" sz="quarter" idx="29"/>
-          </p:nvPr>
-        </p:nvSpPr>
-        <p:spPr/>
-        <p:txBody>
-          <a:bodyPr/>
-          <a:lstStyle/>
-          <a:p>
-            <a:r>
-              <a:rPr lang="en-US" smtClean="0"/>
-              <a:t>Data / Observations</a:t>
-            </a:r>
-            <a:endParaRPr lang="en-US" dirty="0"/>
-          </a:p>
-        </p:txBody>
-      </p:sp>
-      <p:sp>
-        <p:nvSpPr>
-          <p:cNvPr id="17" name="Content Placeholder 16"/>
-          <p:cNvSpPr>
-            <a:spLocks noGrp="1"/>
-          </p:cNvSpPr>
-          <p:nvPr>
-            <p:ph sz="quarter" idx="30"/>
-          </p:nvPr>
-        </p:nvSpPr>
-        <p:spPr/>
-        <p:txBody>
-          <a:bodyPr/>
-          <a:lstStyle/>
-          <a:p>
-            <a:r>
-              <a:rPr lang="en-US" dirty="0" smtClean="0"/>
-              <a:t>Observation 1</a:t>
-            </a:r>
-          </a:p>
-          <a:p>
-            <a:r>
-              <a:rPr lang="en-US" dirty="0" smtClean="0"/>
-              <a:t>Observation 2</a:t>
-            </a:r>
-          </a:p>
-          <a:p>
-            <a:r>
-              <a:rPr lang="en-US" dirty="0" smtClean="0"/>
-              <a:t>Observation 3</a:t>
-            </a:r>
-            <a:endParaRPr lang="en-US" dirty="0"/>
-          </a:p>
-        </p:txBody>
-      </p:sp>
-      <p:sp>
-        <p:nvSpPr>
-          <p:cNvPr id="18" name="Text Placeholder 17"/>
-          <p:cNvSpPr>
-            <a:spLocks noGrp="1"/>
-          </p:cNvSpPr>
-          <p:nvPr>
-            <p:ph type="body" sz="quarter" idx="31"/>
-          </p:nvPr>
-        </p:nvSpPr>
-        <p:spPr/>
-        <p:txBody>
-          <a:bodyPr/>
-          <a:lstStyle/>
-          <a:p>
-            <a:r>
-              <a:rPr lang="en-US" smtClean="0"/>
-              <a:t>Results</a:t>
-            </a:r>
-            <a:endParaRPr lang="en-US" dirty="0"/>
-          </a:p>
-        </p:txBody>
-      </p:sp>
-      <p:graphicFrame>
-        <p:nvGraphicFramePr>
-          <p:cNvPr id="19" name="Content Placeholder 18" descr="Clustered column chart"/>
-          <p:cNvGraphicFramePr>
-            <a:graphicFrameLocks noGrp="1"/>
-          </p:cNvGraphicFramePr>
-          <p:nvPr>
-            <p:ph sz="quarter" idx="32"/>
-            <p:extLst>
-              <p:ext uri="{D42A27DB-BD31-4B8C-83A1-F6EECF244321}">
-                <p14:modId xmlns:p14="http://schemas.microsoft.com/office/powerpoint/2010/main" xmlns="" val="4151009361"/>
-              </p:ext>
-            </p:extLst>
-          </p:nvPr>
-        </p:nvGraphicFramePr>
-        <p:xfrm>
-          <a:off x="29900563" y="7113588"/>
-          <a:ext cx="12801600" cy="7315200"/>
-        </p:xfrm>
-        <a:graphic>
-          <a:graphicData uri="http://schemas.openxmlformats.org/drawingml/2006/chart">
-            <c:chart xmlns:c="http://schemas.openxmlformats.org/drawingml/2006/chart" xmlns:r="http://schemas.openxmlformats.org/officeDocument/2006/relationships" r:id="rId13"/>
-          </a:graphicData>
-        </a:graphic>
-      </p:graphicFrame>
-      <p:sp>
-        <p:nvSpPr>
-          <p:cNvPr id="6" name="Content Placeholder 5"/>
-          <p:cNvSpPr>
-            <a:spLocks noGrp="1"/>
-          </p:cNvSpPr>
-          <p:nvPr>
-            <p:ph sz="quarter" idx="33"/>
-          </p:nvPr>
-        </p:nvSpPr>
-        <p:spPr/>
-        <p:txBody>
-          <a:bodyPr/>
-          <a:lstStyle/>
-          <a:p>
-            <a:r>
-              <a:rPr lang="en-US" smtClean="0"/>
-              <a:t>Include results based on your experiments</a:t>
-            </a:r>
-          </a:p>
-          <a:p>
-            <a:r>
-              <a:rPr lang="en-US" smtClean="0"/>
-              <a:t>Result 2</a:t>
-            </a:r>
-          </a:p>
-          <a:p>
-            <a:r>
-              <a:rPr lang="en-US" smtClean="0"/>
-              <a:t>Result 3</a:t>
-            </a:r>
-            <a:endParaRPr lang="en-US" dirty="0"/>
-          </a:p>
-        </p:txBody>
-      </p:sp>
-      <p:sp>
-        <p:nvSpPr>
-          <p:cNvPr id="71" name="Text Placeholder 70"/>
-          <p:cNvSpPr>
-            <a:spLocks noGrp="1"/>
-          </p:cNvSpPr>
-          <p:nvPr>
-            <p:ph type="body" sz="quarter" idx="41"/>
-          </p:nvPr>
-        </p:nvSpPr>
-        <p:spPr/>
-        <p:txBody>
-          <a:bodyPr/>
-          <a:lstStyle/>
-          <a:p>
-            <a:r>
-              <a:rPr lang="en-US" smtClean="0"/>
-              <a:t>Conclusion</a:t>
-            </a:r>
-            <a:endParaRPr lang="en-US" dirty="0"/>
-          </a:p>
-        </p:txBody>
-      </p:sp>
-      <p:sp>
-        <p:nvSpPr>
-          <p:cNvPr id="15" name="Content Placeholder 14"/>
-          <p:cNvSpPr>
-            <a:spLocks noGrp="1"/>
-          </p:cNvSpPr>
-          <p:nvPr>
-            <p:ph sz="quarter" idx="42"/>
-          </p:nvPr>
-        </p:nvSpPr>
-        <p:spPr/>
-        <p:txBody>
-          <a:bodyPr/>
-          <a:lstStyle/>
-          <a:p>
-            <a:r>
-              <a:rPr lang="en-US" smtClean="0"/>
-              <a:t>Brief summary of what you discovered based on results</a:t>
-            </a:r>
-          </a:p>
-          <a:p>
-            <a:r>
-              <a:rPr lang="en-US" smtClean="0"/>
-              <a:t>Indicate and explain whether or not the data supports your hypothesis</a:t>
-            </a:r>
-            <a:endParaRPr lang="en-US" dirty="0"/>
-          </a:p>
-        </p:txBody>
-      </p:sp>
-      <p:sp>
-        <p:nvSpPr>
-          <p:cNvPr id="21" name="Text Placeholder 20"/>
-          <p:cNvSpPr>
-            <a:spLocks noGrp="1"/>
-          </p:cNvSpPr>
-          <p:nvPr>
-            <p:ph type="body" sz="quarter" idx="34"/>
-          </p:nvPr>
-        </p:nvSpPr>
-        <p:spPr/>
-        <p:txBody>
-          <a:bodyPr/>
-          <a:lstStyle/>
-          <a:p>
-            <a:r>
-              <a:rPr lang="en-US" smtClean="0"/>
-              <a:t>Works Cited</a:t>
-            </a:r>
-            <a:endParaRPr lang="en-US" dirty="0"/>
-          </a:p>
-        </p:txBody>
-      </p:sp>
-      <p:sp>
-        <p:nvSpPr>
-          <p:cNvPr id="22" name="Content Placeholder 21"/>
-          <p:cNvSpPr>
-            <a:spLocks noGrp="1"/>
-          </p:cNvSpPr>
-          <p:nvPr>
-            <p:ph sz="quarter" idx="35"/>
-          </p:nvPr>
-        </p:nvSpPr>
-        <p:spPr/>
-        <p:txBody>
-          <a:bodyPr/>
-          <a:lstStyle/>
-          <a:p>
-            <a:r>
-              <a:rPr lang="en-US" smtClean="0"/>
-              <a:t>Include print and electronic sources in alphabetical order</a:t>
-            </a:r>
-            <a:endParaRPr lang="en-US" dirty="0"/>
-          </a:p>
-        </p:txBody>
-      </p:sp>
-      <p:pic>
-        <p:nvPicPr>
-          <p:cNvPr id="105" name="Picture Placeholder 104" descr="Closeup of glass beakers"/>
-          <p:cNvPicPr>
-            <a:picLocks noGrp="1" noChangeAspect="1"/>
-          </p:cNvPicPr>
-          <p:nvPr>
-            <p:ph type="pic" sz="quarter" idx="43"/>
-          </p:nvPr>
-        </p:nvPicPr>
-        <p:blipFill rotWithShape="1">
-          <a:blip r:embed="rId14" cstate="print">
-            <a:extLst>
-              <a:ext uri="{28A0092B-C50C-407E-A947-70E740481C1C}">
-                <a14:useLocalDpi xmlns:a14="http://schemas.microsoft.com/office/drawing/2010/main" xmlns="" val="0"/>
-              </a:ext>
-            </a:extLst>
-          </a:blip>
-          <a:srcRect/>
-          <a:stretch/>
-        </p:blipFill>
-        <p:spPr/>
-      </p:pic>
-    </p:spTree>
-    <p:extLst>
-      <p:ext uri="{BB962C8B-B14F-4D97-AF65-F5344CB8AC3E}">
-        <p14:creationId xmlns:p14="http://schemas.microsoft.com/office/powerpoint/2010/main" xmlns="" val="931198942"/>
-      </p:ext>
-    </p:extLst>
-  </p:cSld>
-  <p:clrMapOvr>
-    <a:masterClrMapping/>
-  </p:clrMapOvr>
-  <p:timing>
-    <p:tnLst>
-      <p:par>
-        <p:cTn id="1" dur="indefinite" restart="never" nodeType="tmRoot"/>
-      </p:par>
-    </p:tnLst>
-  </p:timing>
-</p:sld>
-</file>
-
-<file path=ppt/slides/slide2.xml><?xml version="1.0" encoding="utf-8"?>
-<p:sld xmlns:a="http://schemas.openxmlformats.org/drawingml/2006/main" xmlns:r="http://schemas.openxmlformats.org/officeDocument/2006/relationships" xmlns:p="http://schemas.openxmlformats.org/presentationml/2006/main">
-  <p:cSld>
-    <p:spTree>
-      <p:nvGrpSpPr>
-        <p:cNvPr id="1" name=""/>
-        <p:cNvGrpSpPr/>
-        <p:nvPr/>
-      </p:nvGrpSpPr>
-      <p:grpSpPr>
-        <a:xfrm>
-          <a:off x="0" y="0"/>
-          <a:ext cx="0" cy="0"/>
-          <a:chOff x="0" y="0"/>
-          <a:chExt cx="0" cy="0"/>
-        </a:xfrm>
-      </p:grpSpPr>
-      <p:sp>
-        <p:nvSpPr>
           <p:cNvPr id="2" name="Title 1"/>
           <p:cNvSpPr>
             <a:spLocks noGrp="1"/>
@@ -17244,7 +8627,15 @@
           <a:bodyPr/>
           <a:lstStyle/>
           <a:p>
-            <a:endParaRPr lang="en-US"/>
+            <a:r>
+              <a:rPr lang="en-US" dirty="0" smtClean="0"/>
+              <a:t>Machine </a:t>
+            </a:r>
+            <a:r>
+              <a:rPr lang="en-US" dirty="0" smtClean="0"/>
+              <a:t>learning models</a:t>
+            </a:r>
+            <a:endParaRPr lang="en-US" dirty="0"/>
           </a:p>
         </p:txBody>
       </p:sp>
@@ -17258,11 +8649,20 @@
             <p:ph type="body" sz="quarter" idx="41"/>
           </p:nvPr>
         </p:nvSpPr>
-        <p:spPr/>
+        <p:spPr>
+          <a:xfrm>
+            <a:off x="29931098" y="16892359"/>
+            <a:ext cx="12801600" cy="1219200"/>
+          </a:xfrm>
+        </p:spPr>
         <p:txBody>
           <a:bodyPr/>
           <a:lstStyle/>
           <a:p>
+            <a:r>
+              <a:rPr lang="en-US" dirty="0" smtClean="0"/>
+              <a:t>Tuning Models</a:t>
+            </a:r>
             <a:endParaRPr lang="en-US" dirty="0"/>
           </a:p>
         </p:txBody>
@@ -17285,8 +8685,8 @@
         </p:blipFill>
         <p:spPr>
           <a:xfrm>
-            <a:off x="18120755" y="28081799"/>
-            <a:ext cx="7983065" cy="4039164"/>
+            <a:off x="15513269" y="27589656"/>
+            <a:ext cx="13116910" cy="5328744"/>
           </a:xfrm>
         </p:spPr>
       </p:pic>
@@ -17300,11 +8700,20 @@
             <p:ph type="body" sz="quarter" idx="34"/>
           </p:nvPr>
         </p:nvSpPr>
-        <p:spPr/>
+        <p:spPr>
+          <a:xfrm>
+            <a:off x="29932411" y="19668114"/>
+            <a:ext cx="12801600" cy="1219200"/>
+          </a:xfrm>
+        </p:spPr>
         <p:txBody>
           <a:bodyPr/>
           <a:lstStyle/>
           <a:p>
+            <a:r>
+              <a:rPr lang="en-US" dirty="0" smtClean="0"/>
+              <a:t>Evaluation</a:t>
+            </a:r>
             <a:endParaRPr lang="en-US" dirty="0"/>
           </a:p>
         </p:txBody>
@@ -17339,7 +8748,15 @@
           <a:p>
             <a:r>
               <a:rPr lang="en-US" dirty="0" smtClean="0"/>
-              <a:t>The Integrated I(d) Part of ARIMA: describes number of lags (shifts) until time series becomes stationary.</a:t>
+              <a:t>The Integrated I(d) </a:t>
+            </a:r>
+            <a:r>
+              <a:rPr lang="en-US" dirty="0" smtClean="0"/>
+              <a:t>Part </a:t>
+            </a:r>
+            <a:r>
+              <a:rPr lang="en-US" dirty="0" smtClean="0"/>
+              <a:t>of ARIMA: describes number of lags (shifts) until time series becomes stationary.</a:t>
             </a:r>
           </a:p>
           <a:p>
@@ -17388,7 +8805,7 @@
             <p:ph sz="quarter" idx="26"/>
             <p:extLst>
               <p:ext uri="{D42A27DB-BD31-4B8C-83A1-F6EECF244321}">
-                <p14:modId xmlns:p14="http://schemas.microsoft.com/office/powerpoint/2010/main" xmlns="" val="2939312321"/>
+                <p14:modId xmlns="" xmlns:p14="http://schemas.microsoft.com/office/powerpoint/2010/main" val="2939312321"/>
               </p:ext>
             </p:extLst>
           </p:nvPr>
@@ -17729,29 +9146,392 @@
           <a:bodyPr/>
           <a:lstStyle/>
           <a:p>
+            <a:r>
+              <a:rPr lang="en-US" dirty="0" smtClean="0"/>
+              <a:t>Long short-term memory (LSTM) is an artificial recurrent neural network (RNN) </a:t>
+            </a:r>
+            <a:r>
+              <a:rPr lang="en-US" dirty="0" smtClean="0"/>
+              <a:t>architecture.</a:t>
+            </a:r>
+          </a:p>
+          <a:p>
+            <a:r>
+              <a:rPr lang="en-US" dirty="0" smtClean="0"/>
+              <a:t>Capable </a:t>
+            </a:r>
+            <a:r>
+              <a:rPr lang="en-US" dirty="0" smtClean="0"/>
+              <a:t>of handling sequential </a:t>
+            </a:r>
+            <a:r>
+              <a:rPr lang="en-US" dirty="0" smtClean="0"/>
+              <a:t>data (time series)</a:t>
+            </a:r>
+          </a:p>
+          <a:p>
+            <a:r>
+              <a:rPr lang="en-US" dirty="0" smtClean="0"/>
+              <a:t>A common LSTM unit is composed of a cell, an input gate, an output gate and a forget gate. The cell remembers values over arbitrary time intervals and the three gates regulate the flow of information into and out of the cell</a:t>
+            </a:r>
+            <a:r>
+              <a:rPr lang="en-US" dirty="0" smtClean="0"/>
+              <a:t>.</a:t>
+            </a:r>
+          </a:p>
+          <a:p>
+            <a:r>
+              <a:rPr lang="en-US" dirty="0" smtClean="0"/>
+              <a:t>LSTMs were developed to deal with the exploding and vanishing gradient problems that can be encountered when training traditional RNNs.</a:t>
+            </a:r>
             <a:endParaRPr lang="en-US" dirty="0"/>
+          </a:p>
+        </p:txBody>
+      </p:sp>
+      <p:pic>
+        <p:nvPicPr>
+          <p:cNvPr id="32" name="Content Placeholder 31" descr="lstm.PNG"/>
+          <p:cNvPicPr>
+            <a:picLocks noGrp="1" noChangeAspect="1"/>
+          </p:cNvPicPr>
+          <p:nvPr>
+            <p:ph sz="quarter" idx="33"/>
+          </p:nvPr>
+        </p:nvPicPr>
+        <p:blipFill>
+          <a:blip r:embed="rId11" cstate="print"/>
+          <a:stretch>
+            <a:fillRect/>
+          </a:stretch>
+        </p:blipFill>
+        <p:spPr>
+          <a:xfrm>
+            <a:off x="30585103" y="12486290"/>
+            <a:ext cx="11256580" cy="4256689"/>
+          </a:xfrm>
+        </p:spPr>
+      </p:pic>
+      <p:sp>
+        <p:nvSpPr>
+          <p:cNvPr id="34" name="Content Placeholder 23"/>
+          <p:cNvSpPr txBox="1">
+            <a:spLocks/>
+          </p:cNvSpPr>
+          <p:nvPr/>
+        </p:nvSpPr>
+        <p:spPr>
+          <a:xfrm>
+            <a:off x="30152852" y="18186739"/>
+            <a:ext cx="12759866" cy="1740875"/>
+          </a:xfrm>
+          <a:prstGeom prst="rect">
+            <a:avLst/>
+          </a:prstGeom>
+        </p:spPr>
+        <p:txBody>
+          <a:bodyPr vert="horz" lIns="91440" tIns="182880" rIns="91440" bIns="45720" rtlCol="0">
+            <a:normAutofit/>
+          </a:bodyPr>
+          <a:lstStyle/>
+          <a:p>
+            <a:pPr marL="457200" indent="-457200" defTabSz="4389120">
+              <a:spcBef>
+                <a:spcPts val="1200"/>
+              </a:spcBef>
+              <a:buClr>
+                <a:schemeClr val="bg1">
+                  <a:lumMod val="65000"/>
+                </a:schemeClr>
+              </a:buClr>
+              <a:buFont typeface="Arial" panose="020B0604020202020204" pitchFamily="34" charset="0"/>
+              <a:buChar char="•"/>
+            </a:pPr>
+            <a:r>
+              <a:rPr lang="en-US" sz="3200" dirty="0" smtClean="0"/>
+              <a:t>Grid </a:t>
+            </a:r>
+            <a:r>
+              <a:rPr lang="en-US" sz="3200" dirty="0" smtClean="0"/>
+              <a:t>search method (AR, MA, ARIMA)</a:t>
+            </a:r>
+            <a:endParaRPr lang="en-US" sz="3200" dirty="0" smtClean="0"/>
+          </a:p>
+          <a:p>
+            <a:pPr marL="457200" lvl="0" indent="-457200" defTabSz="4389120">
+              <a:spcBef>
+                <a:spcPts val="1200"/>
+              </a:spcBef>
+              <a:buClr>
+                <a:schemeClr val="bg1">
+                  <a:lumMod val="65000"/>
+                </a:schemeClr>
+              </a:buClr>
+              <a:buFont typeface="Arial" panose="020B0604020202020204" pitchFamily="34" charset="0"/>
+              <a:buChar char="•"/>
+            </a:pPr>
+            <a:r>
+              <a:rPr lang="en-US" sz="3200" dirty="0" smtClean="0"/>
+              <a:t>Trial </a:t>
+            </a:r>
+            <a:r>
+              <a:rPr lang="en-US" sz="3200" dirty="0" smtClean="0"/>
+              <a:t>and error </a:t>
+            </a:r>
+            <a:r>
+              <a:rPr lang="en-US" sz="3200" dirty="0" smtClean="0"/>
+              <a:t>method (LSTM)</a:t>
+            </a:r>
+          </a:p>
+          <a:p>
+            <a:pPr marL="457200" lvl="0" indent="-457200" defTabSz="4389120">
+              <a:spcBef>
+                <a:spcPts val="1200"/>
+              </a:spcBef>
+              <a:buClr>
+                <a:schemeClr val="bg1">
+                  <a:lumMod val="65000"/>
+                </a:schemeClr>
+              </a:buClr>
+            </a:pPr>
+            <a:endParaRPr kumimoji="0" lang="en-US" sz="3200" b="0" i="0" u="none" strike="noStrike" kern="1200" cap="none" spc="0" normalizeH="0" baseline="0" noProof="0" dirty="0" smtClean="0">
+              <a:ln>
+                <a:noFill/>
+              </a:ln>
+              <a:solidFill>
+                <a:schemeClr val="tx1"/>
+              </a:solidFill>
+              <a:effectLst/>
+              <a:uLnTx/>
+              <a:uFillTx/>
+              <a:latin typeface="+mn-lt"/>
+              <a:ea typeface="+mn-ea"/>
+              <a:cs typeface="+mn-cs"/>
+            </a:endParaRPr>
+          </a:p>
+          <a:p>
+            <a:pPr marL="457200" marR="0" lvl="0" indent="-457200" algn="l" defTabSz="4389120" rtl="0" eaLnBrk="1" fontAlgn="auto" latinLnBrk="0" hangingPunct="1">
+              <a:lnSpc>
+                <a:spcPct val="100000"/>
+              </a:lnSpc>
+              <a:spcBef>
+                <a:spcPts val="1200"/>
+              </a:spcBef>
+              <a:spcAft>
+                <a:spcPts val="0"/>
+              </a:spcAft>
+              <a:buClr>
+                <a:schemeClr val="bg1">
+                  <a:lumMod val="65000"/>
+                </a:schemeClr>
+              </a:buClr>
+              <a:buSzTx/>
+              <a:buFont typeface="Arial" panose="020B0604020202020204" pitchFamily="34" charset="0"/>
+              <a:buChar char="•"/>
+              <a:tabLst/>
+              <a:defRPr/>
+            </a:pPr>
+            <a:endParaRPr kumimoji="0" lang="en-US" sz="3200" b="0" i="0" u="none" strike="noStrike" kern="1200" cap="none" spc="0" normalizeH="0" baseline="0" noProof="0" dirty="0" smtClean="0">
+              <a:ln>
+                <a:noFill/>
+              </a:ln>
+              <a:solidFill>
+                <a:schemeClr val="tx1"/>
+              </a:solidFill>
+              <a:effectLst/>
+              <a:uLnTx/>
+              <a:uFillTx/>
+              <a:latin typeface="+mn-lt"/>
+              <a:ea typeface="+mn-ea"/>
+              <a:cs typeface="+mn-cs"/>
+            </a:endParaRPr>
+          </a:p>
+          <a:p>
+            <a:pPr marL="457200" marR="0" lvl="0" indent="-457200" algn="l" defTabSz="4389120" rtl="0" eaLnBrk="1" fontAlgn="auto" latinLnBrk="0" hangingPunct="1">
+              <a:lnSpc>
+                <a:spcPct val="100000"/>
+              </a:lnSpc>
+              <a:spcBef>
+                <a:spcPts val="1200"/>
+              </a:spcBef>
+              <a:spcAft>
+                <a:spcPts val="0"/>
+              </a:spcAft>
+              <a:buClr>
+                <a:schemeClr val="bg1">
+                  <a:lumMod val="65000"/>
+                </a:schemeClr>
+              </a:buClr>
+              <a:buSzTx/>
+              <a:buFont typeface="Arial" panose="020B0604020202020204" pitchFamily="34" charset="0"/>
+              <a:buChar char="•"/>
+              <a:tabLst/>
+              <a:defRPr/>
+            </a:pPr>
+            <a:endParaRPr kumimoji="0" lang="en-US" sz="3200" b="0" i="0" u="none" strike="noStrike" kern="1200" cap="none" spc="0" normalizeH="0" baseline="0" noProof="0" dirty="0" smtClean="0">
+              <a:ln>
+                <a:noFill/>
+              </a:ln>
+              <a:solidFill>
+                <a:schemeClr val="tx1"/>
+              </a:solidFill>
+              <a:effectLst/>
+              <a:uLnTx/>
+              <a:uFillTx/>
+              <a:latin typeface="+mn-lt"/>
+              <a:ea typeface="+mn-ea"/>
+              <a:cs typeface="+mn-cs"/>
+            </a:endParaRPr>
+          </a:p>
+          <a:p>
+            <a:pPr marL="457200" marR="0" lvl="0" indent="-457200" algn="l" defTabSz="4389120" rtl="0" eaLnBrk="1" fontAlgn="auto" latinLnBrk="0" hangingPunct="1">
+              <a:lnSpc>
+                <a:spcPct val="100000"/>
+              </a:lnSpc>
+              <a:spcBef>
+                <a:spcPts val="1200"/>
+              </a:spcBef>
+              <a:spcAft>
+                <a:spcPts val="0"/>
+              </a:spcAft>
+              <a:buClr>
+                <a:schemeClr val="bg1">
+                  <a:lumMod val="65000"/>
+                </a:schemeClr>
+              </a:buClr>
+              <a:buSzTx/>
+              <a:buFont typeface="Arial" panose="020B0604020202020204" pitchFamily="34" charset="0"/>
+              <a:buChar char="•"/>
+              <a:tabLst/>
+              <a:defRPr/>
+            </a:pPr>
+            <a:endParaRPr kumimoji="0" lang="en-US" sz="3200" b="0" i="0" u="none" strike="noStrike" kern="1200" cap="none" spc="0" normalizeH="0" baseline="0" noProof="0" dirty="0">
+              <a:ln>
+                <a:noFill/>
+              </a:ln>
+              <a:solidFill>
+                <a:schemeClr val="tx1"/>
+              </a:solidFill>
+              <a:effectLst/>
+              <a:uLnTx/>
+              <a:uFillTx/>
+              <a:latin typeface="+mn-lt"/>
+              <a:ea typeface="+mn-ea"/>
+              <a:cs typeface="+mn-cs"/>
+            </a:endParaRPr>
           </a:p>
         </p:txBody>
       </p:sp>
       <p:sp>
         <p:nvSpPr>
-          <p:cNvPr id="54" name="Content Placeholder 53"/>
-          <p:cNvSpPr>
-            <a:spLocks noGrp="1"/>
+          <p:cNvPr id="35" name="Content Placeholder 23"/>
+          <p:cNvSpPr txBox="1">
+            <a:spLocks/>
           </p:cNvSpPr>
-          <p:nvPr>
-            <p:ph sz="quarter" idx="33"/>
-          </p:nvPr>
+          <p:nvPr/>
         </p:nvSpPr>
-        <p:spPr/>
+        <p:spPr>
+          <a:xfrm>
+            <a:off x="29926880" y="20873546"/>
+            <a:ext cx="12759866" cy="1828799"/>
+          </a:xfrm>
+          <a:prstGeom prst="rect">
+            <a:avLst/>
+          </a:prstGeom>
+        </p:spPr>
         <p:txBody>
-          <a:bodyPr/>
+          <a:bodyPr vert="horz" lIns="91440" tIns="182880" rIns="91440" bIns="45720" rtlCol="0">
+            <a:normAutofit fontScale="92500" lnSpcReduction="10000"/>
+          </a:bodyPr>
           <a:lstStyle/>
           <a:p>
-            <a:endParaRPr lang="en-US"/>
+            <a:pPr marL="457200" lvl="0" indent="-457200" defTabSz="4389120">
+              <a:spcBef>
+                <a:spcPts val="1200"/>
+              </a:spcBef>
+              <a:buClr>
+                <a:schemeClr val="bg1">
+                  <a:lumMod val="65000"/>
+                </a:schemeClr>
+              </a:buClr>
+              <a:buFont typeface="Arial" panose="020B0604020202020204" pitchFamily="34" charset="0"/>
+              <a:buChar char="•"/>
+            </a:pPr>
+            <a:r>
+              <a:rPr lang="en-US" sz="3200" dirty="0" smtClean="0"/>
+              <a:t>ARIMA Root Mean Square Error (RMSE): 23.2218</a:t>
+            </a:r>
+            <a:endParaRPr lang="en-US" sz="3200" dirty="0" smtClean="0"/>
+          </a:p>
+          <a:p>
+            <a:pPr marL="457200" lvl="0" indent="-457200" defTabSz="4389120">
+              <a:spcBef>
+                <a:spcPts val="1200"/>
+              </a:spcBef>
+              <a:buClr>
+                <a:schemeClr val="bg1">
+                  <a:lumMod val="65000"/>
+                </a:schemeClr>
+              </a:buClr>
+            </a:pPr>
+            <a:endParaRPr kumimoji="0" lang="en-US" sz="3200" b="0" i="0" u="none" strike="noStrike" kern="1200" cap="none" spc="0" normalizeH="0" baseline="0" noProof="0" dirty="0" smtClean="0">
+              <a:ln>
+                <a:noFill/>
+              </a:ln>
+              <a:solidFill>
+                <a:schemeClr val="tx1"/>
+              </a:solidFill>
+              <a:effectLst/>
+              <a:uLnTx/>
+              <a:uFillTx/>
+              <a:latin typeface="+mn-lt"/>
+              <a:ea typeface="+mn-ea"/>
+              <a:cs typeface="+mn-cs"/>
+            </a:endParaRPr>
+          </a:p>
+          <a:p>
+            <a:pPr marL="457200" indent="-457200" defTabSz="4389120">
+              <a:spcBef>
+                <a:spcPts val="1200"/>
+              </a:spcBef>
+              <a:buClr>
+                <a:schemeClr val="bg1">
+                  <a:lumMod val="65000"/>
+                </a:schemeClr>
+              </a:buClr>
+              <a:buFont typeface="Arial" panose="020B0604020202020204" pitchFamily="34" charset="0"/>
+              <a:buChar char="•"/>
+            </a:pPr>
+            <a:r>
+              <a:rPr lang="en-US" sz="3200" dirty="0" smtClean="0"/>
+              <a:t>LSTM Root Mean Square Error (RMSE): 9.4728</a:t>
+            </a:r>
           </a:p>
         </p:txBody>
       </p:sp>
+      <p:pic>
+        <p:nvPicPr>
+          <p:cNvPr id="41" name="Picture 40" descr="prediction.PNG"/>
+          <p:cNvPicPr>
+            <a:picLocks noChangeAspect="1"/>
+          </p:cNvPicPr>
+          <p:nvPr/>
+        </p:nvPicPr>
+        <p:blipFill>
+          <a:blip r:embed="rId12" cstate="print"/>
+          <a:stretch>
+            <a:fillRect/>
+          </a:stretch>
+        </p:blipFill>
+        <p:spPr>
+          <a:xfrm>
+            <a:off x="29859890" y="23490622"/>
+            <a:ext cx="13022317" cy="7220606"/>
+          </a:xfrm>
+          <a:prstGeom prst="rect">
+            <a:avLst/>
+          </a:prstGeom>
+        </p:spPr>
+      </p:pic>
     </p:spTree>
   </p:cSld>
   <p:clrMapOvr>
@@ -18093,7 +9873,7 @@
   <a:extraClrSchemeLst/>
   <a:extLst>
     <a:ext uri="{05A4C25C-085E-4340-85A3-A5531E510DB2}">
-      <thm15:themeFamily xmlns:thm15="http://schemas.microsoft.com/office/thememl/2012/main" xmlns="" name="Presentation2" id="{A3AC1795-03CA-4218-8E9C-394F2C72EB71}" vid="{9E91E023-53D0-48CE-AFD1-CE3DA49243D0}"/>
+      <thm15:themeFamily xmlns="" xmlns:thm15="http://schemas.microsoft.com/office/thememl/2012/main" name="Presentation2" id="{A3AC1795-03CA-4218-8E9C-394F2C72EB71}" vid="{9E91E023-53D0-48CE-AFD1-CE3DA49243D0}"/>
     </a:ext>
   </a:extLst>
 </a:theme>
@@ -18354,7 +10134,7 @@
   <a:extraClrSchemeLst/>
   <a:extLst>
     <a:ext uri="{05A4C25C-085E-4340-85A3-A5531E510DB2}">
-      <thm15:themeFamily xmlns:thm15="http://schemas.microsoft.com/office/thememl/2012/main" xmlns="" name="Office Theme" id="{62F939B6-93AF-4DB8-9C6B-D6C7DFDC589F}" vid="{4A3C46E8-61CC-4603-A589-7422A47A8E4A}"/>
+      <thm15:themeFamily xmlns="" xmlns:thm15="http://schemas.microsoft.com/office/thememl/2012/main" name="Office Theme" id="{62F939B6-93AF-4DB8-9C6B-D6C7DFDC589F}" vid="{4A3C46E8-61CC-4603-A589-7422A47A8E4A}"/>
     </a:ext>
   </a:extLst>
 </a:theme>
@@ -18615,7 +10395,7 @@
   <a:extraClrSchemeLst/>
   <a:extLst>
     <a:ext uri="{05A4C25C-085E-4340-85A3-A5531E510DB2}">
-      <thm15:themeFamily xmlns:thm15="http://schemas.microsoft.com/office/thememl/2012/main" xmlns="" name="Office Theme" id="{62F939B6-93AF-4DB8-9C6B-D6C7DFDC589F}" vid="{4A3C46E8-61CC-4603-A589-7422A47A8E4A}"/>
+      <thm15:themeFamily xmlns="" xmlns:thm15="http://schemas.microsoft.com/office/thememl/2012/main" name="Office Theme" id="{62F939B6-93AF-4DB8-9C6B-D6C7DFDC589F}" vid="{4A3C46E8-61CC-4603-A589-7422A47A8E4A}"/>
     </a:ext>
   </a:extLst>
 </a:theme>
